--- a/HackMoL PPT Format.pptx
+++ b/HackMoL PPT Format.pptx
@@ -1,42 +1,46 @@
 
 <file path=ppt/presentation.xml><?xml version="1.0" encoding="utf-8"?>
-<p:presentation xmlns:a="http://schemas.openxmlformats.org/drawingml/2006/main" xmlns:r="http://schemas.openxmlformats.org/officeDocument/2006/relationships" xmlns:mc="http://schemas.openxmlformats.org/markup-compatibility/2006" xmlns:mv="urn:schemas-microsoft-com:mac:vml" xmlns:p="http://schemas.openxmlformats.org/presentationml/2006/main" xmlns:c="http://schemas.openxmlformats.org/drawingml/2006/chart" xmlns:dgm="http://schemas.openxmlformats.org/drawingml/2006/diagram" xmlns:o="urn:schemas-microsoft-com:office:office" xmlns:v="urn:schemas-microsoft-com:vml" xmlns:pvml="urn:schemas-microsoft-com:office:powerpoint" xmlns:com="http://schemas.openxmlformats.org/drawingml/2006/compatibility" xmlns:p14="http://schemas.microsoft.com/office/powerpoint/2010/main" xmlns:p15="http://schemas.microsoft.com/office/powerpoint/2012/main" xmlns:ahyp="http://schemas.microsoft.com/office/drawing/2018/hyperlinkcolor" autoCompressPictures="0" embedTrueTypeFonts="1" strictFirstAndLastChars="0" saveSubsetFonts="1">
+<p:presentation xmlns:a="http://schemas.openxmlformats.org/drawingml/2006/main" xmlns:r="http://schemas.openxmlformats.org/officeDocument/2006/relationships" xmlns:p="http://schemas.openxmlformats.org/presentationml/2006/main" strictFirstAndLastChars="0" embedTrueTypeFonts="1" saveSubsetFonts="1" autoCompressPictures="0">
   <p:sldMasterIdLst>
-    <p:sldMasterId id="2147483659" r:id="rId4"/>
+    <p:sldMasterId id="2147483659" r:id="rId1"/>
   </p:sldMasterIdLst>
   <p:notesMasterIdLst>
-    <p:notesMasterId r:id="rId5"/>
+    <p:notesMasterId r:id="rId9"/>
   </p:notesMasterIdLst>
   <p:sldIdLst>
-    <p:sldId id="256" r:id="rId6"/>
-    <p:sldId id="257" r:id="rId7"/>
+    <p:sldId id="256" r:id="rId2"/>
+    <p:sldId id="257" r:id="rId3"/>
+    <p:sldId id="259" r:id="rId4"/>
+    <p:sldId id="260" r:id="rId5"/>
+    <p:sldId id="261" r:id="rId6"/>
+    <p:sldId id="262" r:id="rId7"/>
     <p:sldId id="258" r:id="rId8"/>
   </p:sldIdLst>
-  <p:sldSz cy="5143500" cx="9144000"/>
+  <p:sldSz cx="9144000" cy="5143500" type="screen16x9"/>
   <p:notesSz cx="6858000" cy="9144000"/>
   <p:embeddedFontLst>
     <p:embeddedFont>
-      <p:font typeface="Red Hat Display SemiBold"/>
-      <p:regular r:id="rId9"/>
-      <p:bold r:id="rId10"/>
-      <p:italic r:id="rId11"/>
-      <p:boldItalic r:id="rId12"/>
+      <p:font typeface="Red Hat Display" panose="020B0604020202020204" charset="0"/>
+      <p:regular r:id="rId10"/>
+      <p:bold r:id="rId11"/>
+      <p:italic r:id="rId12"/>
+      <p:boldItalic r:id="rId13"/>
     </p:embeddedFont>
     <p:embeddedFont>
-      <p:font typeface="Red Hat Display"/>
-      <p:regular r:id="rId13"/>
+      <p:font typeface="Red Hat Display ExtraBold" panose="020B0604020202020204" charset="0"/>
       <p:bold r:id="rId14"/>
-      <p:italic r:id="rId15"/>
-      <p:boldItalic r:id="rId16"/>
+      <p:boldItalic r:id="rId15"/>
     </p:embeddedFont>
     <p:embeddedFont>
-      <p:font typeface="Red Hat Display ExtraBold"/>
+      <p:font typeface="Red Hat Display SemiBold" panose="020B0604020202020204" charset="0"/>
+      <p:regular r:id="rId16"/>
       <p:bold r:id="rId17"/>
-      <p:boldItalic r:id="rId18"/>
+      <p:italic r:id="rId18"/>
+      <p:boldItalic r:id="rId19"/>
     </p:embeddedFont>
   </p:embeddedFontLst>
   <p:defaultTextStyle>
-    <a:defPPr lvl="0" marR="0" rtl="0" algn="l">
+    <a:defPPr marR="0" lvl="0" algn="l" rtl="0">
       <a:lnSpc>
         <a:spcPct val="100000"/>
       </a:lnSpc>
@@ -47,7 +51,7 @@
         <a:spcPts val="0"/>
       </a:spcAft>
     </a:defPPr>
-    <a:lvl1pPr lvl="0" marR="0" rtl="0" algn="l">
+    <a:lvl1pPr marR="0" lvl="0" algn="l" rtl="0">
       <a:lnSpc>
         <a:spcPct val="100000"/>
       </a:lnSpc>
@@ -61,7 +65,7 @@
         <a:srgbClr val="000000"/>
       </a:buClr>
       <a:buFont typeface="Arial"/>
-      <a:defRPr b="0" i="0" sz="1400" u="none" cap="none" strike="noStrike">
+      <a:defRPr sz="1400" b="0" i="0" u="none" strike="noStrike" cap="none">
         <a:solidFill>
           <a:srgbClr val="000000"/>
         </a:solidFill>
@@ -71,7 +75,7 @@
         <a:sym typeface="Arial"/>
       </a:defRPr>
     </a:lvl1pPr>
-    <a:lvl2pPr lvl="1" marR="0" rtl="0" algn="l">
+    <a:lvl2pPr marR="0" lvl="1" algn="l" rtl="0">
       <a:lnSpc>
         <a:spcPct val="100000"/>
       </a:lnSpc>
@@ -85,7 +89,7 @@
         <a:srgbClr val="000000"/>
       </a:buClr>
       <a:buFont typeface="Arial"/>
-      <a:defRPr b="0" i="0" sz="1400" u="none" cap="none" strike="noStrike">
+      <a:defRPr sz="1400" b="0" i="0" u="none" strike="noStrike" cap="none">
         <a:solidFill>
           <a:srgbClr val="000000"/>
         </a:solidFill>
@@ -95,7 +99,7 @@
         <a:sym typeface="Arial"/>
       </a:defRPr>
     </a:lvl2pPr>
-    <a:lvl3pPr lvl="2" marR="0" rtl="0" algn="l">
+    <a:lvl3pPr marR="0" lvl="2" algn="l" rtl="0">
       <a:lnSpc>
         <a:spcPct val="100000"/>
       </a:lnSpc>
@@ -109,7 +113,7 @@
         <a:srgbClr val="000000"/>
       </a:buClr>
       <a:buFont typeface="Arial"/>
-      <a:defRPr b="0" i="0" sz="1400" u="none" cap="none" strike="noStrike">
+      <a:defRPr sz="1400" b="0" i="0" u="none" strike="noStrike" cap="none">
         <a:solidFill>
           <a:srgbClr val="000000"/>
         </a:solidFill>
@@ -119,7 +123,7 @@
         <a:sym typeface="Arial"/>
       </a:defRPr>
     </a:lvl3pPr>
-    <a:lvl4pPr lvl="3" marR="0" rtl="0" algn="l">
+    <a:lvl4pPr marR="0" lvl="3" algn="l" rtl="0">
       <a:lnSpc>
         <a:spcPct val="100000"/>
       </a:lnSpc>
@@ -133,7 +137,7 @@
         <a:srgbClr val="000000"/>
       </a:buClr>
       <a:buFont typeface="Arial"/>
-      <a:defRPr b="0" i="0" sz="1400" u="none" cap="none" strike="noStrike">
+      <a:defRPr sz="1400" b="0" i="0" u="none" strike="noStrike" cap="none">
         <a:solidFill>
           <a:srgbClr val="000000"/>
         </a:solidFill>
@@ -143,7 +147,7 @@
         <a:sym typeface="Arial"/>
       </a:defRPr>
     </a:lvl4pPr>
-    <a:lvl5pPr lvl="4" marR="0" rtl="0" algn="l">
+    <a:lvl5pPr marR="0" lvl="4" algn="l" rtl="0">
       <a:lnSpc>
         <a:spcPct val="100000"/>
       </a:lnSpc>
@@ -157,7 +161,7 @@
         <a:srgbClr val="000000"/>
       </a:buClr>
       <a:buFont typeface="Arial"/>
-      <a:defRPr b="0" i="0" sz="1400" u="none" cap="none" strike="noStrike">
+      <a:defRPr sz="1400" b="0" i="0" u="none" strike="noStrike" cap="none">
         <a:solidFill>
           <a:srgbClr val="000000"/>
         </a:solidFill>
@@ -167,7 +171,7 @@
         <a:sym typeface="Arial"/>
       </a:defRPr>
     </a:lvl5pPr>
-    <a:lvl6pPr lvl="5" marR="0" rtl="0" algn="l">
+    <a:lvl6pPr marR="0" lvl="5" algn="l" rtl="0">
       <a:lnSpc>
         <a:spcPct val="100000"/>
       </a:lnSpc>
@@ -181,7 +185,7 @@
         <a:srgbClr val="000000"/>
       </a:buClr>
       <a:buFont typeface="Arial"/>
-      <a:defRPr b="0" i="0" sz="1400" u="none" cap="none" strike="noStrike">
+      <a:defRPr sz="1400" b="0" i="0" u="none" strike="noStrike" cap="none">
         <a:solidFill>
           <a:srgbClr val="000000"/>
         </a:solidFill>
@@ -191,7 +195,7 @@
         <a:sym typeface="Arial"/>
       </a:defRPr>
     </a:lvl6pPr>
-    <a:lvl7pPr lvl="6" marR="0" rtl="0" algn="l">
+    <a:lvl7pPr marR="0" lvl="6" algn="l" rtl="0">
       <a:lnSpc>
         <a:spcPct val="100000"/>
       </a:lnSpc>
@@ -205,7 +209,7 @@
         <a:srgbClr val="000000"/>
       </a:buClr>
       <a:buFont typeface="Arial"/>
-      <a:defRPr b="0" i="0" sz="1400" u="none" cap="none" strike="noStrike">
+      <a:defRPr sz="1400" b="0" i="0" u="none" strike="noStrike" cap="none">
         <a:solidFill>
           <a:srgbClr val="000000"/>
         </a:solidFill>
@@ -215,7 +219,7 @@
         <a:sym typeface="Arial"/>
       </a:defRPr>
     </a:lvl7pPr>
-    <a:lvl8pPr lvl="7" marR="0" rtl="0" algn="l">
+    <a:lvl8pPr marR="0" lvl="7" algn="l" rtl="0">
       <a:lnSpc>
         <a:spcPct val="100000"/>
       </a:lnSpc>
@@ -229,7 +233,7 @@
         <a:srgbClr val="000000"/>
       </a:buClr>
       <a:buFont typeface="Arial"/>
-      <a:defRPr b="0" i="0" sz="1400" u="none" cap="none" strike="noStrike">
+      <a:defRPr sz="1400" b="0" i="0" u="none" strike="noStrike" cap="none">
         <a:solidFill>
           <a:srgbClr val="000000"/>
         </a:solidFill>
@@ -239,7 +243,7 @@
         <a:sym typeface="Arial"/>
       </a:defRPr>
     </a:lvl8pPr>
-    <a:lvl9pPr lvl="8" marR="0" rtl="0" algn="l">
+    <a:lvl9pPr marR="0" lvl="8" algn="l" rtl="0">
       <a:lnSpc>
         <a:spcPct val="100000"/>
       </a:lnSpc>
@@ -253,7 +257,7 @@
         <a:srgbClr val="000000"/>
       </a:buClr>
       <a:buFont typeface="Arial"/>
-      <a:defRPr b="0" i="0" sz="1400" u="none" cap="none" strike="noStrike">
+      <a:defRPr sz="1400" b="0" i="0" u="none" strike="noStrike" cap="none">
         <a:solidFill>
           <a:srgbClr val="000000"/>
         </a:solidFill>
@@ -266,7 +270,7 @@
   </p:defaultTextStyle>
   <p:extLst>
     <p:ext uri="{EFAFB233-063F-42B5-8137-9DF3F51BA10A}">
-      <p15:sldGuideLst>
+      <p15:sldGuideLst xmlns:p15="http://schemas.microsoft.com/office/powerpoint/2012/main">
         <p15:guide id="1" orient="horz" pos="1620">
           <p15:clr>
             <a:srgbClr val="A4A3A4"/>
@@ -284,11 +288,16 @@
 </file>
 
 <file path=ppt/notesMasters/notesMaster1.xml><?xml version="1.0" encoding="utf-8"?>
-<p:notesMaster xmlns:a="http://schemas.openxmlformats.org/drawingml/2006/main" xmlns:r="http://schemas.openxmlformats.org/officeDocument/2006/relationships" xmlns:mc="http://schemas.openxmlformats.org/markup-compatibility/2006" xmlns:mv="urn:schemas-microsoft-com:mac:vml" xmlns:p="http://schemas.openxmlformats.org/presentationml/2006/main" xmlns:c="http://schemas.openxmlformats.org/drawingml/2006/chart" xmlns:dgm="http://schemas.openxmlformats.org/drawingml/2006/diagram" xmlns:o="urn:schemas-microsoft-com:office:office" xmlns:v="urn:schemas-microsoft-com:vml" xmlns:pvml="urn:schemas-microsoft-com:office:powerpoint" xmlns:com="http://schemas.openxmlformats.org/drawingml/2006/compatibility" xmlns:p14="http://schemas.microsoft.com/office/powerpoint/2010/main" xmlns:p15="http://schemas.microsoft.com/office/powerpoint/2012/main" xmlns:ahyp="http://schemas.microsoft.com/office/drawing/2018/hyperlinkcolor">
+<p:notesMaster xmlns:a="http://schemas.openxmlformats.org/drawingml/2006/main" xmlns:r="http://schemas.openxmlformats.org/officeDocument/2006/relationships" xmlns:p="http://schemas.openxmlformats.org/presentationml/2006/main">
   <p:cSld>
+    <p:bg>
+      <p:bgRef idx="1001">
+        <a:schemeClr val="bg1"/>
+      </p:bgRef>
+    </p:bg>
     <p:spTree>
       <p:nvGrpSpPr>
-        <p:cNvPr id="2" name="Shape 2"/>
+        <p:cNvPr id="1" name="Shape 2"/>
         <p:cNvGrpSpPr/>
         <p:nvPr/>
       </p:nvGrpSpPr>
@@ -303,9 +312,11 @@
       <p:sp>
         <p:nvSpPr>
           <p:cNvPr id="3" name="Google Shape;3;n"/>
-          <p:cNvSpPr/>
+          <p:cNvSpPr>
+            <a:spLocks noGrp="1" noRot="1" noChangeAspect="1"/>
+          </p:cNvSpPr>
           <p:nvPr>
-            <p:ph idx="2" type="sldImg"/>
+            <p:ph type="sldImg" idx="2"/>
           </p:nvPr>
         </p:nvSpPr>
         <p:spPr>
@@ -314,9 +325,13 @@
             <a:ext cx="6096075" cy="3429000"/>
           </a:xfrm>
           <a:custGeom>
-            <a:rect b="b" l="l" r="r" t="t"/>
+            <a:avLst/>
+            <a:gdLst/>
+            <a:ahLst/>
+            <a:cxnLst/>
+            <a:rect l="l" t="t" r="r" b="b"/>
             <a:pathLst>
-              <a:path extrusionOk="0" h="120000" w="120000">
+              <a:path w="120000" h="120000" extrusionOk="0">
                 <a:moveTo>
                   <a:pt x="0" y="0"/>
                 </a:moveTo>
@@ -334,23 +349,25 @@
             </a:pathLst>
           </a:custGeom>
           <a:noFill/>
-          <a:ln cap="flat" cmpd="sng" w="9525">
+          <a:ln w="9525" cap="flat" cmpd="sng">
             <a:solidFill>
               <a:srgbClr val="000000"/>
             </a:solidFill>
             <a:prstDash val="solid"/>
             <a:round/>
-            <a:headEnd len="sm" w="sm" type="none"/>
-            <a:tailEnd len="sm" w="sm" type="none"/>
+            <a:headEnd type="none" w="sm" len="sm"/>
+            <a:tailEnd type="none" w="sm" len="sm"/>
           </a:ln>
         </p:spPr>
       </p:sp>
       <p:sp>
         <p:nvSpPr>
           <p:cNvPr id="4" name="Google Shape;4;n"/>
-          <p:cNvSpPr txBox="1"/>
+          <p:cNvSpPr txBox="1">
+            <a:spLocks noGrp="1"/>
+          </p:cNvSpPr>
           <p:nvPr>
-            <p:ph idx="1" type="body"/>
+            <p:ph type="body" idx="1"/>
           </p:nvPr>
         </p:nvSpPr>
         <p:spPr>
@@ -367,11 +384,11 @@
           </a:ln>
         </p:spPr>
         <p:txBody>
-          <a:bodyPr anchorCtr="0" anchor="t" bIns="91425" lIns="91425" spcFirstLastPara="1" rIns="91425" wrap="square" tIns="91425">
+          <a:bodyPr spcFirstLastPara="1" wrap="square" lIns="91425" tIns="91425" rIns="91425" bIns="91425" anchor="t" anchorCtr="0">
             <a:noAutofit/>
           </a:bodyPr>
           <a:lstStyle>
-            <a:lvl1pPr indent="-298450" lvl="0" marL="457200">
+            <a:lvl1pPr marL="457200" lvl="0" indent="-298450">
               <a:spcBef>
                 <a:spcPts val="0"/>
               </a:spcBef>
@@ -382,7 +399,7 @@
               <a:buChar char="●"/>
               <a:defRPr sz="1100"/>
             </a:lvl1pPr>
-            <a:lvl2pPr indent="-298450" lvl="1" marL="914400">
+            <a:lvl2pPr marL="914400" lvl="1" indent="-298450">
               <a:spcBef>
                 <a:spcPts val="0"/>
               </a:spcBef>
@@ -393,7 +410,7 @@
               <a:buChar char="○"/>
               <a:defRPr sz="1100"/>
             </a:lvl2pPr>
-            <a:lvl3pPr indent="-298450" lvl="2" marL="1371600">
+            <a:lvl3pPr marL="1371600" lvl="2" indent="-298450">
               <a:spcBef>
                 <a:spcPts val="0"/>
               </a:spcBef>
@@ -404,7 +421,7 @@
               <a:buChar char="■"/>
               <a:defRPr sz="1100"/>
             </a:lvl3pPr>
-            <a:lvl4pPr indent="-298450" lvl="3" marL="1828800">
+            <a:lvl4pPr marL="1828800" lvl="3" indent="-298450">
               <a:spcBef>
                 <a:spcPts val="0"/>
               </a:spcBef>
@@ -415,7 +432,7 @@
               <a:buChar char="●"/>
               <a:defRPr sz="1100"/>
             </a:lvl4pPr>
-            <a:lvl5pPr indent="-298450" lvl="4" marL="2286000">
+            <a:lvl5pPr marL="2286000" lvl="4" indent="-298450">
               <a:spcBef>
                 <a:spcPts val="0"/>
               </a:spcBef>
@@ -426,7 +443,7 @@
               <a:buChar char="○"/>
               <a:defRPr sz="1100"/>
             </a:lvl5pPr>
-            <a:lvl6pPr indent="-298450" lvl="5" marL="2743200">
+            <a:lvl6pPr marL="2743200" lvl="5" indent="-298450">
               <a:spcBef>
                 <a:spcPts val="0"/>
               </a:spcBef>
@@ -437,7 +454,7 @@
               <a:buChar char="■"/>
               <a:defRPr sz="1100"/>
             </a:lvl6pPr>
-            <a:lvl7pPr indent="-298450" lvl="6" marL="3200400">
+            <a:lvl7pPr marL="3200400" lvl="6" indent="-298450">
               <a:spcBef>
                 <a:spcPts val="0"/>
               </a:spcBef>
@@ -448,7 +465,7 @@
               <a:buChar char="●"/>
               <a:defRPr sz="1100"/>
             </a:lvl7pPr>
-            <a:lvl8pPr indent="-298450" lvl="7" marL="3657600">
+            <a:lvl8pPr marL="3657600" lvl="7" indent="-298450">
               <a:spcBef>
                 <a:spcPts val="0"/>
               </a:spcBef>
@@ -459,7 +476,7 @@
               <a:buChar char="○"/>
               <a:defRPr sz="1100"/>
             </a:lvl8pPr>
-            <a:lvl9pPr indent="-298450" lvl="8" marL="4114800">
+            <a:lvl9pPr marL="4114800" lvl="8" indent="-298450">
               <a:spcBef>
                 <a:spcPts val="0"/>
               </a:spcBef>
@@ -471,14 +488,16 @@
               <a:defRPr sz="1100"/>
             </a:lvl9pPr>
           </a:lstStyle>
-          <a:p/>
+          <a:p>
+            <a:endParaRPr/>
+          </a:p>
         </p:txBody>
       </p:sp>
     </p:spTree>
   </p:cSld>
-  <p:clrMap accent1="accent1" accent2="accent2" accent3="accent3" accent4="accent4" accent5="accent5" accent6="accent6" bg1="lt1" bg2="dk2" tx1="dk1" tx2="lt2" folHlink="folHlink" hlink="hlink"/>
+  <p:clrMap bg1="lt1" tx1="dk1" bg2="dk2" tx2="lt2" accent1="accent1" accent2="accent2" accent3="accent3" accent4="accent4" accent5="accent5" accent6="accent6" hlink="hlink" folHlink="folHlink"/>
   <p:notesStyle>
-    <a:defPPr lvl="0" marR="0" rtl="0" algn="l">
+    <a:defPPr marR="0" lvl="0" algn="l" rtl="0">
       <a:lnSpc>
         <a:spcPct val="100000"/>
       </a:lnSpc>
@@ -489,7 +508,7 @@
         <a:spcPts val="0"/>
       </a:spcAft>
     </a:defPPr>
-    <a:lvl1pPr lvl="0" marR="0" rtl="0" algn="l">
+    <a:lvl1pPr marR="0" lvl="0" algn="l" rtl="0">
       <a:lnSpc>
         <a:spcPct val="100000"/>
       </a:lnSpc>
@@ -503,7 +522,7 @@
         <a:srgbClr val="000000"/>
       </a:buClr>
       <a:buFont typeface="Arial"/>
-      <a:defRPr b="0" i="0" sz="1400" u="none" cap="none" strike="noStrike">
+      <a:defRPr sz="1400" b="0" i="0" u="none" strike="noStrike" cap="none">
         <a:solidFill>
           <a:srgbClr val="000000"/>
         </a:solidFill>
@@ -513,7 +532,7 @@
         <a:sym typeface="Arial"/>
       </a:defRPr>
     </a:lvl1pPr>
-    <a:lvl2pPr lvl="1" marR="0" rtl="0" algn="l">
+    <a:lvl2pPr marR="0" lvl="1" algn="l" rtl="0">
       <a:lnSpc>
         <a:spcPct val="100000"/>
       </a:lnSpc>
@@ -527,7 +546,7 @@
         <a:srgbClr val="000000"/>
       </a:buClr>
       <a:buFont typeface="Arial"/>
-      <a:defRPr b="0" i="0" sz="1400" u="none" cap="none" strike="noStrike">
+      <a:defRPr sz="1400" b="0" i="0" u="none" strike="noStrike" cap="none">
         <a:solidFill>
           <a:srgbClr val="000000"/>
         </a:solidFill>
@@ -537,7 +556,7 @@
         <a:sym typeface="Arial"/>
       </a:defRPr>
     </a:lvl2pPr>
-    <a:lvl3pPr lvl="2" marR="0" rtl="0" algn="l">
+    <a:lvl3pPr marR="0" lvl="2" algn="l" rtl="0">
       <a:lnSpc>
         <a:spcPct val="100000"/>
       </a:lnSpc>
@@ -551,7 +570,7 @@
         <a:srgbClr val="000000"/>
       </a:buClr>
       <a:buFont typeface="Arial"/>
-      <a:defRPr b="0" i="0" sz="1400" u="none" cap="none" strike="noStrike">
+      <a:defRPr sz="1400" b="0" i="0" u="none" strike="noStrike" cap="none">
         <a:solidFill>
           <a:srgbClr val="000000"/>
         </a:solidFill>
@@ -561,7 +580,7 @@
         <a:sym typeface="Arial"/>
       </a:defRPr>
     </a:lvl3pPr>
-    <a:lvl4pPr lvl="3" marR="0" rtl="0" algn="l">
+    <a:lvl4pPr marR="0" lvl="3" algn="l" rtl="0">
       <a:lnSpc>
         <a:spcPct val="100000"/>
       </a:lnSpc>
@@ -575,7 +594,7 @@
         <a:srgbClr val="000000"/>
       </a:buClr>
       <a:buFont typeface="Arial"/>
-      <a:defRPr b="0" i="0" sz="1400" u="none" cap="none" strike="noStrike">
+      <a:defRPr sz="1400" b="0" i="0" u="none" strike="noStrike" cap="none">
         <a:solidFill>
           <a:srgbClr val="000000"/>
         </a:solidFill>
@@ -585,7 +604,7 @@
         <a:sym typeface="Arial"/>
       </a:defRPr>
     </a:lvl4pPr>
-    <a:lvl5pPr lvl="4" marR="0" rtl="0" algn="l">
+    <a:lvl5pPr marR="0" lvl="4" algn="l" rtl="0">
       <a:lnSpc>
         <a:spcPct val="100000"/>
       </a:lnSpc>
@@ -599,7 +618,7 @@
         <a:srgbClr val="000000"/>
       </a:buClr>
       <a:buFont typeface="Arial"/>
-      <a:defRPr b="0" i="0" sz="1400" u="none" cap="none" strike="noStrike">
+      <a:defRPr sz="1400" b="0" i="0" u="none" strike="noStrike" cap="none">
         <a:solidFill>
           <a:srgbClr val="000000"/>
         </a:solidFill>
@@ -609,7 +628,7 @@
         <a:sym typeface="Arial"/>
       </a:defRPr>
     </a:lvl5pPr>
-    <a:lvl6pPr lvl="5" marR="0" rtl="0" algn="l">
+    <a:lvl6pPr marR="0" lvl="5" algn="l" rtl="0">
       <a:lnSpc>
         <a:spcPct val="100000"/>
       </a:lnSpc>
@@ -623,7 +642,7 @@
         <a:srgbClr val="000000"/>
       </a:buClr>
       <a:buFont typeface="Arial"/>
-      <a:defRPr b="0" i="0" sz="1400" u="none" cap="none" strike="noStrike">
+      <a:defRPr sz="1400" b="0" i="0" u="none" strike="noStrike" cap="none">
         <a:solidFill>
           <a:srgbClr val="000000"/>
         </a:solidFill>
@@ -633,7 +652,7 @@
         <a:sym typeface="Arial"/>
       </a:defRPr>
     </a:lvl6pPr>
-    <a:lvl7pPr lvl="6" marR="0" rtl="0" algn="l">
+    <a:lvl7pPr marR="0" lvl="6" algn="l" rtl="0">
       <a:lnSpc>
         <a:spcPct val="100000"/>
       </a:lnSpc>
@@ -647,7 +666,7 @@
         <a:srgbClr val="000000"/>
       </a:buClr>
       <a:buFont typeface="Arial"/>
-      <a:defRPr b="0" i="0" sz="1400" u="none" cap="none" strike="noStrike">
+      <a:defRPr sz="1400" b="0" i="0" u="none" strike="noStrike" cap="none">
         <a:solidFill>
           <a:srgbClr val="000000"/>
         </a:solidFill>
@@ -657,7 +676,7 @@
         <a:sym typeface="Arial"/>
       </a:defRPr>
     </a:lvl7pPr>
-    <a:lvl8pPr lvl="7" marR="0" rtl="0" algn="l">
+    <a:lvl8pPr marR="0" lvl="7" algn="l" rtl="0">
       <a:lnSpc>
         <a:spcPct val="100000"/>
       </a:lnSpc>
@@ -671,7 +690,7 @@
         <a:srgbClr val="000000"/>
       </a:buClr>
       <a:buFont typeface="Arial"/>
-      <a:defRPr b="0" i="0" sz="1400" u="none" cap="none" strike="noStrike">
+      <a:defRPr sz="1400" b="0" i="0" u="none" strike="noStrike" cap="none">
         <a:solidFill>
           <a:srgbClr val="000000"/>
         </a:solidFill>
@@ -681,7 +700,7 @@
         <a:sym typeface="Arial"/>
       </a:defRPr>
     </a:lvl8pPr>
-    <a:lvl9pPr lvl="8" marR="0" rtl="0" algn="l">
+    <a:lvl9pPr marR="0" lvl="8" algn="l" rtl="0">
       <a:lnSpc>
         <a:spcPct val="100000"/>
       </a:lnSpc>
@@ -695,7 +714,7 @@
         <a:srgbClr val="000000"/>
       </a:buClr>
       <a:buFont typeface="Arial"/>
-      <a:defRPr b="0" i="0" sz="1400" u="none" cap="none" strike="noStrike">
+      <a:defRPr sz="1400" b="0" i="0" u="none" strike="noStrike" cap="none">
         <a:solidFill>
           <a:srgbClr val="000000"/>
         </a:solidFill>
@@ -710,11 +729,11 @@
 </file>
 
 <file path=ppt/notesSlides/notesSlide1.xml><?xml version="1.0" encoding="utf-8"?>
-<p:notes xmlns:a="http://schemas.openxmlformats.org/drawingml/2006/main" xmlns:r="http://schemas.openxmlformats.org/officeDocument/2006/relationships" xmlns:mc="http://schemas.openxmlformats.org/markup-compatibility/2006" xmlns:mv="urn:schemas-microsoft-com:mac:vml" xmlns:p="http://schemas.openxmlformats.org/presentationml/2006/main" xmlns:c="http://schemas.openxmlformats.org/drawingml/2006/chart" xmlns:dgm="http://schemas.openxmlformats.org/drawingml/2006/diagram" xmlns:o="urn:schemas-microsoft-com:office:office" xmlns:v="urn:schemas-microsoft-com:vml" xmlns:pvml="urn:schemas-microsoft-com:office:powerpoint" xmlns:com="http://schemas.openxmlformats.org/drawingml/2006/compatibility" xmlns:p14="http://schemas.microsoft.com/office/powerpoint/2010/main" xmlns:p15="http://schemas.microsoft.com/office/powerpoint/2012/main" xmlns:ahyp="http://schemas.microsoft.com/office/drawing/2018/hyperlinkcolor" showMasterPhAnim="0" showMasterSp="0">
+<p:notes xmlns:a="http://schemas.openxmlformats.org/drawingml/2006/main" xmlns:r="http://schemas.openxmlformats.org/officeDocument/2006/relationships" xmlns:p="http://schemas.openxmlformats.org/presentationml/2006/main" showMasterSp="0" showMasterPhAnim="0">
   <p:cSld>
     <p:spTree>
       <p:nvGrpSpPr>
-        <p:cNvPr id="50" name="Shape 50"/>
+        <p:cNvPr id="1" name="Shape 50"/>
         <p:cNvGrpSpPr/>
         <p:nvPr/>
       </p:nvGrpSpPr>
@@ -729,20 +748,26 @@
       <p:sp>
         <p:nvSpPr>
           <p:cNvPr id="51" name="Google Shape;51;p:notes"/>
-          <p:cNvSpPr/>
+          <p:cNvSpPr>
+            <a:spLocks noGrp="1" noRot="1" noChangeAspect="1"/>
+          </p:cNvSpPr>
           <p:nvPr>
-            <p:ph idx="2" type="sldImg"/>
+            <p:ph type="sldImg" idx="2"/>
           </p:nvPr>
         </p:nvSpPr>
         <p:spPr>
           <a:xfrm>
-            <a:off x="381300" y="685800"/>
-            <a:ext cx="6096075" cy="3429000"/>
+            <a:off x="381000" y="685800"/>
+            <a:ext cx="6096000" cy="3429000"/>
           </a:xfrm>
           <a:custGeom>
-            <a:rect b="b" l="l" r="r" t="t"/>
+            <a:avLst/>
+            <a:gdLst/>
+            <a:ahLst/>
+            <a:cxnLst/>
+            <a:rect l="l" t="t" r="r" b="b"/>
             <a:pathLst>
-              <a:path extrusionOk="0" h="120000" w="120000">
+              <a:path w="120000" h="120000" extrusionOk="0">
                 <a:moveTo>
                   <a:pt x="0" y="0"/>
                 </a:moveTo>
@@ -764,9 +789,11 @@
       <p:sp>
         <p:nvSpPr>
           <p:cNvPr id="52" name="Google Shape;52;p:notes"/>
-          <p:cNvSpPr txBox="1"/>
+          <p:cNvSpPr txBox="1">
+            <a:spLocks noGrp="1"/>
+          </p:cNvSpPr>
           <p:nvPr>
-            <p:ph idx="1" type="body"/>
+            <p:ph type="body" idx="1"/>
           </p:nvPr>
         </p:nvSpPr>
         <p:spPr>
@@ -779,12 +806,12 @@
           </a:prstGeom>
         </p:spPr>
         <p:txBody>
-          <a:bodyPr anchorCtr="0" anchor="t" bIns="91425" lIns="91425" spcFirstLastPara="1" rIns="91425" wrap="square" tIns="91425">
+          <a:bodyPr spcFirstLastPara="1" wrap="square" lIns="91425" tIns="91425" rIns="91425" bIns="91425" anchor="t" anchorCtr="0">
             <a:noAutofit/>
           </a:bodyPr>
           <a:lstStyle/>
           <a:p>
-            <a:pPr indent="0" lvl="0" marL="0" rtl="0" algn="l">
+            <a:pPr marL="0" lvl="0" indent="0" algn="l" rtl="0">
               <a:spcBef>
                 <a:spcPts val="0"/>
               </a:spcBef>
@@ -793,9 +820,6 @@
               </a:spcAft>
               <a:buNone/>
             </a:pPr>
-            <a:r>
-              <a:t/>
-            </a:r>
             <a:endParaRPr/>
           </a:p>
         </p:txBody>
@@ -809,11 +833,11 @@
 </file>
 
 <file path=ppt/notesSlides/notesSlide2.xml><?xml version="1.0" encoding="utf-8"?>
-<p:notes xmlns:a="http://schemas.openxmlformats.org/drawingml/2006/main" xmlns:r="http://schemas.openxmlformats.org/officeDocument/2006/relationships" xmlns:mc="http://schemas.openxmlformats.org/markup-compatibility/2006" xmlns:mv="urn:schemas-microsoft-com:mac:vml" xmlns:p="http://schemas.openxmlformats.org/presentationml/2006/main" xmlns:c="http://schemas.openxmlformats.org/drawingml/2006/chart" xmlns:dgm="http://schemas.openxmlformats.org/drawingml/2006/diagram" xmlns:o="urn:schemas-microsoft-com:office:office" xmlns:v="urn:schemas-microsoft-com:vml" xmlns:pvml="urn:schemas-microsoft-com:office:powerpoint" xmlns:com="http://schemas.openxmlformats.org/drawingml/2006/compatibility" xmlns:p14="http://schemas.microsoft.com/office/powerpoint/2010/main" xmlns:p15="http://schemas.microsoft.com/office/powerpoint/2012/main" xmlns:ahyp="http://schemas.microsoft.com/office/drawing/2018/hyperlinkcolor" showMasterPhAnim="0" showMasterSp="0">
+<p:notes xmlns:a="http://schemas.openxmlformats.org/drawingml/2006/main" xmlns:r="http://schemas.openxmlformats.org/officeDocument/2006/relationships" xmlns:p="http://schemas.openxmlformats.org/presentationml/2006/main" showMasterSp="0" showMasterPhAnim="0">
   <p:cSld>
     <p:spTree>
       <p:nvGrpSpPr>
-        <p:cNvPr id="57" name="Shape 57"/>
+        <p:cNvPr id="1" name="Shape 57"/>
         <p:cNvGrpSpPr/>
         <p:nvPr/>
       </p:nvGrpSpPr>
@@ -828,20 +852,26 @@
       <p:sp>
         <p:nvSpPr>
           <p:cNvPr id="58" name="Google Shape;58;g1fae66648b0_0_5:notes"/>
-          <p:cNvSpPr/>
+          <p:cNvSpPr>
+            <a:spLocks noGrp="1" noRot="1" noChangeAspect="1"/>
+          </p:cNvSpPr>
           <p:nvPr>
-            <p:ph idx="2" type="sldImg"/>
+            <p:ph type="sldImg" idx="2"/>
           </p:nvPr>
         </p:nvSpPr>
         <p:spPr>
           <a:xfrm>
-            <a:off x="381300" y="685800"/>
+            <a:off x="381000" y="685800"/>
             <a:ext cx="6096000" cy="3429000"/>
           </a:xfrm>
           <a:custGeom>
-            <a:rect b="b" l="l" r="r" t="t"/>
+            <a:avLst/>
+            <a:gdLst/>
+            <a:ahLst/>
+            <a:cxnLst/>
+            <a:rect l="l" t="t" r="r" b="b"/>
             <a:pathLst>
-              <a:path extrusionOk="0" h="120000" w="120000">
+              <a:path w="120000" h="120000" extrusionOk="0">
                 <a:moveTo>
                   <a:pt x="0" y="0"/>
                 </a:moveTo>
@@ -863,9 +893,11 @@
       <p:sp>
         <p:nvSpPr>
           <p:cNvPr id="59" name="Google Shape;59;g1fae66648b0_0_5:notes"/>
-          <p:cNvSpPr txBox="1"/>
+          <p:cNvSpPr txBox="1">
+            <a:spLocks noGrp="1"/>
+          </p:cNvSpPr>
           <p:nvPr>
-            <p:ph idx="1" type="body"/>
+            <p:ph type="body" idx="1"/>
           </p:nvPr>
         </p:nvSpPr>
         <p:spPr>
@@ -878,12 +910,12 @@
           </a:prstGeom>
         </p:spPr>
         <p:txBody>
-          <a:bodyPr anchorCtr="0" anchor="t" bIns="91425" lIns="91425" spcFirstLastPara="1" rIns="91425" wrap="square" tIns="91425">
+          <a:bodyPr spcFirstLastPara="1" wrap="square" lIns="91425" tIns="91425" rIns="91425" bIns="91425" anchor="t" anchorCtr="0">
             <a:noAutofit/>
           </a:bodyPr>
           <a:lstStyle/>
           <a:p>
-            <a:pPr indent="0" lvl="0" marL="0" rtl="0" algn="l">
+            <a:pPr marL="0" lvl="0" indent="0" algn="l" rtl="0">
               <a:spcBef>
                 <a:spcPts val="0"/>
               </a:spcBef>
@@ -892,9 +924,6 @@
               </a:spcAft>
               <a:buNone/>
             </a:pPr>
-            <a:r>
-              <a:t/>
-            </a:r>
             <a:endParaRPr/>
           </a:p>
         </p:txBody>
@@ -908,11 +937,447 @@
 </file>
 
 <file path=ppt/notesSlides/notesSlide3.xml><?xml version="1.0" encoding="utf-8"?>
-<p:notes xmlns:a="http://schemas.openxmlformats.org/drawingml/2006/main" xmlns:r="http://schemas.openxmlformats.org/officeDocument/2006/relationships" xmlns:mc="http://schemas.openxmlformats.org/markup-compatibility/2006" xmlns:mv="urn:schemas-microsoft-com:mac:vml" xmlns:p="http://schemas.openxmlformats.org/presentationml/2006/main" xmlns:c="http://schemas.openxmlformats.org/drawingml/2006/chart" xmlns:dgm="http://schemas.openxmlformats.org/drawingml/2006/diagram" xmlns:o="urn:schemas-microsoft-com:office:office" xmlns:v="urn:schemas-microsoft-com:vml" xmlns:pvml="urn:schemas-microsoft-com:office:powerpoint" xmlns:com="http://schemas.openxmlformats.org/drawingml/2006/compatibility" xmlns:p14="http://schemas.microsoft.com/office/powerpoint/2010/main" xmlns:p15="http://schemas.microsoft.com/office/powerpoint/2012/main" xmlns:ahyp="http://schemas.microsoft.com/office/drawing/2018/hyperlinkcolor" showMasterPhAnim="0" showMasterSp="0">
+<p:notes xmlns:a="http://schemas.openxmlformats.org/drawingml/2006/main" xmlns:r="http://schemas.openxmlformats.org/officeDocument/2006/relationships" xmlns:p="http://schemas.openxmlformats.org/presentationml/2006/main" showMasterSp="0" showMasterPhAnim="0">
   <p:cSld>
     <p:spTree>
       <p:nvGrpSpPr>
-        <p:cNvPr id="63" name="Shape 63"/>
+        <p:cNvPr id="1" name="Shape 57"/>
+        <p:cNvGrpSpPr/>
+        <p:nvPr/>
+      </p:nvGrpSpPr>
+      <p:grpSpPr>
+        <a:xfrm>
+          <a:off x="0" y="0"/>
+          <a:ext cx="0" cy="0"/>
+          <a:chOff x="0" y="0"/>
+          <a:chExt cx="0" cy="0"/>
+        </a:xfrm>
+      </p:grpSpPr>
+      <p:sp>
+        <p:nvSpPr>
+          <p:cNvPr id="58" name="Google Shape;58;g1fae66648b0_0_5:notes"/>
+          <p:cNvSpPr>
+            <a:spLocks noGrp="1" noRot="1" noChangeAspect="1"/>
+          </p:cNvSpPr>
+          <p:nvPr>
+            <p:ph type="sldImg" idx="2"/>
+          </p:nvPr>
+        </p:nvSpPr>
+        <p:spPr>
+          <a:xfrm>
+            <a:off x="381000" y="685800"/>
+            <a:ext cx="6096000" cy="3429000"/>
+          </a:xfrm>
+          <a:custGeom>
+            <a:avLst/>
+            <a:gdLst/>
+            <a:ahLst/>
+            <a:cxnLst/>
+            <a:rect l="l" t="t" r="r" b="b"/>
+            <a:pathLst>
+              <a:path w="120000" h="120000" extrusionOk="0">
+                <a:moveTo>
+                  <a:pt x="0" y="0"/>
+                </a:moveTo>
+                <a:lnTo>
+                  <a:pt x="120000" y="0"/>
+                </a:lnTo>
+                <a:lnTo>
+                  <a:pt x="120000" y="120000"/>
+                </a:lnTo>
+                <a:lnTo>
+                  <a:pt x="0" y="120000"/>
+                </a:lnTo>
+                <a:close/>
+              </a:path>
+            </a:pathLst>
+          </a:custGeom>
+        </p:spPr>
+      </p:sp>
+      <p:sp>
+        <p:nvSpPr>
+          <p:cNvPr id="59" name="Google Shape;59;g1fae66648b0_0_5:notes"/>
+          <p:cNvSpPr txBox="1">
+            <a:spLocks noGrp="1"/>
+          </p:cNvSpPr>
+          <p:nvPr>
+            <p:ph type="body" idx="1"/>
+          </p:nvPr>
+        </p:nvSpPr>
+        <p:spPr>
+          <a:xfrm>
+            <a:off x="685800" y="4343400"/>
+            <a:ext cx="5486400" cy="4114800"/>
+          </a:xfrm>
+          <a:prstGeom prst="rect">
+            <a:avLst/>
+          </a:prstGeom>
+        </p:spPr>
+        <p:txBody>
+          <a:bodyPr spcFirstLastPara="1" wrap="square" lIns="91425" tIns="91425" rIns="91425" bIns="91425" anchor="t" anchorCtr="0">
+            <a:noAutofit/>
+          </a:bodyPr>
+          <a:lstStyle/>
+          <a:p>
+            <a:pPr marL="0" lvl="0" indent="0" algn="l" rtl="0">
+              <a:spcBef>
+                <a:spcPts val="0"/>
+              </a:spcBef>
+              <a:spcAft>
+                <a:spcPts val="0"/>
+              </a:spcAft>
+              <a:buNone/>
+            </a:pPr>
+            <a:endParaRPr/>
+          </a:p>
+        </p:txBody>
+      </p:sp>
+    </p:spTree>
+    <p:extLst>
+      <p:ext uri="{BB962C8B-B14F-4D97-AF65-F5344CB8AC3E}">
+        <p14:creationId xmlns:p14="http://schemas.microsoft.com/office/powerpoint/2010/main" val="1369235750"/>
+      </p:ext>
+    </p:extLst>
+  </p:cSld>
+  <p:clrMapOvr>
+    <a:masterClrMapping/>
+  </p:clrMapOvr>
+</p:notes>
+</file>
+
+<file path=ppt/notesSlides/notesSlide4.xml><?xml version="1.0" encoding="utf-8"?>
+<p:notes xmlns:a="http://schemas.openxmlformats.org/drawingml/2006/main" xmlns:r="http://schemas.openxmlformats.org/officeDocument/2006/relationships" xmlns:p="http://schemas.openxmlformats.org/presentationml/2006/main" showMasterSp="0" showMasterPhAnim="0">
+  <p:cSld>
+    <p:spTree>
+      <p:nvGrpSpPr>
+        <p:cNvPr id="1" name="Shape 57"/>
+        <p:cNvGrpSpPr/>
+        <p:nvPr/>
+      </p:nvGrpSpPr>
+      <p:grpSpPr>
+        <a:xfrm>
+          <a:off x="0" y="0"/>
+          <a:ext cx="0" cy="0"/>
+          <a:chOff x="0" y="0"/>
+          <a:chExt cx="0" cy="0"/>
+        </a:xfrm>
+      </p:grpSpPr>
+      <p:sp>
+        <p:nvSpPr>
+          <p:cNvPr id="58" name="Google Shape;58;g1fae66648b0_0_5:notes"/>
+          <p:cNvSpPr>
+            <a:spLocks noGrp="1" noRot="1" noChangeAspect="1"/>
+          </p:cNvSpPr>
+          <p:nvPr>
+            <p:ph type="sldImg" idx="2"/>
+          </p:nvPr>
+        </p:nvSpPr>
+        <p:spPr>
+          <a:xfrm>
+            <a:off x="381000" y="685800"/>
+            <a:ext cx="6096000" cy="3429000"/>
+          </a:xfrm>
+          <a:custGeom>
+            <a:avLst/>
+            <a:gdLst/>
+            <a:ahLst/>
+            <a:cxnLst/>
+            <a:rect l="l" t="t" r="r" b="b"/>
+            <a:pathLst>
+              <a:path w="120000" h="120000" extrusionOk="0">
+                <a:moveTo>
+                  <a:pt x="0" y="0"/>
+                </a:moveTo>
+                <a:lnTo>
+                  <a:pt x="120000" y="0"/>
+                </a:lnTo>
+                <a:lnTo>
+                  <a:pt x="120000" y="120000"/>
+                </a:lnTo>
+                <a:lnTo>
+                  <a:pt x="0" y="120000"/>
+                </a:lnTo>
+                <a:close/>
+              </a:path>
+            </a:pathLst>
+          </a:custGeom>
+        </p:spPr>
+      </p:sp>
+      <p:sp>
+        <p:nvSpPr>
+          <p:cNvPr id="59" name="Google Shape;59;g1fae66648b0_0_5:notes"/>
+          <p:cNvSpPr txBox="1">
+            <a:spLocks noGrp="1"/>
+          </p:cNvSpPr>
+          <p:nvPr>
+            <p:ph type="body" idx="1"/>
+          </p:nvPr>
+        </p:nvSpPr>
+        <p:spPr>
+          <a:xfrm>
+            <a:off x="685800" y="4343400"/>
+            <a:ext cx="5486400" cy="4114800"/>
+          </a:xfrm>
+          <a:prstGeom prst="rect">
+            <a:avLst/>
+          </a:prstGeom>
+        </p:spPr>
+        <p:txBody>
+          <a:bodyPr spcFirstLastPara="1" wrap="square" lIns="91425" tIns="91425" rIns="91425" bIns="91425" anchor="t" anchorCtr="0">
+            <a:noAutofit/>
+          </a:bodyPr>
+          <a:lstStyle/>
+          <a:p>
+            <a:pPr marL="0" lvl="0" indent="0" algn="l" rtl="0">
+              <a:spcBef>
+                <a:spcPts val="0"/>
+              </a:spcBef>
+              <a:spcAft>
+                <a:spcPts val="0"/>
+              </a:spcAft>
+              <a:buNone/>
+            </a:pPr>
+            <a:endParaRPr/>
+          </a:p>
+        </p:txBody>
+      </p:sp>
+    </p:spTree>
+    <p:extLst>
+      <p:ext uri="{BB962C8B-B14F-4D97-AF65-F5344CB8AC3E}">
+        <p14:creationId xmlns:p14="http://schemas.microsoft.com/office/powerpoint/2010/main" val="2044353946"/>
+      </p:ext>
+    </p:extLst>
+  </p:cSld>
+  <p:clrMapOvr>
+    <a:masterClrMapping/>
+  </p:clrMapOvr>
+</p:notes>
+</file>
+
+<file path=ppt/notesSlides/notesSlide5.xml><?xml version="1.0" encoding="utf-8"?>
+<p:notes xmlns:a="http://schemas.openxmlformats.org/drawingml/2006/main" xmlns:r="http://schemas.openxmlformats.org/officeDocument/2006/relationships" xmlns:p="http://schemas.openxmlformats.org/presentationml/2006/main" showMasterSp="0" showMasterPhAnim="0">
+  <p:cSld>
+    <p:spTree>
+      <p:nvGrpSpPr>
+        <p:cNvPr id="1" name="Shape 57"/>
+        <p:cNvGrpSpPr/>
+        <p:nvPr/>
+      </p:nvGrpSpPr>
+      <p:grpSpPr>
+        <a:xfrm>
+          <a:off x="0" y="0"/>
+          <a:ext cx="0" cy="0"/>
+          <a:chOff x="0" y="0"/>
+          <a:chExt cx="0" cy="0"/>
+        </a:xfrm>
+      </p:grpSpPr>
+      <p:sp>
+        <p:nvSpPr>
+          <p:cNvPr id="58" name="Google Shape;58;g1fae66648b0_0_5:notes"/>
+          <p:cNvSpPr>
+            <a:spLocks noGrp="1" noRot="1" noChangeAspect="1"/>
+          </p:cNvSpPr>
+          <p:nvPr>
+            <p:ph type="sldImg" idx="2"/>
+          </p:nvPr>
+        </p:nvSpPr>
+        <p:spPr>
+          <a:xfrm>
+            <a:off x="381000" y="685800"/>
+            <a:ext cx="6096000" cy="3429000"/>
+          </a:xfrm>
+          <a:custGeom>
+            <a:avLst/>
+            <a:gdLst/>
+            <a:ahLst/>
+            <a:cxnLst/>
+            <a:rect l="l" t="t" r="r" b="b"/>
+            <a:pathLst>
+              <a:path w="120000" h="120000" extrusionOk="0">
+                <a:moveTo>
+                  <a:pt x="0" y="0"/>
+                </a:moveTo>
+                <a:lnTo>
+                  <a:pt x="120000" y="0"/>
+                </a:lnTo>
+                <a:lnTo>
+                  <a:pt x="120000" y="120000"/>
+                </a:lnTo>
+                <a:lnTo>
+                  <a:pt x="0" y="120000"/>
+                </a:lnTo>
+                <a:close/>
+              </a:path>
+            </a:pathLst>
+          </a:custGeom>
+        </p:spPr>
+      </p:sp>
+      <p:sp>
+        <p:nvSpPr>
+          <p:cNvPr id="59" name="Google Shape;59;g1fae66648b0_0_5:notes"/>
+          <p:cNvSpPr txBox="1">
+            <a:spLocks noGrp="1"/>
+          </p:cNvSpPr>
+          <p:nvPr>
+            <p:ph type="body" idx="1"/>
+          </p:nvPr>
+        </p:nvSpPr>
+        <p:spPr>
+          <a:xfrm>
+            <a:off x="685800" y="4343400"/>
+            <a:ext cx="5486400" cy="4114800"/>
+          </a:xfrm>
+          <a:prstGeom prst="rect">
+            <a:avLst/>
+          </a:prstGeom>
+        </p:spPr>
+        <p:txBody>
+          <a:bodyPr spcFirstLastPara="1" wrap="square" lIns="91425" tIns="91425" rIns="91425" bIns="91425" anchor="t" anchorCtr="0">
+            <a:noAutofit/>
+          </a:bodyPr>
+          <a:lstStyle/>
+          <a:p>
+            <a:pPr marL="0" lvl="0" indent="0" algn="l" rtl="0">
+              <a:spcBef>
+                <a:spcPts val="0"/>
+              </a:spcBef>
+              <a:spcAft>
+                <a:spcPts val="0"/>
+              </a:spcAft>
+              <a:buNone/>
+            </a:pPr>
+            <a:endParaRPr/>
+          </a:p>
+        </p:txBody>
+      </p:sp>
+    </p:spTree>
+    <p:extLst>
+      <p:ext uri="{BB962C8B-B14F-4D97-AF65-F5344CB8AC3E}">
+        <p14:creationId xmlns:p14="http://schemas.microsoft.com/office/powerpoint/2010/main" val="602939696"/>
+      </p:ext>
+    </p:extLst>
+  </p:cSld>
+  <p:clrMapOvr>
+    <a:masterClrMapping/>
+  </p:clrMapOvr>
+</p:notes>
+</file>
+
+<file path=ppt/notesSlides/notesSlide6.xml><?xml version="1.0" encoding="utf-8"?>
+<p:notes xmlns:a="http://schemas.openxmlformats.org/drawingml/2006/main" xmlns:r="http://schemas.openxmlformats.org/officeDocument/2006/relationships" xmlns:p="http://schemas.openxmlformats.org/presentationml/2006/main" showMasterSp="0" showMasterPhAnim="0">
+  <p:cSld>
+    <p:spTree>
+      <p:nvGrpSpPr>
+        <p:cNvPr id="1" name="Shape 57"/>
+        <p:cNvGrpSpPr/>
+        <p:nvPr/>
+      </p:nvGrpSpPr>
+      <p:grpSpPr>
+        <a:xfrm>
+          <a:off x="0" y="0"/>
+          <a:ext cx="0" cy="0"/>
+          <a:chOff x="0" y="0"/>
+          <a:chExt cx="0" cy="0"/>
+        </a:xfrm>
+      </p:grpSpPr>
+      <p:sp>
+        <p:nvSpPr>
+          <p:cNvPr id="58" name="Google Shape;58;g1fae66648b0_0_5:notes"/>
+          <p:cNvSpPr>
+            <a:spLocks noGrp="1" noRot="1" noChangeAspect="1"/>
+          </p:cNvSpPr>
+          <p:nvPr>
+            <p:ph type="sldImg" idx="2"/>
+          </p:nvPr>
+        </p:nvSpPr>
+        <p:spPr>
+          <a:xfrm>
+            <a:off x="381000" y="685800"/>
+            <a:ext cx="6096000" cy="3429000"/>
+          </a:xfrm>
+          <a:custGeom>
+            <a:avLst/>
+            <a:gdLst/>
+            <a:ahLst/>
+            <a:cxnLst/>
+            <a:rect l="l" t="t" r="r" b="b"/>
+            <a:pathLst>
+              <a:path w="120000" h="120000" extrusionOk="0">
+                <a:moveTo>
+                  <a:pt x="0" y="0"/>
+                </a:moveTo>
+                <a:lnTo>
+                  <a:pt x="120000" y="0"/>
+                </a:lnTo>
+                <a:lnTo>
+                  <a:pt x="120000" y="120000"/>
+                </a:lnTo>
+                <a:lnTo>
+                  <a:pt x="0" y="120000"/>
+                </a:lnTo>
+                <a:close/>
+              </a:path>
+            </a:pathLst>
+          </a:custGeom>
+        </p:spPr>
+      </p:sp>
+      <p:sp>
+        <p:nvSpPr>
+          <p:cNvPr id="59" name="Google Shape;59;g1fae66648b0_0_5:notes"/>
+          <p:cNvSpPr txBox="1">
+            <a:spLocks noGrp="1"/>
+          </p:cNvSpPr>
+          <p:nvPr>
+            <p:ph type="body" idx="1"/>
+          </p:nvPr>
+        </p:nvSpPr>
+        <p:spPr>
+          <a:xfrm>
+            <a:off x="685800" y="4343400"/>
+            <a:ext cx="5486400" cy="4114800"/>
+          </a:xfrm>
+          <a:prstGeom prst="rect">
+            <a:avLst/>
+          </a:prstGeom>
+        </p:spPr>
+        <p:txBody>
+          <a:bodyPr spcFirstLastPara="1" wrap="square" lIns="91425" tIns="91425" rIns="91425" bIns="91425" anchor="t" anchorCtr="0">
+            <a:noAutofit/>
+          </a:bodyPr>
+          <a:lstStyle/>
+          <a:p>
+            <a:pPr marL="0" lvl="0" indent="0" algn="l" rtl="0">
+              <a:spcBef>
+                <a:spcPts val="0"/>
+              </a:spcBef>
+              <a:spcAft>
+                <a:spcPts val="0"/>
+              </a:spcAft>
+              <a:buNone/>
+            </a:pPr>
+            <a:endParaRPr/>
+          </a:p>
+        </p:txBody>
+      </p:sp>
+    </p:spTree>
+    <p:extLst>
+      <p:ext uri="{BB962C8B-B14F-4D97-AF65-F5344CB8AC3E}">
+        <p14:creationId xmlns:p14="http://schemas.microsoft.com/office/powerpoint/2010/main" val="3736534410"/>
+      </p:ext>
+    </p:extLst>
+  </p:cSld>
+  <p:clrMapOvr>
+    <a:masterClrMapping/>
+  </p:clrMapOvr>
+</p:notes>
+</file>
+
+<file path=ppt/notesSlides/notesSlide7.xml><?xml version="1.0" encoding="utf-8"?>
+<p:notes xmlns:a="http://schemas.openxmlformats.org/drawingml/2006/main" xmlns:r="http://schemas.openxmlformats.org/officeDocument/2006/relationships" xmlns:p="http://schemas.openxmlformats.org/presentationml/2006/main" showMasterSp="0" showMasterPhAnim="0">
+  <p:cSld>
+    <p:spTree>
+      <p:nvGrpSpPr>
+        <p:cNvPr id="1" name="Shape 63"/>
         <p:cNvGrpSpPr/>
         <p:nvPr/>
       </p:nvGrpSpPr>
@@ -927,20 +1392,26 @@
       <p:sp>
         <p:nvSpPr>
           <p:cNvPr id="64" name="Google Shape;64;g1fae66648b0_0_0:notes"/>
-          <p:cNvSpPr/>
+          <p:cNvSpPr>
+            <a:spLocks noGrp="1" noRot="1" noChangeAspect="1"/>
+          </p:cNvSpPr>
           <p:nvPr>
-            <p:ph idx="2" type="sldImg"/>
+            <p:ph type="sldImg" idx="2"/>
           </p:nvPr>
         </p:nvSpPr>
         <p:spPr>
           <a:xfrm>
-            <a:off x="381300" y="685800"/>
+            <a:off x="381000" y="685800"/>
             <a:ext cx="6096000" cy="3429000"/>
           </a:xfrm>
           <a:custGeom>
-            <a:rect b="b" l="l" r="r" t="t"/>
+            <a:avLst/>
+            <a:gdLst/>
+            <a:ahLst/>
+            <a:cxnLst/>
+            <a:rect l="l" t="t" r="r" b="b"/>
             <a:pathLst>
-              <a:path extrusionOk="0" h="120000" w="120000">
+              <a:path w="120000" h="120000" extrusionOk="0">
                 <a:moveTo>
                   <a:pt x="0" y="0"/>
                 </a:moveTo>
@@ -962,9 +1433,11 @@
       <p:sp>
         <p:nvSpPr>
           <p:cNvPr id="65" name="Google Shape;65;g1fae66648b0_0_0:notes"/>
-          <p:cNvSpPr txBox="1"/>
+          <p:cNvSpPr txBox="1">
+            <a:spLocks noGrp="1"/>
+          </p:cNvSpPr>
           <p:nvPr>
-            <p:ph idx="1" type="body"/>
+            <p:ph type="body" idx="1"/>
           </p:nvPr>
         </p:nvSpPr>
         <p:spPr>
@@ -977,12 +1450,12 @@
           </a:prstGeom>
         </p:spPr>
         <p:txBody>
-          <a:bodyPr anchorCtr="0" anchor="t" bIns="91425" lIns="91425" spcFirstLastPara="1" rIns="91425" wrap="square" tIns="91425">
+          <a:bodyPr spcFirstLastPara="1" wrap="square" lIns="91425" tIns="91425" rIns="91425" bIns="91425" anchor="t" anchorCtr="0">
             <a:noAutofit/>
           </a:bodyPr>
           <a:lstStyle/>
           <a:p>
-            <a:pPr indent="0" lvl="0" marL="0" rtl="0" algn="l">
+            <a:pPr marL="0" lvl="0" indent="0" algn="l" rtl="0">
               <a:spcBef>
                 <a:spcPts val="0"/>
               </a:spcBef>
@@ -991,9 +1464,6 @@
               </a:spcAft>
               <a:buNone/>
             </a:pPr>
-            <a:r>
-              <a:t/>
-            </a:r>
             <a:endParaRPr/>
           </a:p>
         </p:txBody>
@@ -1007,11 +1477,11 @@
 </file>
 
 <file path=ppt/slideLayouts/slideLayout1.xml><?xml version="1.0" encoding="utf-8"?>
-<p:sldLayout xmlns:a="http://schemas.openxmlformats.org/drawingml/2006/main" xmlns:r="http://schemas.openxmlformats.org/officeDocument/2006/relationships" xmlns:mc="http://schemas.openxmlformats.org/markup-compatibility/2006" xmlns:mv="urn:schemas-microsoft-com:mac:vml" xmlns:p="http://schemas.openxmlformats.org/presentationml/2006/main" xmlns:c="http://schemas.openxmlformats.org/drawingml/2006/chart" xmlns:dgm="http://schemas.openxmlformats.org/drawingml/2006/diagram" xmlns:o="urn:schemas-microsoft-com:office:office" xmlns:v="urn:schemas-microsoft-com:vml" xmlns:pvml="urn:schemas-microsoft-com:office:powerpoint" xmlns:com="http://schemas.openxmlformats.org/drawingml/2006/compatibility" xmlns:p14="http://schemas.microsoft.com/office/powerpoint/2010/main" xmlns:p15="http://schemas.microsoft.com/office/powerpoint/2012/main" xmlns:ahyp="http://schemas.microsoft.com/office/drawing/2018/hyperlinkcolor" matchingName="Title slide" type="title">
+<p:sldLayout xmlns:a="http://schemas.openxmlformats.org/drawingml/2006/main" xmlns:r="http://schemas.openxmlformats.org/officeDocument/2006/relationships" xmlns:p="http://schemas.openxmlformats.org/presentationml/2006/main" matchingName="Title slide" type="title">
   <p:cSld name="TITLE">
     <p:spTree>
       <p:nvGrpSpPr>
-        <p:cNvPr id="9" name="Shape 9"/>
+        <p:cNvPr id="1" name="Shape 9"/>
         <p:cNvGrpSpPr/>
         <p:nvPr/>
       </p:nvGrpSpPr>
@@ -1026,7 +1496,9 @@
       <p:sp>
         <p:nvSpPr>
           <p:cNvPr id="10" name="Google Shape;10;p2"/>
-          <p:cNvSpPr txBox="1"/>
+          <p:cNvSpPr txBox="1">
+            <a:spLocks noGrp="1"/>
+          </p:cNvSpPr>
           <p:nvPr>
             <p:ph type="ctrTitle"/>
           </p:nvPr>
@@ -1041,7 +1513,7 @@
           </a:prstGeom>
         </p:spPr>
         <p:txBody>
-          <a:bodyPr anchorCtr="0" anchor="b" bIns="91425" lIns="91425" spcFirstLastPara="1" rIns="91425" wrap="square" tIns="91425">
+          <a:bodyPr spcFirstLastPara="1" wrap="square" lIns="91425" tIns="91425" rIns="91425" bIns="91425" anchor="b" anchorCtr="0">
             <a:normAutofit/>
           </a:bodyPr>
           <a:lstStyle>
@@ -1145,15 +1617,19 @@
               <a:defRPr sz="5200"/>
             </a:lvl9pPr>
           </a:lstStyle>
-          <a:p/>
+          <a:p>
+            <a:endParaRPr/>
+          </a:p>
         </p:txBody>
       </p:sp>
       <p:sp>
         <p:nvSpPr>
           <p:cNvPr id="11" name="Google Shape;11;p2"/>
-          <p:cNvSpPr txBox="1"/>
+          <p:cNvSpPr txBox="1">
+            <a:spLocks noGrp="1"/>
+          </p:cNvSpPr>
           <p:nvPr>
-            <p:ph idx="1" type="subTitle"/>
+            <p:ph type="subTitle" idx="1"/>
           </p:nvPr>
         </p:nvSpPr>
         <p:spPr>
@@ -1166,7 +1642,7 @@
           </a:prstGeom>
         </p:spPr>
         <p:txBody>
-          <a:bodyPr anchorCtr="0" anchor="t" bIns="91425" lIns="91425" spcFirstLastPara="1" rIns="91425" wrap="square" tIns="91425">
+          <a:bodyPr spcFirstLastPara="1" wrap="square" lIns="91425" tIns="91425" rIns="91425" bIns="91425" anchor="t" anchorCtr="0">
             <a:normAutofit/>
           </a:bodyPr>
           <a:lstStyle>
@@ -1297,15 +1773,19 @@
               <a:defRPr sz="2800"/>
             </a:lvl9pPr>
           </a:lstStyle>
-          <a:p/>
+          <a:p>
+            <a:endParaRPr/>
+          </a:p>
         </p:txBody>
       </p:sp>
       <p:sp>
         <p:nvSpPr>
           <p:cNvPr id="12" name="Google Shape;12;p2"/>
-          <p:cNvSpPr txBox="1"/>
+          <p:cNvSpPr txBox="1">
+            <a:spLocks noGrp="1"/>
+          </p:cNvSpPr>
           <p:nvPr>
-            <p:ph idx="12" type="sldNum"/>
+            <p:ph type="sldNum" idx="12"/>
           </p:nvPr>
         </p:nvSpPr>
         <p:spPr>
@@ -1318,7 +1798,7 @@
           </a:prstGeom>
         </p:spPr>
         <p:txBody>
-          <a:bodyPr anchorCtr="0" anchor="ctr" bIns="91425" lIns="91425" spcFirstLastPara="1" rIns="91425" wrap="square" tIns="91425">
+          <a:bodyPr spcFirstLastPara="1" wrap="square" lIns="91425" tIns="91425" rIns="91425" bIns="91425" anchor="ctr" anchorCtr="0">
             <a:normAutofit/>
           </a:bodyPr>
           <a:lstStyle>
@@ -1360,7 +1840,7 @@
             </a:lvl9pPr>
           </a:lstStyle>
           <a:p>
-            <a:pPr indent="0" lvl="0" marL="0" rtl="0" algn="r">
+            <a:pPr marL="0" lvl="0" indent="0" algn="r" rtl="0">
               <a:spcBef>
                 <a:spcPts val="0"/>
               </a:spcBef>
@@ -1386,11 +1866,11 @@
 </file>
 
 <file path=ppt/slideLayouts/slideLayout10.xml><?xml version="1.0" encoding="utf-8"?>
-<p:sldLayout xmlns:a="http://schemas.openxmlformats.org/drawingml/2006/main" xmlns:r="http://schemas.openxmlformats.org/officeDocument/2006/relationships" xmlns:mc="http://schemas.openxmlformats.org/markup-compatibility/2006" xmlns:mv="urn:schemas-microsoft-com:mac:vml" xmlns:p="http://schemas.openxmlformats.org/presentationml/2006/main" xmlns:c="http://schemas.openxmlformats.org/drawingml/2006/chart" xmlns:dgm="http://schemas.openxmlformats.org/drawingml/2006/diagram" xmlns:o="urn:schemas-microsoft-com:office:office" xmlns:v="urn:schemas-microsoft-com:vml" xmlns:pvml="urn:schemas-microsoft-com:office:powerpoint" xmlns:com="http://schemas.openxmlformats.org/drawingml/2006/compatibility" xmlns:p14="http://schemas.microsoft.com/office/powerpoint/2010/main" xmlns:p15="http://schemas.microsoft.com/office/powerpoint/2012/main" xmlns:ahyp="http://schemas.microsoft.com/office/drawing/2018/hyperlinkcolor" matchingName="Big number">
+<p:sldLayout xmlns:a="http://schemas.openxmlformats.org/drawingml/2006/main" xmlns:r="http://schemas.openxmlformats.org/officeDocument/2006/relationships" xmlns:p="http://schemas.openxmlformats.org/presentationml/2006/main" matchingName="Big number">
   <p:cSld name="BIG_NUMBER">
     <p:spTree>
       <p:nvGrpSpPr>
-        <p:cNvPr id="44" name="Shape 44"/>
+        <p:cNvPr id="1" name="Shape 44"/>
         <p:cNvGrpSpPr/>
         <p:nvPr/>
       </p:nvGrpSpPr>
@@ -1405,9 +1885,11 @@
       <p:sp>
         <p:nvSpPr>
           <p:cNvPr id="45" name="Google Shape;45;p11"/>
-          <p:cNvSpPr txBox="1"/>
+          <p:cNvSpPr txBox="1">
+            <a:spLocks noGrp="1"/>
+          </p:cNvSpPr>
           <p:nvPr>
-            <p:ph hasCustomPrompt="1" type="title"/>
+            <p:ph type="title" hasCustomPrompt="1"/>
           </p:nvPr>
         </p:nvSpPr>
         <p:spPr>
@@ -1420,7 +1902,7 @@
           </a:prstGeom>
         </p:spPr>
         <p:txBody>
-          <a:bodyPr anchorCtr="0" anchor="b" bIns="91425" lIns="91425" spcFirstLastPara="1" rIns="91425" wrap="square" tIns="91425">
+          <a:bodyPr spcFirstLastPara="1" wrap="square" lIns="91425" tIns="91425" rIns="91425" bIns="91425" anchor="b" anchorCtr="0">
             <a:normAutofit/>
           </a:bodyPr>
           <a:lstStyle>
@@ -1534,9 +2016,11 @@
       <p:sp>
         <p:nvSpPr>
           <p:cNvPr id="46" name="Google Shape;46;p11"/>
-          <p:cNvSpPr txBox="1"/>
+          <p:cNvSpPr txBox="1">
+            <a:spLocks noGrp="1"/>
+          </p:cNvSpPr>
           <p:nvPr>
-            <p:ph idx="1" type="body"/>
+            <p:ph type="body" idx="1"/>
           </p:nvPr>
         </p:nvSpPr>
         <p:spPr>
@@ -1549,11 +2033,11 @@
           </a:prstGeom>
         </p:spPr>
         <p:txBody>
-          <a:bodyPr anchorCtr="0" anchor="t" bIns="91425" lIns="91425" spcFirstLastPara="1" rIns="91425" wrap="square" tIns="91425">
+          <a:bodyPr spcFirstLastPara="1" wrap="square" lIns="91425" tIns="91425" rIns="91425" bIns="91425" anchor="t" anchorCtr="0">
             <a:normAutofit/>
           </a:bodyPr>
           <a:lstStyle>
-            <a:lvl1pPr indent="-342900" lvl="0" marL="457200" algn="ctr">
+            <a:lvl1pPr marL="457200" lvl="0" indent="-342900" algn="ctr">
               <a:spcBef>
                 <a:spcPts val="0"/>
               </a:spcBef>
@@ -1564,7 +2048,7 @@
               <a:buChar char="●"/>
               <a:defRPr/>
             </a:lvl1pPr>
-            <a:lvl2pPr indent="-317500" lvl="1" marL="914400" algn="ctr">
+            <a:lvl2pPr marL="914400" lvl="1" indent="-317500" algn="ctr">
               <a:spcBef>
                 <a:spcPts val="0"/>
               </a:spcBef>
@@ -1575,7 +2059,7 @@
               <a:buChar char="○"/>
               <a:defRPr/>
             </a:lvl2pPr>
-            <a:lvl3pPr indent="-317500" lvl="2" marL="1371600" algn="ctr">
+            <a:lvl3pPr marL="1371600" lvl="2" indent="-317500" algn="ctr">
               <a:spcBef>
                 <a:spcPts val="0"/>
               </a:spcBef>
@@ -1586,7 +2070,7 @@
               <a:buChar char="■"/>
               <a:defRPr/>
             </a:lvl3pPr>
-            <a:lvl4pPr indent="-317500" lvl="3" marL="1828800" algn="ctr">
+            <a:lvl4pPr marL="1828800" lvl="3" indent="-317500" algn="ctr">
               <a:spcBef>
                 <a:spcPts val="0"/>
               </a:spcBef>
@@ -1597,7 +2081,7 @@
               <a:buChar char="●"/>
               <a:defRPr/>
             </a:lvl4pPr>
-            <a:lvl5pPr indent="-317500" lvl="4" marL="2286000" algn="ctr">
+            <a:lvl5pPr marL="2286000" lvl="4" indent="-317500" algn="ctr">
               <a:spcBef>
                 <a:spcPts val="0"/>
               </a:spcBef>
@@ -1608,7 +2092,7 @@
               <a:buChar char="○"/>
               <a:defRPr/>
             </a:lvl5pPr>
-            <a:lvl6pPr indent="-317500" lvl="5" marL="2743200" algn="ctr">
+            <a:lvl6pPr marL="2743200" lvl="5" indent="-317500" algn="ctr">
               <a:spcBef>
                 <a:spcPts val="0"/>
               </a:spcBef>
@@ -1619,7 +2103,7 @@
               <a:buChar char="■"/>
               <a:defRPr/>
             </a:lvl6pPr>
-            <a:lvl7pPr indent="-317500" lvl="6" marL="3200400" algn="ctr">
+            <a:lvl7pPr marL="3200400" lvl="6" indent="-317500" algn="ctr">
               <a:spcBef>
                 <a:spcPts val="0"/>
               </a:spcBef>
@@ -1630,7 +2114,7 @@
               <a:buChar char="●"/>
               <a:defRPr/>
             </a:lvl7pPr>
-            <a:lvl8pPr indent="-317500" lvl="7" marL="3657600" algn="ctr">
+            <a:lvl8pPr marL="3657600" lvl="7" indent="-317500" algn="ctr">
               <a:spcBef>
                 <a:spcPts val="0"/>
               </a:spcBef>
@@ -1641,7 +2125,7 @@
               <a:buChar char="○"/>
               <a:defRPr/>
             </a:lvl8pPr>
-            <a:lvl9pPr indent="-317500" lvl="8" marL="4114800" algn="ctr">
+            <a:lvl9pPr marL="4114800" lvl="8" indent="-317500" algn="ctr">
               <a:spcBef>
                 <a:spcPts val="0"/>
               </a:spcBef>
@@ -1653,15 +2137,19 @@
               <a:defRPr/>
             </a:lvl9pPr>
           </a:lstStyle>
-          <a:p/>
+          <a:p>
+            <a:endParaRPr/>
+          </a:p>
         </p:txBody>
       </p:sp>
       <p:sp>
         <p:nvSpPr>
           <p:cNvPr id="47" name="Google Shape;47;p11"/>
-          <p:cNvSpPr txBox="1"/>
+          <p:cNvSpPr txBox="1">
+            <a:spLocks noGrp="1"/>
+          </p:cNvSpPr>
           <p:nvPr>
-            <p:ph idx="12" type="sldNum"/>
+            <p:ph type="sldNum" idx="12"/>
           </p:nvPr>
         </p:nvSpPr>
         <p:spPr>
@@ -1674,7 +2162,7 @@
           </a:prstGeom>
         </p:spPr>
         <p:txBody>
-          <a:bodyPr anchorCtr="0" anchor="ctr" bIns="91425" lIns="91425" spcFirstLastPara="1" rIns="91425" wrap="square" tIns="91425">
+          <a:bodyPr spcFirstLastPara="1" wrap="square" lIns="91425" tIns="91425" rIns="91425" bIns="91425" anchor="ctr" anchorCtr="0">
             <a:normAutofit/>
           </a:bodyPr>
           <a:lstStyle>
@@ -1716,7 +2204,7 @@
             </a:lvl9pPr>
           </a:lstStyle>
           <a:p>
-            <a:pPr indent="0" lvl="0" marL="0" rtl="0" algn="r">
+            <a:pPr marL="0" lvl="0" indent="0" algn="r" rtl="0">
               <a:spcBef>
                 <a:spcPts val="0"/>
               </a:spcBef>
@@ -1742,11 +2230,11 @@
 </file>
 
 <file path=ppt/slideLayouts/slideLayout11.xml><?xml version="1.0" encoding="utf-8"?>
-<p:sldLayout xmlns:a="http://schemas.openxmlformats.org/drawingml/2006/main" xmlns:r="http://schemas.openxmlformats.org/officeDocument/2006/relationships" xmlns:mc="http://schemas.openxmlformats.org/markup-compatibility/2006" xmlns:mv="urn:schemas-microsoft-com:mac:vml" xmlns:p="http://schemas.openxmlformats.org/presentationml/2006/main" xmlns:c="http://schemas.openxmlformats.org/drawingml/2006/chart" xmlns:dgm="http://schemas.openxmlformats.org/drawingml/2006/diagram" xmlns:o="urn:schemas-microsoft-com:office:office" xmlns:v="urn:schemas-microsoft-com:vml" xmlns:pvml="urn:schemas-microsoft-com:office:powerpoint" xmlns:com="http://schemas.openxmlformats.org/drawingml/2006/compatibility" xmlns:p14="http://schemas.microsoft.com/office/powerpoint/2010/main" xmlns:p15="http://schemas.microsoft.com/office/powerpoint/2012/main" xmlns:ahyp="http://schemas.microsoft.com/office/drawing/2018/hyperlinkcolor" matchingName="Blank" type="blank">
+<p:sldLayout xmlns:a="http://schemas.openxmlformats.org/drawingml/2006/main" xmlns:r="http://schemas.openxmlformats.org/officeDocument/2006/relationships" xmlns:p="http://schemas.openxmlformats.org/presentationml/2006/main" matchingName="Blank" type="blank">
   <p:cSld name="BLANK">
     <p:spTree>
       <p:nvGrpSpPr>
-        <p:cNvPr id="48" name="Shape 48"/>
+        <p:cNvPr id="1" name="Shape 48"/>
         <p:cNvGrpSpPr/>
         <p:nvPr/>
       </p:nvGrpSpPr>
@@ -1761,9 +2249,11 @@
       <p:sp>
         <p:nvSpPr>
           <p:cNvPr id="49" name="Google Shape;49;p12"/>
-          <p:cNvSpPr txBox="1"/>
+          <p:cNvSpPr txBox="1">
+            <a:spLocks noGrp="1"/>
+          </p:cNvSpPr>
           <p:nvPr>
-            <p:ph idx="12" type="sldNum"/>
+            <p:ph type="sldNum" idx="12"/>
           </p:nvPr>
         </p:nvSpPr>
         <p:spPr>
@@ -1776,7 +2266,7 @@
           </a:prstGeom>
         </p:spPr>
         <p:txBody>
-          <a:bodyPr anchorCtr="0" anchor="ctr" bIns="91425" lIns="91425" spcFirstLastPara="1" rIns="91425" wrap="square" tIns="91425">
+          <a:bodyPr spcFirstLastPara="1" wrap="square" lIns="91425" tIns="91425" rIns="91425" bIns="91425" anchor="ctr" anchorCtr="0">
             <a:normAutofit/>
           </a:bodyPr>
           <a:lstStyle>
@@ -1818,7 +2308,7 @@
             </a:lvl9pPr>
           </a:lstStyle>
           <a:p>
-            <a:pPr indent="0" lvl="0" marL="0" rtl="0" algn="r">
+            <a:pPr marL="0" lvl="0" indent="0" algn="r" rtl="0">
               <a:spcBef>
                 <a:spcPts val="0"/>
               </a:spcBef>
@@ -1844,11 +2334,11 @@
 </file>
 
 <file path=ppt/slideLayouts/slideLayout2.xml><?xml version="1.0" encoding="utf-8"?>
-<p:sldLayout xmlns:a="http://schemas.openxmlformats.org/drawingml/2006/main" xmlns:r="http://schemas.openxmlformats.org/officeDocument/2006/relationships" xmlns:mc="http://schemas.openxmlformats.org/markup-compatibility/2006" xmlns:mv="urn:schemas-microsoft-com:mac:vml" xmlns:p="http://schemas.openxmlformats.org/presentationml/2006/main" xmlns:c="http://schemas.openxmlformats.org/drawingml/2006/chart" xmlns:dgm="http://schemas.openxmlformats.org/drawingml/2006/diagram" xmlns:o="urn:schemas-microsoft-com:office:office" xmlns:v="urn:schemas-microsoft-com:vml" xmlns:pvml="urn:schemas-microsoft-com:office:powerpoint" xmlns:com="http://schemas.openxmlformats.org/drawingml/2006/compatibility" xmlns:p14="http://schemas.microsoft.com/office/powerpoint/2010/main" xmlns:p15="http://schemas.microsoft.com/office/powerpoint/2012/main" xmlns:ahyp="http://schemas.microsoft.com/office/drawing/2018/hyperlinkcolor" matchingName="Section header" type="secHead">
+<p:sldLayout xmlns:a="http://schemas.openxmlformats.org/drawingml/2006/main" xmlns:r="http://schemas.openxmlformats.org/officeDocument/2006/relationships" xmlns:p="http://schemas.openxmlformats.org/presentationml/2006/main" matchingName="Section header" type="secHead">
   <p:cSld name="SECTION_HEADER">
     <p:spTree>
       <p:nvGrpSpPr>
-        <p:cNvPr id="13" name="Shape 13"/>
+        <p:cNvPr id="1" name="Shape 13"/>
         <p:cNvGrpSpPr/>
         <p:nvPr/>
       </p:nvGrpSpPr>
@@ -1863,7 +2353,9 @@
       <p:sp>
         <p:nvSpPr>
           <p:cNvPr id="14" name="Google Shape;14;p3"/>
-          <p:cNvSpPr txBox="1"/>
+          <p:cNvSpPr txBox="1">
+            <a:spLocks noGrp="1"/>
+          </p:cNvSpPr>
           <p:nvPr>
             <p:ph type="title"/>
           </p:nvPr>
@@ -1878,7 +2370,7 @@
           </a:prstGeom>
         </p:spPr>
         <p:txBody>
-          <a:bodyPr anchorCtr="0" anchor="ctr" bIns="91425" lIns="91425" spcFirstLastPara="1" rIns="91425" wrap="square" tIns="91425">
+          <a:bodyPr spcFirstLastPara="1" wrap="square" lIns="91425" tIns="91425" rIns="91425" bIns="91425" anchor="ctr" anchorCtr="0">
             <a:normAutofit/>
           </a:bodyPr>
           <a:lstStyle>
@@ -1982,15 +2474,19 @@
               <a:defRPr sz="3600"/>
             </a:lvl9pPr>
           </a:lstStyle>
-          <a:p/>
+          <a:p>
+            <a:endParaRPr/>
+          </a:p>
         </p:txBody>
       </p:sp>
       <p:sp>
         <p:nvSpPr>
           <p:cNvPr id="15" name="Google Shape;15;p3"/>
-          <p:cNvSpPr txBox="1"/>
+          <p:cNvSpPr txBox="1">
+            <a:spLocks noGrp="1"/>
+          </p:cNvSpPr>
           <p:nvPr>
-            <p:ph idx="12" type="sldNum"/>
+            <p:ph type="sldNum" idx="12"/>
           </p:nvPr>
         </p:nvSpPr>
         <p:spPr>
@@ -2003,7 +2499,7 @@
           </a:prstGeom>
         </p:spPr>
         <p:txBody>
-          <a:bodyPr anchorCtr="0" anchor="ctr" bIns="91425" lIns="91425" spcFirstLastPara="1" rIns="91425" wrap="square" tIns="91425">
+          <a:bodyPr spcFirstLastPara="1" wrap="square" lIns="91425" tIns="91425" rIns="91425" bIns="91425" anchor="ctr" anchorCtr="0">
             <a:normAutofit/>
           </a:bodyPr>
           <a:lstStyle>
@@ -2045,7 +2541,7 @@
             </a:lvl9pPr>
           </a:lstStyle>
           <a:p>
-            <a:pPr indent="0" lvl="0" marL="0" rtl="0" algn="r">
+            <a:pPr marL="0" lvl="0" indent="0" algn="r" rtl="0">
               <a:spcBef>
                 <a:spcPts val="0"/>
               </a:spcBef>
@@ -2071,11 +2567,11 @@
 </file>
 
 <file path=ppt/slideLayouts/slideLayout3.xml><?xml version="1.0" encoding="utf-8"?>
-<p:sldLayout xmlns:a="http://schemas.openxmlformats.org/drawingml/2006/main" xmlns:r="http://schemas.openxmlformats.org/officeDocument/2006/relationships" xmlns:mc="http://schemas.openxmlformats.org/markup-compatibility/2006" xmlns:mv="urn:schemas-microsoft-com:mac:vml" xmlns:p="http://schemas.openxmlformats.org/presentationml/2006/main" xmlns:c="http://schemas.openxmlformats.org/drawingml/2006/chart" xmlns:dgm="http://schemas.openxmlformats.org/drawingml/2006/diagram" xmlns:o="urn:schemas-microsoft-com:office:office" xmlns:v="urn:schemas-microsoft-com:vml" xmlns:pvml="urn:schemas-microsoft-com:office:powerpoint" xmlns:com="http://schemas.openxmlformats.org/drawingml/2006/compatibility" xmlns:p14="http://schemas.microsoft.com/office/powerpoint/2010/main" xmlns:p15="http://schemas.microsoft.com/office/powerpoint/2012/main" xmlns:ahyp="http://schemas.microsoft.com/office/drawing/2018/hyperlinkcolor" matchingName="Title and body" type="tx">
+<p:sldLayout xmlns:a="http://schemas.openxmlformats.org/drawingml/2006/main" xmlns:r="http://schemas.openxmlformats.org/officeDocument/2006/relationships" xmlns:p="http://schemas.openxmlformats.org/presentationml/2006/main" matchingName="Title and body" type="tx">
   <p:cSld name="TITLE_AND_BODY">
     <p:spTree>
       <p:nvGrpSpPr>
-        <p:cNvPr id="16" name="Shape 16"/>
+        <p:cNvPr id="1" name="Shape 16"/>
         <p:cNvGrpSpPr/>
         <p:nvPr/>
       </p:nvGrpSpPr>
@@ -2090,7 +2586,9 @@
       <p:sp>
         <p:nvSpPr>
           <p:cNvPr id="17" name="Google Shape;17;p4"/>
-          <p:cNvSpPr txBox="1"/>
+          <p:cNvSpPr txBox="1">
+            <a:spLocks noGrp="1"/>
+          </p:cNvSpPr>
           <p:nvPr>
             <p:ph type="title"/>
           </p:nvPr>
@@ -2105,7 +2603,7 @@
           </a:prstGeom>
         </p:spPr>
         <p:txBody>
-          <a:bodyPr anchorCtr="0" anchor="t" bIns="91425" lIns="91425" spcFirstLastPara="1" rIns="91425" wrap="square" tIns="91425">
+          <a:bodyPr spcFirstLastPara="1" wrap="square" lIns="91425" tIns="91425" rIns="91425" bIns="91425" anchor="t" anchorCtr="0">
             <a:normAutofit/>
           </a:bodyPr>
           <a:lstStyle>
@@ -2209,15 +2707,19 @@
               <a:defRPr/>
             </a:lvl9pPr>
           </a:lstStyle>
-          <a:p/>
+          <a:p>
+            <a:endParaRPr/>
+          </a:p>
         </p:txBody>
       </p:sp>
       <p:sp>
         <p:nvSpPr>
           <p:cNvPr id="18" name="Google Shape;18;p4"/>
-          <p:cNvSpPr txBox="1"/>
+          <p:cNvSpPr txBox="1">
+            <a:spLocks noGrp="1"/>
+          </p:cNvSpPr>
           <p:nvPr>
-            <p:ph idx="1" type="body"/>
+            <p:ph type="body" idx="1"/>
           </p:nvPr>
         </p:nvSpPr>
         <p:spPr>
@@ -2230,11 +2732,11 @@
           </a:prstGeom>
         </p:spPr>
         <p:txBody>
-          <a:bodyPr anchorCtr="0" anchor="t" bIns="91425" lIns="91425" spcFirstLastPara="1" rIns="91425" wrap="square" tIns="91425">
+          <a:bodyPr spcFirstLastPara="1" wrap="square" lIns="91425" tIns="91425" rIns="91425" bIns="91425" anchor="t" anchorCtr="0">
             <a:normAutofit/>
           </a:bodyPr>
           <a:lstStyle>
-            <a:lvl1pPr indent="-342900" lvl="0" marL="457200">
+            <a:lvl1pPr marL="457200" lvl="0" indent="-342900">
               <a:spcBef>
                 <a:spcPts val="0"/>
               </a:spcBef>
@@ -2245,7 +2747,7 @@
               <a:buChar char="●"/>
               <a:defRPr/>
             </a:lvl1pPr>
-            <a:lvl2pPr indent="-317500" lvl="1" marL="914400">
+            <a:lvl2pPr marL="914400" lvl="1" indent="-317500">
               <a:spcBef>
                 <a:spcPts val="0"/>
               </a:spcBef>
@@ -2256,7 +2758,7 @@
               <a:buChar char="○"/>
               <a:defRPr/>
             </a:lvl2pPr>
-            <a:lvl3pPr indent="-317500" lvl="2" marL="1371600">
+            <a:lvl3pPr marL="1371600" lvl="2" indent="-317500">
               <a:spcBef>
                 <a:spcPts val="0"/>
               </a:spcBef>
@@ -2267,7 +2769,7 @@
               <a:buChar char="■"/>
               <a:defRPr/>
             </a:lvl3pPr>
-            <a:lvl4pPr indent="-317500" lvl="3" marL="1828800">
+            <a:lvl4pPr marL="1828800" lvl="3" indent="-317500">
               <a:spcBef>
                 <a:spcPts val="0"/>
               </a:spcBef>
@@ -2278,7 +2780,7 @@
               <a:buChar char="●"/>
               <a:defRPr/>
             </a:lvl4pPr>
-            <a:lvl5pPr indent="-317500" lvl="4" marL="2286000">
+            <a:lvl5pPr marL="2286000" lvl="4" indent="-317500">
               <a:spcBef>
                 <a:spcPts val="0"/>
               </a:spcBef>
@@ -2289,7 +2791,7 @@
               <a:buChar char="○"/>
               <a:defRPr/>
             </a:lvl5pPr>
-            <a:lvl6pPr indent="-317500" lvl="5" marL="2743200">
+            <a:lvl6pPr marL="2743200" lvl="5" indent="-317500">
               <a:spcBef>
                 <a:spcPts val="0"/>
               </a:spcBef>
@@ -2300,7 +2802,7 @@
               <a:buChar char="■"/>
               <a:defRPr/>
             </a:lvl6pPr>
-            <a:lvl7pPr indent="-317500" lvl="6" marL="3200400">
+            <a:lvl7pPr marL="3200400" lvl="6" indent="-317500">
               <a:spcBef>
                 <a:spcPts val="0"/>
               </a:spcBef>
@@ -2311,7 +2813,7 @@
               <a:buChar char="●"/>
               <a:defRPr/>
             </a:lvl7pPr>
-            <a:lvl8pPr indent="-317500" lvl="7" marL="3657600">
+            <a:lvl8pPr marL="3657600" lvl="7" indent="-317500">
               <a:spcBef>
                 <a:spcPts val="0"/>
               </a:spcBef>
@@ -2322,7 +2824,7 @@
               <a:buChar char="○"/>
               <a:defRPr/>
             </a:lvl8pPr>
-            <a:lvl9pPr indent="-317500" lvl="8" marL="4114800">
+            <a:lvl9pPr marL="4114800" lvl="8" indent="-317500">
               <a:spcBef>
                 <a:spcPts val="0"/>
               </a:spcBef>
@@ -2334,15 +2836,19 @@
               <a:defRPr/>
             </a:lvl9pPr>
           </a:lstStyle>
-          <a:p/>
+          <a:p>
+            <a:endParaRPr/>
+          </a:p>
         </p:txBody>
       </p:sp>
       <p:sp>
         <p:nvSpPr>
           <p:cNvPr id="19" name="Google Shape;19;p4"/>
-          <p:cNvSpPr txBox="1"/>
+          <p:cNvSpPr txBox="1">
+            <a:spLocks noGrp="1"/>
+          </p:cNvSpPr>
           <p:nvPr>
-            <p:ph idx="12" type="sldNum"/>
+            <p:ph type="sldNum" idx="12"/>
           </p:nvPr>
         </p:nvSpPr>
         <p:spPr>
@@ -2355,7 +2861,7 @@
           </a:prstGeom>
         </p:spPr>
         <p:txBody>
-          <a:bodyPr anchorCtr="0" anchor="ctr" bIns="91425" lIns="91425" spcFirstLastPara="1" rIns="91425" wrap="square" tIns="91425">
+          <a:bodyPr spcFirstLastPara="1" wrap="square" lIns="91425" tIns="91425" rIns="91425" bIns="91425" anchor="ctr" anchorCtr="0">
             <a:normAutofit/>
           </a:bodyPr>
           <a:lstStyle>
@@ -2397,7 +2903,7 @@
             </a:lvl9pPr>
           </a:lstStyle>
           <a:p>
-            <a:pPr indent="0" lvl="0" marL="0" rtl="0" algn="r">
+            <a:pPr marL="0" lvl="0" indent="0" algn="r" rtl="0">
               <a:spcBef>
                 <a:spcPts val="0"/>
               </a:spcBef>
@@ -2423,11 +2929,11 @@
 </file>
 
 <file path=ppt/slideLayouts/slideLayout4.xml><?xml version="1.0" encoding="utf-8"?>
-<p:sldLayout xmlns:a="http://schemas.openxmlformats.org/drawingml/2006/main" xmlns:r="http://schemas.openxmlformats.org/officeDocument/2006/relationships" xmlns:mc="http://schemas.openxmlformats.org/markup-compatibility/2006" xmlns:mv="urn:schemas-microsoft-com:mac:vml" xmlns:p="http://schemas.openxmlformats.org/presentationml/2006/main" xmlns:c="http://schemas.openxmlformats.org/drawingml/2006/chart" xmlns:dgm="http://schemas.openxmlformats.org/drawingml/2006/diagram" xmlns:o="urn:schemas-microsoft-com:office:office" xmlns:v="urn:schemas-microsoft-com:vml" xmlns:pvml="urn:schemas-microsoft-com:office:powerpoint" xmlns:com="http://schemas.openxmlformats.org/drawingml/2006/compatibility" xmlns:p14="http://schemas.microsoft.com/office/powerpoint/2010/main" xmlns:p15="http://schemas.microsoft.com/office/powerpoint/2012/main" xmlns:ahyp="http://schemas.microsoft.com/office/drawing/2018/hyperlinkcolor" matchingName="Title and two columns" type="twoColTx">
+<p:sldLayout xmlns:a="http://schemas.openxmlformats.org/drawingml/2006/main" xmlns:r="http://schemas.openxmlformats.org/officeDocument/2006/relationships" xmlns:p="http://schemas.openxmlformats.org/presentationml/2006/main" matchingName="Title and two columns" type="twoColTx">
   <p:cSld name="TITLE_AND_TWO_COLUMNS">
     <p:spTree>
       <p:nvGrpSpPr>
-        <p:cNvPr id="20" name="Shape 20"/>
+        <p:cNvPr id="1" name="Shape 20"/>
         <p:cNvGrpSpPr/>
         <p:nvPr/>
       </p:nvGrpSpPr>
@@ -2442,7 +2948,9 @@
       <p:sp>
         <p:nvSpPr>
           <p:cNvPr id="21" name="Google Shape;21;p5"/>
-          <p:cNvSpPr txBox="1"/>
+          <p:cNvSpPr txBox="1">
+            <a:spLocks noGrp="1"/>
+          </p:cNvSpPr>
           <p:nvPr>
             <p:ph type="title"/>
           </p:nvPr>
@@ -2457,7 +2965,7 @@
           </a:prstGeom>
         </p:spPr>
         <p:txBody>
-          <a:bodyPr anchorCtr="0" anchor="t" bIns="91425" lIns="91425" spcFirstLastPara="1" rIns="91425" wrap="square" tIns="91425">
+          <a:bodyPr spcFirstLastPara="1" wrap="square" lIns="91425" tIns="91425" rIns="91425" bIns="91425" anchor="t" anchorCtr="0">
             <a:normAutofit/>
           </a:bodyPr>
           <a:lstStyle>
@@ -2561,15 +3069,19 @@
               <a:defRPr/>
             </a:lvl9pPr>
           </a:lstStyle>
-          <a:p/>
+          <a:p>
+            <a:endParaRPr/>
+          </a:p>
         </p:txBody>
       </p:sp>
       <p:sp>
         <p:nvSpPr>
           <p:cNvPr id="22" name="Google Shape;22;p5"/>
-          <p:cNvSpPr txBox="1"/>
+          <p:cNvSpPr txBox="1">
+            <a:spLocks noGrp="1"/>
+          </p:cNvSpPr>
           <p:nvPr>
-            <p:ph idx="1" type="body"/>
+            <p:ph type="body" idx="1"/>
           </p:nvPr>
         </p:nvSpPr>
         <p:spPr>
@@ -2582,11 +3094,11 @@
           </a:prstGeom>
         </p:spPr>
         <p:txBody>
-          <a:bodyPr anchorCtr="0" anchor="t" bIns="91425" lIns="91425" spcFirstLastPara="1" rIns="91425" wrap="square" tIns="91425">
+          <a:bodyPr spcFirstLastPara="1" wrap="square" lIns="91425" tIns="91425" rIns="91425" bIns="91425" anchor="t" anchorCtr="0">
             <a:normAutofit/>
           </a:bodyPr>
           <a:lstStyle>
-            <a:lvl1pPr indent="-317500" lvl="0" marL="457200">
+            <a:lvl1pPr marL="457200" lvl="0" indent="-317500">
               <a:spcBef>
                 <a:spcPts val="0"/>
               </a:spcBef>
@@ -2597,7 +3109,7 @@
               <a:buChar char="●"/>
               <a:defRPr sz="1400"/>
             </a:lvl1pPr>
-            <a:lvl2pPr indent="-304800" lvl="1" marL="914400">
+            <a:lvl2pPr marL="914400" lvl="1" indent="-304800">
               <a:spcBef>
                 <a:spcPts val="0"/>
               </a:spcBef>
@@ -2608,7 +3120,7 @@
               <a:buChar char="○"/>
               <a:defRPr sz="1200"/>
             </a:lvl2pPr>
-            <a:lvl3pPr indent="-304800" lvl="2" marL="1371600">
+            <a:lvl3pPr marL="1371600" lvl="2" indent="-304800">
               <a:spcBef>
                 <a:spcPts val="0"/>
               </a:spcBef>
@@ -2619,7 +3131,7 @@
               <a:buChar char="■"/>
               <a:defRPr sz="1200"/>
             </a:lvl3pPr>
-            <a:lvl4pPr indent="-304800" lvl="3" marL="1828800">
+            <a:lvl4pPr marL="1828800" lvl="3" indent="-304800">
               <a:spcBef>
                 <a:spcPts val="0"/>
               </a:spcBef>
@@ -2630,7 +3142,7 @@
               <a:buChar char="●"/>
               <a:defRPr sz="1200"/>
             </a:lvl4pPr>
-            <a:lvl5pPr indent="-304800" lvl="4" marL="2286000">
+            <a:lvl5pPr marL="2286000" lvl="4" indent="-304800">
               <a:spcBef>
                 <a:spcPts val="0"/>
               </a:spcBef>
@@ -2641,7 +3153,7 @@
               <a:buChar char="○"/>
               <a:defRPr sz="1200"/>
             </a:lvl5pPr>
-            <a:lvl6pPr indent="-304800" lvl="5" marL="2743200">
+            <a:lvl6pPr marL="2743200" lvl="5" indent="-304800">
               <a:spcBef>
                 <a:spcPts val="0"/>
               </a:spcBef>
@@ -2652,7 +3164,7 @@
               <a:buChar char="■"/>
               <a:defRPr sz="1200"/>
             </a:lvl6pPr>
-            <a:lvl7pPr indent="-304800" lvl="6" marL="3200400">
+            <a:lvl7pPr marL="3200400" lvl="6" indent="-304800">
               <a:spcBef>
                 <a:spcPts val="0"/>
               </a:spcBef>
@@ -2663,7 +3175,7 @@
               <a:buChar char="●"/>
               <a:defRPr sz="1200"/>
             </a:lvl7pPr>
-            <a:lvl8pPr indent="-304800" lvl="7" marL="3657600">
+            <a:lvl8pPr marL="3657600" lvl="7" indent="-304800">
               <a:spcBef>
                 <a:spcPts val="0"/>
               </a:spcBef>
@@ -2674,7 +3186,7 @@
               <a:buChar char="○"/>
               <a:defRPr sz="1200"/>
             </a:lvl8pPr>
-            <a:lvl9pPr indent="-304800" lvl="8" marL="4114800">
+            <a:lvl9pPr marL="4114800" lvl="8" indent="-304800">
               <a:spcBef>
                 <a:spcPts val="0"/>
               </a:spcBef>
@@ -2686,15 +3198,19 @@
               <a:defRPr sz="1200"/>
             </a:lvl9pPr>
           </a:lstStyle>
-          <a:p/>
+          <a:p>
+            <a:endParaRPr/>
+          </a:p>
         </p:txBody>
       </p:sp>
       <p:sp>
         <p:nvSpPr>
           <p:cNvPr id="23" name="Google Shape;23;p5"/>
-          <p:cNvSpPr txBox="1"/>
+          <p:cNvSpPr txBox="1">
+            <a:spLocks noGrp="1"/>
+          </p:cNvSpPr>
           <p:nvPr>
-            <p:ph idx="2" type="body"/>
+            <p:ph type="body" idx="2"/>
           </p:nvPr>
         </p:nvSpPr>
         <p:spPr>
@@ -2707,11 +3223,11 @@
           </a:prstGeom>
         </p:spPr>
         <p:txBody>
-          <a:bodyPr anchorCtr="0" anchor="t" bIns="91425" lIns="91425" spcFirstLastPara="1" rIns="91425" wrap="square" tIns="91425">
+          <a:bodyPr spcFirstLastPara="1" wrap="square" lIns="91425" tIns="91425" rIns="91425" bIns="91425" anchor="t" anchorCtr="0">
             <a:normAutofit/>
           </a:bodyPr>
           <a:lstStyle>
-            <a:lvl1pPr indent="-317500" lvl="0" marL="457200">
+            <a:lvl1pPr marL="457200" lvl="0" indent="-317500">
               <a:spcBef>
                 <a:spcPts val="0"/>
               </a:spcBef>
@@ -2722,7 +3238,7 @@
               <a:buChar char="●"/>
               <a:defRPr sz="1400"/>
             </a:lvl1pPr>
-            <a:lvl2pPr indent="-304800" lvl="1" marL="914400">
+            <a:lvl2pPr marL="914400" lvl="1" indent="-304800">
               <a:spcBef>
                 <a:spcPts val="0"/>
               </a:spcBef>
@@ -2733,7 +3249,7 @@
               <a:buChar char="○"/>
               <a:defRPr sz="1200"/>
             </a:lvl2pPr>
-            <a:lvl3pPr indent="-304800" lvl="2" marL="1371600">
+            <a:lvl3pPr marL="1371600" lvl="2" indent="-304800">
               <a:spcBef>
                 <a:spcPts val="0"/>
               </a:spcBef>
@@ -2744,7 +3260,7 @@
               <a:buChar char="■"/>
               <a:defRPr sz="1200"/>
             </a:lvl3pPr>
-            <a:lvl4pPr indent="-304800" lvl="3" marL="1828800">
+            <a:lvl4pPr marL="1828800" lvl="3" indent="-304800">
               <a:spcBef>
                 <a:spcPts val="0"/>
               </a:spcBef>
@@ -2755,7 +3271,7 @@
               <a:buChar char="●"/>
               <a:defRPr sz="1200"/>
             </a:lvl4pPr>
-            <a:lvl5pPr indent="-304800" lvl="4" marL="2286000">
+            <a:lvl5pPr marL="2286000" lvl="4" indent="-304800">
               <a:spcBef>
                 <a:spcPts val="0"/>
               </a:spcBef>
@@ -2766,7 +3282,7 @@
               <a:buChar char="○"/>
               <a:defRPr sz="1200"/>
             </a:lvl5pPr>
-            <a:lvl6pPr indent="-304800" lvl="5" marL="2743200">
+            <a:lvl6pPr marL="2743200" lvl="5" indent="-304800">
               <a:spcBef>
                 <a:spcPts val="0"/>
               </a:spcBef>
@@ -2777,7 +3293,7 @@
               <a:buChar char="■"/>
               <a:defRPr sz="1200"/>
             </a:lvl6pPr>
-            <a:lvl7pPr indent="-304800" lvl="6" marL="3200400">
+            <a:lvl7pPr marL="3200400" lvl="6" indent="-304800">
               <a:spcBef>
                 <a:spcPts val="0"/>
               </a:spcBef>
@@ -2788,7 +3304,7 @@
               <a:buChar char="●"/>
               <a:defRPr sz="1200"/>
             </a:lvl7pPr>
-            <a:lvl8pPr indent="-304800" lvl="7" marL="3657600">
+            <a:lvl8pPr marL="3657600" lvl="7" indent="-304800">
               <a:spcBef>
                 <a:spcPts val="0"/>
               </a:spcBef>
@@ -2799,7 +3315,7 @@
               <a:buChar char="○"/>
               <a:defRPr sz="1200"/>
             </a:lvl8pPr>
-            <a:lvl9pPr indent="-304800" lvl="8" marL="4114800">
+            <a:lvl9pPr marL="4114800" lvl="8" indent="-304800">
               <a:spcBef>
                 <a:spcPts val="0"/>
               </a:spcBef>
@@ -2811,15 +3327,19 @@
               <a:defRPr sz="1200"/>
             </a:lvl9pPr>
           </a:lstStyle>
-          <a:p/>
+          <a:p>
+            <a:endParaRPr/>
+          </a:p>
         </p:txBody>
       </p:sp>
       <p:sp>
         <p:nvSpPr>
           <p:cNvPr id="24" name="Google Shape;24;p5"/>
-          <p:cNvSpPr txBox="1"/>
+          <p:cNvSpPr txBox="1">
+            <a:spLocks noGrp="1"/>
+          </p:cNvSpPr>
           <p:nvPr>
-            <p:ph idx="12" type="sldNum"/>
+            <p:ph type="sldNum" idx="12"/>
           </p:nvPr>
         </p:nvSpPr>
         <p:spPr>
@@ -2832,7 +3352,7 @@
           </a:prstGeom>
         </p:spPr>
         <p:txBody>
-          <a:bodyPr anchorCtr="0" anchor="ctr" bIns="91425" lIns="91425" spcFirstLastPara="1" rIns="91425" wrap="square" tIns="91425">
+          <a:bodyPr spcFirstLastPara="1" wrap="square" lIns="91425" tIns="91425" rIns="91425" bIns="91425" anchor="ctr" anchorCtr="0">
             <a:normAutofit/>
           </a:bodyPr>
           <a:lstStyle>
@@ -2874,7 +3394,7 @@
             </a:lvl9pPr>
           </a:lstStyle>
           <a:p>
-            <a:pPr indent="0" lvl="0" marL="0" rtl="0" algn="r">
+            <a:pPr marL="0" lvl="0" indent="0" algn="r" rtl="0">
               <a:spcBef>
                 <a:spcPts val="0"/>
               </a:spcBef>
@@ -2900,11 +3420,11 @@
 </file>
 
 <file path=ppt/slideLayouts/slideLayout5.xml><?xml version="1.0" encoding="utf-8"?>
-<p:sldLayout xmlns:a="http://schemas.openxmlformats.org/drawingml/2006/main" xmlns:r="http://schemas.openxmlformats.org/officeDocument/2006/relationships" xmlns:mc="http://schemas.openxmlformats.org/markup-compatibility/2006" xmlns:mv="urn:schemas-microsoft-com:mac:vml" xmlns:p="http://schemas.openxmlformats.org/presentationml/2006/main" xmlns:c="http://schemas.openxmlformats.org/drawingml/2006/chart" xmlns:dgm="http://schemas.openxmlformats.org/drawingml/2006/diagram" xmlns:o="urn:schemas-microsoft-com:office:office" xmlns:v="urn:schemas-microsoft-com:vml" xmlns:pvml="urn:schemas-microsoft-com:office:powerpoint" xmlns:com="http://schemas.openxmlformats.org/drawingml/2006/compatibility" xmlns:p14="http://schemas.microsoft.com/office/powerpoint/2010/main" xmlns:p15="http://schemas.microsoft.com/office/powerpoint/2012/main" xmlns:ahyp="http://schemas.microsoft.com/office/drawing/2018/hyperlinkcolor" matchingName="Title only" type="titleOnly">
+<p:sldLayout xmlns:a="http://schemas.openxmlformats.org/drawingml/2006/main" xmlns:r="http://schemas.openxmlformats.org/officeDocument/2006/relationships" xmlns:p="http://schemas.openxmlformats.org/presentationml/2006/main" matchingName="Title only" type="titleOnly">
   <p:cSld name="TITLE_ONLY">
     <p:spTree>
       <p:nvGrpSpPr>
-        <p:cNvPr id="25" name="Shape 25"/>
+        <p:cNvPr id="1" name="Shape 25"/>
         <p:cNvGrpSpPr/>
         <p:nvPr/>
       </p:nvGrpSpPr>
@@ -2919,7 +3439,9 @@
       <p:sp>
         <p:nvSpPr>
           <p:cNvPr id="26" name="Google Shape;26;p6"/>
-          <p:cNvSpPr txBox="1"/>
+          <p:cNvSpPr txBox="1">
+            <a:spLocks noGrp="1"/>
+          </p:cNvSpPr>
           <p:nvPr>
             <p:ph type="title"/>
           </p:nvPr>
@@ -2934,7 +3456,7 @@
           </a:prstGeom>
         </p:spPr>
         <p:txBody>
-          <a:bodyPr anchorCtr="0" anchor="t" bIns="91425" lIns="91425" spcFirstLastPara="1" rIns="91425" wrap="square" tIns="91425">
+          <a:bodyPr spcFirstLastPara="1" wrap="square" lIns="91425" tIns="91425" rIns="91425" bIns="91425" anchor="t" anchorCtr="0">
             <a:normAutofit/>
           </a:bodyPr>
           <a:lstStyle>
@@ -3038,15 +3560,19 @@
               <a:defRPr/>
             </a:lvl9pPr>
           </a:lstStyle>
-          <a:p/>
+          <a:p>
+            <a:endParaRPr/>
+          </a:p>
         </p:txBody>
       </p:sp>
       <p:sp>
         <p:nvSpPr>
           <p:cNvPr id="27" name="Google Shape;27;p6"/>
-          <p:cNvSpPr txBox="1"/>
+          <p:cNvSpPr txBox="1">
+            <a:spLocks noGrp="1"/>
+          </p:cNvSpPr>
           <p:nvPr>
-            <p:ph idx="12" type="sldNum"/>
+            <p:ph type="sldNum" idx="12"/>
           </p:nvPr>
         </p:nvSpPr>
         <p:spPr>
@@ -3059,7 +3585,7 @@
           </a:prstGeom>
         </p:spPr>
         <p:txBody>
-          <a:bodyPr anchorCtr="0" anchor="ctr" bIns="91425" lIns="91425" spcFirstLastPara="1" rIns="91425" wrap="square" tIns="91425">
+          <a:bodyPr spcFirstLastPara="1" wrap="square" lIns="91425" tIns="91425" rIns="91425" bIns="91425" anchor="ctr" anchorCtr="0">
             <a:normAutofit/>
           </a:bodyPr>
           <a:lstStyle>
@@ -3101,7 +3627,7 @@
             </a:lvl9pPr>
           </a:lstStyle>
           <a:p>
-            <a:pPr indent="0" lvl="0" marL="0" rtl="0" algn="r">
+            <a:pPr marL="0" lvl="0" indent="0" algn="r" rtl="0">
               <a:spcBef>
                 <a:spcPts val="0"/>
               </a:spcBef>
@@ -3127,11 +3653,11 @@
 </file>
 
 <file path=ppt/slideLayouts/slideLayout6.xml><?xml version="1.0" encoding="utf-8"?>
-<p:sldLayout xmlns:a="http://schemas.openxmlformats.org/drawingml/2006/main" xmlns:r="http://schemas.openxmlformats.org/officeDocument/2006/relationships" xmlns:mc="http://schemas.openxmlformats.org/markup-compatibility/2006" xmlns:mv="urn:schemas-microsoft-com:mac:vml" xmlns:p="http://schemas.openxmlformats.org/presentationml/2006/main" xmlns:c="http://schemas.openxmlformats.org/drawingml/2006/chart" xmlns:dgm="http://schemas.openxmlformats.org/drawingml/2006/diagram" xmlns:o="urn:schemas-microsoft-com:office:office" xmlns:v="urn:schemas-microsoft-com:vml" xmlns:pvml="urn:schemas-microsoft-com:office:powerpoint" xmlns:com="http://schemas.openxmlformats.org/drawingml/2006/compatibility" xmlns:p14="http://schemas.microsoft.com/office/powerpoint/2010/main" xmlns:p15="http://schemas.microsoft.com/office/powerpoint/2012/main" xmlns:ahyp="http://schemas.microsoft.com/office/drawing/2018/hyperlinkcolor" matchingName="One column text">
+<p:sldLayout xmlns:a="http://schemas.openxmlformats.org/drawingml/2006/main" xmlns:r="http://schemas.openxmlformats.org/officeDocument/2006/relationships" xmlns:p="http://schemas.openxmlformats.org/presentationml/2006/main" matchingName="One column text">
   <p:cSld name="ONE_COLUMN_TEXT">
     <p:spTree>
       <p:nvGrpSpPr>
-        <p:cNvPr id="28" name="Shape 28"/>
+        <p:cNvPr id="1" name="Shape 28"/>
         <p:cNvGrpSpPr/>
         <p:nvPr/>
       </p:nvGrpSpPr>
@@ -3146,7 +3672,9 @@
       <p:sp>
         <p:nvSpPr>
           <p:cNvPr id="29" name="Google Shape;29;p7"/>
-          <p:cNvSpPr txBox="1"/>
+          <p:cNvSpPr txBox="1">
+            <a:spLocks noGrp="1"/>
+          </p:cNvSpPr>
           <p:nvPr>
             <p:ph type="title"/>
           </p:nvPr>
@@ -3161,7 +3689,7 @@
           </a:prstGeom>
         </p:spPr>
         <p:txBody>
-          <a:bodyPr anchorCtr="0" anchor="b" bIns="91425" lIns="91425" spcFirstLastPara="1" rIns="91425" wrap="square" tIns="91425">
+          <a:bodyPr spcFirstLastPara="1" wrap="square" lIns="91425" tIns="91425" rIns="91425" bIns="91425" anchor="b" anchorCtr="0">
             <a:normAutofit/>
           </a:bodyPr>
           <a:lstStyle>
@@ -3265,15 +3793,19 @@
               <a:defRPr sz="2400"/>
             </a:lvl9pPr>
           </a:lstStyle>
-          <a:p/>
+          <a:p>
+            <a:endParaRPr/>
+          </a:p>
         </p:txBody>
       </p:sp>
       <p:sp>
         <p:nvSpPr>
           <p:cNvPr id="30" name="Google Shape;30;p7"/>
-          <p:cNvSpPr txBox="1"/>
+          <p:cNvSpPr txBox="1">
+            <a:spLocks noGrp="1"/>
+          </p:cNvSpPr>
           <p:nvPr>
-            <p:ph idx="1" type="body"/>
+            <p:ph type="body" idx="1"/>
           </p:nvPr>
         </p:nvSpPr>
         <p:spPr>
@@ -3286,11 +3818,11 @@
           </a:prstGeom>
         </p:spPr>
         <p:txBody>
-          <a:bodyPr anchorCtr="0" anchor="t" bIns="91425" lIns="91425" spcFirstLastPara="1" rIns="91425" wrap="square" tIns="91425">
+          <a:bodyPr spcFirstLastPara="1" wrap="square" lIns="91425" tIns="91425" rIns="91425" bIns="91425" anchor="t" anchorCtr="0">
             <a:normAutofit/>
           </a:bodyPr>
           <a:lstStyle>
-            <a:lvl1pPr indent="-304800" lvl="0" marL="457200">
+            <a:lvl1pPr marL="457200" lvl="0" indent="-304800">
               <a:spcBef>
                 <a:spcPts val="0"/>
               </a:spcBef>
@@ -3301,7 +3833,7 @@
               <a:buChar char="●"/>
               <a:defRPr sz="1200"/>
             </a:lvl1pPr>
-            <a:lvl2pPr indent="-304800" lvl="1" marL="914400">
+            <a:lvl2pPr marL="914400" lvl="1" indent="-304800">
               <a:spcBef>
                 <a:spcPts val="0"/>
               </a:spcBef>
@@ -3312,7 +3844,7 @@
               <a:buChar char="○"/>
               <a:defRPr sz="1200"/>
             </a:lvl2pPr>
-            <a:lvl3pPr indent="-304800" lvl="2" marL="1371600">
+            <a:lvl3pPr marL="1371600" lvl="2" indent="-304800">
               <a:spcBef>
                 <a:spcPts val="0"/>
               </a:spcBef>
@@ -3323,7 +3855,7 @@
               <a:buChar char="■"/>
               <a:defRPr sz="1200"/>
             </a:lvl3pPr>
-            <a:lvl4pPr indent="-304800" lvl="3" marL="1828800">
+            <a:lvl4pPr marL="1828800" lvl="3" indent="-304800">
               <a:spcBef>
                 <a:spcPts val="0"/>
               </a:spcBef>
@@ -3334,7 +3866,7 @@
               <a:buChar char="●"/>
               <a:defRPr sz="1200"/>
             </a:lvl4pPr>
-            <a:lvl5pPr indent="-304800" lvl="4" marL="2286000">
+            <a:lvl5pPr marL="2286000" lvl="4" indent="-304800">
               <a:spcBef>
                 <a:spcPts val="0"/>
               </a:spcBef>
@@ -3345,7 +3877,7 @@
               <a:buChar char="○"/>
               <a:defRPr sz="1200"/>
             </a:lvl5pPr>
-            <a:lvl6pPr indent="-304800" lvl="5" marL="2743200">
+            <a:lvl6pPr marL="2743200" lvl="5" indent="-304800">
               <a:spcBef>
                 <a:spcPts val="0"/>
               </a:spcBef>
@@ -3356,7 +3888,7 @@
               <a:buChar char="■"/>
               <a:defRPr sz="1200"/>
             </a:lvl6pPr>
-            <a:lvl7pPr indent="-304800" lvl="6" marL="3200400">
+            <a:lvl7pPr marL="3200400" lvl="6" indent="-304800">
               <a:spcBef>
                 <a:spcPts val="0"/>
               </a:spcBef>
@@ -3367,7 +3899,7 @@
               <a:buChar char="●"/>
               <a:defRPr sz="1200"/>
             </a:lvl7pPr>
-            <a:lvl8pPr indent="-304800" lvl="7" marL="3657600">
+            <a:lvl8pPr marL="3657600" lvl="7" indent="-304800">
               <a:spcBef>
                 <a:spcPts val="0"/>
               </a:spcBef>
@@ -3378,7 +3910,7 @@
               <a:buChar char="○"/>
               <a:defRPr sz="1200"/>
             </a:lvl8pPr>
-            <a:lvl9pPr indent="-304800" lvl="8" marL="4114800">
+            <a:lvl9pPr marL="4114800" lvl="8" indent="-304800">
               <a:spcBef>
                 <a:spcPts val="0"/>
               </a:spcBef>
@@ -3390,15 +3922,19 @@
               <a:defRPr sz="1200"/>
             </a:lvl9pPr>
           </a:lstStyle>
-          <a:p/>
+          <a:p>
+            <a:endParaRPr/>
+          </a:p>
         </p:txBody>
       </p:sp>
       <p:sp>
         <p:nvSpPr>
           <p:cNvPr id="31" name="Google Shape;31;p7"/>
-          <p:cNvSpPr txBox="1"/>
+          <p:cNvSpPr txBox="1">
+            <a:spLocks noGrp="1"/>
+          </p:cNvSpPr>
           <p:nvPr>
-            <p:ph idx="12" type="sldNum"/>
+            <p:ph type="sldNum" idx="12"/>
           </p:nvPr>
         </p:nvSpPr>
         <p:spPr>
@@ -3411,7 +3947,7 @@
           </a:prstGeom>
         </p:spPr>
         <p:txBody>
-          <a:bodyPr anchorCtr="0" anchor="ctr" bIns="91425" lIns="91425" spcFirstLastPara="1" rIns="91425" wrap="square" tIns="91425">
+          <a:bodyPr spcFirstLastPara="1" wrap="square" lIns="91425" tIns="91425" rIns="91425" bIns="91425" anchor="ctr" anchorCtr="0">
             <a:normAutofit/>
           </a:bodyPr>
           <a:lstStyle>
@@ -3453,7 +3989,7 @@
             </a:lvl9pPr>
           </a:lstStyle>
           <a:p>
-            <a:pPr indent="0" lvl="0" marL="0" rtl="0" algn="r">
+            <a:pPr marL="0" lvl="0" indent="0" algn="r" rtl="0">
               <a:spcBef>
                 <a:spcPts val="0"/>
               </a:spcBef>
@@ -3479,11 +4015,11 @@
 </file>
 
 <file path=ppt/slideLayouts/slideLayout7.xml><?xml version="1.0" encoding="utf-8"?>
-<p:sldLayout xmlns:a="http://schemas.openxmlformats.org/drawingml/2006/main" xmlns:r="http://schemas.openxmlformats.org/officeDocument/2006/relationships" xmlns:mc="http://schemas.openxmlformats.org/markup-compatibility/2006" xmlns:mv="urn:schemas-microsoft-com:mac:vml" xmlns:p="http://schemas.openxmlformats.org/presentationml/2006/main" xmlns:c="http://schemas.openxmlformats.org/drawingml/2006/chart" xmlns:dgm="http://schemas.openxmlformats.org/drawingml/2006/diagram" xmlns:o="urn:schemas-microsoft-com:office:office" xmlns:v="urn:schemas-microsoft-com:vml" xmlns:pvml="urn:schemas-microsoft-com:office:powerpoint" xmlns:com="http://schemas.openxmlformats.org/drawingml/2006/compatibility" xmlns:p14="http://schemas.microsoft.com/office/powerpoint/2010/main" xmlns:p15="http://schemas.microsoft.com/office/powerpoint/2012/main" xmlns:ahyp="http://schemas.microsoft.com/office/drawing/2018/hyperlinkcolor" matchingName="Main point">
+<p:sldLayout xmlns:a="http://schemas.openxmlformats.org/drawingml/2006/main" xmlns:r="http://schemas.openxmlformats.org/officeDocument/2006/relationships" xmlns:p="http://schemas.openxmlformats.org/presentationml/2006/main" matchingName="Main point">
   <p:cSld name="MAIN_POINT">
     <p:spTree>
       <p:nvGrpSpPr>
-        <p:cNvPr id="32" name="Shape 32"/>
+        <p:cNvPr id="1" name="Shape 32"/>
         <p:cNvGrpSpPr/>
         <p:nvPr/>
       </p:nvGrpSpPr>
@@ -3498,7 +4034,9 @@
       <p:sp>
         <p:nvSpPr>
           <p:cNvPr id="33" name="Google Shape;33;p8"/>
-          <p:cNvSpPr txBox="1"/>
+          <p:cNvSpPr txBox="1">
+            <a:spLocks noGrp="1"/>
+          </p:cNvSpPr>
           <p:nvPr>
             <p:ph type="title"/>
           </p:nvPr>
@@ -3513,7 +4051,7 @@
           </a:prstGeom>
         </p:spPr>
         <p:txBody>
-          <a:bodyPr anchorCtr="0" anchor="ctr" bIns="91425" lIns="91425" spcFirstLastPara="1" rIns="91425" wrap="square" tIns="91425">
+          <a:bodyPr spcFirstLastPara="1" wrap="square" lIns="91425" tIns="91425" rIns="91425" bIns="91425" anchor="ctr" anchorCtr="0">
             <a:normAutofit/>
           </a:bodyPr>
           <a:lstStyle>
@@ -3617,15 +4155,19 @@
               <a:defRPr sz="4800"/>
             </a:lvl9pPr>
           </a:lstStyle>
-          <a:p/>
+          <a:p>
+            <a:endParaRPr/>
+          </a:p>
         </p:txBody>
       </p:sp>
       <p:sp>
         <p:nvSpPr>
           <p:cNvPr id="34" name="Google Shape;34;p8"/>
-          <p:cNvSpPr txBox="1"/>
+          <p:cNvSpPr txBox="1">
+            <a:spLocks noGrp="1"/>
+          </p:cNvSpPr>
           <p:nvPr>
-            <p:ph idx="12" type="sldNum"/>
+            <p:ph type="sldNum" idx="12"/>
           </p:nvPr>
         </p:nvSpPr>
         <p:spPr>
@@ -3638,7 +4180,7 @@
           </a:prstGeom>
         </p:spPr>
         <p:txBody>
-          <a:bodyPr anchorCtr="0" anchor="ctr" bIns="91425" lIns="91425" spcFirstLastPara="1" rIns="91425" wrap="square" tIns="91425">
+          <a:bodyPr spcFirstLastPara="1" wrap="square" lIns="91425" tIns="91425" rIns="91425" bIns="91425" anchor="ctr" anchorCtr="0">
             <a:normAutofit/>
           </a:bodyPr>
           <a:lstStyle>
@@ -3680,7 +4222,7 @@
             </a:lvl9pPr>
           </a:lstStyle>
           <a:p>
-            <a:pPr indent="0" lvl="0" marL="0" rtl="0" algn="r">
+            <a:pPr marL="0" lvl="0" indent="0" algn="r" rtl="0">
               <a:spcBef>
                 <a:spcPts val="0"/>
               </a:spcBef>
@@ -3706,11 +4248,11 @@
 </file>
 
 <file path=ppt/slideLayouts/slideLayout8.xml><?xml version="1.0" encoding="utf-8"?>
-<p:sldLayout xmlns:a="http://schemas.openxmlformats.org/drawingml/2006/main" xmlns:r="http://schemas.openxmlformats.org/officeDocument/2006/relationships" xmlns:mc="http://schemas.openxmlformats.org/markup-compatibility/2006" xmlns:mv="urn:schemas-microsoft-com:mac:vml" xmlns:p="http://schemas.openxmlformats.org/presentationml/2006/main" xmlns:c="http://schemas.openxmlformats.org/drawingml/2006/chart" xmlns:dgm="http://schemas.openxmlformats.org/drawingml/2006/diagram" xmlns:o="urn:schemas-microsoft-com:office:office" xmlns:v="urn:schemas-microsoft-com:vml" xmlns:pvml="urn:schemas-microsoft-com:office:powerpoint" xmlns:com="http://schemas.openxmlformats.org/drawingml/2006/compatibility" xmlns:p14="http://schemas.microsoft.com/office/powerpoint/2010/main" xmlns:p15="http://schemas.microsoft.com/office/powerpoint/2012/main" xmlns:ahyp="http://schemas.microsoft.com/office/drawing/2018/hyperlinkcolor" matchingName="Section title and description">
+<p:sldLayout xmlns:a="http://schemas.openxmlformats.org/drawingml/2006/main" xmlns:r="http://schemas.openxmlformats.org/officeDocument/2006/relationships" xmlns:p="http://schemas.openxmlformats.org/presentationml/2006/main" matchingName="Section title and description">
   <p:cSld name="SECTION_TITLE_AND_DESCRIPTION">
     <p:spTree>
       <p:nvGrpSpPr>
-        <p:cNvPr id="35" name="Shape 35"/>
+        <p:cNvPr id="1" name="Shape 35"/>
         <p:cNvGrpSpPr/>
         <p:nvPr/>
       </p:nvGrpSpPr>
@@ -3744,12 +4286,12 @@
           </a:ln>
         </p:spPr>
         <p:txBody>
-          <a:bodyPr anchorCtr="0" anchor="ctr" bIns="91425" lIns="91425" spcFirstLastPara="1" rIns="91425" wrap="square" tIns="91425">
+          <a:bodyPr spcFirstLastPara="1" wrap="square" lIns="91425" tIns="91425" rIns="91425" bIns="91425" anchor="ctr" anchorCtr="0">
             <a:noAutofit/>
           </a:bodyPr>
           <a:lstStyle/>
           <a:p>
-            <a:pPr indent="0" lvl="0" marL="0" rtl="0" algn="l">
+            <a:pPr marL="0" lvl="0" indent="0" algn="l" rtl="0">
               <a:spcBef>
                 <a:spcPts val="0"/>
               </a:spcBef>
@@ -3758,9 +4300,6 @@
               </a:spcAft>
               <a:buNone/>
             </a:pPr>
-            <a:r>
-              <a:t/>
-            </a:r>
             <a:endParaRPr/>
           </a:p>
         </p:txBody>
@@ -3768,7 +4307,9 @@
       <p:sp>
         <p:nvSpPr>
           <p:cNvPr id="37" name="Google Shape;37;p9"/>
-          <p:cNvSpPr txBox="1"/>
+          <p:cNvSpPr txBox="1">
+            <a:spLocks noGrp="1"/>
+          </p:cNvSpPr>
           <p:nvPr>
             <p:ph type="title"/>
           </p:nvPr>
@@ -3783,7 +4324,7 @@
           </a:prstGeom>
         </p:spPr>
         <p:txBody>
-          <a:bodyPr anchorCtr="0" anchor="b" bIns="91425" lIns="91425" spcFirstLastPara="1" rIns="91425" wrap="square" tIns="91425">
+          <a:bodyPr spcFirstLastPara="1" wrap="square" lIns="91425" tIns="91425" rIns="91425" bIns="91425" anchor="b" anchorCtr="0">
             <a:normAutofit/>
           </a:bodyPr>
           <a:lstStyle>
@@ -3887,15 +4428,19 @@
               <a:defRPr sz="4200"/>
             </a:lvl9pPr>
           </a:lstStyle>
-          <a:p/>
+          <a:p>
+            <a:endParaRPr/>
+          </a:p>
         </p:txBody>
       </p:sp>
       <p:sp>
         <p:nvSpPr>
           <p:cNvPr id="38" name="Google Shape;38;p9"/>
-          <p:cNvSpPr txBox="1"/>
+          <p:cNvSpPr txBox="1">
+            <a:spLocks noGrp="1"/>
+          </p:cNvSpPr>
           <p:nvPr>
-            <p:ph idx="1" type="subTitle"/>
+            <p:ph type="subTitle" idx="1"/>
           </p:nvPr>
         </p:nvSpPr>
         <p:spPr>
@@ -3908,7 +4453,7 @@
           </a:prstGeom>
         </p:spPr>
         <p:txBody>
-          <a:bodyPr anchorCtr="0" anchor="t" bIns="91425" lIns="91425" spcFirstLastPara="1" rIns="91425" wrap="square" tIns="91425">
+          <a:bodyPr spcFirstLastPara="1" wrap="square" lIns="91425" tIns="91425" rIns="91425" bIns="91425" anchor="t" anchorCtr="0">
             <a:normAutofit/>
           </a:bodyPr>
           <a:lstStyle>
@@ -4039,15 +4584,19 @@
               <a:defRPr sz="2100"/>
             </a:lvl9pPr>
           </a:lstStyle>
-          <a:p/>
+          <a:p>
+            <a:endParaRPr/>
+          </a:p>
         </p:txBody>
       </p:sp>
       <p:sp>
         <p:nvSpPr>
           <p:cNvPr id="39" name="Google Shape;39;p9"/>
-          <p:cNvSpPr txBox="1"/>
+          <p:cNvSpPr txBox="1">
+            <a:spLocks noGrp="1"/>
+          </p:cNvSpPr>
           <p:nvPr>
-            <p:ph idx="2" type="body"/>
+            <p:ph type="body" idx="2"/>
           </p:nvPr>
         </p:nvSpPr>
         <p:spPr>
@@ -4060,11 +4609,11 @@
           </a:prstGeom>
         </p:spPr>
         <p:txBody>
-          <a:bodyPr anchorCtr="0" anchor="ctr" bIns="91425" lIns="91425" spcFirstLastPara="1" rIns="91425" wrap="square" tIns="91425">
+          <a:bodyPr spcFirstLastPara="1" wrap="square" lIns="91425" tIns="91425" rIns="91425" bIns="91425" anchor="ctr" anchorCtr="0">
             <a:normAutofit/>
           </a:bodyPr>
           <a:lstStyle>
-            <a:lvl1pPr indent="-342900" lvl="0" marL="457200">
+            <a:lvl1pPr marL="457200" lvl="0" indent="-342900">
               <a:spcBef>
                 <a:spcPts val="0"/>
               </a:spcBef>
@@ -4075,7 +4624,7 @@
               <a:buChar char="●"/>
               <a:defRPr/>
             </a:lvl1pPr>
-            <a:lvl2pPr indent="-317500" lvl="1" marL="914400">
+            <a:lvl2pPr marL="914400" lvl="1" indent="-317500">
               <a:spcBef>
                 <a:spcPts val="0"/>
               </a:spcBef>
@@ -4086,7 +4635,7 @@
               <a:buChar char="○"/>
               <a:defRPr/>
             </a:lvl2pPr>
-            <a:lvl3pPr indent="-317500" lvl="2" marL="1371600">
+            <a:lvl3pPr marL="1371600" lvl="2" indent="-317500">
               <a:spcBef>
                 <a:spcPts val="0"/>
               </a:spcBef>
@@ -4097,7 +4646,7 @@
               <a:buChar char="■"/>
               <a:defRPr/>
             </a:lvl3pPr>
-            <a:lvl4pPr indent="-317500" lvl="3" marL="1828800">
+            <a:lvl4pPr marL="1828800" lvl="3" indent="-317500">
               <a:spcBef>
                 <a:spcPts val="0"/>
               </a:spcBef>
@@ -4108,7 +4657,7 @@
               <a:buChar char="●"/>
               <a:defRPr/>
             </a:lvl4pPr>
-            <a:lvl5pPr indent="-317500" lvl="4" marL="2286000">
+            <a:lvl5pPr marL="2286000" lvl="4" indent="-317500">
               <a:spcBef>
                 <a:spcPts val="0"/>
               </a:spcBef>
@@ -4119,7 +4668,7 @@
               <a:buChar char="○"/>
               <a:defRPr/>
             </a:lvl5pPr>
-            <a:lvl6pPr indent="-317500" lvl="5" marL="2743200">
+            <a:lvl6pPr marL="2743200" lvl="5" indent="-317500">
               <a:spcBef>
                 <a:spcPts val="0"/>
               </a:spcBef>
@@ -4130,7 +4679,7 @@
               <a:buChar char="■"/>
               <a:defRPr/>
             </a:lvl6pPr>
-            <a:lvl7pPr indent="-317500" lvl="6" marL="3200400">
+            <a:lvl7pPr marL="3200400" lvl="6" indent="-317500">
               <a:spcBef>
                 <a:spcPts val="0"/>
               </a:spcBef>
@@ -4141,7 +4690,7 @@
               <a:buChar char="●"/>
               <a:defRPr/>
             </a:lvl7pPr>
-            <a:lvl8pPr indent="-317500" lvl="7" marL="3657600">
+            <a:lvl8pPr marL="3657600" lvl="7" indent="-317500">
               <a:spcBef>
                 <a:spcPts val="0"/>
               </a:spcBef>
@@ -4152,7 +4701,7 @@
               <a:buChar char="○"/>
               <a:defRPr/>
             </a:lvl8pPr>
-            <a:lvl9pPr indent="-317500" lvl="8" marL="4114800">
+            <a:lvl9pPr marL="4114800" lvl="8" indent="-317500">
               <a:spcBef>
                 <a:spcPts val="0"/>
               </a:spcBef>
@@ -4164,15 +4713,19 @@
               <a:defRPr/>
             </a:lvl9pPr>
           </a:lstStyle>
-          <a:p/>
+          <a:p>
+            <a:endParaRPr/>
+          </a:p>
         </p:txBody>
       </p:sp>
       <p:sp>
         <p:nvSpPr>
           <p:cNvPr id="40" name="Google Shape;40;p9"/>
-          <p:cNvSpPr txBox="1"/>
+          <p:cNvSpPr txBox="1">
+            <a:spLocks noGrp="1"/>
+          </p:cNvSpPr>
           <p:nvPr>
-            <p:ph idx="12" type="sldNum"/>
+            <p:ph type="sldNum" idx="12"/>
           </p:nvPr>
         </p:nvSpPr>
         <p:spPr>
@@ -4185,7 +4738,7 @@
           </a:prstGeom>
         </p:spPr>
         <p:txBody>
-          <a:bodyPr anchorCtr="0" anchor="ctr" bIns="91425" lIns="91425" spcFirstLastPara="1" rIns="91425" wrap="square" tIns="91425">
+          <a:bodyPr spcFirstLastPara="1" wrap="square" lIns="91425" tIns="91425" rIns="91425" bIns="91425" anchor="ctr" anchorCtr="0">
             <a:normAutofit/>
           </a:bodyPr>
           <a:lstStyle>
@@ -4227,7 +4780,7 @@
             </a:lvl9pPr>
           </a:lstStyle>
           <a:p>
-            <a:pPr indent="0" lvl="0" marL="0" rtl="0" algn="r">
+            <a:pPr marL="0" lvl="0" indent="0" algn="r" rtl="0">
               <a:spcBef>
                 <a:spcPts val="0"/>
               </a:spcBef>
@@ -4253,11 +4806,11 @@
 </file>
 
 <file path=ppt/slideLayouts/slideLayout9.xml><?xml version="1.0" encoding="utf-8"?>
-<p:sldLayout xmlns:a="http://schemas.openxmlformats.org/drawingml/2006/main" xmlns:r="http://schemas.openxmlformats.org/officeDocument/2006/relationships" xmlns:mc="http://schemas.openxmlformats.org/markup-compatibility/2006" xmlns:mv="urn:schemas-microsoft-com:mac:vml" xmlns:p="http://schemas.openxmlformats.org/presentationml/2006/main" xmlns:c="http://schemas.openxmlformats.org/drawingml/2006/chart" xmlns:dgm="http://schemas.openxmlformats.org/drawingml/2006/diagram" xmlns:o="urn:schemas-microsoft-com:office:office" xmlns:v="urn:schemas-microsoft-com:vml" xmlns:pvml="urn:schemas-microsoft-com:office:powerpoint" xmlns:com="http://schemas.openxmlformats.org/drawingml/2006/compatibility" xmlns:p14="http://schemas.microsoft.com/office/powerpoint/2010/main" xmlns:p15="http://schemas.microsoft.com/office/powerpoint/2012/main" xmlns:ahyp="http://schemas.microsoft.com/office/drawing/2018/hyperlinkcolor" matchingName="Caption">
+<p:sldLayout xmlns:a="http://schemas.openxmlformats.org/drawingml/2006/main" xmlns:r="http://schemas.openxmlformats.org/officeDocument/2006/relationships" xmlns:p="http://schemas.openxmlformats.org/presentationml/2006/main" matchingName="Caption">
   <p:cSld name="CAPTION_ONLY">
     <p:spTree>
       <p:nvGrpSpPr>
-        <p:cNvPr id="41" name="Shape 41"/>
+        <p:cNvPr id="1" name="Shape 41"/>
         <p:cNvGrpSpPr/>
         <p:nvPr/>
       </p:nvGrpSpPr>
@@ -4272,9 +4825,11 @@
       <p:sp>
         <p:nvSpPr>
           <p:cNvPr id="42" name="Google Shape;42;p10"/>
-          <p:cNvSpPr txBox="1"/>
+          <p:cNvSpPr txBox="1">
+            <a:spLocks noGrp="1"/>
+          </p:cNvSpPr>
           <p:nvPr>
-            <p:ph idx="1" type="body"/>
+            <p:ph type="body" idx="1"/>
           </p:nvPr>
         </p:nvSpPr>
         <p:spPr>
@@ -4287,11 +4842,11 @@
           </a:prstGeom>
         </p:spPr>
         <p:txBody>
-          <a:bodyPr anchorCtr="0" anchor="ctr" bIns="91425" lIns="91425" spcFirstLastPara="1" rIns="91425" wrap="square" tIns="91425">
+          <a:bodyPr spcFirstLastPara="1" wrap="square" lIns="91425" tIns="91425" rIns="91425" bIns="91425" anchor="ctr" anchorCtr="0">
             <a:normAutofit/>
           </a:bodyPr>
           <a:lstStyle>
-            <a:lvl1pPr indent="-228600" lvl="0" marL="457200">
+            <a:lvl1pPr marL="457200" lvl="0" indent="-228600">
               <a:lnSpc>
                 <a:spcPct val="100000"/>
               </a:lnSpc>
@@ -4306,15 +4861,19 @@
               <a:defRPr/>
             </a:lvl1pPr>
           </a:lstStyle>
-          <a:p/>
+          <a:p>
+            <a:endParaRPr/>
+          </a:p>
         </p:txBody>
       </p:sp>
       <p:sp>
         <p:nvSpPr>
           <p:cNvPr id="43" name="Google Shape;43;p10"/>
-          <p:cNvSpPr txBox="1"/>
+          <p:cNvSpPr txBox="1">
+            <a:spLocks noGrp="1"/>
+          </p:cNvSpPr>
           <p:nvPr>
-            <p:ph idx="12" type="sldNum"/>
+            <p:ph type="sldNum" idx="12"/>
           </p:nvPr>
         </p:nvSpPr>
         <p:spPr>
@@ -4327,7 +4886,7 @@
           </a:prstGeom>
         </p:spPr>
         <p:txBody>
-          <a:bodyPr anchorCtr="0" anchor="ctr" bIns="91425" lIns="91425" spcFirstLastPara="1" rIns="91425" wrap="square" tIns="91425">
+          <a:bodyPr spcFirstLastPara="1" wrap="square" lIns="91425" tIns="91425" rIns="91425" bIns="91425" anchor="ctr" anchorCtr="0">
             <a:normAutofit/>
           </a:bodyPr>
           <a:lstStyle>
@@ -4369,7 +4928,7 @@
             </a:lvl9pPr>
           </a:lstStyle>
           <a:p>
-            <a:pPr indent="0" lvl="0" marL="0" rtl="0" algn="r">
+            <a:pPr marL="0" lvl="0" indent="0" algn="r" rtl="0">
               <a:spcBef>
                 <a:spcPts val="0"/>
               </a:spcBef>
@@ -4395,23 +4954,24 @@
 </file>
 
 <file path=ppt/slideMasters/slideMaster1.xml><?xml version="1.0" encoding="utf-8"?>
-<p:sldMaster xmlns:a="http://schemas.openxmlformats.org/drawingml/2006/main" xmlns:r="http://schemas.openxmlformats.org/officeDocument/2006/relationships" xmlns:mc="http://schemas.openxmlformats.org/markup-compatibility/2006" xmlns:mv="urn:schemas-microsoft-com:mac:vml" xmlns:p="http://schemas.openxmlformats.org/presentationml/2006/main" xmlns:c="http://schemas.openxmlformats.org/drawingml/2006/chart" xmlns:dgm="http://schemas.openxmlformats.org/drawingml/2006/diagram" xmlns:o="urn:schemas-microsoft-com:office:office" xmlns:v="urn:schemas-microsoft-com:vml" xmlns:pvml="urn:schemas-microsoft-com:office:powerpoint" xmlns:com="http://schemas.openxmlformats.org/drawingml/2006/compatibility" xmlns:p14="http://schemas.microsoft.com/office/powerpoint/2010/main" xmlns:p15="http://schemas.microsoft.com/office/powerpoint/2012/main" xmlns:ahyp="http://schemas.microsoft.com/office/drawing/2018/hyperlinkcolor">
+<p:sldMaster xmlns:a="http://schemas.openxmlformats.org/drawingml/2006/main" xmlns:r="http://schemas.openxmlformats.org/officeDocument/2006/relationships" xmlns:p="http://schemas.openxmlformats.org/presentationml/2006/main">
   <p:cSld name="simple-light-2">
     <p:bg>
       <p:bgPr>
         <a:blipFill>
-          <a:blip r:embed="rId1">
+          <a:blip r:embed="rId13">
             <a:alphaModFix/>
           </a:blip>
           <a:stretch>
             <a:fillRect/>
           </a:stretch>
         </a:blipFill>
+        <a:effectLst/>
       </p:bgPr>
     </p:bg>
     <p:spTree>
       <p:nvGrpSpPr>
-        <p:cNvPr id="5" name="Shape 5"/>
+        <p:cNvPr id="1" name="Shape 5"/>
         <p:cNvGrpSpPr/>
         <p:nvPr/>
       </p:nvGrpSpPr>
@@ -4426,7 +4986,9 @@
       <p:sp>
         <p:nvSpPr>
           <p:cNvPr id="6" name="Google Shape;6;p1"/>
-          <p:cNvSpPr txBox="1"/>
+          <p:cNvSpPr txBox="1">
+            <a:spLocks noGrp="1"/>
+          </p:cNvSpPr>
           <p:nvPr>
             <p:ph type="title"/>
           </p:nvPr>
@@ -4445,7 +5007,7 @@
           </a:ln>
         </p:spPr>
         <p:txBody>
-          <a:bodyPr anchorCtr="0" anchor="t" bIns="91425" lIns="91425" spcFirstLastPara="1" rIns="91425" wrap="square" tIns="91425">
+          <a:bodyPr spcFirstLastPara="1" wrap="square" lIns="91425" tIns="91425" rIns="91425" bIns="91425" anchor="t" anchorCtr="0">
             <a:normAutofit/>
           </a:bodyPr>
           <a:lstStyle>
@@ -4612,15 +5174,19 @@
               </a:defRPr>
             </a:lvl9pPr>
           </a:lstStyle>
-          <a:p/>
+          <a:p>
+            <a:endParaRPr/>
+          </a:p>
         </p:txBody>
       </p:sp>
       <p:sp>
         <p:nvSpPr>
           <p:cNvPr id="7" name="Google Shape;7;p1"/>
-          <p:cNvSpPr txBox="1"/>
+          <p:cNvSpPr txBox="1">
+            <a:spLocks noGrp="1"/>
+          </p:cNvSpPr>
           <p:nvPr>
-            <p:ph idx="1" type="body"/>
+            <p:ph type="body" idx="1"/>
           </p:nvPr>
         </p:nvSpPr>
         <p:spPr>
@@ -4637,11 +5203,11 @@
           </a:ln>
         </p:spPr>
         <p:txBody>
-          <a:bodyPr anchorCtr="0" anchor="t" bIns="91425" lIns="91425" spcFirstLastPara="1" rIns="91425" wrap="square" tIns="91425">
+          <a:bodyPr spcFirstLastPara="1" wrap="square" lIns="91425" tIns="91425" rIns="91425" bIns="91425" anchor="t" anchorCtr="0">
             <a:normAutofit/>
           </a:bodyPr>
           <a:lstStyle>
-            <a:lvl1pPr indent="-342900" lvl="0" marL="457200">
+            <a:lvl1pPr marL="457200" lvl="0" indent="-342900">
               <a:lnSpc>
                 <a:spcPct val="115000"/>
               </a:lnSpc>
@@ -4662,7 +5228,7 @@
                 </a:solidFill>
               </a:defRPr>
             </a:lvl1pPr>
-            <a:lvl2pPr indent="-317500" lvl="1" marL="914400">
+            <a:lvl2pPr marL="914400" lvl="1" indent="-317500">
               <a:lnSpc>
                 <a:spcPct val="115000"/>
               </a:lnSpc>
@@ -4683,7 +5249,7 @@
                 </a:solidFill>
               </a:defRPr>
             </a:lvl2pPr>
-            <a:lvl3pPr indent="-317500" lvl="2" marL="1371600">
+            <a:lvl3pPr marL="1371600" lvl="2" indent="-317500">
               <a:lnSpc>
                 <a:spcPct val="115000"/>
               </a:lnSpc>
@@ -4704,7 +5270,7 @@
                 </a:solidFill>
               </a:defRPr>
             </a:lvl3pPr>
-            <a:lvl4pPr indent="-317500" lvl="3" marL="1828800">
+            <a:lvl4pPr marL="1828800" lvl="3" indent="-317500">
               <a:lnSpc>
                 <a:spcPct val="115000"/>
               </a:lnSpc>
@@ -4725,7 +5291,7 @@
                 </a:solidFill>
               </a:defRPr>
             </a:lvl4pPr>
-            <a:lvl5pPr indent="-317500" lvl="4" marL="2286000">
+            <a:lvl5pPr marL="2286000" lvl="4" indent="-317500">
               <a:lnSpc>
                 <a:spcPct val="115000"/>
               </a:lnSpc>
@@ -4746,7 +5312,7 @@
                 </a:solidFill>
               </a:defRPr>
             </a:lvl5pPr>
-            <a:lvl6pPr indent="-317500" lvl="5" marL="2743200">
+            <a:lvl6pPr marL="2743200" lvl="5" indent="-317500">
               <a:lnSpc>
                 <a:spcPct val="115000"/>
               </a:lnSpc>
@@ -4767,7 +5333,7 @@
                 </a:solidFill>
               </a:defRPr>
             </a:lvl6pPr>
-            <a:lvl7pPr indent="-317500" lvl="6" marL="3200400">
+            <a:lvl7pPr marL="3200400" lvl="6" indent="-317500">
               <a:lnSpc>
                 <a:spcPct val="115000"/>
               </a:lnSpc>
@@ -4788,7 +5354,7 @@
                 </a:solidFill>
               </a:defRPr>
             </a:lvl7pPr>
-            <a:lvl8pPr indent="-317500" lvl="7" marL="3657600">
+            <a:lvl8pPr marL="3657600" lvl="7" indent="-317500">
               <a:lnSpc>
                 <a:spcPct val="115000"/>
               </a:lnSpc>
@@ -4809,7 +5375,7 @@
                 </a:solidFill>
               </a:defRPr>
             </a:lvl8pPr>
-            <a:lvl9pPr indent="-317500" lvl="8" marL="4114800">
+            <a:lvl9pPr marL="4114800" lvl="8" indent="-317500">
               <a:lnSpc>
                 <a:spcPct val="115000"/>
               </a:lnSpc>
@@ -4831,15 +5397,19 @@
               </a:defRPr>
             </a:lvl9pPr>
           </a:lstStyle>
-          <a:p/>
+          <a:p>
+            <a:endParaRPr/>
+          </a:p>
         </p:txBody>
       </p:sp>
       <p:sp>
         <p:nvSpPr>
           <p:cNvPr id="8" name="Google Shape;8;p1"/>
-          <p:cNvSpPr txBox="1"/>
+          <p:cNvSpPr txBox="1">
+            <a:spLocks noGrp="1"/>
+          </p:cNvSpPr>
           <p:nvPr>
-            <p:ph idx="12" type="sldNum"/>
+            <p:ph type="sldNum" idx="12"/>
           </p:nvPr>
         </p:nvSpPr>
         <p:spPr>
@@ -4856,7 +5426,7 @@
           </a:ln>
         </p:spPr>
         <p:txBody>
-          <a:bodyPr anchorCtr="0" anchor="ctr" bIns="91425" lIns="91425" spcFirstLastPara="1" rIns="91425" wrap="square" tIns="91425">
+          <a:bodyPr spcFirstLastPara="1" wrap="square" lIns="91425" tIns="91425" rIns="91425" bIns="91425" anchor="ctr" anchorCtr="0">
             <a:normAutofit/>
           </a:bodyPr>
           <a:lstStyle>
@@ -4934,7 +5504,7 @@
             </a:lvl9pPr>
           </a:lstStyle>
           <a:p>
-            <a:pPr indent="0" lvl="0" marL="0" rtl="0" algn="r">
+            <a:pPr marL="0" lvl="0" indent="0" algn="r" rtl="0">
               <a:spcBef>
                 <a:spcPts val="0"/>
               </a:spcBef>
@@ -4953,24 +5523,24 @@
       </p:sp>
     </p:spTree>
   </p:cSld>
-  <p:clrMap accent1="accent1" accent2="accent2" accent3="accent3" accent4="accent4" accent5="accent5" accent6="accent6" bg1="lt1" bg2="dk2" tx1="dk1" tx2="lt2" folHlink="folHlink" hlink="hlink"/>
+  <p:clrMap bg1="lt1" tx1="dk1" bg2="dk2" tx2="lt2" accent1="accent1" accent2="accent2" accent3="accent3" accent4="accent4" accent5="accent5" accent6="accent6" hlink="hlink" folHlink="folHlink"/>
   <p:sldLayoutIdLst>
-    <p:sldLayoutId id="2147483648" r:id="rId2"/>
-    <p:sldLayoutId id="2147483649" r:id="rId3"/>
-    <p:sldLayoutId id="2147483650" r:id="rId4"/>
-    <p:sldLayoutId id="2147483651" r:id="rId5"/>
-    <p:sldLayoutId id="2147483652" r:id="rId6"/>
-    <p:sldLayoutId id="2147483653" r:id="rId7"/>
-    <p:sldLayoutId id="2147483654" r:id="rId8"/>
-    <p:sldLayoutId id="2147483655" r:id="rId9"/>
-    <p:sldLayoutId id="2147483656" r:id="rId10"/>
-    <p:sldLayoutId id="2147483657" r:id="rId11"/>
-    <p:sldLayoutId id="2147483658" r:id="rId12"/>
+    <p:sldLayoutId id="2147483648" r:id="rId1"/>
+    <p:sldLayoutId id="2147483649" r:id="rId2"/>
+    <p:sldLayoutId id="2147483650" r:id="rId3"/>
+    <p:sldLayoutId id="2147483651" r:id="rId4"/>
+    <p:sldLayoutId id="2147483652" r:id="rId5"/>
+    <p:sldLayoutId id="2147483653" r:id="rId6"/>
+    <p:sldLayoutId id="2147483654" r:id="rId7"/>
+    <p:sldLayoutId id="2147483655" r:id="rId8"/>
+    <p:sldLayoutId id="2147483656" r:id="rId9"/>
+    <p:sldLayoutId id="2147483657" r:id="rId10"/>
+    <p:sldLayoutId id="2147483658" r:id="rId11"/>
   </p:sldLayoutIdLst>
-  <p:hf dt="0" ftr="0" hdr="0" sldNum="0"/>
+  <p:hf sldNum="0" hdr="0" ftr="0" dt="0"/>
   <p:txStyles>
     <p:titleStyle>
-      <a:defPPr lvl="0" marR="0" rtl="0" algn="l">
+      <a:defPPr marR="0" lvl="0" algn="l" rtl="0">
         <a:lnSpc>
           <a:spcPct val="100000"/>
         </a:lnSpc>
@@ -4981,7 +5551,7 @@
           <a:spcPts val="0"/>
         </a:spcAft>
       </a:defPPr>
-      <a:lvl1pPr lvl="0" marR="0" rtl="0" algn="l">
+      <a:lvl1pPr marR="0" lvl="0" algn="l" rtl="0">
         <a:lnSpc>
           <a:spcPct val="100000"/>
         </a:lnSpc>
@@ -4995,7 +5565,7 @@
           <a:srgbClr val="000000"/>
         </a:buClr>
         <a:buFont typeface="Arial"/>
-        <a:defRPr b="0" i="0" sz="1400" u="none" cap="none" strike="noStrike">
+        <a:defRPr sz="1400" b="0" i="0" u="none" strike="noStrike" cap="none">
           <a:solidFill>
             <a:srgbClr val="000000"/>
           </a:solidFill>
@@ -5005,7 +5575,7 @@
           <a:sym typeface="Arial"/>
         </a:defRPr>
       </a:lvl1pPr>
-      <a:lvl2pPr lvl="1" marR="0" rtl="0" algn="l">
+      <a:lvl2pPr marR="0" lvl="1" algn="l" rtl="0">
         <a:lnSpc>
           <a:spcPct val="100000"/>
         </a:lnSpc>
@@ -5019,7 +5589,7 @@
           <a:srgbClr val="000000"/>
         </a:buClr>
         <a:buFont typeface="Arial"/>
-        <a:defRPr b="0" i="0" sz="1400" u="none" cap="none" strike="noStrike">
+        <a:defRPr sz="1400" b="0" i="0" u="none" strike="noStrike" cap="none">
           <a:solidFill>
             <a:srgbClr val="000000"/>
           </a:solidFill>
@@ -5029,7 +5599,7 @@
           <a:sym typeface="Arial"/>
         </a:defRPr>
       </a:lvl2pPr>
-      <a:lvl3pPr lvl="2" marR="0" rtl="0" algn="l">
+      <a:lvl3pPr marR="0" lvl="2" algn="l" rtl="0">
         <a:lnSpc>
           <a:spcPct val="100000"/>
         </a:lnSpc>
@@ -5043,7 +5613,7 @@
           <a:srgbClr val="000000"/>
         </a:buClr>
         <a:buFont typeface="Arial"/>
-        <a:defRPr b="0" i="0" sz="1400" u="none" cap="none" strike="noStrike">
+        <a:defRPr sz="1400" b="0" i="0" u="none" strike="noStrike" cap="none">
           <a:solidFill>
             <a:srgbClr val="000000"/>
           </a:solidFill>
@@ -5053,7 +5623,7 @@
           <a:sym typeface="Arial"/>
         </a:defRPr>
       </a:lvl3pPr>
-      <a:lvl4pPr lvl="3" marR="0" rtl="0" algn="l">
+      <a:lvl4pPr marR="0" lvl="3" algn="l" rtl="0">
         <a:lnSpc>
           <a:spcPct val="100000"/>
         </a:lnSpc>
@@ -5067,7 +5637,7 @@
           <a:srgbClr val="000000"/>
         </a:buClr>
         <a:buFont typeface="Arial"/>
-        <a:defRPr b="0" i="0" sz="1400" u="none" cap="none" strike="noStrike">
+        <a:defRPr sz="1400" b="0" i="0" u="none" strike="noStrike" cap="none">
           <a:solidFill>
             <a:srgbClr val="000000"/>
           </a:solidFill>
@@ -5077,7 +5647,7 @@
           <a:sym typeface="Arial"/>
         </a:defRPr>
       </a:lvl4pPr>
-      <a:lvl5pPr lvl="4" marR="0" rtl="0" algn="l">
+      <a:lvl5pPr marR="0" lvl="4" algn="l" rtl="0">
         <a:lnSpc>
           <a:spcPct val="100000"/>
         </a:lnSpc>
@@ -5091,7 +5661,7 @@
           <a:srgbClr val="000000"/>
         </a:buClr>
         <a:buFont typeface="Arial"/>
-        <a:defRPr b="0" i="0" sz="1400" u="none" cap="none" strike="noStrike">
+        <a:defRPr sz="1400" b="0" i="0" u="none" strike="noStrike" cap="none">
           <a:solidFill>
             <a:srgbClr val="000000"/>
           </a:solidFill>
@@ -5101,7 +5671,7 @@
           <a:sym typeface="Arial"/>
         </a:defRPr>
       </a:lvl5pPr>
-      <a:lvl6pPr lvl="5" marR="0" rtl="0" algn="l">
+      <a:lvl6pPr marR="0" lvl="5" algn="l" rtl="0">
         <a:lnSpc>
           <a:spcPct val="100000"/>
         </a:lnSpc>
@@ -5115,7 +5685,7 @@
           <a:srgbClr val="000000"/>
         </a:buClr>
         <a:buFont typeface="Arial"/>
-        <a:defRPr b="0" i="0" sz="1400" u="none" cap="none" strike="noStrike">
+        <a:defRPr sz="1400" b="0" i="0" u="none" strike="noStrike" cap="none">
           <a:solidFill>
             <a:srgbClr val="000000"/>
           </a:solidFill>
@@ -5125,7 +5695,7 @@
           <a:sym typeface="Arial"/>
         </a:defRPr>
       </a:lvl6pPr>
-      <a:lvl7pPr lvl="6" marR="0" rtl="0" algn="l">
+      <a:lvl7pPr marR="0" lvl="6" algn="l" rtl="0">
         <a:lnSpc>
           <a:spcPct val="100000"/>
         </a:lnSpc>
@@ -5139,7 +5709,7 @@
           <a:srgbClr val="000000"/>
         </a:buClr>
         <a:buFont typeface="Arial"/>
-        <a:defRPr b="0" i="0" sz="1400" u="none" cap="none" strike="noStrike">
+        <a:defRPr sz="1400" b="0" i="0" u="none" strike="noStrike" cap="none">
           <a:solidFill>
             <a:srgbClr val="000000"/>
           </a:solidFill>
@@ -5149,7 +5719,7 @@
           <a:sym typeface="Arial"/>
         </a:defRPr>
       </a:lvl7pPr>
-      <a:lvl8pPr lvl="7" marR="0" rtl="0" algn="l">
+      <a:lvl8pPr marR="0" lvl="7" algn="l" rtl="0">
         <a:lnSpc>
           <a:spcPct val="100000"/>
         </a:lnSpc>
@@ -5163,7 +5733,7 @@
           <a:srgbClr val="000000"/>
         </a:buClr>
         <a:buFont typeface="Arial"/>
-        <a:defRPr b="0" i="0" sz="1400" u="none" cap="none" strike="noStrike">
+        <a:defRPr sz="1400" b="0" i="0" u="none" strike="noStrike" cap="none">
           <a:solidFill>
             <a:srgbClr val="000000"/>
           </a:solidFill>
@@ -5173,7 +5743,7 @@
           <a:sym typeface="Arial"/>
         </a:defRPr>
       </a:lvl8pPr>
-      <a:lvl9pPr lvl="8" marR="0" rtl="0" algn="l">
+      <a:lvl9pPr marR="0" lvl="8" algn="l" rtl="0">
         <a:lnSpc>
           <a:spcPct val="100000"/>
         </a:lnSpc>
@@ -5187,7 +5757,7 @@
           <a:srgbClr val="000000"/>
         </a:buClr>
         <a:buFont typeface="Arial"/>
-        <a:defRPr b="0" i="0" sz="1400" u="none" cap="none" strike="noStrike">
+        <a:defRPr sz="1400" b="0" i="0" u="none" strike="noStrike" cap="none">
           <a:solidFill>
             <a:srgbClr val="000000"/>
           </a:solidFill>
@@ -5199,7 +5769,7 @@
       </a:lvl9pPr>
     </p:titleStyle>
     <p:bodyStyle>
-      <a:defPPr lvl="0" marR="0" rtl="0" algn="l">
+      <a:defPPr marR="0" lvl="0" algn="l" rtl="0">
         <a:lnSpc>
           <a:spcPct val="100000"/>
         </a:lnSpc>
@@ -5210,7 +5780,7 @@
           <a:spcPts val="0"/>
         </a:spcAft>
       </a:defPPr>
-      <a:lvl1pPr lvl="0" marR="0" rtl="0" algn="l">
+      <a:lvl1pPr marR="0" lvl="0" algn="l" rtl="0">
         <a:lnSpc>
           <a:spcPct val="100000"/>
         </a:lnSpc>
@@ -5224,7 +5794,7 @@
           <a:srgbClr val="000000"/>
         </a:buClr>
         <a:buFont typeface="Arial"/>
-        <a:defRPr b="0" i="0" sz="1400" u="none" cap="none" strike="noStrike">
+        <a:defRPr sz="1400" b="0" i="0" u="none" strike="noStrike" cap="none">
           <a:solidFill>
             <a:srgbClr val="000000"/>
           </a:solidFill>
@@ -5234,7 +5804,7 @@
           <a:sym typeface="Arial"/>
         </a:defRPr>
       </a:lvl1pPr>
-      <a:lvl2pPr lvl="1" marR="0" rtl="0" algn="l">
+      <a:lvl2pPr marR="0" lvl="1" algn="l" rtl="0">
         <a:lnSpc>
           <a:spcPct val="100000"/>
         </a:lnSpc>
@@ -5248,7 +5818,7 @@
           <a:srgbClr val="000000"/>
         </a:buClr>
         <a:buFont typeface="Arial"/>
-        <a:defRPr b="0" i="0" sz="1400" u="none" cap="none" strike="noStrike">
+        <a:defRPr sz="1400" b="0" i="0" u="none" strike="noStrike" cap="none">
           <a:solidFill>
             <a:srgbClr val="000000"/>
           </a:solidFill>
@@ -5258,7 +5828,7 @@
           <a:sym typeface="Arial"/>
         </a:defRPr>
       </a:lvl2pPr>
-      <a:lvl3pPr lvl="2" marR="0" rtl="0" algn="l">
+      <a:lvl3pPr marR="0" lvl="2" algn="l" rtl="0">
         <a:lnSpc>
           <a:spcPct val="100000"/>
         </a:lnSpc>
@@ -5272,7 +5842,7 @@
           <a:srgbClr val="000000"/>
         </a:buClr>
         <a:buFont typeface="Arial"/>
-        <a:defRPr b="0" i="0" sz="1400" u="none" cap="none" strike="noStrike">
+        <a:defRPr sz="1400" b="0" i="0" u="none" strike="noStrike" cap="none">
           <a:solidFill>
             <a:srgbClr val="000000"/>
           </a:solidFill>
@@ -5282,7 +5852,7 @@
           <a:sym typeface="Arial"/>
         </a:defRPr>
       </a:lvl3pPr>
-      <a:lvl4pPr lvl="3" marR="0" rtl="0" algn="l">
+      <a:lvl4pPr marR="0" lvl="3" algn="l" rtl="0">
         <a:lnSpc>
           <a:spcPct val="100000"/>
         </a:lnSpc>
@@ -5296,7 +5866,7 @@
           <a:srgbClr val="000000"/>
         </a:buClr>
         <a:buFont typeface="Arial"/>
-        <a:defRPr b="0" i="0" sz="1400" u="none" cap="none" strike="noStrike">
+        <a:defRPr sz="1400" b="0" i="0" u="none" strike="noStrike" cap="none">
           <a:solidFill>
             <a:srgbClr val="000000"/>
           </a:solidFill>
@@ -5306,7 +5876,7 @@
           <a:sym typeface="Arial"/>
         </a:defRPr>
       </a:lvl4pPr>
-      <a:lvl5pPr lvl="4" marR="0" rtl="0" algn="l">
+      <a:lvl5pPr marR="0" lvl="4" algn="l" rtl="0">
         <a:lnSpc>
           <a:spcPct val="100000"/>
         </a:lnSpc>
@@ -5320,7 +5890,7 @@
           <a:srgbClr val="000000"/>
         </a:buClr>
         <a:buFont typeface="Arial"/>
-        <a:defRPr b="0" i="0" sz="1400" u="none" cap="none" strike="noStrike">
+        <a:defRPr sz="1400" b="0" i="0" u="none" strike="noStrike" cap="none">
           <a:solidFill>
             <a:srgbClr val="000000"/>
           </a:solidFill>
@@ -5330,7 +5900,7 @@
           <a:sym typeface="Arial"/>
         </a:defRPr>
       </a:lvl5pPr>
-      <a:lvl6pPr lvl="5" marR="0" rtl="0" algn="l">
+      <a:lvl6pPr marR="0" lvl="5" algn="l" rtl="0">
         <a:lnSpc>
           <a:spcPct val="100000"/>
         </a:lnSpc>
@@ -5344,7 +5914,7 @@
           <a:srgbClr val="000000"/>
         </a:buClr>
         <a:buFont typeface="Arial"/>
-        <a:defRPr b="0" i="0" sz="1400" u="none" cap="none" strike="noStrike">
+        <a:defRPr sz="1400" b="0" i="0" u="none" strike="noStrike" cap="none">
           <a:solidFill>
             <a:srgbClr val="000000"/>
           </a:solidFill>
@@ -5354,7 +5924,7 @@
           <a:sym typeface="Arial"/>
         </a:defRPr>
       </a:lvl6pPr>
-      <a:lvl7pPr lvl="6" marR="0" rtl="0" algn="l">
+      <a:lvl7pPr marR="0" lvl="6" algn="l" rtl="0">
         <a:lnSpc>
           <a:spcPct val="100000"/>
         </a:lnSpc>
@@ -5368,7 +5938,7 @@
           <a:srgbClr val="000000"/>
         </a:buClr>
         <a:buFont typeface="Arial"/>
-        <a:defRPr b="0" i="0" sz="1400" u="none" cap="none" strike="noStrike">
+        <a:defRPr sz="1400" b="0" i="0" u="none" strike="noStrike" cap="none">
           <a:solidFill>
             <a:srgbClr val="000000"/>
           </a:solidFill>
@@ -5378,7 +5948,7 @@
           <a:sym typeface="Arial"/>
         </a:defRPr>
       </a:lvl7pPr>
-      <a:lvl8pPr lvl="7" marR="0" rtl="0" algn="l">
+      <a:lvl8pPr marR="0" lvl="7" algn="l" rtl="0">
         <a:lnSpc>
           <a:spcPct val="100000"/>
         </a:lnSpc>
@@ -5392,7 +5962,7 @@
           <a:srgbClr val="000000"/>
         </a:buClr>
         <a:buFont typeface="Arial"/>
-        <a:defRPr b="0" i="0" sz="1400" u="none" cap="none" strike="noStrike">
+        <a:defRPr sz="1400" b="0" i="0" u="none" strike="noStrike" cap="none">
           <a:solidFill>
             <a:srgbClr val="000000"/>
           </a:solidFill>
@@ -5402,7 +5972,7 @@
           <a:sym typeface="Arial"/>
         </a:defRPr>
       </a:lvl8pPr>
-      <a:lvl9pPr lvl="8" marR="0" rtl="0" algn="l">
+      <a:lvl9pPr marR="0" lvl="8" algn="l" rtl="0">
         <a:lnSpc>
           <a:spcPct val="100000"/>
         </a:lnSpc>
@@ -5416,7 +5986,7 @@
           <a:srgbClr val="000000"/>
         </a:buClr>
         <a:buFont typeface="Arial"/>
-        <a:defRPr b="0" i="0" sz="1400" u="none" cap="none" strike="noStrike">
+        <a:defRPr sz="1400" b="0" i="0" u="none" strike="noStrike" cap="none">
           <a:solidFill>
             <a:srgbClr val="000000"/>
           </a:solidFill>
@@ -5428,7 +5998,7 @@
       </a:lvl9pPr>
     </p:bodyStyle>
     <p:otherStyle>
-      <a:defPPr lvl="0" marR="0" rtl="0" algn="l">
+      <a:defPPr marR="0" lvl="0" algn="l" rtl="0">
         <a:lnSpc>
           <a:spcPct val="100000"/>
         </a:lnSpc>
@@ -5439,7 +6009,7 @@
           <a:spcPts val="0"/>
         </a:spcAft>
       </a:defPPr>
-      <a:lvl1pPr lvl="0" marR="0" rtl="0" algn="l">
+      <a:lvl1pPr marR="0" lvl="0" algn="l" rtl="0">
         <a:lnSpc>
           <a:spcPct val="100000"/>
         </a:lnSpc>
@@ -5453,7 +6023,7 @@
           <a:srgbClr val="000000"/>
         </a:buClr>
         <a:buFont typeface="Arial"/>
-        <a:defRPr b="0" i="0" sz="1400" u="none" cap="none" strike="noStrike">
+        <a:defRPr sz="1400" b="0" i="0" u="none" strike="noStrike" cap="none">
           <a:solidFill>
             <a:srgbClr val="000000"/>
           </a:solidFill>
@@ -5463,7 +6033,7 @@
           <a:sym typeface="Arial"/>
         </a:defRPr>
       </a:lvl1pPr>
-      <a:lvl2pPr lvl="1" marR="0" rtl="0" algn="l">
+      <a:lvl2pPr marR="0" lvl="1" algn="l" rtl="0">
         <a:lnSpc>
           <a:spcPct val="100000"/>
         </a:lnSpc>
@@ -5477,7 +6047,7 @@
           <a:srgbClr val="000000"/>
         </a:buClr>
         <a:buFont typeface="Arial"/>
-        <a:defRPr b="0" i="0" sz="1400" u="none" cap="none" strike="noStrike">
+        <a:defRPr sz="1400" b="0" i="0" u="none" strike="noStrike" cap="none">
           <a:solidFill>
             <a:srgbClr val="000000"/>
           </a:solidFill>
@@ -5487,7 +6057,7 @@
           <a:sym typeface="Arial"/>
         </a:defRPr>
       </a:lvl2pPr>
-      <a:lvl3pPr lvl="2" marR="0" rtl="0" algn="l">
+      <a:lvl3pPr marR="0" lvl="2" algn="l" rtl="0">
         <a:lnSpc>
           <a:spcPct val="100000"/>
         </a:lnSpc>
@@ -5501,7 +6071,7 @@
           <a:srgbClr val="000000"/>
         </a:buClr>
         <a:buFont typeface="Arial"/>
-        <a:defRPr b="0" i="0" sz="1400" u="none" cap="none" strike="noStrike">
+        <a:defRPr sz="1400" b="0" i="0" u="none" strike="noStrike" cap="none">
           <a:solidFill>
             <a:srgbClr val="000000"/>
           </a:solidFill>
@@ -5511,7 +6081,7 @@
           <a:sym typeface="Arial"/>
         </a:defRPr>
       </a:lvl3pPr>
-      <a:lvl4pPr lvl="3" marR="0" rtl="0" algn="l">
+      <a:lvl4pPr marR="0" lvl="3" algn="l" rtl="0">
         <a:lnSpc>
           <a:spcPct val="100000"/>
         </a:lnSpc>
@@ -5525,7 +6095,7 @@
           <a:srgbClr val="000000"/>
         </a:buClr>
         <a:buFont typeface="Arial"/>
-        <a:defRPr b="0" i="0" sz="1400" u="none" cap="none" strike="noStrike">
+        <a:defRPr sz="1400" b="0" i="0" u="none" strike="noStrike" cap="none">
           <a:solidFill>
             <a:srgbClr val="000000"/>
           </a:solidFill>
@@ -5535,7 +6105,7 @@
           <a:sym typeface="Arial"/>
         </a:defRPr>
       </a:lvl4pPr>
-      <a:lvl5pPr lvl="4" marR="0" rtl="0" algn="l">
+      <a:lvl5pPr marR="0" lvl="4" algn="l" rtl="0">
         <a:lnSpc>
           <a:spcPct val="100000"/>
         </a:lnSpc>
@@ -5549,7 +6119,7 @@
           <a:srgbClr val="000000"/>
         </a:buClr>
         <a:buFont typeface="Arial"/>
-        <a:defRPr b="0" i="0" sz="1400" u="none" cap="none" strike="noStrike">
+        <a:defRPr sz="1400" b="0" i="0" u="none" strike="noStrike" cap="none">
           <a:solidFill>
             <a:srgbClr val="000000"/>
           </a:solidFill>
@@ -5559,7 +6129,7 @@
           <a:sym typeface="Arial"/>
         </a:defRPr>
       </a:lvl5pPr>
-      <a:lvl6pPr lvl="5" marR="0" rtl="0" algn="l">
+      <a:lvl6pPr marR="0" lvl="5" algn="l" rtl="0">
         <a:lnSpc>
           <a:spcPct val="100000"/>
         </a:lnSpc>
@@ -5573,7 +6143,7 @@
           <a:srgbClr val="000000"/>
         </a:buClr>
         <a:buFont typeface="Arial"/>
-        <a:defRPr b="0" i="0" sz="1400" u="none" cap="none" strike="noStrike">
+        <a:defRPr sz="1400" b="0" i="0" u="none" strike="noStrike" cap="none">
           <a:solidFill>
             <a:srgbClr val="000000"/>
           </a:solidFill>
@@ -5583,7 +6153,7 @@
           <a:sym typeface="Arial"/>
         </a:defRPr>
       </a:lvl6pPr>
-      <a:lvl7pPr lvl="6" marR="0" rtl="0" algn="l">
+      <a:lvl7pPr marR="0" lvl="6" algn="l" rtl="0">
         <a:lnSpc>
           <a:spcPct val="100000"/>
         </a:lnSpc>
@@ -5597,7 +6167,7 @@
           <a:srgbClr val="000000"/>
         </a:buClr>
         <a:buFont typeface="Arial"/>
-        <a:defRPr b="0" i="0" sz="1400" u="none" cap="none" strike="noStrike">
+        <a:defRPr sz="1400" b="0" i="0" u="none" strike="noStrike" cap="none">
           <a:solidFill>
             <a:srgbClr val="000000"/>
           </a:solidFill>
@@ -5607,7 +6177,7 @@
           <a:sym typeface="Arial"/>
         </a:defRPr>
       </a:lvl7pPr>
-      <a:lvl8pPr lvl="7" marR="0" rtl="0" algn="l">
+      <a:lvl8pPr marR="0" lvl="7" algn="l" rtl="0">
         <a:lnSpc>
           <a:spcPct val="100000"/>
         </a:lnSpc>
@@ -5621,7 +6191,7 @@
           <a:srgbClr val="000000"/>
         </a:buClr>
         <a:buFont typeface="Arial"/>
-        <a:defRPr b="0" i="0" sz="1400" u="none" cap="none" strike="noStrike">
+        <a:defRPr sz="1400" b="0" i="0" u="none" strike="noStrike" cap="none">
           <a:solidFill>
             <a:srgbClr val="000000"/>
           </a:solidFill>
@@ -5631,7 +6201,7 @@
           <a:sym typeface="Arial"/>
         </a:defRPr>
       </a:lvl8pPr>
-      <a:lvl9pPr lvl="8" marR="0" rtl="0" algn="l">
+      <a:lvl9pPr marR="0" lvl="8" algn="l" rtl="0">
         <a:lnSpc>
           <a:spcPct val="100000"/>
         </a:lnSpc>
@@ -5645,7 +6215,7 @@
           <a:srgbClr val="000000"/>
         </a:buClr>
         <a:buFont typeface="Arial"/>
-        <a:defRPr b="0" i="0" sz="1400" u="none" cap="none" strike="noStrike">
+        <a:defRPr sz="1400" b="0" i="0" u="none" strike="noStrike" cap="none">
           <a:solidFill>
             <a:srgbClr val="000000"/>
           </a:solidFill>
@@ -5661,11 +6231,11 @@
 </file>
 
 <file path=ppt/slides/slide1.xml><?xml version="1.0" encoding="utf-8"?>
-<p:sld xmlns:a="http://schemas.openxmlformats.org/drawingml/2006/main" xmlns:r="http://schemas.openxmlformats.org/officeDocument/2006/relationships" xmlns:mc="http://schemas.openxmlformats.org/markup-compatibility/2006" xmlns:mv="urn:schemas-microsoft-com:mac:vml" xmlns:p="http://schemas.openxmlformats.org/presentationml/2006/main" xmlns:c="http://schemas.openxmlformats.org/drawingml/2006/chart" xmlns:dgm="http://schemas.openxmlformats.org/drawingml/2006/diagram" xmlns:o="urn:schemas-microsoft-com:office:office" xmlns:v="urn:schemas-microsoft-com:vml" xmlns:pvml="urn:schemas-microsoft-com:office:powerpoint" xmlns:com="http://schemas.openxmlformats.org/drawingml/2006/compatibility" xmlns:p14="http://schemas.microsoft.com/office/powerpoint/2010/main" xmlns:p15="http://schemas.microsoft.com/office/powerpoint/2012/main" xmlns:ahyp="http://schemas.microsoft.com/office/drawing/2018/hyperlinkcolor">
+<p:sld xmlns:a="http://schemas.openxmlformats.org/drawingml/2006/main" xmlns:r="http://schemas.openxmlformats.org/officeDocument/2006/relationships" xmlns:p="http://schemas.openxmlformats.org/presentationml/2006/main">
   <p:cSld>
     <p:spTree>
       <p:nvGrpSpPr>
-        <p:cNvPr id="53" name="Shape 53"/>
+        <p:cNvPr id="1" name="Shape 53"/>
         <p:cNvGrpSpPr/>
         <p:nvPr/>
       </p:nvGrpSpPr>
@@ -5680,9 +6250,11 @@
       <p:sp>
         <p:nvSpPr>
           <p:cNvPr id="54" name="Google Shape;54;p13"/>
-          <p:cNvSpPr txBox="1"/>
+          <p:cNvSpPr txBox="1">
+            <a:spLocks noGrp="1"/>
+          </p:cNvSpPr>
           <p:nvPr>
-            <p:ph idx="1" type="subTitle"/>
+            <p:ph type="subTitle" idx="1"/>
           </p:nvPr>
         </p:nvSpPr>
         <p:spPr>
@@ -5695,12 +6267,12 @@
           </a:prstGeom>
         </p:spPr>
         <p:txBody>
-          <a:bodyPr anchorCtr="0" anchor="t" bIns="91425" lIns="91425" spcFirstLastPara="1" rIns="91425" wrap="square" tIns="91425">
-            <a:normAutofit lnSpcReduction="20000"/>
+          <a:bodyPr spcFirstLastPara="1" wrap="square" lIns="91425" tIns="91425" rIns="91425" bIns="91425" anchor="t" anchorCtr="0">
+            <a:normAutofit fontScale="92500"/>
           </a:bodyPr>
           <a:lstStyle/>
           <a:p>
-            <a:pPr indent="0" lvl="0" marL="0" rtl="0" algn="ctr">
+            <a:pPr marL="0" lvl="0" indent="0" algn="ctr" rtl="0">
               <a:spcBef>
                 <a:spcPts val="0"/>
               </a:spcBef>
@@ -5710,7 +6282,7 @@
               <a:buNone/>
             </a:pPr>
             <a:r>
-              <a:rPr b="1" lang="en">
+              <a:rPr lang="en" b="1">
                 <a:latin typeface="Red Hat Display"/>
                 <a:ea typeface="Red Hat Display"/>
                 <a:cs typeface="Red Hat Display"/>
@@ -5775,12 +6347,12 @@
           </a:ln>
         </p:spPr>
         <p:txBody>
-          <a:bodyPr anchorCtr="0" anchor="t" bIns="91425" lIns="91425" spcFirstLastPara="1" rIns="91425" wrap="square" tIns="91425">
+          <a:bodyPr spcFirstLastPara="1" wrap="square" lIns="91425" tIns="91425" rIns="91425" bIns="91425" anchor="t" anchorCtr="0">
             <a:spAutoFit/>
           </a:bodyPr>
           <a:lstStyle/>
           <a:p>
-            <a:pPr indent="0" lvl="0" marL="0" rtl="0" algn="l">
+            <a:pPr marL="0" lvl="0" indent="0" algn="l" rtl="0">
               <a:spcBef>
                 <a:spcPts val="0"/>
               </a:spcBef>
@@ -5806,7 +6378,7 @@
             </a:endParaRPr>
           </a:p>
           <a:p>
-            <a:pPr indent="0" lvl="0" marL="0" rtl="0" algn="l">
+            <a:pPr marL="0" lvl="0" indent="0" algn="l" rtl="0">
               <a:spcBef>
                 <a:spcPts val="0"/>
               </a:spcBef>
@@ -5837,7 +6409,7 @@
             </a:endParaRPr>
           </a:p>
           <a:p>
-            <a:pPr indent="0" lvl="0" marL="0" rtl="0" algn="l">
+            <a:pPr marL="0" lvl="0" indent="0" algn="l" rtl="0">
               <a:spcBef>
                 <a:spcPts val="0"/>
               </a:spcBef>
@@ -5863,7 +6435,7 @@
             </a:endParaRPr>
           </a:p>
           <a:p>
-            <a:pPr indent="0" lvl="0" marL="0" rtl="0" algn="l">
+            <a:pPr marL="0" lvl="0" indent="0" algn="l" rtl="0">
               <a:spcBef>
                 <a:spcPts val="0"/>
               </a:spcBef>
@@ -5872,9 +6444,6 @@
               </a:spcAft>
               <a:buNone/>
             </a:pPr>
-            <a:r>
-              <a:t/>
-            </a:r>
             <a:endParaRPr sz="1800">
               <a:latin typeface="Red Hat Display SemiBold"/>
               <a:ea typeface="Red Hat Display SemiBold"/>
@@ -5893,11 +6462,11 @@
 </file>
 
 <file path=ppt/slides/slide2.xml><?xml version="1.0" encoding="utf-8"?>
-<p:sld xmlns:a="http://schemas.openxmlformats.org/drawingml/2006/main" xmlns:r="http://schemas.openxmlformats.org/officeDocument/2006/relationships" xmlns:mc="http://schemas.openxmlformats.org/markup-compatibility/2006" xmlns:mv="urn:schemas-microsoft-com:mac:vml" xmlns:p="http://schemas.openxmlformats.org/presentationml/2006/main" xmlns:c="http://schemas.openxmlformats.org/drawingml/2006/chart" xmlns:dgm="http://schemas.openxmlformats.org/drawingml/2006/diagram" xmlns:o="urn:schemas-microsoft-com:office:office" xmlns:v="urn:schemas-microsoft-com:vml" xmlns:pvml="urn:schemas-microsoft-com:office:powerpoint" xmlns:com="http://schemas.openxmlformats.org/drawingml/2006/compatibility" xmlns:p14="http://schemas.microsoft.com/office/powerpoint/2010/main" xmlns:p15="http://schemas.microsoft.com/office/powerpoint/2012/main" xmlns:ahyp="http://schemas.microsoft.com/office/drawing/2018/hyperlinkcolor">
+<p:sld xmlns:a="http://schemas.openxmlformats.org/drawingml/2006/main" xmlns:r="http://schemas.openxmlformats.org/officeDocument/2006/relationships" xmlns:p="http://schemas.openxmlformats.org/presentationml/2006/main">
   <p:cSld>
     <p:spTree>
       <p:nvGrpSpPr>
-        <p:cNvPr id="60" name="Shape 60"/>
+        <p:cNvPr id="1" name="Shape 60"/>
         <p:cNvGrpSpPr/>
         <p:nvPr/>
       </p:nvGrpSpPr>
@@ -5912,14 +6481,16 @@
       <p:sp>
         <p:nvSpPr>
           <p:cNvPr id="61" name="Google Shape;61;p14"/>
-          <p:cNvSpPr txBox="1"/>
+          <p:cNvSpPr txBox="1">
+            <a:spLocks noGrp="1"/>
+          </p:cNvSpPr>
           <p:nvPr>
             <p:ph type="ctrTitle"/>
           </p:nvPr>
         </p:nvSpPr>
         <p:spPr>
           <a:xfrm>
-            <a:off x="311700" y="744575"/>
+            <a:off x="-2417746" y="-659364"/>
             <a:ext cx="8520600" cy="2052600"/>
           </a:xfrm>
           <a:prstGeom prst="rect">
@@ -5927,12 +6498,12 @@
           </a:prstGeom>
         </p:spPr>
         <p:txBody>
-          <a:bodyPr anchorCtr="0" anchor="b" bIns="91425" lIns="91425" spcFirstLastPara="1" rIns="91425" wrap="square" tIns="91425">
+          <a:bodyPr spcFirstLastPara="1" wrap="square" lIns="91425" tIns="91425" rIns="91425" bIns="91425" anchor="b" anchorCtr="0">
             <a:noAutofit/>
           </a:bodyPr>
           <a:lstStyle/>
           <a:p>
-            <a:pPr indent="0" lvl="0" marL="0" rtl="0" algn="ctr">
+            <a:pPr marL="0" lvl="0" indent="0" algn="ctr" rtl="0">
               <a:spcBef>
                 <a:spcPts val="0"/>
               </a:spcBef>
@@ -5942,7 +6513,7 @@
               <a:buNone/>
             </a:pPr>
             <a:r>
-              <a:rPr lang="en" sz="3000">
+              <a:rPr lang="en" sz="3000" dirty="0">
                 <a:latin typeface="Red Hat Display ExtraBold"/>
                 <a:ea typeface="Red Hat Display ExtraBold"/>
                 <a:cs typeface="Red Hat Display ExtraBold"/>
@@ -5950,7 +6521,7 @@
               </a:rPr>
               <a:t>Problem Details</a:t>
             </a:r>
-            <a:endParaRPr sz="3000">
+            <a:endParaRPr sz="3000" dirty="0">
               <a:latin typeface="Red Hat Display ExtraBold"/>
               <a:ea typeface="Red Hat Display ExtraBold"/>
               <a:cs typeface="Red Hat Display ExtraBold"/>
@@ -5958,7 +6529,7 @@
             </a:endParaRPr>
           </a:p>
           <a:p>
-            <a:pPr indent="0" lvl="0" marL="0" rtl="0" algn="ctr">
+            <a:pPr marL="0" lvl="0" indent="0" algn="ctr" rtl="0">
               <a:spcBef>
                 <a:spcPts val="0"/>
               </a:spcBef>
@@ -5967,10 +6538,7 @@
               </a:spcAft>
               <a:buNone/>
             </a:pPr>
-            <a:r>
-              <a:t/>
-            </a:r>
-            <a:endParaRPr sz="3000">
+            <a:endParaRPr sz="3000" dirty="0">
               <a:latin typeface="Red Hat Display ExtraBold"/>
               <a:ea typeface="Red Hat Display ExtraBold"/>
               <a:cs typeface="Red Hat Display ExtraBold"/>
@@ -5982,14 +6550,16 @@
       <p:sp>
         <p:nvSpPr>
           <p:cNvPr id="62" name="Google Shape;62;p14"/>
-          <p:cNvSpPr txBox="1"/>
+          <p:cNvSpPr txBox="1">
+            <a:spLocks noGrp="1"/>
+          </p:cNvSpPr>
           <p:nvPr>
-            <p:ph idx="1" type="subTitle"/>
+            <p:ph type="subTitle" idx="1"/>
           </p:nvPr>
         </p:nvSpPr>
         <p:spPr>
           <a:xfrm>
-            <a:off x="311700" y="2834125"/>
+            <a:off x="-2675340" y="996936"/>
             <a:ext cx="8520600" cy="792600"/>
           </a:xfrm>
           <a:prstGeom prst="rect">
@@ -5997,12 +6567,12 @@
           </a:prstGeom>
         </p:spPr>
         <p:txBody>
-          <a:bodyPr anchorCtr="0" anchor="t" bIns="91425" lIns="91425" spcFirstLastPara="1" rIns="91425" wrap="square" tIns="91425">
+          <a:bodyPr spcFirstLastPara="1" wrap="square" lIns="91425" tIns="91425" rIns="91425" bIns="91425" anchor="t" anchorCtr="0">
             <a:noAutofit/>
           </a:bodyPr>
           <a:lstStyle/>
           <a:p>
-            <a:pPr indent="0" lvl="0" marL="0" rtl="0" algn="ctr">
+            <a:pPr marL="0" lvl="0" indent="0" algn="ctr" rtl="0">
               <a:lnSpc>
                 <a:spcPct val="80000"/>
               </a:lnSpc>
@@ -6020,15 +6590,34 @@
               <a:buNone/>
             </a:pPr>
             <a:r>
-              <a:rPr lang="en" sz="2040">
+              <a:rPr lang="en" sz="2040" dirty="0">
                 <a:latin typeface="Red Hat Display SemiBold"/>
                 <a:ea typeface="Red Hat Display SemiBold"/>
                 <a:cs typeface="Red Hat Display SemiBold"/>
                 <a:sym typeface="Red Hat Display SemiBold"/>
               </a:rPr>
-              <a:t>Problem Statement:</a:t>
+              <a:t>Problem Statement: </a:t>
             </a:r>
-            <a:endParaRPr sz="2040">
+          </a:p>
+          <a:p>
+            <a:pPr marL="0" lvl="0" indent="0" algn="ctr" rtl="0">
+              <a:lnSpc>
+                <a:spcPct val="80000"/>
+              </a:lnSpc>
+              <a:spcBef>
+                <a:spcPts val="0"/>
+              </a:spcBef>
+              <a:spcAft>
+                <a:spcPts val="0"/>
+              </a:spcAft>
+              <a:buClr>
+                <a:schemeClr val="dk1"/>
+              </a:buClr>
+              <a:buSzPts val="605"/>
+              <a:buFont typeface="Arial"/>
+              <a:buNone/>
+            </a:pPr>
+            <a:endParaRPr lang="en" sz="2040" dirty="0">
               <a:latin typeface="Red Hat Display SemiBold"/>
               <a:ea typeface="Red Hat Display SemiBold"/>
               <a:cs typeface="Red Hat Display SemiBold"/>
@@ -6036,7 +6625,7 @@
             </a:endParaRPr>
           </a:p>
           <a:p>
-            <a:pPr indent="0" lvl="0" marL="0" rtl="0" algn="ctr">
+            <a:pPr marL="0" lvl="0" indent="0" algn="ctr" rtl="0">
               <a:lnSpc>
                 <a:spcPct val="80000"/>
               </a:lnSpc>
@@ -6053,10 +6642,7 @@
               <a:buFont typeface="Arial"/>
               <a:buNone/>
             </a:pPr>
-            <a:r>
-              <a:t/>
-            </a:r>
-            <a:endParaRPr sz="2040">
+            <a:endParaRPr sz="2040" dirty="0">
               <a:latin typeface="Red Hat Display SemiBold"/>
               <a:ea typeface="Red Hat Display SemiBold"/>
               <a:cs typeface="Red Hat Display SemiBold"/>
@@ -6064,7 +6650,7 @@
             </a:endParaRPr>
           </a:p>
           <a:p>
-            <a:pPr indent="0" lvl="0" marL="0" rtl="0" algn="ctr">
+            <a:pPr marL="0" lvl="0" indent="0" algn="ctr" rtl="0">
               <a:lnSpc>
                 <a:spcPct val="80000"/>
               </a:lnSpc>
@@ -6074,11 +6660,36 @@
               <a:spcAft>
                 <a:spcPts val="0"/>
               </a:spcAft>
+              <a:buClr>
+                <a:schemeClr val="dk1"/>
+              </a:buClr>
+              <a:buSzPts val="605"/>
+              <a:buFont typeface="Arial"/>
+              <a:buNone/>
+            </a:pPr>
+            <a:endParaRPr sz="2040" dirty="0">
+              <a:latin typeface="Red Hat Display SemiBold"/>
+              <a:ea typeface="Red Hat Display SemiBold"/>
+              <a:cs typeface="Red Hat Display SemiBold"/>
+              <a:sym typeface="Red Hat Display SemiBold"/>
+            </a:endParaRPr>
+          </a:p>
+          <a:p>
+            <a:pPr marL="0" lvl="0" indent="0" algn="ctr" rtl="0">
+              <a:lnSpc>
+                <a:spcPct val="80000"/>
+              </a:lnSpc>
+              <a:spcBef>
+                <a:spcPts val="0"/>
+              </a:spcBef>
+              <a:spcAft>
+                <a:spcPts val="0"/>
+              </a:spcAft>
               <a:buSzPts val="605"/>
               <a:buNone/>
             </a:pPr>
             <a:r>
-              <a:rPr lang="en" sz="2040">
+              <a:rPr lang="en" sz="2040" dirty="0">
                 <a:latin typeface="Red Hat Display SemiBold"/>
                 <a:ea typeface="Red Hat Display SemiBold"/>
                 <a:cs typeface="Red Hat Display SemiBold"/>
@@ -6086,7 +6697,7 @@
               </a:rPr>
               <a:t>Problem Description:</a:t>
             </a:r>
-            <a:endParaRPr sz="2040">
+            <a:endParaRPr sz="2040" dirty="0">
               <a:latin typeface="Red Hat Display SemiBold"/>
               <a:ea typeface="Red Hat Display SemiBold"/>
               <a:cs typeface="Red Hat Display SemiBold"/>
@@ -6104,11 +6715,834 @@
 </file>
 
 <file path=ppt/slides/slide3.xml><?xml version="1.0" encoding="utf-8"?>
-<p:sld xmlns:a="http://schemas.openxmlformats.org/drawingml/2006/main" xmlns:r="http://schemas.openxmlformats.org/officeDocument/2006/relationships" xmlns:mc="http://schemas.openxmlformats.org/markup-compatibility/2006" xmlns:mv="urn:schemas-microsoft-com:mac:vml" xmlns:p="http://schemas.openxmlformats.org/presentationml/2006/main" xmlns:c="http://schemas.openxmlformats.org/drawingml/2006/chart" xmlns:dgm="http://schemas.openxmlformats.org/drawingml/2006/diagram" xmlns:o="urn:schemas-microsoft-com:office:office" xmlns:v="urn:schemas-microsoft-com:vml" xmlns:pvml="urn:schemas-microsoft-com:office:powerpoint" xmlns:com="http://schemas.openxmlformats.org/drawingml/2006/compatibility" xmlns:p14="http://schemas.microsoft.com/office/powerpoint/2010/main" xmlns:p15="http://schemas.microsoft.com/office/powerpoint/2012/main" xmlns:ahyp="http://schemas.microsoft.com/office/drawing/2018/hyperlinkcolor">
+<p:sld xmlns:a="http://schemas.openxmlformats.org/drawingml/2006/main" xmlns:r="http://schemas.openxmlformats.org/officeDocument/2006/relationships" xmlns:p="http://schemas.openxmlformats.org/presentationml/2006/main">
   <p:cSld>
     <p:spTree>
       <p:nvGrpSpPr>
-        <p:cNvPr id="66" name="Shape 66"/>
+        <p:cNvPr id="1" name="Shape 60"/>
+        <p:cNvGrpSpPr/>
+        <p:nvPr/>
+      </p:nvGrpSpPr>
+      <p:grpSpPr>
+        <a:xfrm>
+          <a:off x="0" y="0"/>
+          <a:ext cx="0" cy="0"/>
+          <a:chOff x="0" y="0"/>
+          <a:chExt cx="0" cy="0"/>
+        </a:xfrm>
+      </p:grpSpPr>
+      <p:sp>
+        <p:nvSpPr>
+          <p:cNvPr id="61" name="Google Shape;61;p14"/>
+          <p:cNvSpPr txBox="1">
+            <a:spLocks noGrp="1"/>
+          </p:cNvSpPr>
+          <p:nvPr>
+            <p:ph type="ctrTitle"/>
+          </p:nvPr>
+        </p:nvSpPr>
+        <p:spPr>
+          <a:xfrm>
+            <a:off x="-2234866" y="-659364"/>
+            <a:ext cx="8520600" cy="2052600"/>
+          </a:xfrm>
+          <a:prstGeom prst="rect">
+            <a:avLst/>
+          </a:prstGeom>
+        </p:spPr>
+        <p:txBody>
+          <a:bodyPr spcFirstLastPara="1" wrap="square" lIns="91425" tIns="91425" rIns="91425" bIns="91425" anchor="b" anchorCtr="0">
+            <a:noAutofit/>
+          </a:bodyPr>
+          <a:lstStyle/>
+          <a:p>
+            <a:pPr marL="0" lvl="0" indent="0" algn="ctr" rtl="0">
+              <a:spcBef>
+                <a:spcPts val="0"/>
+              </a:spcBef>
+              <a:spcAft>
+                <a:spcPts val="0"/>
+              </a:spcAft>
+              <a:buNone/>
+            </a:pPr>
+            <a:r>
+              <a:rPr lang="en-IN" sz="3000" dirty="0">
+                <a:latin typeface="Red Hat Display ExtraBold"/>
+                <a:ea typeface="Red Hat Display ExtraBold"/>
+                <a:cs typeface="Red Hat Display ExtraBold"/>
+                <a:sym typeface="Red Hat Display ExtraBold"/>
+              </a:rPr>
+              <a:t>Model Description:</a:t>
+            </a:r>
+            <a:endParaRPr sz="3000" dirty="0">
+              <a:latin typeface="Red Hat Display ExtraBold"/>
+              <a:ea typeface="Red Hat Display ExtraBold"/>
+              <a:cs typeface="Red Hat Display ExtraBold"/>
+              <a:sym typeface="Red Hat Display ExtraBold"/>
+            </a:endParaRPr>
+          </a:p>
+          <a:p>
+            <a:pPr marL="0" lvl="0" indent="0" algn="ctr" rtl="0">
+              <a:spcBef>
+                <a:spcPts val="0"/>
+              </a:spcBef>
+              <a:spcAft>
+                <a:spcPts val="0"/>
+              </a:spcAft>
+              <a:buNone/>
+            </a:pPr>
+            <a:endParaRPr sz="3000" dirty="0">
+              <a:latin typeface="Red Hat Display ExtraBold"/>
+              <a:ea typeface="Red Hat Display ExtraBold"/>
+              <a:cs typeface="Red Hat Display ExtraBold"/>
+              <a:sym typeface="Red Hat Display ExtraBold"/>
+            </a:endParaRPr>
+          </a:p>
+        </p:txBody>
+      </p:sp>
+      <p:sp>
+        <p:nvSpPr>
+          <p:cNvPr id="3" name="Subtitle 2">
+            <a:extLst>
+              <a:ext uri="{FF2B5EF4-FFF2-40B4-BE49-F238E27FC236}">
+                <a16:creationId xmlns:a16="http://schemas.microsoft.com/office/drawing/2014/main" id="{31EFA1B1-BD60-48F0-5DC3-C2B42E193E15}"/>
+              </a:ext>
+            </a:extLst>
+          </p:cNvPr>
+          <p:cNvSpPr>
+            <a:spLocks noGrp="1"/>
+          </p:cNvSpPr>
+          <p:nvPr>
+            <p:ph type="subTitle" idx="1"/>
+          </p:nvPr>
+        </p:nvSpPr>
+        <p:spPr>
+          <a:xfrm>
+            <a:off x="105960" y="1187436"/>
+            <a:ext cx="8520600" cy="1235724"/>
+          </a:xfrm>
+        </p:spPr>
+        <p:txBody>
+          <a:bodyPr>
+            <a:normAutofit fontScale="55000" lnSpcReduction="20000"/>
+          </a:bodyPr>
+          <a:lstStyle/>
+          <a:p>
+            <a:pPr algn="l"/>
+            <a:r>
+              <a:rPr lang="en-IN" b="1" dirty="0"/>
+              <a:t>Soil Classification:</a:t>
+            </a:r>
+          </a:p>
+          <a:p>
+            <a:pPr algn="l"/>
+            <a:endParaRPr lang="en-IN" b="1" dirty="0"/>
+          </a:p>
+          <a:p>
+            <a:pPr algn="l"/>
+            <a:endParaRPr lang="en-IN" b="1" dirty="0"/>
+          </a:p>
+          <a:p>
+            <a:pPr algn="l"/>
+            <a:r>
+              <a:rPr lang="en-IN" dirty="0"/>
+              <a:t>Based on our research we have found the major soils present in India and developed an</a:t>
+            </a:r>
+          </a:p>
+          <a:p>
+            <a:pPr algn="l"/>
+            <a:r>
+              <a:rPr lang="en-IN" dirty="0"/>
+              <a:t>algorithm to classify the soil based on the image input. </a:t>
+            </a:r>
+          </a:p>
+        </p:txBody>
+      </p:sp>
+      <p:sp>
+        <p:nvSpPr>
+          <p:cNvPr id="4" name="TextBox 3">
+            <a:extLst>
+              <a:ext uri="{FF2B5EF4-FFF2-40B4-BE49-F238E27FC236}">
+                <a16:creationId xmlns:a16="http://schemas.microsoft.com/office/drawing/2014/main" id="{9BE97123-93DE-54DF-AF5F-B22E29A60096}"/>
+              </a:ext>
+            </a:extLst>
+          </p:cNvPr>
+          <p:cNvSpPr txBox="1"/>
+          <p:nvPr/>
+        </p:nvSpPr>
+        <p:spPr>
+          <a:xfrm>
+            <a:off x="495300" y="2788920"/>
+            <a:ext cx="3916680" cy="523220"/>
+          </a:xfrm>
+          <a:prstGeom prst="rect">
+            <a:avLst/>
+          </a:prstGeom>
+          <a:noFill/>
+        </p:spPr>
+        <p:txBody>
+          <a:bodyPr wrap="square" rtlCol="0">
+            <a:spAutoFit/>
+          </a:bodyPr>
+          <a:lstStyle/>
+          <a:p>
+            <a:r>
+              <a:rPr lang="en-IN" dirty="0"/>
+              <a:t>Accuracy: 94.8%</a:t>
+            </a:r>
+          </a:p>
+          <a:p>
+            <a:r>
+              <a:rPr lang="en-IN" dirty="0"/>
+              <a:t>Loss: 12.6%</a:t>
+            </a:r>
+          </a:p>
+        </p:txBody>
+      </p:sp>
+    </p:spTree>
+    <p:extLst>
+      <p:ext uri="{BB962C8B-B14F-4D97-AF65-F5344CB8AC3E}">
+        <p14:creationId xmlns:p14="http://schemas.microsoft.com/office/powerpoint/2010/main" val="2047993809"/>
+      </p:ext>
+    </p:extLst>
+  </p:cSld>
+  <p:clrMapOvr>
+    <a:masterClrMapping/>
+  </p:clrMapOvr>
+</p:sld>
+</file>
+
+<file path=ppt/slides/slide4.xml><?xml version="1.0" encoding="utf-8"?>
+<p:sld xmlns:a="http://schemas.openxmlformats.org/drawingml/2006/main" xmlns:r="http://schemas.openxmlformats.org/officeDocument/2006/relationships" xmlns:p="http://schemas.openxmlformats.org/presentationml/2006/main">
+  <p:cSld>
+    <p:spTree>
+      <p:nvGrpSpPr>
+        <p:cNvPr id="1" name="Shape 60"/>
+        <p:cNvGrpSpPr/>
+        <p:nvPr/>
+      </p:nvGrpSpPr>
+      <p:grpSpPr>
+        <a:xfrm>
+          <a:off x="0" y="0"/>
+          <a:ext cx="0" cy="0"/>
+          <a:chOff x="0" y="0"/>
+          <a:chExt cx="0" cy="0"/>
+        </a:xfrm>
+      </p:grpSpPr>
+      <p:sp>
+        <p:nvSpPr>
+          <p:cNvPr id="61" name="Google Shape;61;p14"/>
+          <p:cNvSpPr txBox="1">
+            <a:spLocks noGrp="1"/>
+          </p:cNvSpPr>
+          <p:nvPr>
+            <p:ph type="ctrTitle"/>
+          </p:nvPr>
+        </p:nvSpPr>
+        <p:spPr>
+          <a:xfrm>
+            <a:off x="-2234866" y="-659364"/>
+            <a:ext cx="8520600" cy="2052600"/>
+          </a:xfrm>
+          <a:prstGeom prst="rect">
+            <a:avLst/>
+          </a:prstGeom>
+        </p:spPr>
+        <p:txBody>
+          <a:bodyPr spcFirstLastPara="1" wrap="square" lIns="91425" tIns="91425" rIns="91425" bIns="91425" anchor="b" anchorCtr="0">
+            <a:noAutofit/>
+          </a:bodyPr>
+          <a:lstStyle/>
+          <a:p>
+            <a:pPr marL="0" lvl="0" indent="0" algn="ctr" rtl="0">
+              <a:spcBef>
+                <a:spcPts val="0"/>
+              </a:spcBef>
+              <a:spcAft>
+                <a:spcPts val="0"/>
+              </a:spcAft>
+              <a:buNone/>
+            </a:pPr>
+            <a:r>
+              <a:rPr lang="en-IN" sz="3000" dirty="0">
+                <a:latin typeface="Red Hat Display ExtraBold"/>
+                <a:ea typeface="Red Hat Display ExtraBold"/>
+                <a:cs typeface="Red Hat Display ExtraBold"/>
+                <a:sym typeface="Red Hat Display ExtraBold"/>
+              </a:rPr>
+              <a:t>Model Description:</a:t>
+            </a:r>
+            <a:endParaRPr sz="3000" dirty="0">
+              <a:latin typeface="Red Hat Display ExtraBold"/>
+              <a:ea typeface="Red Hat Display ExtraBold"/>
+              <a:cs typeface="Red Hat Display ExtraBold"/>
+              <a:sym typeface="Red Hat Display ExtraBold"/>
+            </a:endParaRPr>
+          </a:p>
+          <a:p>
+            <a:pPr marL="0" lvl="0" indent="0" algn="ctr" rtl="0">
+              <a:spcBef>
+                <a:spcPts val="0"/>
+              </a:spcBef>
+              <a:spcAft>
+                <a:spcPts val="0"/>
+              </a:spcAft>
+              <a:buNone/>
+            </a:pPr>
+            <a:endParaRPr sz="3000" dirty="0">
+              <a:latin typeface="Red Hat Display ExtraBold"/>
+              <a:ea typeface="Red Hat Display ExtraBold"/>
+              <a:cs typeface="Red Hat Display ExtraBold"/>
+              <a:sym typeface="Red Hat Display ExtraBold"/>
+            </a:endParaRPr>
+          </a:p>
+        </p:txBody>
+      </p:sp>
+      <p:sp>
+        <p:nvSpPr>
+          <p:cNvPr id="3" name="Subtitle 2">
+            <a:extLst>
+              <a:ext uri="{FF2B5EF4-FFF2-40B4-BE49-F238E27FC236}">
+                <a16:creationId xmlns:a16="http://schemas.microsoft.com/office/drawing/2014/main" id="{31EFA1B1-BD60-48F0-5DC3-C2B42E193E15}"/>
+              </a:ext>
+            </a:extLst>
+          </p:cNvPr>
+          <p:cNvSpPr>
+            <a:spLocks noGrp="1"/>
+          </p:cNvSpPr>
+          <p:nvPr>
+            <p:ph type="subTitle" idx="1"/>
+          </p:nvPr>
+        </p:nvSpPr>
+        <p:spPr>
+          <a:xfrm>
+            <a:off x="243840" y="996936"/>
+            <a:ext cx="8641080" cy="2934984"/>
+          </a:xfrm>
+        </p:spPr>
+        <p:txBody>
+          <a:bodyPr>
+            <a:normAutofit fontScale="85000" lnSpcReduction="20000"/>
+          </a:bodyPr>
+          <a:lstStyle/>
+          <a:p>
+            <a:pPr algn="l"/>
+            <a:r>
+              <a:rPr lang="en-IN" b="1" dirty="0">
+                <a:solidFill>
+                  <a:schemeClr val="accent1">
+                    <a:lumMod val="75000"/>
+                  </a:schemeClr>
+                </a:solidFill>
+              </a:rPr>
+              <a:t>Crop Recommendation:</a:t>
+            </a:r>
+          </a:p>
+          <a:p>
+            <a:pPr algn="l"/>
+            <a:endParaRPr lang="en-IN" dirty="0">
+              <a:solidFill>
+                <a:schemeClr val="accent1">
+                  <a:lumMod val="75000"/>
+                </a:schemeClr>
+              </a:solidFill>
+            </a:endParaRPr>
+          </a:p>
+          <a:p>
+            <a:pPr algn="l"/>
+            <a:r>
+              <a:rPr lang="en-IN" dirty="0">
+                <a:solidFill>
+                  <a:schemeClr val="accent1">
+                    <a:lumMod val="75000"/>
+                  </a:schemeClr>
+                </a:solidFill>
+              </a:rPr>
+              <a:t>We have developed an algorithm that can predict the type of</a:t>
+            </a:r>
+          </a:p>
+          <a:p>
+            <a:pPr algn="l"/>
+            <a:r>
+              <a:rPr lang="en-IN" dirty="0">
+                <a:solidFill>
+                  <a:schemeClr val="accent1">
+                    <a:lumMod val="75000"/>
+                  </a:schemeClr>
+                </a:solidFill>
+              </a:rPr>
+              <a:t>crop that is best suited based on the soil based on-</a:t>
+            </a:r>
+          </a:p>
+          <a:p>
+            <a:pPr algn="l"/>
+            <a:endParaRPr lang="en-IN" dirty="0">
+              <a:solidFill>
+                <a:schemeClr val="accent1">
+                  <a:lumMod val="75000"/>
+                </a:schemeClr>
+              </a:solidFill>
+            </a:endParaRPr>
+          </a:p>
+          <a:p>
+            <a:pPr marL="114300" indent="0" algn="l"/>
+            <a:r>
+              <a:rPr lang="en-IN" dirty="0">
+                <a:solidFill>
+                  <a:schemeClr val="accent1">
+                    <a:lumMod val="75000"/>
+                  </a:schemeClr>
+                </a:solidFill>
+              </a:rPr>
+              <a:t>1. Nitrogen, Potassium and Phosphorus</a:t>
+            </a:r>
+          </a:p>
+          <a:p>
+            <a:pPr algn="l"/>
+            <a:r>
+              <a:rPr lang="en-IN" dirty="0">
+                <a:solidFill>
+                  <a:schemeClr val="accent1">
+                    <a:lumMod val="75000"/>
+                  </a:schemeClr>
+                </a:solidFill>
+              </a:rPr>
+              <a:t>2. Temperature</a:t>
+            </a:r>
+          </a:p>
+          <a:p>
+            <a:pPr algn="l"/>
+            <a:r>
+              <a:rPr lang="en-IN" dirty="0">
+                <a:solidFill>
+                  <a:schemeClr val="accent1">
+                    <a:lumMod val="75000"/>
+                  </a:schemeClr>
+                </a:solidFill>
+              </a:rPr>
+              <a:t>3. Humidity</a:t>
+            </a:r>
+          </a:p>
+          <a:p>
+            <a:pPr algn="l"/>
+            <a:r>
+              <a:rPr lang="en-IN" dirty="0">
+                <a:solidFill>
+                  <a:schemeClr val="accent1">
+                    <a:lumMod val="75000"/>
+                  </a:schemeClr>
+                </a:solidFill>
+              </a:rPr>
+              <a:t>4. Rainfall</a:t>
+            </a:r>
+          </a:p>
+        </p:txBody>
+      </p:sp>
+      <p:sp>
+        <p:nvSpPr>
+          <p:cNvPr id="2" name="TextBox 1">
+            <a:extLst>
+              <a:ext uri="{FF2B5EF4-FFF2-40B4-BE49-F238E27FC236}">
+                <a16:creationId xmlns:a16="http://schemas.microsoft.com/office/drawing/2014/main" id="{5F866636-CA5F-680C-E0E3-96825EC15622}"/>
+              </a:ext>
+            </a:extLst>
+          </p:cNvPr>
+          <p:cNvSpPr txBox="1"/>
+          <p:nvPr/>
+        </p:nvSpPr>
+        <p:spPr>
+          <a:xfrm>
+            <a:off x="7109460" y="4488180"/>
+            <a:ext cx="3916680" cy="307777"/>
+          </a:xfrm>
+          <a:prstGeom prst="rect">
+            <a:avLst/>
+          </a:prstGeom>
+          <a:noFill/>
+        </p:spPr>
+        <p:txBody>
+          <a:bodyPr wrap="square" rtlCol="0">
+            <a:spAutoFit/>
+          </a:bodyPr>
+          <a:lstStyle/>
+          <a:p>
+            <a:r>
+              <a:rPr lang="en-IN" dirty="0"/>
+              <a:t>Accuracy: 96.18%</a:t>
+            </a:r>
+          </a:p>
+        </p:txBody>
+      </p:sp>
+    </p:spTree>
+    <p:extLst>
+      <p:ext uri="{BB962C8B-B14F-4D97-AF65-F5344CB8AC3E}">
+        <p14:creationId xmlns:p14="http://schemas.microsoft.com/office/powerpoint/2010/main" val="1242172798"/>
+      </p:ext>
+    </p:extLst>
+  </p:cSld>
+  <p:clrMapOvr>
+    <a:masterClrMapping/>
+  </p:clrMapOvr>
+</p:sld>
+</file>
+
+<file path=ppt/slides/slide5.xml><?xml version="1.0" encoding="utf-8"?>
+<p:sld xmlns:a="http://schemas.openxmlformats.org/drawingml/2006/main" xmlns:r="http://schemas.openxmlformats.org/officeDocument/2006/relationships" xmlns:p="http://schemas.openxmlformats.org/presentationml/2006/main">
+  <p:cSld>
+    <p:spTree>
+      <p:nvGrpSpPr>
+        <p:cNvPr id="1" name="Shape 60"/>
+        <p:cNvGrpSpPr/>
+        <p:nvPr/>
+      </p:nvGrpSpPr>
+      <p:grpSpPr>
+        <a:xfrm>
+          <a:off x="0" y="0"/>
+          <a:ext cx="0" cy="0"/>
+          <a:chOff x="0" y="0"/>
+          <a:chExt cx="0" cy="0"/>
+        </a:xfrm>
+      </p:grpSpPr>
+      <p:sp>
+        <p:nvSpPr>
+          <p:cNvPr id="61" name="Google Shape;61;p14"/>
+          <p:cNvSpPr txBox="1">
+            <a:spLocks noGrp="1"/>
+          </p:cNvSpPr>
+          <p:nvPr>
+            <p:ph type="ctrTitle"/>
+          </p:nvPr>
+        </p:nvSpPr>
+        <p:spPr>
+          <a:xfrm>
+            <a:off x="-2234866" y="-659364"/>
+            <a:ext cx="8520600" cy="2052600"/>
+          </a:xfrm>
+          <a:prstGeom prst="rect">
+            <a:avLst/>
+          </a:prstGeom>
+        </p:spPr>
+        <p:txBody>
+          <a:bodyPr spcFirstLastPara="1" wrap="square" lIns="91425" tIns="91425" rIns="91425" bIns="91425" anchor="b" anchorCtr="0">
+            <a:noAutofit/>
+          </a:bodyPr>
+          <a:lstStyle/>
+          <a:p>
+            <a:pPr marL="0" lvl="0" indent="0" algn="ctr" rtl="0">
+              <a:spcBef>
+                <a:spcPts val="0"/>
+              </a:spcBef>
+              <a:spcAft>
+                <a:spcPts val="0"/>
+              </a:spcAft>
+              <a:buNone/>
+            </a:pPr>
+            <a:r>
+              <a:rPr lang="en-IN" sz="3000" dirty="0">
+                <a:latin typeface="Red Hat Display ExtraBold"/>
+                <a:ea typeface="Red Hat Display ExtraBold"/>
+                <a:cs typeface="Red Hat Display ExtraBold"/>
+                <a:sym typeface="Red Hat Display ExtraBold"/>
+              </a:rPr>
+              <a:t>Model Description:</a:t>
+            </a:r>
+            <a:endParaRPr sz="3000" dirty="0">
+              <a:latin typeface="Red Hat Display ExtraBold"/>
+              <a:ea typeface="Red Hat Display ExtraBold"/>
+              <a:cs typeface="Red Hat Display ExtraBold"/>
+              <a:sym typeface="Red Hat Display ExtraBold"/>
+            </a:endParaRPr>
+          </a:p>
+          <a:p>
+            <a:pPr marL="0" lvl="0" indent="0" algn="ctr" rtl="0">
+              <a:spcBef>
+                <a:spcPts val="0"/>
+              </a:spcBef>
+              <a:spcAft>
+                <a:spcPts val="0"/>
+              </a:spcAft>
+              <a:buNone/>
+            </a:pPr>
+            <a:endParaRPr sz="3000" dirty="0">
+              <a:latin typeface="Red Hat Display ExtraBold"/>
+              <a:ea typeface="Red Hat Display ExtraBold"/>
+              <a:cs typeface="Red Hat Display ExtraBold"/>
+              <a:sym typeface="Red Hat Display ExtraBold"/>
+            </a:endParaRPr>
+          </a:p>
+        </p:txBody>
+      </p:sp>
+      <p:sp>
+        <p:nvSpPr>
+          <p:cNvPr id="4" name="Subtitle 3">
+            <a:extLst>
+              <a:ext uri="{FF2B5EF4-FFF2-40B4-BE49-F238E27FC236}">
+                <a16:creationId xmlns:a16="http://schemas.microsoft.com/office/drawing/2014/main" id="{0768D7F4-D432-2443-4FA1-D37DD7A68583}"/>
+              </a:ext>
+            </a:extLst>
+          </p:cNvPr>
+          <p:cNvSpPr>
+            <a:spLocks noGrp="1"/>
+          </p:cNvSpPr>
+          <p:nvPr>
+            <p:ph type="subTitle" idx="1"/>
+          </p:nvPr>
+        </p:nvSpPr>
+        <p:spPr>
+          <a:xfrm>
+            <a:off x="129540" y="990084"/>
+            <a:ext cx="8161740" cy="2179835"/>
+          </a:xfrm>
+        </p:spPr>
+        <p:txBody>
+          <a:bodyPr/>
+          <a:lstStyle/>
+          <a:p>
+            <a:pPr algn="l"/>
+            <a:r>
+              <a:rPr lang="en-IN" sz="1800" dirty="0">
+                <a:solidFill>
+                  <a:srgbClr val="002060"/>
+                </a:solidFill>
+              </a:rPr>
+              <a:t>Plant Status:</a:t>
+            </a:r>
+          </a:p>
+          <a:p>
+            <a:pPr algn="l"/>
+            <a:endParaRPr lang="en-IN" sz="1800" dirty="0">
+              <a:solidFill>
+                <a:srgbClr val="002060"/>
+              </a:solidFill>
+            </a:endParaRPr>
+          </a:p>
+          <a:p>
+            <a:pPr algn="l"/>
+            <a:r>
+              <a:rPr lang="en-IN" sz="1600" dirty="0">
+                <a:solidFill>
+                  <a:srgbClr val="002060"/>
+                </a:solidFill>
+              </a:rPr>
+              <a:t>By observing the photo of a leaf, the algorithm developed by us can detect whether a</a:t>
+            </a:r>
+          </a:p>
+          <a:p>
+            <a:pPr algn="l"/>
+            <a:r>
+              <a:rPr lang="en-IN" sz="1600" dirty="0">
+                <a:solidFill>
+                  <a:srgbClr val="002060"/>
+                </a:solidFill>
+              </a:rPr>
+              <a:t>plant is healthy or not and what type of disease does it have.</a:t>
+            </a:r>
+          </a:p>
+          <a:p>
+            <a:pPr algn="l"/>
+            <a:endParaRPr lang="en-IN" sz="1600" dirty="0">
+              <a:solidFill>
+                <a:srgbClr val="002060"/>
+              </a:solidFill>
+            </a:endParaRPr>
+          </a:p>
+        </p:txBody>
+      </p:sp>
+      <p:sp>
+        <p:nvSpPr>
+          <p:cNvPr id="5" name="TextBox 4">
+            <a:extLst>
+              <a:ext uri="{FF2B5EF4-FFF2-40B4-BE49-F238E27FC236}">
+                <a16:creationId xmlns:a16="http://schemas.microsoft.com/office/drawing/2014/main" id="{AA208020-B50C-CF5D-2EAC-D0AA74849103}"/>
+              </a:ext>
+            </a:extLst>
+          </p:cNvPr>
+          <p:cNvSpPr txBox="1"/>
+          <p:nvPr/>
+        </p:nvSpPr>
+        <p:spPr>
+          <a:xfrm>
+            <a:off x="7307580" y="4296147"/>
+            <a:ext cx="3916680" cy="523220"/>
+          </a:xfrm>
+          <a:prstGeom prst="rect">
+            <a:avLst/>
+          </a:prstGeom>
+          <a:noFill/>
+        </p:spPr>
+        <p:txBody>
+          <a:bodyPr wrap="square" rtlCol="0">
+            <a:spAutoFit/>
+          </a:bodyPr>
+          <a:lstStyle/>
+          <a:p>
+            <a:r>
+              <a:rPr lang="en-IN" dirty="0"/>
+              <a:t>Accuracy: 97.4%</a:t>
+            </a:r>
+          </a:p>
+          <a:p>
+            <a:r>
+              <a:rPr lang="en-IN" dirty="0"/>
+              <a:t>Loss: 12.2%</a:t>
+            </a:r>
+          </a:p>
+        </p:txBody>
+      </p:sp>
+    </p:spTree>
+    <p:extLst>
+      <p:ext uri="{BB962C8B-B14F-4D97-AF65-F5344CB8AC3E}">
+        <p14:creationId xmlns:p14="http://schemas.microsoft.com/office/powerpoint/2010/main" val="529182873"/>
+      </p:ext>
+    </p:extLst>
+  </p:cSld>
+  <p:clrMapOvr>
+    <a:masterClrMapping/>
+  </p:clrMapOvr>
+</p:sld>
+</file>
+
+<file path=ppt/slides/slide6.xml><?xml version="1.0" encoding="utf-8"?>
+<p:sld xmlns:a="http://schemas.openxmlformats.org/drawingml/2006/main" xmlns:r="http://schemas.openxmlformats.org/officeDocument/2006/relationships" xmlns:p="http://schemas.openxmlformats.org/presentationml/2006/main">
+  <p:cSld>
+    <p:spTree>
+      <p:nvGrpSpPr>
+        <p:cNvPr id="1" name="Shape 60"/>
+        <p:cNvGrpSpPr/>
+        <p:nvPr/>
+      </p:nvGrpSpPr>
+      <p:grpSpPr>
+        <a:xfrm>
+          <a:off x="0" y="0"/>
+          <a:ext cx="0" cy="0"/>
+          <a:chOff x="0" y="0"/>
+          <a:chExt cx="0" cy="0"/>
+        </a:xfrm>
+      </p:grpSpPr>
+      <p:sp>
+        <p:nvSpPr>
+          <p:cNvPr id="61" name="Google Shape;61;p14"/>
+          <p:cNvSpPr txBox="1">
+            <a:spLocks noGrp="1"/>
+          </p:cNvSpPr>
+          <p:nvPr>
+            <p:ph type="ctrTitle"/>
+          </p:nvPr>
+        </p:nvSpPr>
+        <p:spPr>
+          <a:xfrm>
+            <a:off x="-2234866" y="-659364"/>
+            <a:ext cx="8520600" cy="2052600"/>
+          </a:xfrm>
+          <a:prstGeom prst="rect">
+            <a:avLst/>
+          </a:prstGeom>
+        </p:spPr>
+        <p:txBody>
+          <a:bodyPr spcFirstLastPara="1" wrap="square" lIns="91425" tIns="91425" rIns="91425" bIns="91425" anchor="b" anchorCtr="0">
+            <a:noAutofit/>
+          </a:bodyPr>
+          <a:lstStyle/>
+          <a:p>
+            <a:pPr marL="0" lvl="0" indent="0" algn="ctr" rtl="0">
+              <a:spcBef>
+                <a:spcPts val="0"/>
+              </a:spcBef>
+              <a:spcAft>
+                <a:spcPts val="0"/>
+              </a:spcAft>
+              <a:buNone/>
+            </a:pPr>
+            <a:r>
+              <a:rPr lang="en-IN" sz="3000" dirty="0">
+                <a:latin typeface="Red Hat Display ExtraBold"/>
+                <a:ea typeface="Red Hat Display ExtraBold"/>
+                <a:cs typeface="Red Hat Display ExtraBold"/>
+                <a:sym typeface="Red Hat Display ExtraBold"/>
+              </a:rPr>
+              <a:t>Model Description:</a:t>
+            </a:r>
+            <a:endParaRPr sz="3000" dirty="0">
+              <a:latin typeface="Red Hat Display ExtraBold"/>
+              <a:ea typeface="Red Hat Display ExtraBold"/>
+              <a:cs typeface="Red Hat Display ExtraBold"/>
+              <a:sym typeface="Red Hat Display ExtraBold"/>
+            </a:endParaRPr>
+          </a:p>
+          <a:p>
+            <a:pPr marL="0" lvl="0" indent="0" algn="ctr" rtl="0">
+              <a:spcBef>
+                <a:spcPts val="0"/>
+              </a:spcBef>
+              <a:spcAft>
+                <a:spcPts val="0"/>
+              </a:spcAft>
+              <a:buNone/>
+            </a:pPr>
+            <a:endParaRPr sz="3000" dirty="0">
+              <a:latin typeface="Red Hat Display ExtraBold"/>
+              <a:ea typeface="Red Hat Display ExtraBold"/>
+              <a:cs typeface="Red Hat Display ExtraBold"/>
+              <a:sym typeface="Red Hat Display ExtraBold"/>
+            </a:endParaRPr>
+          </a:p>
+        </p:txBody>
+      </p:sp>
+      <p:sp>
+        <p:nvSpPr>
+          <p:cNvPr id="4" name="Subtitle 3">
+            <a:extLst>
+              <a:ext uri="{FF2B5EF4-FFF2-40B4-BE49-F238E27FC236}">
+                <a16:creationId xmlns:a16="http://schemas.microsoft.com/office/drawing/2014/main" id="{6EB78186-1606-38C8-5715-7D0EB635338D}"/>
+              </a:ext>
+            </a:extLst>
+          </p:cNvPr>
+          <p:cNvSpPr>
+            <a:spLocks noGrp="1"/>
+          </p:cNvSpPr>
+          <p:nvPr>
+            <p:ph type="subTitle" idx="1"/>
+          </p:nvPr>
+        </p:nvSpPr>
+        <p:spPr>
+          <a:xfrm>
+            <a:off x="128820" y="814116"/>
+            <a:ext cx="8520600" cy="1441404"/>
+          </a:xfrm>
+        </p:spPr>
+        <p:txBody>
+          <a:bodyPr>
+            <a:normAutofit/>
+          </a:bodyPr>
+          <a:lstStyle/>
+          <a:p>
+            <a:pPr algn="l"/>
+            <a:r>
+              <a:rPr lang="en-IN" sz="1800" dirty="0"/>
+              <a:t>Dataset (Resources):</a:t>
+            </a:r>
+          </a:p>
+        </p:txBody>
+      </p:sp>
+    </p:spTree>
+    <p:extLst>
+      <p:ext uri="{BB962C8B-B14F-4D97-AF65-F5344CB8AC3E}">
+        <p14:creationId xmlns:p14="http://schemas.microsoft.com/office/powerpoint/2010/main" val="2238777676"/>
+      </p:ext>
+    </p:extLst>
+  </p:cSld>
+  <p:clrMapOvr>
+    <a:masterClrMapping/>
+  </p:clrMapOvr>
+</p:sld>
+</file>
+
+<file path=ppt/slides/slide7.xml><?xml version="1.0" encoding="utf-8"?>
+<p:sld xmlns:a="http://schemas.openxmlformats.org/drawingml/2006/main" xmlns:r="http://schemas.openxmlformats.org/officeDocument/2006/relationships" xmlns:p="http://schemas.openxmlformats.org/presentationml/2006/main">
+  <p:cSld>
+    <p:spTree>
+      <p:nvGrpSpPr>
+        <p:cNvPr id="1" name="Shape 66"/>
         <p:cNvGrpSpPr/>
         <p:nvPr/>
       </p:nvGrpSpPr>
@@ -6123,7 +7557,9 @@
       <p:sp>
         <p:nvSpPr>
           <p:cNvPr id="67" name="Google Shape;67;p15"/>
-          <p:cNvSpPr txBox="1"/>
+          <p:cNvSpPr txBox="1">
+            <a:spLocks noGrp="1"/>
+          </p:cNvSpPr>
           <p:nvPr>
             <p:ph type="title"/>
           </p:nvPr>
@@ -6138,12 +7574,12 @@
           </a:prstGeom>
         </p:spPr>
         <p:txBody>
-          <a:bodyPr anchorCtr="0" anchor="t" bIns="91425" lIns="91425" spcFirstLastPara="1" rIns="91425" wrap="square" tIns="91425">
+          <a:bodyPr spcFirstLastPara="1" wrap="square" lIns="91425" tIns="91425" rIns="91425" bIns="91425" anchor="t" anchorCtr="0">
             <a:normAutofit fontScale="90000"/>
           </a:bodyPr>
           <a:lstStyle/>
           <a:p>
-            <a:pPr indent="0" lvl="0" marL="0" rtl="0" algn="l">
+            <a:pPr marL="0" lvl="0" indent="0" algn="l" rtl="0">
               <a:spcBef>
                 <a:spcPts val="0"/>
               </a:spcBef>
@@ -6153,7 +7589,7 @@
               <a:buNone/>
             </a:pPr>
             <a:r>
-              <a:rPr b="1" lang="en">
+              <a:rPr lang="en" b="1">
                 <a:latin typeface="Red Hat Display"/>
                 <a:ea typeface="Red Hat Display"/>
                 <a:cs typeface="Red Hat Display"/>
@@ -6169,7 +7605,7 @@
             </a:endParaRPr>
           </a:p>
           <a:p>
-            <a:pPr indent="0" lvl="0" marL="0" rtl="0" algn="l">
+            <a:pPr marL="0" lvl="0" indent="0" algn="l" rtl="0">
               <a:spcBef>
                 <a:spcPts val="0"/>
               </a:spcBef>
@@ -6178,9 +7614,6 @@
               </a:spcAft>
               <a:buNone/>
             </a:pPr>
-            <a:r>
-              <a:t/>
-            </a:r>
             <a:endParaRPr b="1">
               <a:latin typeface="Red Hat Display"/>
               <a:ea typeface="Red Hat Display"/>
@@ -6203,29 +7636,29 @@
           </a:xfrm>
           <a:prstGeom prst="roundRect">
             <a:avLst>
-              <a:gd fmla="val 16667" name="adj"/>
+              <a:gd name="adj" fmla="val 16667"/>
             </a:avLst>
           </a:prstGeom>
           <a:solidFill>
             <a:srgbClr val="94E95D"/>
           </a:solidFill>
-          <a:ln cap="flat" cmpd="sng" w="9525">
+          <a:ln w="9525" cap="flat" cmpd="sng">
             <a:solidFill>
               <a:schemeClr val="dk2"/>
             </a:solidFill>
             <a:prstDash val="solid"/>
             <a:round/>
-            <a:headEnd len="sm" w="sm" type="none"/>
-            <a:tailEnd len="sm" w="sm" type="none"/>
+            <a:headEnd type="none" w="sm" len="sm"/>
+            <a:tailEnd type="none" w="sm" len="sm"/>
           </a:ln>
         </p:spPr>
         <p:txBody>
-          <a:bodyPr anchorCtr="0" anchor="ctr" bIns="91425" lIns="91425" spcFirstLastPara="1" rIns="91425" wrap="square" tIns="91425">
+          <a:bodyPr spcFirstLastPara="1" wrap="square" lIns="91425" tIns="91425" rIns="91425" bIns="91425" anchor="ctr" anchorCtr="0">
             <a:noAutofit/>
           </a:bodyPr>
           <a:lstStyle/>
           <a:p>
-            <a:pPr indent="0" lvl="0" marL="0" rtl="0" algn="l">
+            <a:pPr marL="0" lvl="0" indent="0" algn="l" rtl="0">
               <a:spcBef>
                 <a:spcPts val="0"/>
               </a:spcBef>
@@ -6234,9 +7667,6 @@
               </a:spcAft>
               <a:buNone/>
             </a:pPr>
-            <a:r>
-              <a:t/>
-            </a:r>
             <a:endParaRPr/>
           </a:p>
         </p:txBody>
@@ -6254,29 +7684,29 @@
           </a:xfrm>
           <a:prstGeom prst="roundRect">
             <a:avLst>
-              <a:gd fmla="val 16667" name="adj"/>
+              <a:gd name="adj" fmla="val 16667"/>
             </a:avLst>
           </a:prstGeom>
           <a:solidFill>
             <a:srgbClr val="94E95D"/>
           </a:solidFill>
-          <a:ln cap="flat" cmpd="sng" w="9525">
+          <a:ln w="9525" cap="flat" cmpd="sng">
             <a:solidFill>
               <a:schemeClr val="dk2"/>
             </a:solidFill>
             <a:prstDash val="solid"/>
             <a:round/>
-            <a:headEnd len="sm" w="sm" type="none"/>
-            <a:tailEnd len="sm" w="sm" type="none"/>
+            <a:headEnd type="none" w="sm" len="sm"/>
+            <a:tailEnd type="none" w="sm" len="sm"/>
           </a:ln>
         </p:spPr>
         <p:txBody>
-          <a:bodyPr anchorCtr="0" anchor="ctr" bIns="91425" lIns="91425" spcFirstLastPara="1" rIns="91425" wrap="square" tIns="91425">
+          <a:bodyPr spcFirstLastPara="1" wrap="square" lIns="91425" tIns="91425" rIns="91425" bIns="91425" anchor="ctr" anchorCtr="0">
             <a:noAutofit/>
           </a:bodyPr>
           <a:lstStyle/>
           <a:p>
-            <a:pPr indent="0" lvl="0" marL="0" rtl="0" algn="l">
+            <a:pPr marL="0" lvl="0" indent="0" algn="l" rtl="0">
               <a:spcBef>
                 <a:spcPts val="0"/>
               </a:spcBef>
@@ -6285,9 +7715,6 @@
               </a:spcAft>
               <a:buNone/>
             </a:pPr>
-            <a:r>
-              <a:t/>
-            </a:r>
             <a:endParaRPr/>
           </a:p>
         </p:txBody>
@@ -6295,9 +7722,11 @@
       <p:sp>
         <p:nvSpPr>
           <p:cNvPr id="70" name="Google Shape;70;p15"/>
-          <p:cNvSpPr txBox="1"/>
+          <p:cNvSpPr txBox="1">
+            <a:spLocks noGrp="1"/>
+          </p:cNvSpPr>
           <p:nvPr>
-            <p:ph idx="1" type="body"/>
+            <p:ph type="body" idx="1"/>
           </p:nvPr>
         </p:nvSpPr>
         <p:spPr>
@@ -6310,12 +7739,12 @@
           </a:prstGeom>
         </p:spPr>
         <p:txBody>
-          <a:bodyPr anchorCtr="0" anchor="t" bIns="91425" lIns="91425" spcFirstLastPara="1" rIns="91425" wrap="square" tIns="91425">
-            <a:normAutofit/>
+          <a:bodyPr spcFirstLastPara="1" wrap="square" lIns="91425" tIns="91425" rIns="91425" bIns="91425" anchor="t" anchorCtr="0">
+            <a:normAutofit fontScale="85000" lnSpcReduction="20000"/>
           </a:bodyPr>
           <a:lstStyle/>
           <a:p>
-            <a:pPr indent="0" lvl="0" marL="0" rtl="0" algn="l">
+            <a:pPr marL="0" lvl="0" indent="0" algn="l" rtl="0">
               <a:spcBef>
                 <a:spcPts val="0"/>
               </a:spcBef>
@@ -6363,9 +7792,11 @@
       <p:sp>
         <p:nvSpPr>
           <p:cNvPr id="71" name="Google Shape;71;p15"/>
-          <p:cNvSpPr txBox="1"/>
+          <p:cNvSpPr txBox="1">
+            <a:spLocks noGrp="1"/>
+          </p:cNvSpPr>
           <p:nvPr>
-            <p:ph idx="1" type="body"/>
+            <p:ph type="body" idx="1"/>
           </p:nvPr>
         </p:nvSpPr>
         <p:spPr>
@@ -6379,12 +7810,12 @@
           <a:noFill/>
         </p:spPr>
         <p:txBody>
-          <a:bodyPr anchorCtr="0" anchor="t" bIns="91425" lIns="91425" spcFirstLastPara="1" rIns="91425" wrap="square" tIns="91425">
+          <a:bodyPr spcFirstLastPara="1" wrap="square" lIns="91425" tIns="91425" rIns="91425" bIns="91425" anchor="t" anchorCtr="0">
             <a:noAutofit/>
           </a:bodyPr>
           <a:lstStyle/>
           <a:p>
-            <a:pPr indent="0" lvl="0" marL="0" rtl="0" algn="l">
+            <a:pPr marL="0" lvl="0" indent="0" algn="l" rtl="0">
               <a:spcBef>
                 <a:spcPts val="0"/>
               </a:spcBef>
@@ -6394,7 +7825,7 @@
               <a:buNone/>
             </a:pPr>
             <a:r>
-              <a:rPr b="1" lang="en">
+              <a:rPr lang="en" b="1">
                 <a:solidFill>
                   <a:schemeClr val="dk1"/>
                 </a:solidFill>
@@ -6428,7 +7859,7 @@
             </a:endParaRPr>
           </a:p>
           <a:p>
-            <a:pPr indent="0" lvl="0" marL="0" rtl="0" algn="l">
+            <a:pPr marL="0" lvl="0" indent="0" algn="l" rtl="0">
               <a:spcBef>
                 <a:spcPts val="1200"/>
               </a:spcBef>
@@ -6437,9 +7868,6 @@
               </a:spcAft>
               <a:buNone/>
             </a:pPr>
-            <a:r>
-              <a:t/>
-            </a:r>
             <a:endParaRPr>
               <a:latin typeface="Red Hat Display SemiBold"/>
               <a:ea typeface="Red Hat Display SemiBold"/>
@@ -6458,7 +7886,288 @@
 </file>
 
 <file path=ppt/theme/theme1.xml><?xml version="1.0" encoding="utf-8"?>
-<a:theme xmlns:a="http://schemas.openxmlformats.org/drawingml/2006/main" xmlns:r="http://schemas.openxmlformats.org/officeDocument/2006/relationships">
+<a:theme xmlns:a="http://schemas.openxmlformats.org/drawingml/2006/main" name="Simple Light">
+  <a:themeElements>
+    <a:clrScheme name="Simple Light">
+      <a:dk1>
+        <a:srgbClr val="000000"/>
+      </a:dk1>
+      <a:lt1>
+        <a:srgbClr val="FFFFFF"/>
+      </a:lt1>
+      <a:dk2>
+        <a:srgbClr val="595959"/>
+      </a:dk2>
+      <a:lt2>
+        <a:srgbClr val="EEEEEE"/>
+      </a:lt2>
+      <a:accent1>
+        <a:srgbClr val="4285F4"/>
+      </a:accent1>
+      <a:accent2>
+        <a:srgbClr val="212121"/>
+      </a:accent2>
+      <a:accent3>
+        <a:srgbClr val="78909C"/>
+      </a:accent3>
+      <a:accent4>
+        <a:srgbClr val="FFAB40"/>
+      </a:accent4>
+      <a:accent5>
+        <a:srgbClr val="0097A7"/>
+      </a:accent5>
+      <a:accent6>
+        <a:srgbClr val="EEFF41"/>
+      </a:accent6>
+      <a:hlink>
+        <a:srgbClr val="0097A7"/>
+      </a:hlink>
+      <a:folHlink>
+        <a:srgbClr val="0097A7"/>
+      </a:folHlink>
+    </a:clrScheme>
+    <a:fontScheme name="Office">
+      <a:majorFont>
+        <a:latin typeface="Arial"/>
+        <a:ea typeface=""/>
+        <a:cs typeface=""/>
+        <a:font script="Jpan" typeface="ＭＳ Ｐゴシック"/>
+        <a:font script="Hang" typeface="맑은 고딕"/>
+        <a:font script="Hans" typeface="宋体"/>
+        <a:font script="Hant" typeface="新細明體"/>
+        <a:font script="Arab" typeface="Times New Roman"/>
+        <a:font script="Hebr" typeface="Times New Roman"/>
+        <a:font script="Thai" typeface="Angsana New"/>
+        <a:font script="Ethi" typeface="Nyala"/>
+        <a:font script="Beng" typeface="Vrinda"/>
+        <a:font script="Gujr" typeface="Shruti"/>
+        <a:font script="Khmr" typeface="MoolBoran"/>
+        <a:font script="Knda" typeface="Tunga"/>
+        <a:font script="Guru" typeface="Raavi"/>
+        <a:font script="Cans" typeface="Euphemia"/>
+        <a:font script="Cher" typeface="Plantagenet Cherokee"/>
+        <a:font script="Yiii" typeface="Microsoft Yi Baiti"/>
+        <a:font script="Tibt" typeface="Microsoft Himalaya"/>
+        <a:font script="Thaa" typeface="MV Boli"/>
+        <a:font script="Deva" typeface="Mangal"/>
+        <a:font script="Telu" typeface="Gautami"/>
+        <a:font script="Taml" typeface="Latha"/>
+        <a:font script="Syrc" typeface="Estrangelo Edessa"/>
+        <a:font script="Orya" typeface="Kalinga"/>
+        <a:font script="Mlym" typeface="Kartika"/>
+        <a:font script="Laoo" typeface="DokChampa"/>
+        <a:font script="Sinh" typeface="Iskoola Pota"/>
+        <a:font script="Mong" typeface="Mongolian Baiti"/>
+        <a:font script="Viet" typeface="Times New Roman"/>
+        <a:font script="Uigh" typeface="Microsoft Uighur"/>
+        <a:font script="Geor" typeface="Sylfaen"/>
+      </a:majorFont>
+      <a:minorFont>
+        <a:latin typeface="Arial"/>
+        <a:ea typeface=""/>
+        <a:cs typeface=""/>
+        <a:font script="Jpan" typeface="ＭＳ Ｐゴシック"/>
+        <a:font script="Hang" typeface="맑은 고딕"/>
+        <a:font script="Hans" typeface="宋体"/>
+        <a:font script="Hant" typeface="新細明體"/>
+        <a:font script="Arab" typeface="Arial"/>
+        <a:font script="Hebr" typeface="Arial"/>
+        <a:font script="Thai" typeface="Cordia New"/>
+        <a:font script="Ethi" typeface="Nyala"/>
+        <a:font script="Beng" typeface="Vrinda"/>
+        <a:font script="Gujr" typeface="Shruti"/>
+        <a:font script="Khmr" typeface="DaunPenh"/>
+        <a:font script="Knda" typeface="Tunga"/>
+        <a:font script="Guru" typeface="Raavi"/>
+        <a:font script="Cans" typeface="Euphemia"/>
+        <a:font script="Cher" typeface="Plantagenet Cherokee"/>
+        <a:font script="Yiii" typeface="Microsoft Yi Baiti"/>
+        <a:font script="Tibt" typeface="Microsoft Himalaya"/>
+        <a:font script="Thaa" typeface="MV Boli"/>
+        <a:font script="Deva" typeface="Mangal"/>
+        <a:font script="Telu" typeface="Gautami"/>
+        <a:font script="Taml" typeface="Latha"/>
+        <a:font script="Syrc" typeface="Estrangelo Edessa"/>
+        <a:font script="Orya" typeface="Kalinga"/>
+        <a:font script="Mlym" typeface="Kartika"/>
+        <a:font script="Laoo" typeface="DokChampa"/>
+        <a:font script="Sinh" typeface="Iskoola Pota"/>
+        <a:font script="Mong" typeface="Mongolian Baiti"/>
+        <a:font script="Viet" typeface="Arial"/>
+        <a:font script="Uigh" typeface="Microsoft Uighur"/>
+        <a:font script="Geor" typeface="Sylfaen"/>
+      </a:minorFont>
+    </a:fontScheme>
+    <a:fmtScheme name="Office">
+      <a:fillStyleLst>
+        <a:solidFill>
+          <a:schemeClr val="phClr"/>
+        </a:solidFill>
+        <a:gradFill rotWithShape="1">
+          <a:gsLst>
+            <a:gs pos="0">
+              <a:schemeClr val="phClr">
+                <a:tint val="50000"/>
+                <a:satMod val="300000"/>
+              </a:schemeClr>
+            </a:gs>
+            <a:gs pos="35000">
+              <a:schemeClr val="phClr">
+                <a:tint val="37000"/>
+                <a:satMod val="300000"/>
+              </a:schemeClr>
+            </a:gs>
+            <a:gs pos="100000">
+              <a:schemeClr val="phClr">
+                <a:tint val="15000"/>
+                <a:satMod val="350000"/>
+              </a:schemeClr>
+            </a:gs>
+          </a:gsLst>
+          <a:lin ang="16200000" scaled="1"/>
+        </a:gradFill>
+        <a:gradFill rotWithShape="1">
+          <a:gsLst>
+            <a:gs pos="0">
+              <a:schemeClr val="phClr">
+                <a:tint val="100000"/>
+                <a:shade val="100000"/>
+                <a:satMod val="130000"/>
+              </a:schemeClr>
+            </a:gs>
+            <a:gs pos="100000">
+              <a:schemeClr val="phClr">
+                <a:tint val="50000"/>
+                <a:shade val="100000"/>
+                <a:satMod val="350000"/>
+              </a:schemeClr>
+            </a:gs>
+          </a:gsLst>
+          <a:lin ang="16200000" scaled="0"/>
+        </a:gradFill>
+      </a:fillStyleLst>
+      <a:lnStyleLst>
+        <a:ln w="9525" cap="flat" cmpd="sng" algn="ctr">
+          <a:solidFill>
+            <a:schemeClr val="phClr">
+              <a:shade val="95000"/>
+              <a:satMod val="105000"/>
+            </a:schemeClr>
+          </a:solidFill>
+          <a:prstDash val="solid"/>
+        </a:ln>
+        <a:ln w="25400" cap="flat" cmpd="sng" algn="ctr">
+          <a:solidFill>
+            <a:schemeClr val="phClr"/>
+          </a:solidFill>
+          <a:prstDash val="solid"/>
+        </a:ln>
+        <a:ln w="38100" cap="flat" cmpd="sng" algn="ctr">
+          <a:solidFill>
+            <a:schemeClr val="phClr"/>
+          </a:solidFill>
+          <a:prstDash val="solid"/>
+        </a:ln>
+      </a:lnStyleLst>
+      <a:effectStyleLst>
+        <a:effectStyle>
+          <a:effectLst>
+            <a:outerShdw blurRad="40000" dist="20000" dir="5400000" rotWithShape="0">
+              <a:srgbClr val="000000">
+                <a:alpha val="38000"/>
+              </a:srgbClr>
+            </a:outerShdw>
+          </a:effectLst>
+        </a:effectStyle>
+        <a:effectStyle>
+          <a:effectLst>
+            <a:outerShdw blurRad="40000" dist="23000" dir="5400000" rotWithShape="0">
+              <a:srgbClr val="000000">
+                <a:alpha val="35000"/>
+              </a:srgbClr>
+            </a:outerShdw>
+          </a:effectLst>
+        </a:effectStyle>
+        <a:effectStyle>
+          <a:effectLst>
+            <a:outerShdw blurRad="40000" dist="23000" dir="5400000" rotWithShape="0">
+              <a:srgbClr val="000000">
+                <a:alpha val="35000"/>
+              </a:srgbClr>
+            </a:outerShdw>
+          </a:effectLst>
+          <a:scene3d>
+            <a:camera prst="orthographicFront">
+              <a:rot lat="0" lon="0" rev="0"/>
+            </a:camera>
+            <a:lightRig rig="threePt" dir="t">
+              <a:rot lat="0" lon="0" rev="1200000"/>
+            </a:lightRig>
+          </a:scene3d>
+          <a:sp3d>
+            <a:bevelT w="63500" h="25400"/>
+          </a:sp3d>
+        </a:effectStyle>
+      </a:effectStyleLst>
+      <a:bgFillStyleLst>
+        <a:solidFill>
+          <a:schemeClr val="phClr"/>
+        </a:solidFill>
+        <a:gradFill rotWithShape="1">
+          <a:gsLst>
+            <a:gs pos="0">
+              <a:schemeClr val="phClr">
+                <a:tint val="40000"/>
+                <a:satMod val="350000"/>
+              </a:schemeClr>
+            </a:gs>
+            <a:gs pos="40000">
+              <a:schemeClr val="phClr">
+                <a:tint val="45000"/>
+                <a:shade val="99000"/>
+                <a:satMod val="350000"/>
+              </a:schemeClr>
+            </a:gs>
+            <a:gs pos="100000">
+              <a:schemeClr val="phClr">
+                <a:shade val="20000"/>
+                <a:satMod val="255000"/>
+              </a:schemeClr>
+            </a:gs>
+          </a:gsLst>
+          <a:path path="circle">
+            <a:fillToRect l="50000" t="-80000" r="50000" b="180000"/>
+          </a:path>
+        </a:gradFill>
+        <a:gradFill rotWithShape="1">
+          <a:gsLst>
+            <a:gs pos="0">
+              <a:schemeClr val="phClr">
+                <a:tint val="80000"/>
+                <a:satMod val="300000"/>
+              </a:schemeClr>
+            </a:gs>
+            <a:gs pos="100000">
+              <a:schemeClr val="phClr">
+                <a:shade val="30000"/>
+                <a:satMod val="200000"/>
+              </a:schemeClr>
+            </a:gs>
+          </a:gsLst>
+          <a:path path="circle">
+            <a:fillToRect l="50000" t="50000" r="50000" b="50000"/>
+          </a:path>
+        </a:gradFill>
+      </a:bgFillStyleLst>
+    </a:fmtScheme>
+  </a:themeElements>
+  <a:objectDefaults/>
+  <a:extraClrSchemeLst/>
+</a:theme>
+</file>
+
+<file path=ppt/theme/theme2.xml><?xml version="1.0" encoding="utf-8"?>
+<a:theme xmlns:a="http://schemas.openxmlformats.org/drawingml/2006/main">
   <a:themeElements>
     <a:clrScheme name="Default">
       <a:dk1>
@@ -6733,284 +8442,7 @@
       </a:bgFillStyleLst>
     </a:fmtScheme>
   </a:themeElements>
-</a:theme>
-</file>
-
-<file path=ppt/theme/theme2.xml><?xml version="1.0" encoding="utf-8"?>
-<a:theme xmlns:a="http://schemas.openxmlformats.org/drawingml/2006/main" xmlns:r="http://schemas.openxmlformats.org/officeDocument/2006/relationships" name="Simple Light">
-  <a:themeElements>
-    <a:clrScheme name="Simple Light">
-      <a:dk1>
-        <a:srgbClr val="000000"/>
-      </a:dk1>
-      <a:lt1>
-        <a:srgbClr val="FFFFFF"/>
-      </a:lt1>
-      <a:dk2>
-        <a:srgbClr val="595959"/>
-      </a:dk2>
-      <a:lt2>
-        <a:srgbClr val="EEEEEE"/>
-      </a:lt2>
-      <a:accent1>
-        <a:srgbClr val="4285F4"/>
-      </a:accent1>
-      <a:accent2>
-        <a:srgbClr val="212121"/>
-      </a:accent2>
-      <a:accent3>
-        <a:srgbClr val="78909C"/>
-      </a:accent3>
-      <a:accent4>
-        <a:srgbClr val="FFAB40"/>
-      </a:accent4>
-      <a:accent5>
-        <a:srgbClr val="0097A7"/>
-      </a:accent5>
-      <a:accent6>
-        <a:srgbClr val="EEFF41"/>
-      </a:accent6>
-      <a:hlink>
-        <a:srgbClr val="0097A7"/>
-      </a:hlink>
-      <a:folHlink>
-        <a:srgbClr val="0097A7"/>
-      </a:folHlink>
-    </a:clrScheme>
-    <a:fontScheme name="Office">
-      <a:majorFont>
-        <a:latin typeface="Arial"/>
-        <a:ea typeface=""/>
-        <a:cs typeface=""/>
-        <a:font script="Jpan" typeface="ＭＳ Ｐゴシック"/>
-        <a:font script="Hang" typeface="맑은 고딕"/>
-        <a:font script="Hans" typeface="宋体"/>
-        <a:font script="Hant" typeface="新細明體"/>
-        <a:font script="Arab" typeface="Times New Roman"/>
-        <a:font script="Hebr" typeface="Times New Roman"/>
-        <a:font script="Thai" typeface="Angsana New"/>
-        <a:font script="Ethi" typeface="Nyala"/>
-        <a:font script="Beng" typeface="Vrinda"/>
-        <a:font script="Gujr" typeface="Shruti"/>
-        <a:font script="Khmr" typeface="MoolBoran"/>
-        <a:font script="Knda" typeface="Tunga"/>
-        <a:font script="Guru" typeface="Raavi"/>
-        <a:font script="Cans" typeface="Euphemia"/>
-        <a:font script="Cher" typeface="Plantagenet Cherokee"/>
-        <a:font script="Yiii" typeface="Microsoft Yi Baiti"/>
-        <a:font script="Tibt" typeface="Microsoft Himalaya"/>
-        <a:font script="Thaa" typeface="MV Boli"/>
-        <a:font script="Deva" typeface="Mangal"/>
-        <a:font script="Telu" typeface="Gautami"/>
-        <a:font script="Taml" typeface="Latha"/>
-        <a:font script="Syrc" typeface="Estrangelo Edessa"/>
-        <a:font script="Orya" typeface="Kalinga"/>
-        <a:font script="Mlym" typeface="Kartika"/>
-        <a:font script="Laoo" typeface="DokChampa"/>
-        <a:font script="Sinh" typeface="Iskoola Pota"/>
-        <a:font script="Mong" typeface="Mongolian Baiti"/>
-        <a:font script="Viet" typeface="Times New Roman"/>
-        <a:font script="Uigh" typeface="Microsoft Uighur"/>
-        <a:font script="Geor" typeface="Sylfaen"/>
-      </a:majorFont>
-      <a:minorFont>
-        <a:latin typeface="Arial"/>
-        <a:ea typeface=""/>
-        <a:cs typeface=""/>
-        <a:font script="Jpan" typeface="ＭＳ Ｐゴシック"/>
-        <a:font script="Hang" typeface="맑은 고딕"/>
-        <a:font script="Hans" typeface="宋体"/>
-        <a:font script="Hant" typeface="新細明體"/>
-        <a:font script="Arab" typeface="Arial"/>
-        <a:font script="Hebr" typeface="Arial"/>
-        <a:font script="Thai" typeface="Cordia New"/>
-        <a:font script="Ethi" typeface="Nyala"/>
-        <a:font script="Beng" typeface="Vrinda"/>
-        <a:font script="Gujr" typeface="Shruti"/>
-        <a:font script="Khmr" typeface="DaunPenh"/>
-        <a:font script="Knda" typeface="Tunga"/>
-        <a:font script="Guru" typeface="Raavi"/>
-        <a:font script="Cans" typeface="Euphemia"/>
-        <a:font script="Cher" typeface="Plantagenet Cherokee"/>
-        <a:font script="Yiii" typeface="Microsoft Yi Baiti"/>
-        <a:font script="Tibt" typeface="Microsoft Himalaya"/>
-        <a:font script="Thaa" typeface="MV Boli"/>
-        <a:font script="Deva" typeface="Mangal"/>
-        <a:font script="Telu" typeface="Gautami"/>
-        <a:font script="Taml" typeface="Latha"/>
-        <a:font script="Syrc" typeface="Estrangelo Edessa"/>
-        <a:font script="Orya" typeface="Kalinga"/>
-        <a:font script="Mlym" typeface="Kartika"/>
-        <a:font script="Laoo" typeface="DokChampa"/>
-        <a:font script="Sinh" typeface="Iskoola Pota"/>
-        <a:font script="Mong" typeface="Mongolian Baiti"/>
-        <a:font script="Viet" typeface="Arial"/>
-        <a:font script="Uigh" typeface="Microsoft Uighur"/>
-        <a:font script="Geor" typeface="Sylfaen"/>
-      </a:minorFont>
-    </a:fontScheme>
-    <a:fmtScheme name="Office">
-      <a:fillStyleLst>
-        <a:solidFill>
-          <a:schemeClr val="phClr"/>
-        </a:solidFill>
-        <a:gradFill rotWithShape="1">
-          <a:gsLst>
-            <a:gs pos="0">
-              <a:schemeClr val="phClr">
-                <a:tint val="50000"/>
-                <a:satMod val="300000"/>
-              </a:schemeClr>
-            </a:gs>
-            <a:gs pos="35000">
-              <a:schemeClr val="phClr">
-                <a:tint val="37000"/>
-                <a:satMod val="300000"/>
-              </a:schemeClr>
-            </a:gs>
-            <a:gs pos="100000">
-              <a:schemeClr val="phClr">
-                <a:tint val="15000"/>
-                <a:satMod val="350000"/>
-              </a:schemeClr>
-            </a:gs>
-          </a:gsLst>
-          <a:lin ang="16200000" scaled="1"/>
-        </a:gradFill>
-        <a:gradFill rotWithShape="1">
-          <a:gsLst>
-            <a:gs pos="0">
-              <a:schemeClr val="phClr">
-                <a:tint val="100000"/>
-                <a:shade val="100000"/>
-                <a:satMod val="130000"/>
-              </a:schemeClr>
-            </a:gs>
-            <a:gs pos="100000">
-              <a:schemeClr val="phClr">
-                <a:tint val="50000"/>
-                <a:shade val="100000"/>
-                <a:satMod val="350000"/>
-              </a:schemeClr>
-            </a:gs>
-          </a:gsLst>
-          <a:lin ang="16200000" scaled="0"/>
-        </a:gradFill>
-      </a:fillStyleLst>
-      <a:lnStyleLst>
-        <a:ln w="9525" cap="flat" cmpd="sng" algn="ctr">
-          <a:solidFill>
-            <a:schemeClr val="phClr">
-              <a:shade val="95000"/>
-              <a:satMod val="105000"/>
-            </a:schemeClr>
-          </a:solidFill>
-          <a:prstDash val="solid"/>
-        </a:ln>
-        <a:ln w="25400" cap="flat" cmpd="sng" algn="ctr">
-          <a:solidFill>
-            <a:schemeClr val="phClr"/>
-          </a:solidFill>
-          <a:prstDash val="solid"/>
-        </a:ln>
-        <a:ln w="38100" cap="flat" cmpd="sng" algn="ctr">
-          <a:solidFill>
-            <a:schemeClr val="phClr"/>
-          </a:solidFill>
-          <a:prstDash val="solid"/>
-        </a:ln>
-      </a:lnStyleLst>
-      <a:effectStyleLst>
-        <a:effectStyle>
-          <a:effectLst>
-            <a:outerShdw blurRad="40000" dist="20000" dir="5400000" rotWithShape="0">
-              <a:srgbClr val="000000">
-                <a:alpha val="38000"/>
-              </a:srgbClr>
-            </a:outerShdw>
-          </a:effectLst>
-        </a:effectStyle>
-        <a:effectStyle>
-          <a:effectLst>
-            <a:outerShdw blurRad="40000" dist="23000" dir="5400000" rotWithShape="0">
-              <a:srgbClr val="000000">
-                <a:alpha val="35000"/>
-              </a:srgbClr>
-            </a:outerShdw>
-          </a:effectLst>
-        </a:effectStyle>
-        <a:effectStyle>
-          <a:effectLst>
-            <a:outerShdw blurRad="40000" dist="23000" dir="5400000" rotWithShape="0">
-              <a:srgbClr val="000000">
-                <a:alpha val="35000"/>
-              </a:srgbClr>
-            </a:outerShdw>
-          </a:effectLst>
-          <a:scene3d>
-            <a:camera prst="orthographicFront">
-              <a:rot lat="0" lon="0" rev="0"/>
-            </a:camera>
-            <a:lightRig rig="threePt" dir="t">
-              <a:rot lat="0" lon="0" rev="1200000"/>
-            </a:lightRig>
-          </a:scene3d>
-          <a:sp3d>
-            <a:bevelT w="63500" h="25400"/>
-          </a:sp3d>
-        </a:effectStyle>
-      </a:effectStyleLst>
-      <a:bgFillStyleLst>
-        <a:solidFill>
-          <a:schemeClr val="phClr"/>
-        </a:solidFill>
-        <a:gradFill rotWithShape="1">
-          <a:gsLst>
-            <a:gs pos="0">
-              <a:schemeClr val="phClr">
-                <a:tint val="40000"/>
-                <a:satMod val="350000"/>
-              </a:schemeClr>
-            </a:gs>
-            <a:gs pos="40000">
-              <a:schemeClr val="phClr">
-                <a:tint val="45000"/>
-                <a:shade val="99000"/>
-                <a:satMod val="350000"/>
-              </a:schemeClr>
-            </a:gs>
-            <a:gs pos="100000">
-              <a:schemeClr val="phClr">
-                <a:shade val="20000"/>
-                <a:satMod val="255000"/>
-              </a:schemeClr>
-            </a:gs>
-          </a:gsLst>
-          <a:path path="circle">
-            <a:fillToRect l="50000" t="-80000" r="50000" b="180000"/>
-          </a:path>
-        </a:gradFill>
-        <a:gradFill rotWithShape="1">
-          <a:gsLst>
-            <a:gs pos="0">
-              <a:schemeClr val="phClr">
-                <a:tint val="80000"/>
-                <a:satMod val="300000"/>
-              </a:schemeClr>
-            </a:gs>
-            <a:gs pos="100000">
-              <a:schemeClr val="phClr">
-                <a:shade val="30000"/>
-                <a:satMod val="200000"/>
-              </a:schemeClr>
-            </a:gs>
-          </a:gsLst>
-          <a:path path="circle">
-            <a:fillToRect l="50000" t="50000" r="50000" b="50000"/>
-          </a:path>
-        </a:gradFill>
-      </a:bgFillStyleLst>
-    </a:fmtScheme>
-  </a:themeElements>
+  <a:objectDefaults/>
+  <a:extraClrSchemeLst/>
 </a:theme>
 </file>
--- a/HackMoL PPT Format.pptx
+++ b/HackMoL PPT Format.pptx
@@ -6268,7 +6268,7 @@
         </p:spPr>
         <p:txBody>
           <a:bodyPr spcFirstLastPara="1" wrap="square" lIns="91425" tIns="91425" rIns="91425" bIns="91425" anchor="t" anchorCtr="0">
-            <a:normAutofit fontScale="92500"/>
+            <a:normAutofit fontScale="92500" lnSpcReduction="20000"/>
           </a:bodyPr>
           <a:lstStyle/>
           <a:p>
@@ -6514,6 +6514,13 @@
             </a:pPr>
             <a:r>
               <a:rPr lang="en" sz="3000" dirty="0">
+                <a:effectLst>
+                  <a:outerShdw blurRad="38100" dist="38100" dir="2700000" algn="tl">
+                    <a:srgbClr val="000000">
+                      <a:alpha val="43137"/>
+                    </a:srgbClr>
+                  </a:outerShdw>
+                </a:effectLst>
                 <a:latin typeface="Red Hat Display ExtraBold"/>
                 <a:ea typeface="Red Hat Display ExtraBold"/>
                 <a:cs typeface="Red Hat Display ExtraBold"/>
@@ -6522,6 +6529,13 @@
               <a:t>Problem Details</a:t>
             </a:r>
             <a:endParaRPr sz="3000" dirty="0">
+              <a:effectLst>
+                <a:outerShdw blurRad="38100" dist="38100" dir="2700000" algn="tl">
+                  <a:srgbClr val="000000">
+                    <a:alpha val="43137"/>
+                  </a:srgbClr>
+                </a:outerShdw>
+              </a:effectLst>
               <a:latin typeface="Red Hat Display ExtraBold"/>
               <a:ea typeface="Red Hat Display ExtraBold"/>
               <a:cs typeface="Red Hat Display ExtraBold"/>
@@ -6559,8 +6573,8 @@
         </p:nvSpPr>
         <p:spPr>
           <a:xfrm>
-            <a:off x="-2675340" y="996936"/>
-            <a:ext cx="8520600" cy="792600"/>
+            <a:off x="306191" y="627963"/>
+            <a:ext cx="8520600" cy="1266938"/>
           </a:xfrm>
           <a:prstGeom prst="rect">
             <a:avLst/>
@@ -6574,7 +6588,7 @@
           <a:p>
             <a:pPr marL="0" lvl="0" indent="0" algn="ctr" rtl="0">
               <a:lnSpc>
-                <a:spcPct val="80000"/>
+                <a:spcPct val="150000"/>
               </a:lnSpc>
               <a:spcBef>
                 <a:spcPts val="0"/>
@@ -6591,6 +6605,11 @@
             </a:pPr>
             <a:r>
               <a:rPr lang="en" sz="2040" dirty="0">
+                <a:solidFill>
+                  <a:schemeClr val="tx2">
+                    <a:lumMod val="25000"/>
+                  </a:schemeClr>
+                </a:solidFill>
                 <a:latin typeface="Red Hat Display SemiBold"/>
                 <a:ea typeface="Red Hat Display SemiBold"/>
                 <a:cs typeface="Red Hat Display SemiBold"/>
@@ -6602,7 +6621,7 @@
           <a:p>
             <a:pPr marL="0" lvl="0" indent="0" algn="ctr" rtl="0">
               <a:lnSpc>
-                <a:spcPct val="80000"/>
+                <a:spcPct val="150000"/>
               </a:lnSpc>
               <a:spcBef>
                 <a:spcPts val="0"/>
@@ -6617,79 +6636,53 @@
               <a:buFont typeface="Arial"/>
               <a:buNone/>
             </a:pPr>
-            <a:endParaRPr lang="en" sz="2040" dirty="0">
-              <a:latin typeface="Red Hat Display SemiBold"/>
-              <a:ea typeface="Red Hat Display SemiBold"/>
-              <a:cs typeface="Red Hat Display SemiBold"/>
-              <a:sym typeface="Red Hat Display SemiBold"/>
-            </a:endParaRPr>
-          </a:p>
-          <a:p>
-            <a:pPr marL="0" lvl="0" indent="0" algn="ctr" rtl="0">
-              <a:lnSpc>
-                <a:spcPct val="80000"/>
-              </a:lnSpc>
-              <a:spcBef>
-                <a:spcPts val="0"/>
-              </a:spcBef>
-              <a:spcAft>
-                <a:spcPts val="0"/>
-              </a:spcAft>
-              <a:buClr>
-                <a:schemeClr val="dk1"/>
-              </a:buClr>
-              <a:buSzPts val="605"/>
-              <a:buFont typeface="Arial"/>
-              <a:buNone/>
-            </a:pPr>
-            <a:endParaRPr sz="2040" dirty="0">
-              <a:latin typeface="Red Hat Display SemiBold"/>
-              <a:ea typeface="Red Hat Display SemiBold"/>
-              <a:cs typeface="Red Hat Display SemiBold"/>
-              <a:sym typeface="Red Hat Display SemiBold"/>
-            </a:endParaRPr>
-          </a:p>
-          <a:p>
-            <a:pPr marL="0" lvl="0" indent="0" algn="ctr" rtl="0">
-              <a:lnSpc>
-                <a:spcPct val="80000"/>
-              </a:lnSpc>
-              <a:spcBef>
-                <a:spcPts val="0"/>
-              </a:spcBef>
-              <a:spcAft>
-                <a:spcPts val="0"/>
-              </a:spcAft>
-              <a:buClr>
-                <a:schemeClr val="dk1"/>
-              </a:buClr>
-              <a:buSzPts val="605"/>
-              <a:buFont typeface="Arial"/>
-              <a:buNone/>
-            </a:pPr>
-            <a:endParaRPr sz="2040" dirty="0">
-              <a:latin typeface="Red Hat Display SemiBold"/>
-              <a:ea typeface="Red Hat Display SemiBold"/>
-              <a:cs typeface="Red Hat Display SemiBold"/>
-              <a:sym typeface="Red Hat Display SemiBold"/>
-            </a:endParaRPr>
-          </a:p>
-          <a:p>
-            <a:pPr marL="0" lvl="0" indent="0" algn="ctr" rtl="0">
-              <a:lnSpc>
-                <a:spcPct val="80000"/>
-              </a:lnSpc>
-              <a:spcBef>
-                <a:spcPts val="0"/>
-              </a:spcBef>
-              <a:spcAft>
-                <a:spcPts val="0"/>
-              </a:spcAft>
-              <a:buSzPts val="605"/>
-              <a:buNone/>
-            </a:pPr>
             <a:r>
-              <a:rPr lang="en" sz="2040" dirty="0">
+              <a:rPr lang="en-US" sz="2040" dirty="0">
+                <a:solidFill>
+                  <a:schemeClr val="tx2">
+                    <a:lumMod val="25000"/>
+                  </a:schemeClr>
+                </a:solidFill>
+                <a:latin typeface="Red Hat Display SemiBold"/>
+                <a:ea typeface="Red Hat Display SemiBold"/>
+                <a:cs typeface="Red Hat Display SemiBold"/>
+                <a:sym typeface="Red Hat Display SemiBold"/>
+              </a:rPr>
+              <a:t>How does inclusion of AI in agriculture give rise to new sustainable and efficient models ?</a:t>
+            </a:r>
+          </a:p>
+        </p:txBody>
+      </p:sp>
+      <p:sp>
+        <p:nvSpPr>
+          <p:cNvPr id="3" name="TextBox 2">
+            <a:extLst>
+              <a:ext uri="{FF2B5EF4-FFF2-40B4-BE49-F238E27FC236}">
+                <a16:creationId xmlns:a16="http://schemas.microsoft.com/office/drawing/2014/main" id="{756C2B2F-7B71-5E99-F8C4-D033D03C08F2}"/>
+              </a:ext>
+            </a:extLst>
+          </p:cNvPr>
+          <p:cNvSpPr txBox="1"/>
+          <p:nvPr/>
+        </p:nvSpPr>
+        <p:spPr>
+          <a:xfrm>
+            <a:off x="550842" y="2357610"/>
+            <a:ext cx="8031297" cy="2954655"/>
+          </a:xfrm>
+          <a:prstGeom prst="rect">
+            <a:avLst/>
+          </a:prstGeom>
+          <a:noFill/>
+        </p:spPr>
+        <p:txBody>
+          <a:bodyPr wrap="square" rtlCol="0">
+            <a:spAutoFit/>
+          </a:bodyPr>
+          <a:lstStyle/>
+          <a:p>
+            <a:r>
+              <a:rPr lang="en" sz="1800" u="sng" dirty="0">
                 <a:latin typeface="Red Hat Display SemiBold"/>
                 <a:ea typeface="Red Hat Display SemiBold"/>
                 <a:cs typeface="Red Hat Display SemiBold"/>
@@ -6697,12 +6690,45 @@
               </a:rPr>
               <a:t>Problem Description:</a:t>
             </a:r>
-            <a:endParaRPr sz="2040" dirty="0">
-              <a:latin typeface="Red Hat Display SemiBold"/>
-              <a:ea typeface="Red Hat Display SemiBold"/>
-              <a:cs typeface="Red Hat Display SemiBold"/>
-              <a:sym typeface="Red Hat Display SemiBold"/>
-            </a:endParaRPr>
+          </a:p>
+          <a:p>
+            <a:pPr marL="285750" indent="-285750">
+              <a:buFont typeface="Arial" panose="020B0604020202020204" pitchFamily="34" charset="0"/>
+              <a:buChar char="•"/>
+            </a:pPr>
+            <a:r>
+              <a:rPr lang="en-IN" sz="1800" dirty="0"/>
+              <a:t>Artificial Intelligence is one of the fastest growing sector , where as agriculture is the oldest yet the slowest growing sector in modern times. A fancy fusion of these two sectors would not only ease life but also progress towards a stable economy.</a:t>
+            </a:r>
+          </a:p>
+          <a:p>
+            <a:pPr marL="285750" indent="-285750">
+              <a:buFont typeface="Arial" panose="020B0604020202020204" pitchFamily="34" charset="0"/>
+              <a:buChar char="•"/>
+            </a:pPr>
+            <a:r>
+              <a:rPr lang="en-IN" sz="1800" dirty="0"/>
+              <a:t>Sudden change in weather , inaccurate soil classification and  growth of wrong plant in the region, all collectively mounts to the problems faced by them.</a:t>
+            </a:r>
+          </a:p>
+          <a:p>
+            <a:pPr marL="285750" indent="-285750">
+              <a:buFont typeface="Arial" panose="020B0604020202020204" pitchFamily="34" charset="0"/>
+              <a:buChar char="•"/>
+            </a:pPr>
+            <a:endParaRPr lang="en-IN" dirty="0"/>
+          </a:p>
+          <a:p>
+            <a:r>
+              <a:rPr lang="en-IN" dirty="0"/>
+              <a:t>      </a:t>
+            </a:r>
+          </a:p>
+          <a:p>
+            <a:r>
+              <a:rPr lang="en-IN" dirty="0"/>
+              <a:t> </a:t>
+            </a:r>
           </a:p>
         </p:txBody>
       </p:sp>

--- a/HackMoL PPT Format.pptx
+++ b/HackMoL PPT Format.pptx
@@ -5,38 +5,41 @@
     <p:sldMasterId id="2147483659" r:id="rId1"/>
   </p:sldMasterIdLst>
   <p:notesMasterIdLst>
-    <p:notesMasterId r:id="rId9"/>
+    <p:notesMasterId r:id="rId12"/>
   </p:notesMasterIdLst>
   <p:sldIdLst>
     <p:sldId id="256" r:id="rId2"/>
     <p:sldId id="257" r:id="rId3"/>
-    <p:sldId id="259" r:id="rId4"/>
-    <p:sldId id="260" r:id="rId5"/>
-    <p:sldId id="261" r:id="rId6"/>
-    <p:sldId id="262" r:id="rId7"/>
-    <p:sldId id="258" r:id="rId8"/>
+    <p:sldId id="263" r:id="rId4"/>
+    <p:sldId id="259" r:id="rId5"/>
+    <p:sldId id="260" r:id="rId6"/>
+    <p:sldId id="261" r:id="rId7"/>
+    <p:sldId id="264" r:id="rId8"/>
+    <p:sldId id="265" r:id="rId9"/>
+    <p:sldId id="262" r:id="rId10"/>
+    <p:sldId id="258" r:id="rId11"/>
   </p:sldIdLst>
   <p:sldSz cx="9144000" cy="5143500" type="screen16x9"/>
   <p:notesSz cx="6858000" cy="9144000"/>
   <p:embeddedFontLst>
     <p:embeddedFont>
       <p:font typeface="Red Hat Display" panose="020B0604020202020204" charset="0"/>
-      <p:regular r:id="rId10"/>
-      <p:bold r:id="rId11"/>
-      <p:italic r:id="rId12"/>
-      <p:boldItalic r:id="rId13"/>
+      <p:regular r:id="rId13"/>
+      <p:bold r:id="rId14"/>
+      <p:italic r:id="rId15"/>
+      <p:boldItalic r:id="rId16"/>
     </p:embeddedFont>
     <p:embeddedFont>
       <p:font typeface="Red Hat Display ExtraBold" panose="020B0604020202020204" charset="0"/>
-      <p:bold r:id="rId14"/>
-      <p:boldItalic r:id="rId15"/>
+      <p:bold r:id="rId17"/>
+      <p:boldItalic r:id="rId18"/>
     </p:embeddedFont>
     <p:embeddedFont>
       <p:font typeface="Red Hat Display SemiBold" panose="020B0604020202020204" charset="0"/>
-      <p:regular r:id="rId16"/>
-      <p:bold r:id="rId17"/>
-      <p:italic r:id="rId18"/>
-      <p:boldItalic r:id="rId19"/>
+      <p:regular r:id="rId19"/>
+      <p:bold r:id="rId20"/>
+      <p:italic r:id="rId21"/>
+      <p:boldItalic r:id="rId22"/>
     </p:embeddedFont>
   </p:embeddedFontLst>
   <p:defaultTextStyle>
@@ -6282,7 +6285,7 @@
               <a:buNone/>
             </a:pPr>
             <a:r>
-              <a:rPr lang="en" b="1">
+              <a:rPr lang="en" b="1" dirty="0">
                 <a:latin typeface="Red Hat Display"/>
                 <a:ea typeface="Red Hat Display"/>
                 <a:cs typeface="Red Hat Display"/>
@@ -6290,7 +6293,7 @@
               </a:rPr>
               <a:t>Team Details </a:t>
             </a:r>
-            <a:endParaRPr b="1">
+            <a:endParaRPr b="1" dirty="0">
               <a:latin typeface="Red Hat Display"/>
               <a:ea typeface="Red Hat Display"/>
               <a:cs typeface="Red Hat Display"/>
@@ -6315,7 +6318,7 @@
         </p:blipFill>
         <p:spPr>
           <a:xfrm>
-            <a:off x="1501850" y="1159225"/>
+            <a:off x="969309" y="1085245"/>
             <a:ext cx="6140301" cy="1363275"/>
           </a:xfrm>
           <a:prstGeom prst="rect">
@@ -6335,8 +6338,8 @@
         </p:nvSpPr>
         <p:spPr>
           <a:xfrm>
-            <a:off x="3280200" y="3289975"/>
-            <a:ext cx="2583600" cy="1293000"/>
+            <a:off x="1501850" y="3192775"/>
+            <a:ext cx="5607760" cy="1661963"/>
           </a:xfrm>
           <a:prstGeom prst="rect">
             <a:avLst/>
@@ -6362,15 +6365,24 @@
               <a:buNone/>
             </a:pPr>
             <a:r>
-              <a:rPr lang="en" sz="1800">
+              <a:rPr lang="en" sz="1800" dirty="0">
                 <a:latin typeface="Red Hat Display SemiBold"/>
                 <a:ea typeface="Red Hat Display SemiBold"/>
                 <a:cs typeface="Red Hat Display SemiBold"/>
                 <a:sym typeface="Red Hat Display SemiBold"/>
               </a:rPr>
-              <a:t>Team Name:</a:t>
+              <a:t>Team Name: </a:t>
             </a:r>
-            <a:endParaRPr sz="1800">
+            <a:r>
+              <a:rPr lang="en" sz="2000" dirty="0">
+                <a:latin typeface="Red Hat Display SemiBold"/>
+                <a:ea typeface="Red Hat Display SemiBold"/>
+                <a:cs typeface="Red Hat Display SemiBold"/>
+                <a:sym typeface="Red Hat Display SemiBold"/>
+              </a:rPr>
+              <a:t>RUGVED</a:t>
+            </a:r>
+            <a:endParaRPr sz="1800" dirty="0">
               <a:latin typeface="Red Hat Display SemiBold"/>
               <a:ea typeface="Red Hat Display SemiBold"/>
               <a:cs typeface="Red Hat Display SemiBold"/>
@@ -6393,15 +6405,15 @@
               <a:buNone/>
             </a:pPr>
             <a:r>
-              <a:rPr lang="en" sz="1800">
+              <a:rPr lang="en" sz="1800" dirty="0">
                 <a:latin typeface="Red Hat Display SemiBold"/>
                 <a:ea typeface="Red Hat Display SemiBold"/>
                 <a:cs typeface="Red Hat Display SemiBold"/>
                 <a:sym typeface="Red Hat Display SemiBold"/>
               </a:rPr>
-              <a:t>Team Members’ Name: </a:t>
+              <a:t>Team Members’ Name: Abhigyan, Arnav, Harshal,Siddharth </a:t>
             </a:r>
-            <a:endParaRPr sz="1800">
+            <a:endParaRPr sz="1800" dirty="0">
               <a:latin typeface="Red Hat Display SemiBold"/>
               <a:ea typeface="Red Hat Display SemiBold"/>
               <a:cs typeface="Red Hat Display SemiBold"/>
@@ -6419,15 +6431,15 @@
               <a:buNone/>
             </a:pPr>
             <a:r>
-              <a:rPr lang="en" sz="1800">
+              <a:rPr lang="en" sz="1800" dirty="0">
                 <a:latin typeface="Red Hat Display SemiBold"/>
                 <a:ea typeface="Red Hat Display SemiBold"/>
                 <a:cs typeface="Red Hat Display SemiBold"/>
                 <a:sym typeface="Red Hat Display SemiBold"/>
               </a:rPr>
-              <a:t>College Name:</a:t>
+              <a:t>College Name: Manipal Institute of Technology</a:t>
             </a:r>
-            <a:endParaRPr sz="1800">
+            <a:endParaRPr sz="1800" dirty="0">
               <a:latin typeface="Red Hat Display SemiBold"/>
               <a:ea typeface="Red Hat Display SemiBold"/>
               <a:cs typeface="Red Hat Display SemiBold"/>
@@ -6444,7 +6456,325 @@
               </a:spcAft>
               <a:buNone/>
             </a:pPr>
-            <a:endParaRPr sz="1800">
+            <a:endParaRPr sz="1800" dirty="0">
+              <a:latin typeface="Red Hat Display SemiBold"/>
+              <a:ea typeface="Red Hat Display SemiBold"/>
+              <a:cs typeface="Red Hat Display SemiBold"/>
+              <a:sym typeface="Red Hat Display SemiBold"/>
+            </a:endParaRPr>
+          </a:p>
+        </p:txBody>
+      </p:sp>
+    </p:spTree>
+  </p:cSld>
+  <p:clrMapOvr>
+    <a:masterClrMapping/>
+  </p:clrMapOvr>
+</p:sld>
+</file>
+
+<file path=ppt/slides/slide10.xml><?xml version="1.0" encoding="utf-8"?>
+<p:sld xmlns:a="http://schemas.openxmlformats.org/drawingml/2006/main" xmlns:r="http://schemas.openxmlformats.org/officeDocument/2006/relationships" xmlns:p="http://schemas.openxmlformats.org/presentationml/2006/main">
+  <p:cSld>
+    <p:spTree>
+      <p:nvGrpSpPr>
+        <p:cNvPr id="1" name="Shape 66"/>
+        <p:cNvGrpSpPr/>
+        <p:nvPr/>
+      </p:nvGrpSpPr>
+      <p:grpSpPr>
+        <a:xfrm>
+          <a:off x="0" y="0"/>
+          <a:ext cx="0" cy="0"/>
+          <a:chOff x="0" y="0"/>
+          <a:chExt cx="0" cy="0"/>
+        </a:xfrm>
+      </p:grpSpPr>
+      <p:sp>
+        <p:nvSpPr>
+          <p:cNvPr id="67" name="Google Shape;67;p15"/>
+          <p:cNvSpPr txBox="1">
+            <a:spLocks noGrp="1"/>
+          </p:cNvSpPr>
+          <p:nvPr>
+            <p:ph type="title"/>
+          </p:nvPr>
+        </p:nvSpPr>
+        <p:spPr>
+          <a:xfrm>
+            <a:off x="2561625" y="577100"/>
+            <a:ext cx="4351200" cy="572700"/>
+          </a:xfrm>
+          <a:prstGeom prst="rect">
+            <a:avLst/>
+          </a:prstGeom>
+        </p:spPr>
+        <p:txBody>
+          <a:bodyPr spcFirstLastPara="1" wrap="square" lIns="91425" tIns="91425" rIns="91425" bIns="91425" anchor="t" anchorCtr="0">
+            <a:normAutofit fontScale="90000"/>
+          </a:bodyPr>
+          <a:lstStyle/>
+          <a:p>
+            <a:pPr marL="0" lvl="0" indent="0" algn="l" rtl="0">
+              <a:spcBef>
+                <a:spcPts val="0"/>
+              </a:spcBef>
+              <a:spcAft>
+                <a:spcPts val="0"/>
+              </a:spcAft>
+              <a:buNone/>
+            </a:pPr>
+            <a:r>
+              <a:rPr lang="en-IN" b="1" dirty="0">
+                <a:latin typeface="Red Hat Display"/>
+                <a:ea typeface="Red Hat Display"/>
+                <a:cs typeface="Red Hat Display"/>
+                <a:sym typeface="Red Hat Display"/>
+              </a:rPr>
+              <a:t>Something about ourself</a:t>
+            </a:r>
+            <a:endParaRPr b="1" dirty="0">
+              <a:latin typeface="Red Hat Display"/>
+              <a:ea typeface="Red Hat Display"/>
+              <a:cs typeface="Red Hat Display"/>
+              <a:sym typeface="Red Hat Display"/>
+            </a:endParaRPr>
+          </a:p>
+          <a:p>
+            <a:pPr marL="0" lvl="0" indent="0" algn="l" rtl="0">
+              <a:spcBef>
+                <a:spcPts val="0"/>
+              </a:spcBef>
+              <a:spcAft>
+                <a:spcPts val="0"/>
+              </a:spcAft>
+              <a:buNone/>
+            </a:pPr>
+            <a:endParaRPr b="1" dirty="0">
+              <a:latin typeface="Red Hat Display"/>
+              <a:ea typeface="Red Hat Display"/>
+              <a:cs typeface="Red Hat Display"/>
+              <a:sym typeface="Red Hat Display"/>
+            </a:endParaRPr>
+          </a:p>
+        </p:txBody>
+      </p:sp>
+      <p:sp>
+        <p:nvSpPr>
+          <p:cNvPr id="68" name="Google Shape;68;p15"/>
+          <p:cNvSpPr/>
+          <p:nvPr/>
+        </p:nvSpPr>
+        <p:spPr>
+          <a:xfrm>
+            <a:off x="2166750" y="1689450"/>
+            <a:ext cx="4810500" cy="956700"/>
+          </a:xfrm>
+          <a:prstGeom prst="roundRect">
+            <a:avLst>
+              <a:gd name="adj" fmla="val 16667"/>
+            </a:avLst>
+          </a:prstGeom>
+          <a:solidFill>
+            <a:srgbClr val="94E95D"/>
+          </a:solidFill>
+          <a:ln w="9525" cap="flat" cmpd="sng">
+            <a:solidFill>
+              <a:schemeClr val="dk2"/>
+            </a:solidFill>
+            <a:prstDash val="solid"/>
+            <a:round/>
+            <a:headEnd type="none" w="sm" len="sm"/>
+            <a:tailEnd type="none" w="sm" len="sm"/>
+          </a:ln>
+        </p:spPr>
+        <p:txBody>
+          <a:bodyPr spcFirstLastPara="1" wrap="square" lIns="91425" tIns="91425" rIns="91425" bIns="91425" anchor="ctr" anchorCtr="0">
+            <a:noAutofit/>
+          </a:bodyPr>
+          <a:lstStyle/>
+          <a:p>
+            <a:pPr marL="0" lvl="0" indent="0" algn="l" rtl="0">
+              <a:spcBef>
+                <a:spcPts val="0"/>
+              </a:spcBef>
+              <a:spcAft>
+                <a:spcPts val="0"/>
+              </a:spcAft>
+              <a:buNone/>
+            </a:pPr>
+            <a:endParaRPr/>
+          </a:p>
+        </p:txBody>
+      </p:sp>
+      <p:sp>
+        <p:nvSpPr>
+          <p:cNvPr id="69" name="Google Shape;69;p15"/>
+          <p:cNvSpPr/>
+          <p:nvPr/>
+        </p:nvSpPr>
+        <p:spPr>
+          <a:xfrm>
+            <a:off x="2236800" y="2838200"/>
+            <a:ext cx="4670400" cy="956700"/>
+          </a:xfrm>
+          <a:prstGeom prst="roundRect">
+            <a:avLst>
+              <a:gd name="adj" fmla="val 16667"/>
+            </a:avLst>
+          </a:prstGeom>
+          <a:solidFill>
+            <a:srgbClr val="94E95D"/>
+          </a:solidFill>
+          <a:ln w="9525" cap="flat" cmpd="sng">
+            <a:solidFill>
+              <a:schemeClr val="dk2"/>
+            </a:solidFill>
+            <a:prstDash val="solid"/>
+            <a:round/>
+            <a:headEnd type="none" w="sm" len="sm"/>
+            <a:tailEnd type="none" w="sm" len="sm"/>
+          </a:ln>
+        </p:spPr>
+        <p:txBody>
+          <a:bodyPr spcFirstLastPara="1" wrap="square" lIns="91425" tIns="91425" rIns="91425" bIns="91425" anchor="ctr" anchorCtr="0">
+            <a:noAutofit/>
+          </a:bodyPr>
+          <a:lstStyle/>
+          <a:p>
+            <a:pPr marL="0" lvl="0" indent="0" algn="l" rtl="0">
+              <a:spcBef>
+                <a:spcPts val="0"/>
+              </a:spcBef>
+              <a:spcAft>
+                <a:spcPts val="0"/>
+              </a:spcAft>
+              <a:buNone/>
+            </a:pPr>
+            <a:endParaRPr/>
+          </a:p>
+        </p:txBody>
+      </p:sp>
+      <p:sp>
+        <p:nvSpPr>
+          <p:cNvPr id="70" name="Google Shape;70;p15"/>
+          <p:cNvSpPr txBox="1">
+            <a:spLocks noGrp="1"/>
+          </p:cNvSpPr>
+          <p:nvPr>
+            <p:ph type="body" idx="1"/>
+          </p:nvPr>
+        </p:nvSpPr>
+        <p:spPr>
+          <a:xfrm>
+            <a:off x="2396400" y="2925650"/>
+            <a:ext cx="4670400" cy="1194658"/>
+          </a:xfrm>
+          <a:prstGeom prst="rect">
+            <a:avLst/>
+          </a:prstGeom>
+        </p:spPr>
+        <p:txBody>
+          <a:bodyPr spcFirstLastPara="1" wrap="square" lIns="91425" tIns="91425" rIns="91425" bIns="91425" anchor="t" anchorCtr="0">
+            <a:normAutofit/>
+          </a:bodyPr>
+          <a:lstStyle/>
+          <a:p>
+            <a:pPr marL="0" lvl="0" indent="0" algn="l" rtl="0">
+              <a:spcBef>
+                <a:spcPts val="0"/>
+              </a:spcBef>
+              <a:spcAft>
+                <a:spcPts val="1200"/>
+              </a:spcAft>
+              <a:buNone/>
+            </a:pPr>
+            <a:r>
+              <a:rPr lang="en-IN" sz="1100" dirty="0">
+                <a:solidFill>
+                  <a:schemeClr val="dk1"/>
+                </a:solidFill>
+                <a:latin typeface="Red Hat Display ExtraBold"/>
+                <a:ea typeface="Red Hat Display ExtraBold"/>
+                <a:cs typeface="Red Hat Display ExtraBold"/>
+                <a:sym typeface="Red Hat Display ExtraBold"/>
+              </a:rPr>
+              <a:t>W</a:t>
+            </a:r>
+            <a:r>
+              <a:rPr lang="en" sz="1100" dirty="0">
+                <a:solidFill>
+                  <a:schemeClr val="dk1"/>
+                </a:solidFill>
+                <a:latin typeface="Red Hat Display ExtraBold"/>
+                <a:ea typeface="Red Hat Display ExtraBold"/>
+                <a:cs typeface="Red Hat Display ExtraBold"/>
+                <a:sym typeface="Red Hat Display ExtraBold"/>
+              </a:rPr>
+              <a:t>e  are sophmore year students from MIT aming to be a better version of ourself and be a part of a cherished community that helps the backbone of our nation.</a:t>
+            </a:r>
+          </a:p>
+        </p:txBody>
+      </p:sp>
+      <p:sp>
+        <p:nvSpPr>
+          <p:cNvPr id="71" name="Google Shape;71;p15"/>
+          <p:cNvSpPr txBox="1">
+            <a:spLocks noGrp="1"/>
+          </p:cNvSpPr>
+          <p:nvPr>
+            <p:ph type="body" idx="1"/>
+          </p:nvPr>
+        </p:nvSpPr>
+        <p:spPr>
+          <a:xfrm>
+            <a:off x="2265300" y="1747200"/>
+            <a:ext cx="4613400" cy="841200"/>
+          </a:xfrm>
+          <a:prstGeom prst="rect">
+            <a:avLst/>
+          </a:prstGeom>
+          <a:noFill/>
+        </p:spPr>
+        <p:txBody>
+          <a:bodyPr spcFirstLastPara="1" wrap="square" lIns="91425" tIns="91425" rIns="91425" bIns="91425" anchor="t" anchorCtr="0">
+            <a:noAutofit/>
+          </a:bodyPr>
+          <a:lstStyle/>
+          <a:p>
+            <a:pPr marL="0" lvl="0" indent="0" algn="l" rtl="0">
+              <a:spcBef>
+                <a:spcPts val="0"/>
+              </a:spcBef>
+              <a:spcAft>
+                <a:spcPts val="0"/>
+              </a:spcAft>
+              <a:buNone/>
+            </a:pPr>
+            <a:r>
+              <a:rPr lang="en-IN" b="1" dirty="0">
+                <a:solidFill>
+                  <a:schemeClr val="dk1"/>
+                </a:solidFill>
+                <a:latin typeface="Red Hat Display"/>
+                <a:ea typeface="Red Hat Display"/>
+                <a:cs typeface="Red Hat Display"/>
+                <a:sym typeface="Red Hat Display"/>
+              </a:rPr>
+              <a:t>RUGVED is a multi disciplinary student project  located at MIT , Manipal.</a:t>
+            </a:r>
+          </a:p>
+          <a:p>
+            <a:pPr marL="0" lvl="0" indent="0" algn="l" rtl="0">
+              <a:spcBef>
+                <a:spcPts val="0"/>
+              </a:spcBef>
+              <a:spcAft>
+                <a:spcPts val="0"/>
+              </a:spcAft>
+              <a:buNone/>
+            </a:pPr>
+            <a:endParaRPr dirty="0">
               <a:latin typeface="Red Hat Display SemiBold"/>
               <a:ea typeface="Red Hat Display SemiBold"/>
               <a:cs typeface="Red Hat Display SemiBold"/>
@@ -6667,8 +6997,8 @@
         </p:nvSpPr>
         <p:spPr>
           <a:xfrm>
-            <a:off x="550842" y="2357610"/>
-            <a:ext cx="8031297" cy="2954655"/>
+            <a:off x="550842" y="2247441"/>
+            <a:ext cx="8031297" cy="2708434"/>
           </a:xfrm>
           <a:prstGeom prst="rect">
             <a:avLst/>
@@ -6682,7 +7012,7 @@
           <a:lstStyle/>
           <a:p>
             <a:r>
-              <a:rPr lang="en" sz="1800" u="sng" dirty="0">
+              <a:rPr lang="en" sz="2000" u="sng" dirty="0">
                 <a:latin typeface="Red Hat Display SemiBold"/>
                 <a:ea typeface="Red Hat Display SemiBold"/>
                 <a:cs typeface="Red Hat Display SemiBold"/>
@@ -6692,35 +7022,20 @@
             </a:r>
           </a:p>
           <a:p>
-            <a:pPr marL="285750" indent="-285750">
-              <a:buFont typeface="Arial" panose="020B0604020202020204" pitchFamily="34" charset="0"/>
-              <a:buChar char="•"/>
+            <a:pPr>
+              <a:lnSpc>
+                <a:spcPct val="200000"/>
+              </a:lnSpc>
             </a:pPr>
             <a:r>
-              <a:rPr lang="en-IN" sz="1800" dirty="0"/>
-              <a:t>Artificial Intelligence is one of the fastest growing sector , where as agriculture is the oldest yet the slowest growing sector in modern times. A fancy fusion of these two sectors would not only ease life but also progress towards a stable economy.</a:t>
+              <a:rPr lang="en-IN" sz="2000" dirty="0"/>
+              <a:t>unforeseen changes in weather , inaccurate soil information and  cultivation of unsuitable crop and improper detection of plant health are few of the most common nightmares farmers face.</a:t>
             </a:r>
-          </a:p>
-          <a:p>
-            <a:pPr marL="285750" indent="-285750">
-              <a:buFont typeface="Arial" panose="020B0604020202020204" pitchFamily="34" charset="0"/>
-              <a:buChar char="•"/>
-            </a:pPr>
+            <a:endParaRPr lang="en-IN" sz="1600" dirty="0"/>
+          </a:p>
+          <a:p>
             <a:r>
-              <a:rPr lang="en-IN" sz="1800" dirty="0"/>
-              <a:t>Sudden change in weather , inaccurate soil classification and  growth of wrong plant in the region, all collectively mounts to the problems faced by them.</a:t>
-            </a:r>
-          </a:p>
-          <a:p>
-            <a:pPr marL="285750" indent="-285750">
-              <a:buFont typeface="Arial" panose="020B0604020202020204" pitchFamily="34" charset="0"/>
-              <a:buChar char="•"/>
-            </a:pPr>
-            <a:endParaRPr lang="en-IN" dirty="0"/>
-          </a:p>
-          <a:p>
-            <a:r>
-              <a:rPr lang="en-IN" dirty="0"/>
+              <a:rPr lang="en-IN" sz="1600" dirty="0"/>
               <a:t>      </a:t>
             </a:r>
           </a:p>
@@ -6745,7 +7060,7 @@
   <p:cSld>
     <p:spTree>
       <p:nvGrpSpPr>
-        <p:cNvPr id="1" name="Shape 60"/>
+        <p:cNvPr id="1" name=""/>
         <p:cNvGrpSpPr/>
         <p:nvPr/>
       </p:nvGrpSpPr>
@@ -6759,137 +7074,10 @@
       </p:grpSpPr>
       <p:sp>
         <p:nvSpPr>
-          <p:cNvPr id="61" name="Google Shape;61;p14"/>
-          <p:cNvSpPr txBox="1">
-            <a:spLocks noGrp="1"/>
-          </p:cNvSpPr>
-          <p:nvPr>
-            <p:ph type="ctrTitle"/>
-          </p:nvPr>
-        </p:nvSpPr>
-        <p:spPr>
-          <a:xfrm>
-            <a:off x="-2234866" y="-659364"/>
-            <a:ext cx="8520600" cy="2052600"/>
-          </a:xfrm>
-          <a:prstGeom prst="rect">
-            <a:avLst/>
-          </a:prstGeom>
-        </p:spPr>
-        <p:txBody>
-          <a:bodyPr spcFirstLastPara="1" wrap="square" lIns="91425" tIns="91425" rIns="91425" bIns="91425" anchor="b" anchorCtr="0">
-            <a:noAutofit/>
-          </a:bodyPr>
-          <a:lstStyle/>
-          <a:p>
-            <a:pPr marL="0" lvl="0" indent="0" algn="ctr" rtl="0">
-              <a:spcBef>
-                <a:spcPts val="0"/>
-              </a:spcBef>
-              <a:spcAft>
-                <a:spcPts val="0"/>
-              </a:spcAft>
-              <a:buNone/>
-            </a:pPr>
-            <a:r>
-              <a:rPr lang="en-IN" sz="3000" dirty="0">
-                <a:latin typeface="Red Hat Display ExtraBold"/>
-                <a:ea typeface="Red Hat Display ExtraBold"/>
-                <a:cs typeface="Red Hat Display ExtraBold"/>
-                <a:sym typeface="Red Hat Display ExtraBold"/>
-              </a:rPr>
-              <a:t>Model Description:</a:t>
-            </a:r>
-            <a:endParaRPr sz="3000" dirty="0">
-              <a:latin typeface="Red Hat Display ExtraBold"/>
-              <a:ea typeface="Red Hat Display ExtraBold"/>
-              <a:cs typeface="Red Hat Display ExtraBold"/>
-              <a:sym typeface="Red Hat Display ExtraBold"/>
-            </a:endParaRPr>
-          </a:p>
-          <a:p>
-            <a:pPr marL="0" lvl="0" indent="0" algn="ctr" rtl="0">
-              <a:spcBef>
-                <a:spcPts val="0"/>
-              </a:spcBef>
-              <a:spcAft>
-                <a:spcPts val="0"/>
-              </a:spcAft>
-              <a:buNone/>
-            </a:pPr>
-            <a:endParaRPr sz="3000" dirty="0">
-              <a:latin typeface="Red Hat Display ExtraBold"/>
-              <a:ea typeface="Red Hat Display ExtraBold"/>
-              <a:cs typeface="Red Hat Display ExtraBold"/>
-              <a:sym typeface="Red Hat Display ExtraBold"/>
-            </a:endParaRPr>
-          </a:p>
-        </p:txBody>
-      </p:sp>
-      <p:sp>
-        <p:nvSpPr>
-          <p:cNvPr id="3" name="Subtitle 2">
+          <p:cNvPr id="2" name="TextBox 1">
             <a:extLst>
               <a:ext uri="{FF2B5EF4-FFF2-40B4-BE49-F238E27FC236}">
-                <a16:creationId xmlns:a16="http://schemas.microsoft.com/office/drawing/2014/main" id="{31EFA1B1-BD60-48F0-5DC3-C2B42E193E15}"/>
-              </a:ext>
-            </a:extLst>
-          </p:cNvPr>
-          <p:cNvSpPr>
-            <a:spLocks noGrp="1"/>
-          </p:cNvSpPr>
-          <p:nvPr>
-            <p:ph type="subTitle" idx="1"/>
-          </p:nvPr>
-        </p:nvSpPr>
-        <p:spPr>
-          <a:xfrm>
-            <a:off x="105960" y="1187436"/>
-            <a:ext cx="8520600" cy="1235724"/>
-          </a:xfrm>
-        </p:spPr>
-        <p:txBody>
-          <a:bodyPr>
-            <a:normAutofit fontScale="55000" lnSpcReduction="20000"/>
-          </a:bodyPr>
-          <a:lstStyle/>
-          <a:p>
-            <a:pPr algn="l"/>
-            <a:r>
-              <a:rPr lang="en-IN" b="1" dirty="0"/>
-              <a:t>Soil Classification:</a:t>
-            </a:r>
-          </a:p>
-          <a:p>
-            <a:pPr algn="l"/>
-            <a:endParaRPr lang="en-IN" b="1" dirty="0"/>
-          </a:p>
-          <a:p>
-            <a:pPr algn="l"/>
-            <a:endParaRPr lang="en-IN" b="1" dirty="0"/>
-          </a:p>
-          <a:p>
-            <a:pPr algn="l"/>
-            <a:r>
-              <a:rPr lang="en-IN" dirty="0"/>
-              <a:t>Based on our research we have found the major soils present in India and developed an</a:t>
-            </a:r>
-          </a:p>
-          <a:p>
-            <a:pPr algn="l"/>
-            <a:r>
-              <a:rPr lang="en-IN" dirty="0"/>
-              <a:t>algorithm to classify the soil based on the image input. </a:t>
-            </a:r>
-          </a:p>
-        </p:txBody>
-      </p:sp>
-      <p:sp>
-        <p:nvSpPr>
-          <p:cNvPr id="4" name="TextBox 3">
-            <a:extLst>
-              <a:ext uri="{FF2B5EF4-FFF2-40B4-BE49-F238E27FC236}">
-                <a16:creationId xmlns:a16="http://schemas.microsoft.com/office/drawing/2014/main" id="{9BE97123-93DE-54DF-AF5F-B22E29A60096}"/>
+                <a16:creationId xmlns:a16="http://schemas.microsoft.com/office/drawing/2014/main" id="{FAD9BAC7-9AB3-F4A7-9219-E6E4D10A72B6}"/>
               </a:ext>
             </a:extLst>
           </p:cNvPr>
@@ -6898,8 +7086,8 @@
         </p:nvSpPr>
         <p:spPr>
           <a:xfrm>
-            <a:off x="495300" y="2788920"/>
-            <a:ext cx="3916680" cy="523220"/>
+            <a:off x="881349" y="837282"/>
+            <a:ext cx="7127914" cy="3139321"/>
           </a:xfrm>
           <a:prstGeom prst="rect">
             <a:avLst/>
@@ -6913,22 +7101,76 @@
           <a:lstStyle/>
           <a:p>
             <a:r>
-              <a:rPr lang="en-IN" dirty="0"/>
-              <a:t>Accuracy: 94.8%</a:t>
+              <a:rPr lang="en-IN" sz="1600" dirty="0"/>
+              <a:t>Artificial</a:t>
+            </a:r>
+            <a:r>
+              <a:rPr lang="en-IN" sz="1400" dirty="0"/>
+              <a:t> Intelligence is one of the fastest growing sector , while agriculture is the oldest yet the slowest growing sector in modern times. A fancy fusion of these two sectors would ease life of many.  </a:t>
             </a:r>
           </a:p>
           <a:p>
             <a:r>
               <a:rPr lang="en-IN" dirty="0"/>
-              <a:t>Loss: 12.6%</a:t>
+              <a:t>To make the lives of our farmers easier, we have devised few solutions to the above problems:</a:t>
             </a:r>
+          </a:p>
+          <a:p>
+            <a:pPr marL="285750" indent="-285750">
+              <a:buFont typeface="Arial" panose="020B0604020202020204" pitchFamily="34" charset="0"/>
+              <a:buChar char="•"/>
+            </a:pPr>
+            <a:r>
+              <a:rPr lang="en-IN" sz="1400" dirty="0"/>
+              <a:t>We have developed a model which predicts the type of soil , with just a picture  of it.</a:t>
+            </a:r>
+          </a:p>
+          <a:p>
+            <a:pPr marL="285750" indent="-285750">
+              <a:buFont typeface="Arial" panose="020B0604020202020204" pitchFamily="34" charset="0"/>
+              <a:buChar char="•"/>
+            </a:pPr>
+            <a:r>
+              <a:rPr lang="en-US" sz="1400" dirty="0"/>
+              <a:t>We have developed an algorithm that can predict the type of crop that is best suited for the soil based on the required parameters.</a:t>
+            </a:r>
+          </a:p>
+          <a:p>
+            <a:pPr marL="285750" indent="-285750">
+              <a:buFont typeface="Arial" panose="020B0604020202020204" pitchFamily="34" charset="0"/>
+              <a:buChar char="•"/>
+            </a:pPr>
+            <a:r>
+              <a:rPr lang="en-US" dirty="0"/>
+              <a:t>We have reduced the ambiguity with health of the plant by developing an algorithm which predicts if the plant is healthy or unhealthy.</a:t>
+            </a:r>
+          </a:p>
+          <a:p>
+            <a:pPr marL="285750" indent="-285750">
+              <a:buFont typeface="Arial" panose="020B0604020202020204" pitchFamily="34" charset="0"/>
+              <a:buChar char="•"/>
+            </a:pPr>
+            <a:r>
+              <a:rPr lang="en-US" sz="1400" dirty="0"/>
+              <a:t>To top it off we have created a user-friendly app which even a commoner can use and access all the above-mentioned features. .  </a:t>
+            </a:r>
+          </a:p>
+          <a:p>
+            <a:pPr marL="285750" indent="-285750">
+              <a:buFont typeface="Arial" panose="020B0604020202020204" pitchFamily="34" charset="0"/>
+              <a:buChar char="•"/>
+            </a:pPr>
+            <a:endParaRPr lang="en-IN" sz="1400" dirty="0"/>
+          </a:p>
+          <a:p>
+            <a:endParaRPr lang="en-IN" dirty="0"/>
           </a:p>
         </p:txBody>
       </p:sp>
     </p:spTree>
     <p:extLst>
       <p:ext uri="{BB962C8B-B14F-4D97-AF65-F5344CB8AC3E}">
-        <p14:creationId xmlns:p14="http://schemas.microsoft.com/office/powerpoint/2010/main" val="2047993809"/>
+        <p14:creationId xmlns:p14="http://schemas.microsoft.com/office/powerpoint/2010/main" val="2215528195"/>
       </p:ext>
     </p:extLst>
   </p:cSld>
@@ -7042,134 +7284,163 @@
         </p:nvSpPr>
         <p:spPr>
           <a:xfrm>
-            <a:off x="243840" y="996936"/>
-            <a:ext cx="8641080" cy="2934984"/>
+            <a:off x="265982" y="947451"/>
+            <a:ext cx="8784652" cy="2148289"/>
           </a:xfrm>
         </p:spPr>
         <p:txBody>
           <a:bodyPr>
-            <a:normAutofit fontScale="85000" lnSpcReduction="20000"/>
+            <a:normAutofit fontScale="32500" lnSpcReduction="20000"/>
           </a:bodyPr>
           <a:lstStyle/>
           <a:p>
             <a:pPr algn="l"/>
             <a:r>
-              <a:rPr lang="en-IN" b="1" dirty="0">
-                <a:solidFill>
-                  <a:schemeClr val="accent1">
-                    <a:lumMod val="75000"/>
-                  </a:schemeClr>
-                </a:solidFill>
-              </a:rPr>
-              <a:t>Crop Recommendation:</a:t>
+              <a:rPr lang="en-IN" sz="4000" b="1" dirty="0"/>
+              <a:t>Soil Classification:</a:t>
             </a:r>
-          </a:p>
-          <a:p>
-            <a:pPr algn="l"/>
-            <a:endParaRPr lang="en-IN" dirty="0">
-              <a:solidFill>
-                <a:schemeClr val="accent1">
-                  <a:lumMod val="75000"/>
-                </a:schemeClr>
-              </a:solidFill>
-            </a:endParaRPr>
           </a:p>
           <a:p>
             <a:pPr algn="l"/>
             <a:r>
-              <a:rPr lang="en-IN" dirty="0">
-                <a:solidFill>
-                  <a:schemeClr val="accent1">
-                    <a:lumMod val="75000"/>
-                  </a:schemeClr>
-                </a:solidFill>
-              </a:rPr>
-              <a:t>We have developed an algorithm that can predict the type of</a:t>
+              <a:rPr lang="en-IN" sz="4000" dirty="0"/>
+              <a:t>Based on our research we have found the major soils present in India and developed an</a:t>
             </a:r>
           </a:p>
           <a:p>
             <a:pPr algn="l"/>
             <a:r>
-              <a:rPr lang="en-IN" dirty="0">
-                <a:solidFill>
-                  <a:schemeClr val="accent1">
-                    <a:lumMod val="75000"/>
-                  </a:schemeClr>
-                </a:solidFill>
-              </a:rPr>
-              <a:t>crop that is best suited based on the soil based on-</a:t>
-            </a:r>
-          </a:p>
-          <a:p>
-            <a:pPr algn="l"/>
-            <a:endParaRPr lang="en-IN" dirty="0">
-              <a:solidFill>
-                <a:schemeClr val="accent1">
-                  <a:lumMod val="75000"/>
-                </a:schemeClr>
-              </a:solidFill>
-            </a:endParaRPr>
-          </a:p>
-          <a:p>
-            <a:pPr marL="114300" indent="0" algn="l"/>
-            <a:r>
-              <a:rPr lang="en-IN" dirty="0">
-                <a:solidFill>
-                  <a:schemeClr val="accent1">
-                    <a:lumMod val="75000"/>
-                  </a:schemeClr>
-                </a:solidFill>
-              </a:rPr>
-              <a:t>1. Nitrogen, Potassium and Phosphorus</a:t>
+              <a:rPr lang="en-IN" sz="4000" dirty="0"/>
+              <a:t>algorithm to classify the soil based on the image input.</a:t>
             </a:r>
           </a:p>
           <a:p>
             <a:pPr algn="l"/>
             <a:r>
-              <a:rPr lang="en-IN" dirty="0">
-                <a:solidFill>
-                  <a:schemeClr val="accent1">
-                    <a:lumMod val="75000"/>
-                  </a:schemeClr>
-                </a:solidFill>
-              </a:rPr>
-              <a:t>2. Temperature</a:t>
+              <a:rPr lang="en-IN" sz="4000" dirty="0"/>
+              <a:t>Major soil classes the algorithm can predict:</a:t>
             </a:r>
           </a:p>
           <a:p>
             <a:pPr algn="l"/>
             <a:r>
-              <a:rPr lang="en-IN" dirty="0">
+              <a:rPr kumimoji="0" lang="en-US" altLang="en-US" sz="4000" b="0" i="0" u="none" strike="noStrike" cap="none" normalizeH="0" baseline="0" dirty="0">
+                <a:ln>
+                  <a:noFill/>
+                </a:ln>
                 <a:solidFill>
-                  <a:schemeClr val="accent1">
-                    <a:lumMod val="75000"/>
-                  </a:schemeClr>
+                  <a:schemeClr val="tx1"/>
                 </a:solidFill>
+                <a:effectLst/>
+                <a:latin typeface="+mn-lt"/>
               </a:rPr>
-              <a:t>3. Humidity</a:t>
+              <a:t>"Black Soil“</a:t>
             </a:r>
           </a:p>
           <a:p>
             <a:pPr algn="l"/>
             <a:r>
-              <a:rPr lang="en-IN" dirty="0">
+              <a:rPr kumimoji="0" lang="en-US" altLang="en-US" sz="4000" b="0" i="0" u="none" strike="noStrike" cap="none" normalizeH="0" baseline="0" dirty="0">
+                <a:ln>
+                  <a:noFill/>
+                </a:ln>
                 <a:solidFill>
-                  <a:schemeClr val="accent1">
-                    <a:lumMod val="75000"/>
-                  </a:schemeClr>
+                  <a:schemeClr val="tx1"/>
                 </a:solidFill>
+                <a:effectLst/>
+                <a:latin typeface="+mn-lt"/>
               </a:rPr>
-              <a:t>4. Rainfall</a:t>
+              <a:t>"Cinder Soil“</a:t>
+            </a:r>
+          </a:p>
+          <a:p>
+            <a:pPr algn="l"/>
+            <a:r>
+              <a:rPr kumimoji="0" lang="en-US" altLang="en-US" sz="4000" b="0" i="0" u="none" strike="noStrike" cap="none" normalizeH="0" baseline="0" dirty="0">
+                <a:ln>
+                  <a:noFill/>
+                </a:ln>
+                <a:solidFill>
+                  <a:schemeClr val="tx1"/>
+                </a:solidFill>
+                <a:effectLst/>
+                <a:latin typeface="+mn-lt"/>
+              </a:rPr>
+              <a:t>"Laterite Soil“</a:t>
+            </a:r>
+          </a:p>
+          <a:p>
+            <a:pPr algn="l"/>
+            <a:r>
+              <a:rPr kumimoji="0" lang="en-US" altLang="en-US" sz="4000" b="0" i="0" u="none" strike="noStrike" cap="none" normalizeH="0" baseline="0" dirty="0">
+                <a:ln>
+                  <a:noFill/>
+                </a:ln>
+                <a:solidFill>
+                  <a:schemeClr val="tx1"/>
+                </a:solidFill>
+                <a:effectLst/>
+                <a:latin typeface="+mn-lt"/>
+              </a:rPr>
+              <a:t>"Peat Soil“</a:t>
+            </a:r>
+          </a:p>
+          <a:p>
+            <a:pPr algn="l"/>
+            <a:r>
+              <a:rPr kumimoji="0" lang="en-US" altLang="en-US" sz="4000" b="0" i="0" u="none" strike="noStrike" cap="none" normalizeH="0" baseline="0" dirty="0">
+                <a:ln>
+                  <a:noFill/>
+                </a:ln>
+                <a:solidFill>
+                  <a:schemeClr val="tx1"/>
+                </a:solidFill>
+                <a:effectLst/>
+                <a:latin typeface="+mn-lt"/>
+              </a:rPr>
+              <a:t>"Yellow Soil" </a:t>
+            </a:r>
+            <a:endParaRPr kumimoji="0" lang="en-US" altLang="en-US" sz="11200" b="0" i="0" u="none" strike="noStrike" cap="none" normalizeH="0" baseline="0" dirty="0">
+              <a:ln>
+                <a:noFill/>
+              </a:ln>
+              <a:solidFill>
+                <a:schemeClr val="tx1"/>
+              </a:solidFill>
+              <a:effectLst/>
+              <a:latin typeface="+mn-lt"/>
+            </a:endParaRPr>
+          </a:p>
+          <a:p>
+            <a:pPr algn="l"/>
+            <a:endParaRPr lang="en-IN" sz="4000" dirty="0"/>
+          </a:p>
+          <a:p>
+            <a:pPr marL="571500" indent="-457200" algn="l">
+              <a:buFont typeface="Arial" panose="020B0604020202020204" pitchFamily="34" charset="0"/>
+              <a:buChar char="•"/>
+            </a:pPr>
+            <a:endParaRPr lang="en-IN" sz="4000" dirty="0"/>
+          </a:p>
+          <a:p>
+            <a:pPr algn="l"/>
+            <a:endParaRPr lang="en-IN" dirty="0"/>
+          </a:p>
+          <a:p>
+            <a:pPr algn="l"/>
+            <a:r>
+              <a:rPr lang="en-IN" dirty="0"/>
+              <a:t>. </a:t>
             </a:r>
           </a:p>
         </p:txBody>
       </p:sp>
       <p:sp>
         <p:nvSpPr>
-          <p:cNvPr id="2" name="TextBox 1">
+          <p:cNvPr id="4" name="TextBox 3">
             <a:extLst>
               <a:ext uri="{FF2B5EF4-FFF2-40B4-BE49-F238E27FC236}">
-                <a16:creationId xmlns:a16="http://schemas.microsoft.com/office/drawing/2014/main" id="{5F866636-CA5F-680C-E0E3-96825EC15622}"/>
+                <a16:creationId xmlns:a16="http://schemas.microsoft.com/office/drawing/2014/main" id="{9BE97123-93DE-54DF-AF5F-B22E29A60096}"/>
               </a:ext>
             </a:extLst>
           </p:cNvPr>
@@ -7178,8 +7449,8 @@
         </p:nvSpPr>
         <p:spPr>
           <a:xfrm>
-            <a:off x="7109460" y="4488180"/>
-            <a:ext cx="3916680" cy="307777"/>
+            <a:off x="495300" y="2788920"/>
+            <a:ext cx="3916680" cy="523220"/>
           </a:xfrm>
           <a:prstGeom prst="rect">
             <a:avLst/>
@@ -7194,7 +7465,13 @@
           <a:p>
             <a:r>
               <a:rPr lang="en-IN" dirty="0"/>
-              <a:t>Accuracy: 96.18%</a:t>
+              <a:t>Accuracy: 94.8%</a:t>
+            </a:r>
+          </a:p>
+          <a:p>
+            <a:r>
+              <a:rPr lang="en-IN" dirty="0"/>
+              <a:t>Loss: 12.6%</a:t>
             </a:r>
           </a:p>
         </p:txBody>
@@ -7202,7 +7479,7 @@
     </p:spTree>
     <p:extLst>
       <p:ext uri="{BB962C8B-B14F-4D97-AF65-F5344CB8AC3E}">
-        <p14:creationId xmlns:p14="http://schemas.microsoft.com/office/powerpoint/2010/main" val="1242172798"/>
+        <p14:creationId xmlns:p14="http://schemas.microsoft.com/office/powerpoint/2010/main" val="2047993809"/>
       </p:ext>
     </p:extLst>
   </p:cSld>
@@ -7300,10 +7577,10 @@
       </p:sp>
       <p:sp>
         <p:nvSpPr>
-          <p:cNvPr id="4" name="Subtitle 3">
+          <p:cNvPr id="3" name="Subtitle 2">
             <a:extLst>
               <a:ext uri="{FF2B5EF4-FFF2-40B4-BE49-F238E27FC236}">
-                <a16:creationId xmlns:a16="http://schemas.microsoft.com/office/drawing/2014/main" id="{0768D7F4-D432-2443-4FA1-D37DD7A68583}"/>
+                <a16:creationId xmlns:a16="http://schemas.microsoft.com/office/drawing/2014/main" id="{31EFA1B1-BD60-48F0-5DC3-C2B42E193E15}"/>
               </a:ext>
             </a:extLst>
           </p:cNvPr>
@@ -7316,70 +7593,134 @@
         </p:nvSpPr>
         <p:spPr>
           <a:xfrm>
-            <a:off x="129540" y="990084"/>
-            <a:ext cx="8161740" cy="2179835"/>
+            <a:off x="243840" y="996936"/>
+            <a:ext cx="8641080" cy="2934984"/>
           </a:xfrm>
         </p:spPr>
         <p:txBody>
-          <a:bodyPr/>
+          <a:bodyPr>
+            <a:normAutofit fontScale="85000" lnSpcReduction="20000"/>
+          </a:bodyPr>
           <a:lstStyle/>
           <a:p>
             <a:pPr algn="l"/>
             <a:r>
-              <a:rPr lang="en-IN" sz="1800" dirty="0">
+              <a:rPr lang="en-IN" b="1" dirty="0">
                 <a:solidFill>
-                  <a:srgbClr val="002060"/>
+                  <a:schemeClr val="accent1">
+                    <a:lumMod val="75000"/>
+                  </a:schemeClr>
                 </a:solidFill>
               </a:rPr>
-              <a:t>Plant Status:</a:t>
+              <a:t>Crop Recommendation:</a:t>
             </a:r>
           </a:p>
           <a:p>
             <a:pPr algn="l"/>
-            <a:endParaRPr lang="en-IN" sz="1800" dirty="0">
+            <a:endParaRPr lang="en-IN" dirty="0">
               <a:solidFill>
-                <a:srgbClr val="002060"/>
+                <a:schemeClr val="accent1">
+                  <a:lumMod val="75000"/>
+                </a:schemeClr>
               </a:solidFill>
             </a:endParaRPr>
           </a:p>
           <a:p>
             <a:pPr algn="l"/>
             <a:r>
-              <a:rPr lang="en-IN" sz="1600" dirty="0">
+              <a:rPr lang="en-IN" dirty="0">
                 <a:solidFill>
-                  <a:srgbClr val="002060"/>
+                  <a:schemeClr val="accent1">
+                    <a:lumMod val="75000"/>
+                  </a:schemeClr>
                 </a:solidFill>
               </a:rPr>
-              <a:t>By observing the photo of a leaf, the algorithm developed by us can detect whether a</a:t>
+              <a:t>We have developed an algorithm that can predict the type of</a:t>
             </a:r>
           </a:p>
           <a:p>
             <a:pPr algn="l"/>
             <a:r>
-              <a:rPr lang="en-IN" sz="1600" dirty="0">
+              <a:rPr lang="en-IN" dirty="0">
                 <a:solidFill>
-                  <a:srgbClr val="002060"/>
+                  <a:schemeClr val="accent1">
+                    <a:lumMod val="75000"/>
+                  </a:schemeClr>
                 </a:solidFill>
               </a:rPr>
-              <a:t>plant is healthy or not and what type of disease does it have.</a:t>
+              <a:t>crop that is best suited based on the soil based on-</a:t>
             </a:r>
           </a:p>
           <a:p>
             <a:pPr algn="l"/>
-            <a:endParaRPr lang="en-IN" sz="1600" dirty="0">
+            <a:endParaRPr lang="en-IN" dirty="0">
               <a:solidFill>
-                <a:srgbClr val="002060"/>
+                <a:schemeClr val="accent1">
+                  <a:lumMod val="75000"/>
+                </a:schemeClr>
               </a:solidFill>
             </a:endParaRPr>
+          </a:p>
+          <a:p>
+            <a:pPr marL="114300" indent="0" algn="l"/>
+            <a:r>
+              <a:rPr lang="en-IN" dirty="0">
+                <a:solidFill>
+                  <a:schemeClr val="accent1">
+                    <a:lumMod val="75000"/>
+                  </a:schemeClr>
+                </a:solidFill>
+              </a:rPr>
+              <a:t>1. Nitrogen, Potassium and Phosphorus</a:t>
+            </a:r>
+          </a:p>
+          <a:p>
+            <a:pPr algn="l"/>
+            <a:r>
+              <a:rPr lang="en-IN" dirty="0">
+                <a:solidFill>
+                  <a:schemeClr val="accent1">
+                    <a:lumMod val="75000"/>
+                  </a:schemeClr>
+                </a:solidFill>
+              </a:rPr>
+              <a:t>2. Temperature</a:t>
+            </a:r>
+          </a:p>
+          <a:p>
+            <a:pPr algn="l"/>
+            <a:r>
+              <a:rPr lang="en-IN" dirty="0">
+                <a:solidFill>
+                  <a:schemeClr val="accent1">
+                    <a:lumMod val="75000"/>
+                  </a:schemeClr>
+                </a:solidFill>
+              </a:rPr>
+              <a:t>3. Humidity</a:t>
+            </a:r>
+          </a:p>
+          <a:p>
+            <a:pPr algn="l"/>
+            <a:r>
+              <a:rPr lang="en-IN" dirty="0">
+                <a:solidFill>
+                  <a:schemeClr val="accent1">
+                    <a:lumMod val="75000"/>
+                  </a:schemeClr>
+                </a:solidFill>
+              </a:rPr>
+              <a:t>4. Rainfall</a:t>
+            </a:r>
           </a:p>
         </p:txBody>
       </p:sp>
       <p:sp>
         <p:nvSpPr>
-          <p:cNvPr id="5" name="TextBox 4">
+          <p:cNvPr id="2" name="TextBox 1">
             <a:extLst>
               <a:ext uri="{FF2B5EF4-FFF2-40B4-BE49-F238E27FC236}">
-                <a16:creationId xmlns:a16="http://schemas.microsoft.com/office/drawing/2014/main" id="{AA208020-B50C-CF5D-2EAC-D0AA74849103}"/>
+                <a16:creationId xmlns:a16="http://schemas.microsoft.com/office/drawing/2014/main" id="{5F866636-CA5F-680C-E0E3-96825EC15622}"/>
               </a:ext>
             </a:extLst>
           </p:cNvPr>
@@ -7388,8 +7729,8 @@
         </p:nvSpPr>
         <p:spPr>
           <a:xfrm>
-            <a:off x="7307580" y="4296147"/>
-            <a:ext cx="3916680" cy="523220"/>
+            <a:off x="1005840" y="3931920"/>
+            <a:ext cx="3916680" cy="307777"/>
           </a:xfrm>
           <a:prstGeom prst="rect">
             <a:avLst/>
@@ -7404,13 +7745,7 @@
           <a:p>
             <a:r>
               <a:rPr lang="en-IN" dirty="0"/>
-              <a:t>Accuracy: 97.4%</a:t>
-            </a:r>
-          </a:p>
-          <a:p>
-            <a:r>
-              <a:rPr lang="en-IN" dirty="0"/>
-              <a:t>Loss: 12.2%</a:t>
+              <a:t>Accuracy: 96.18%</a:t>
             </a:r>
           </a:p>
         </p:txBody>
@@ -7418,7 +7753,7 @@
     </p:spTree>
     <p:extLst>
       <p:ext uri="{BB962C8B-B14F-4D97-AF65-F5344CB8AC3E}">
-        <p14:creationId xmlns:p14="http://schemas.microsoft.com/office/powerpoint/2010/main" val="529182873"/>
+        <p14:creationId xmlns:p14="http://schemas.microsoft.com/office/powerpoint/2010/main" val="1242172798"/>
       </p:ext>
     </p:extLst>
   </p:cSld>
@@ -7519,7 +7854,7 @@
           <p:cNvPr id="4" name="Subtitle 3">
             <a:extLst>
               <a:ext uri="{FF2B5EF4-FFF2-40B4-BE49-F238E27FC236}">
-                <a16:creationId xmlns:a16="http://schemas.microsoft.com/office/drawing/2014/main" id="{6EB78186-1606-38C8-5715-7D0EB635338D}"/>
+                <a16:creationId xmlns:a16="http://schemas.microsoft.com/office/drawing/2014/main" id="{0768D7F4-D432-2443-4FA1-D37DD7A68583}"/>
               </a:ext>
             </a:extLst>
           </p:cNvPr>
@@ -7532,20 +7867,173 @@
         </p:nvSpPr>
         <p:spPr>
           <a:xfrm>
-            <a:off x="128820" y="814116"/>
-            <a:ext cx="8520600" cy="1441404"/>
+            <a:off x="129540" y="990084"/>
+            <a:ext cx="8161740" cy="2179835"/>
           </a:xfrm>
         </p:spPr>
         <p:txBody>
-          <a:bodyPr>
-            <a:normAutofit/>
+          <a:bodyPr/>
+          <a:lstStyle/>
+          <a:p>
+            <a:pPr algn="l"/>
+            <a:r>
+              <a:rPr lang="en-IN" sz="1800" dirty="0">
+                <a:solidFill>
+                  <a:srgbClr val="002060"/>
+                </a:solidFill>
+              </a:rPr>
+              <a:t>Plant Status:</a:t>
+            </a:r>
+          </a:p>
+          <a:p>
+            <a:pPr algn="l"/>
+            <a:endParaRPr lang="en-IN" sz="1800" dirty="0">
+              <a:solidFill>
+                <a:srgbClr val="002060"/>
+              </a:solidFill>
+            </a:endParaRPr>
+          </a:p>
+          <a:p>
+            <a:pPr algn="l"/>
+            <a:r>
+              <a:rPr lang="en-IN" sz="1600" dirty="0">
+                <a:solidFill>
+                  <a:srgbClr val="002060"/>
+                </a:solidFill>
+              </a:rPr>
+              <a:t>By observing the photo of a leaf, the algorithm developed by us can detect whether a</a:t>
+            </a:r>
+          </a:p>
+          <a:p>
+            <a:pPr algn="l"/>
+            <a:r>
+              <a:rPr lang="en-IN" sz="1600" dirty="0">
+                <a:solidFill>
+                  <a:srgbClr val="002060"/>
+                </a:solidFill>
+              </a:rPr>
+              <a:t>plant is healthy or not and what type of disease does it have.</a:t>
+            </a:r>
+          </a:p>
+          <a:p>
+            <a:pPr algn="l"/>
+            <a:endParaRPr lang="en-IN" sz="1600" dirty="0">
+              <a:solidFill>
+                <a:srgbClr val="002060"/>
+              </a:solidFill>
+            </a:endParaRPr>
+          </a:p>
+        </p:txBody>
+      </p:sp>
+      <p:sp>
+        <p:nvSpPr>
+          <p:cNvPr id="5" name="TextBox 4">
+            <a:extLst>
+              <a:ext uri="{FF2B5EF4-FFF2-40B4-BE49-F238E27FC236}">
+                <a16:creationId xmlns:a16="http://schemas.microsoft.com/office/drawing/2014/main" id="{AA208020-B50C-CF5D-2EAC-D0AA74849103}"/>
+              </a:ext>
+            </a:extLst>
+          </p:cNvPr>
+          <p:cNvSpPr txBox="1"/>
+          <p:nvPr/>
+        </p:nvSpPr>
+        <p:spPr>
+          <a:xfrm>
+            <a:off x="4374600" y="3016332"/>
+            <a:ext cx="3916680" cy="523220"/>
+          </a:xfrm>
+          <a:prstGeom prst="rect">
+            <a:avLst/>
+          </a:prstGeom>
+          <a:noFill/>
+        </p:spPr>
+        <p:txBody>
+          <a:bodyPr wrap="square" rtlCol="0">
+            <a:spAutoFit/>
           </a:bodyPr>
           <a:lstStyle/>
           <a:p>
-            <a:pPr algn="l"/>
             <a:r>
-              <a:rPr lang="en-IN" sz="1800" dirty="0"/>
-              <a:t>Dataset (Resources):</a:t>
+              <a:rPr lang="en-IN" dirty="0"/>
+              <a:t>Accuracy: 97.4%</a:t>
+            </a:r>
+          </a:p>
+          <a:p>
+            <a:r>
+              <a:rPr lang="en-IN" dirty="0"/>
+              <a:t>Loss: 12.2%</a:t>
+            </a:r>
+          </a:p>
+        </p:txBody>
+      </p:sp>
+      <p:pic>
+        <p:nvPicPr>
+          <p:cNvPr id="3" name="Picture 2" descr="A close up of a leaf&#10;&#10;Description automatically generated with medium confidence">
+            <a:extLst>
+              <a:ext uri="{FF2B5EF4-FFF2-40B4-BE49-F238E27FC236}">
+                <a16:creationId xmlns:a16="http://schemas.microsoft.com/office/drawing/2014/main" id="{3A69425E-BD8E-2621-9463-969063E1CD2C}"/>
+              </a:ext>
+              <a:ext uri="{C183D7F6-B498-43B3-948B-1728B52AA6E4}">
+                <adec:decorative xmlns:adec="http://schemas.microsoft.com/office/drawing/2017/decorative" val="0"/>
+              </a:ext>
+            </a:extLst>
+          </p:cNvPr>
+          <p:cNvPicPr>
+            <a:picLocks noChangeAspect="1"/>
+          </p:cNvPicPr>
+          <p:nvPr/>
+        </p:nvPicPr>
+        <p:blipFill>
+          <a:blip r:embed="rId3"/>
+          <a:stretch>
+            <a:fillRect/>
+          </a:stretch>
+        </p:blipFill>
+        <p:spPr>
+          <a:xfrm>
+            <a:off x="1485393" y="2520844"/>
+            <a:ext cx="1988087" cy="1982081"/>
+          </a:xfrm>
+          <a:prstGeom prst="rect">
+            <a:avLst/>
+          </a:prstGeom>
+        </p:spPr>
+      </p:pic>
+      <p:sp>
+        <p:nvSpPr>
+          <p:cNvPr id="6" name="TextBox 5">
+            <a:extLst>
+              <a:ext uri="{FF2B5EF4-FFF2-40B4-BE49-F238E27FC236}">
+                <a16:creationId xmlns:a16="http://schemas.microsoft.com/office/drawing/2014/main" id="{74444801-873B-9266-DE8D-1075FC4A1BB6}"/>
+              </a:ext>
+            </a:extLst>
+          </p:cNvPr>
+          <p:cNvSpPr txBox="1"/>
+          <p:nvPr/>
+        </p:nvSpPr>
+        <p:spPr>
+          <a:xfrm>
+            <a:off x="2220356" y="4297527"/>
+            <a:ext cx="1426227" cy="261610"/>
+          </a:xfrm>
+          <a:prstGeom prst="rect">
+            <a:avLst/>
+          </a:prstGeom>
+          <a:noFill/>
+        </p:spPr>
+        <p:txBody>
+          <a:bodyPr wrap="square" rtlCol="0">
+            <a:spAutoFit/>
+          </a:bodyPr>
+          <a:lstStyle/>
+          <a:p>
+            <a:r>
+              <a:rPr lang="en-IN" sz="1050" dirty="0">
+                <a:solidFill>
+                  <a:schemeClr val="bg1"/>
+                </a:solidFill>
+              </a:rPr>
+              <a:t>Leaf with curl virus</a:t>
             </a:r>
           </a:p>
         </p:txBody>
@@ -7553,7 +8041,7 @@
     </p:spTree>
     <p:extLst>
       <p:ext uri="{BB962C8B-B14F-4D97-AF65-F5344CB8AC3E}">
-        <p14:creationId xmlns:p14="http://schemas.microsoft.com/office/powerpoint/2010/main" val="2238777676"/>
+        <p14:creationId xmlns:p14="http://schemas.microsoft.com/office/powerpoint/2010/main" val="529182873"/>
       </p:ext>
     </p:extLst>
   </p:cSld>
@@ -7568,7 +8056,7 @@
   <p:cSld>
     <p:spTree>
       <p:nvGrpSpPr>
-        <p:cNvPr id="1" name="Shape 66"/>
+        <p:cNvPr id="1" name=""/>
         <p:cNvGrpSpPr/>
         <p:nvPr/>
       </p:nvGrpSpPr>
@@ -7582,173 +8070,14 @@
       </p:grpSpPr>
       <p:sp>
         <p:nvSpPr>
-          <p:cNvPr id="67" name="Google Shape;67;p15"/>
-          <p:cNvSpPr txBox="1">
-            <a:spLocks noGrp="1"/>
-          </p:cNvSpPr>
-          <p:nvPr>
-            <p:ph type="title"/>
-          </p:nvPr>
-        </p:nvSpPr>
-        <p:spPr>
-          <a:xfrm>
-            <a:off x="2561625" y="577100"/>
-            <a:ext cx="4351200" cy="572700"/>
-          </a:xfrm>
-          <a:prstGeom prst="rect">
-            <a:avLst/>
-          </a:prstGeom>
-        </p:spPr>
-        <p:txBody>
-          <a:bodyPr spcFirstLastPara="1" wrap="square" lIns="91425" tIns="91425" rIns="91425" bIns="91425" anchor="t" anchorCtr="0">
-            <a:normAutofit fontScale="90000"/>
-          </a:bodyPr>
-          <a:lstStyle/>
-          <a:p>
-            <a:pPr marL="0" lvl="0" indent="0" algn="l" rtl="0">
-              <a:spcBef>
-                <a:spcPts val="0"/>
-              </a:spcBef>
-              <a:spcAft>
-                <a:spcPts val="0"/>
-              </a:spcAft>
-              <a:buNone/>
-            </a:pPr>
-            <a:r>
-              <a:rPr lang="en" b="1">
-                <a:latin typeface="Red Hat Display"/>
-                <a:ea typeface="Red Hat Display"/>
-                <a:cs typeface="Red Hat Display"/>
-                <a:sym typeface="Red Hat Display"/>
-              </a:rPr>
-              <a:t>Solution/Approach Details</a:t>
-            </a:r>
-            <a:endParaRPr b="1">
-              <a:latin typeface="Red Hat Display"/>
-              <a:ea typeface="Red Hat Display"/>
-              <a:cs typeface="Red Hat Display"/>
-              <a:sym typeface="Red Hat Display"/>
-            </a:endParaRPr>
-          </a:p>
-          <a:p>
-            <a:pPr marL="0" lvl="0" indent="0" algn="l" rtl="0">
-              <a:spcBef>
-                <a:spcPts val="0"/>
-              </a:spcBef>
-              <a:spcAft>
-                <a:spcPts val="0"/>
-              </a:spcAft>
-              <a:buNone/>
-            </a:pPr>
-            <a:endParaRPr b="1">
-              <a:latin typeface="Red Hat Display"/>
-              <a:ea typeface="Red Hat Display"/>
-              <a:cs typeface="Red Hat Display"/>
-              <a:sym typeface="Red Hat Display"/>
-            </a:endParaRPr>
-          </a:p>
-        </p:txBody>
-      </p:sp>
-      <p:sp>
-        <p:nvSpPr>
-          <p:cNvPr id="68" name="Google Shape;68;p15"/>
-          <p:cNvSpPr/>
-          <p:nvPr/>
-        </p:nvSpPr>
-        <p:spPr>
-          <a:xfrm>
-            <a:off x="2166750" y="1689450"/>
-            <a:ext cx="4810500" cy="956700"/>
-          </a:xfrm>
-          <a:prstGeom prst="roundRect">
-            <a:avLst>
-              <a:gd name="adj" fmla="val 16667"/>
-            </a:avLst>
-          </a:prstGeom>
-          <a:solidFill>
-            <a:srgbClr val="94E95D"/>
-          </a:solidFill>
-          <a:ln w="9525" cap="flat" cmpd="sng">
-            <a:solidFill>
-              <a:schemeClr val="dk2"/>
-            </a:solidFill>
-            <a:prstDash val="solid"/>
-            <a:round/>
-            <a:headEnd type="none" w="sm" len="sm"/>
-            <a:tailEnd type="none" w="sm" len="sm"/>
-          </a:ln>
-        </p:spPr>
-        <p:txBody>
-          <a:bodyPr spcFirstLastPara="1" wrap="square" lIns="91425" tIns="91425" rIns="91425" bIns="91425" anchor="ctr" anchorCtr="0">
-            <a:noAutofit/>
-          </a:bodyPr>
-          <a:lstStyle/>
-          <a:p>
-            <a:pPr marL="0" lvl="0" indent="0" algn="l" rtl="0">
-              <a:spcBef>
-                <a:spcPts val="0"/>
-              </a:spcBef>
-              <a:spcAft>
-                <a:spcPts val="0"/>
-              </a:spcAft>
-              <a:buNone/>
-            </a:pPr>
-            <a:endParaRPr/>
-          </a:p>
-        </p:txBody>
-      </p:sp>
-      <p:sp>
-        <p:nvSpPr>
-          <p:cNvPr id="69" name="Google Shape;69;p15"/>
-          <p:cNvSpPr/>
-          <p:nvPr/>
-        </p:nvSpPr>
-        <p:spPr>
-          <a:xfrm>
-            <a:off x="2236800" y="2838200"/>
-            <a:ext cx="4670400" cy="956700"/>
-          </a:xfrm>
-          <a:prstGeom prst="roundRect">
-            <a:avLst>
-              <a:gd name="adj" fmla="val 16667"/>
-            </a:avLst>
-          </a:prstGeom>
-          <a:solidFill>
-            <a:srgbClr val="94E95D"/>
-          </a:solidFill>
-          <a:ln w="9525" cap="flat" cmpd="sng">
-            <a:solidFill>
-              <a:schemeClr val="dk2"/>
-            </a:solidFill>
-            <a:prstDash val="solid"/>
-            <a:round/>
-            <a:headEnd type="none" w="sm" len="sm"/>
-            <a:tailEnd type="none" w="sm" len="sm"/>
-          </a:ln>
-        </p:spPr>
-        <p:txBody>
-          <a:bodyPr spcFirstLastPara="1" wrap="square" lIns="91425" tIns="91425" rIns="91425" bIns="91425" anchor="ctr" anchorCtr="0">
-            <a:noAutofit/>
-          </a:bodyPr>
-          <a:lstStyle/>
-          <a:p>
-            <a:pPr marL="0" lvl="0" indent="0" algn="l" rtl="0">
-              <a:spcBef>
-                <a:spcPts val="0"/>
-              </a:spcBef>
-              <a:spcAft>
-                <a:spcPts val="0"/>
-              </a:spcAft>
-              <a:buNone/>
-            </a:pPr>
-            <a:endParaRPr/>
-          </a:p>
-        </p:txBody>
-      </p:sp>
-      <p:sp>
-        <p:nvSpPr>
-          <p:cNvPr id="70" name="Google Shape;70;p15"/>
-          <p:cNvSpPr txBox="1">
+          <p:cNvPr id="2" name="Text Placeholder 1">
+            <a:extLst>
+              <a:ext uri="{FF2B5EF4-FFF2-40B4-BE49-F238E27FC236}">
+                <a16:creationId xmlns:a16="http://schemas.microsoft.com/office/drawing/2014/main" id="{A5CADF34-6428-FC13-5AD8-052924BA09A8}"/>
+              </a:ext>
+            </a:extLst>
+          </p:cNvPr>
+          <p:cNvSpPr>
             <a:spLocks noGrp="1"/>
           </p:cNvSpPr>
           <p:nvPr>
@@ -7757,68 +8086,185 @@
         </p:nvSpPr>
         <p:spPr>
           <a:xfrm>
-            <a:off x="2396400" y="2925650"/>
-            <a:ext cx="4351200" cy="781800"/>
+            <a:off x="642206" y="506874"/>
+            <a:ext cx="5998800" cy="605100"/>
           </a:xfrm>
-          <a:prstGeom prst="rect">
-            <a:avLst/>
-          </a:prstGeom>
         </p:spPr>
         <p:txBody>
-          <a:bodyPr spcFirstLastPara="1" wrap="square" lIns="91425" tIns="91425" rIns="91425" bIns="91425" anchor="t" anchorCtr="0">
-            <a:normAutofit fontScale="85000" lnSpcReduction="20000"/>
+          <a:bodyPr>
+            <a:normAutofit/>
           </a:bodyPr>
           <a:lstStyle/>
           <a:p>
-            <a:pPr marL="0" lvl="0" indent="0" algn="l" rtl="0">
-              <a:spcBef>
-                <a:spcPts val="0"/>
-              </a:spcBef>
-              <a:spcAft>
-                <a:spcPts val="1200"/>
-              </a:spcAft>
-              <a:buNone/>
-            </a:pPr>
             <a:r>
-              <a:rPr lang="en">
+              <a:rPr lang="en-IN" sz="2400" dirty="0">
                 <a:solidFill>
-                  <a:schemeClr val="dk1"/>
+                  <a:schemeClr val="tx1"/>
                 </a:solidFill>
                 <a:latin typeface="Red Hat Display ExtraBold"/>
                 <a:ea typeface="Red Hat Display ExtraBold"/>
                 <a:cs typeface="Red Hat Display ExtraBold"/>
                 <a:sym typeface="Red Hat Display ExtraBold"/>
               </a:rPr>
-              <a:t>Technology Stack: </a:t>
+              <a:t>Model Description:</a:t>
             </a:r>
-            <a:r>
-              <a:rPr lang="en">
-                <a:solidFill>
-                  <a:schemeClr val="dk1"/>
-                </a:solidFill>
-                <a:latin typeface="Red Hat Display SemiBold"/>
-                <a:ea typeface="Red Hat Display SemiBold"/>
-                <a:cs typeface="Red Hat Display SemiBold"/>
-                <a:sym typeface="Red Hat Display SemiBold"/>
-              </a:rPr>
-              <a:t>All the technologies  along with their dependencies.</a:t>
-            </a:r>
-            <a:endParaRPr>
+            <a:endParaRPr lang="en-IN" sz="2400" dirty="0">
               <a:solidFill>
-                <a:schemeClr val="dk1"/>
+                <a:schemeClr val="tx1"/>
               </a:solidFill>
-              <a:latin typeface="Red Hat Display SemiBold"/>
-              <a:ea typeface="Red Hat Display SemiBold"/>
-              <a:cs typeface="Red Hat Display SemiBold"/>
-              <a:sym typeface="Red Hat Display SemiBold"/>
             </a:endParaRPr>
           </a:p>
         </p:txBody>
       </p:sp>
       <p:sp>
         <p:nvSpPr>
-          <p:cNvPr id="71" name="Google Shape;71;p15"/>
-          <p:cNvSpPr txBox="1">
+          <p:cNvPr id="4" name="TextBox 3">
+            <a:extLst>
+              <a:ext uri="{FF2B5EF4-FFF2-40B4-BE49-F238E27FC236}">
+                <a16:creationId xmlns:a16="http://schemas.microsoft.com/office/drawing/2014/main" id="{1C9F2867-A7A7-0AAE-96F5-AD19659C089C}"/>
+              </a:ext>
+            </a:extLst>
+          </p:cNvPr>
+          <p:cNvSpPr txBox="1"/>
+          <p:nvPr/>
+        </p:nvSpPr>
+        <p:spPr>
+          <a:xfrm>
+            <a:off x="892366" y="1322024"/>
+            <a:ext cx="7678757" cy="954107"/>
+          </a:xfrm>
+          <a:prstGeom prst="rect">
+            <a:avLst/>
+          </a:prstGeom>
+          <a:noFill/>
+        </p:spPr>
+        <p:txBody>
+          <a:bodyPr wrap="square" rtlCol="0">
+            <a:spAutoFit/>
+          </a:bodyPr>
+          <a:lstStyle/>
+          <a:p>
+            <a:r>
+              <a:rPr lang="en-IN" dirty="0"/>
+              <a:t>Price prediction :</a:t>
+            </a:r>
+          </a:p>
+          <a:p>
+            <a:endParaRPr lang="en-IN" dirty="0"/>
+          </a:p>
+          <a:p>
+            <a:r>
+              <a:rPr lang="en-IN" dirty="0"/>
+              <a:t>The algorithm we developed can help in predicting the future prices of the plant or crop that is given as an input. </a:t>
+            </a:r>
+          </a:p>
+        </p:txBody>
+      </p:sp>
+      <p:pic>
+        <p:nvPicPr>
+          <p:cNvPr id="6" name="Picture 5" descr="Chart, treemap chart&#10;&#10;Description automatically generated">
+            <a:extLst>
+              <a:ext uri="{FF2B5EF4-FFF2-40B4-BE49-F238E27FC236}">
+                <a16:creationId xmlns:a16="http://schemas.microsoft.com/office/drawing/2014/main" id="{A1663664-BC34-425A-5128-04D954DB28D7}"/>
+              </a:ext>
+            </a:extLst>
+          </p:cNvPr>
+          <p:cNvPicPr>
+            <a:picLocks noChangeAspect="1"/>
+          </p:cNvPicPr>
+          <p:nvPr/>
+        </p:nvPicPr>
+        <p:blipFill>
+          <a:blip r:embed="rId2"/>
+          <a:stretch>
+            <a:fillRect/>
+          </a:stretch>
+        </p:blipFill>
+        <p:spPr>
+          <a:xfrm>
+            <a:off x="4594034" y="2276131"/>
+            <a:ext cx="3977089" cy="2453434"/>
+          </a:xfrm>
+          <a:prstGeom prst="rect">
+            <a:avLst/>
+          </a:prstGeom>
+        </p:spPr>
+      </p:pic>
+      <p:sp>
+        <p:nvSpPr>
+          <p:cNvPr id="7" name="TextBox 6">
+            <a:extLst>
+              <a:ext uri="{FF2B5EF4-FFF2-40B4-BE49-F238E27FC236}">
+                <a16:creationId xmlns:a16="http://schemas.microsoft.com/office/drawing/2014/main" id="{91D37D84-5E5E-447E-F5E8-DE7C365F57EC}"/>
+              </a:ext>
+            </a:extLst>
+          </p:cNvPr>
+          <p:cNvSpPr txBox="1"/>
+          <p:nvPr/>
+        </p:nvSpPr>
+        <p:spPr>
+          <a:xfrm>
+            <a:off x="1057619" y="2710149"/>
+            <a:ext cx="3117774" cy="307777"/>
+          </a:xfrm>
+          <a:prstGeom prst="rect">
+            <a:avLst/>
+          </a:prstGeom>
+          <a:noFill/>
+        </p:spPr>
+        <p:txBody>
+          <a:bodyPr wrap="square" rtlCol="0">
+            <a:spAutoFit/>
+          </a:bodyPr>
+          <a:lstStyle/>
+          <a:p>
+            <a:r>
+              <a:rPr lang="en-IN" dirty="0"/>
+              <a:t>Accuracy – 99.4%</a:t>
+            </a:r>
+          </a:p>
+        </p:txBody>
+      </p:sp>
+    </p:spTree>
+    <p:extLst>
+      <p:ext uri="{BB962C8B-B14F-4D97-AF65-F5344CB8AC3E}">
+        <p14:creationId xmlns:p14="http://schemas.microsoft.com/office/powerpoint/2010/main" val="3863038715"/>
+      </p:ext>
+    </p:extLst>
+  </p:cSld>
+  <p:clrMapOvr>
+    <a:masterClrMapping/>
+  </p:clrMapOvr>
+</p:sld>
+</file>
+
+<file path=ppt/slides/slide8.xml><?xml version="1.0" encoding="utf-8"?>
+<p:sld xmlns:a="http://schemas.openxmlformats.org/drawingml/2006/main" xmlns:r="http://schemas.openxmlformats.org/officeDocument/2006/relationships" xmlns:p="http://schemas.openxmlformats.org/presentationml/2006/main">
+  <p:cSld>
+    <p:spTree>
+      <p:nvGrpSpPr>
+        <p:cNvPr id="1" name=""/>
+        <p:cNvGrpSpPr/>
+        <p:nvPr/>
+      </p:nvGrpSpPr>
+      <p:grpSpPr>
+        <a:xfrm>
+          <a:off x="0" y="0"/>
+          <a:ext cx="0" cy="0"/>
+          <a:chOff x="0" y="0"/>
+          <a:chExt cx="0" cy="0"/>
+        </a:xfrm>
+      </p:grpSpPr>
+      <p:sp>
+        <p:nvSpPr>
+          <p:cNvPr id="2" name="Text Placeholder 1">
+            <a:extLst>
+              <a:ext uri="{FF2B5EF4-FFF2-40B4-BE49-F238E27FC236}">
+                <a16:creationId xmlns:a16="http://schemas.microsoft.com/office/drawing/2014/main" id="{C76ED199-8CA8-79A3-5B72-D81DB2A1254F}"/>
+              </a:ext>
+            </a:extLst>
+          </p:cNvPr>
+          <p:cNvSpPr>
             <a:spLocks noGrp="1"/>
           </p:cNvSpPr>
           <p:nvPr>
@@ -7827,8 +8273,43 @@
         </p:nvSpPr>
         <p:spPr>
           <a:xfrm>
-            <a:off x="2265300" y="1747200"/>
-            <a:ext cx="4613400" cy="841200"/>
+            <a:off x="289666" y="429756"/>
+            <a:ext cx="5998800" cy="605100"/>
+          </a:xfrm>
+        </p:spPr>
+        <p:txBody>
+          <a:bodyPr>
+            <a:normAutofit/>
+          </a:bodyPr>
+          <a:lstStyle/>
+          <a:p>
+            <a:r>
+              <a:rPr lang="en-IN" sz="2400" dirty="0">
+                <a:solidFill>
+                  <a:schemeClr val="tx1"/>
+                </a:solidFill>
+              </a:rPr>
+              <a:t>Android studio to the rescue!!</a:t>
+            </a:r>
+          </a:p>
+        </p:txBody>
+      </p:sp>
+      <p:sp>
+        <p:nvSpPr>
+          <p:cNvPr id="3" name="TextBox 2">
+            <a:extLst>
+              <a:ext uri="{FF2B5EF4-FFF2-40B4-BE49-F238E27FC236}">
+                <a16:creationId xmlns:a16="http://schemas.microsoft.com/office/drawing/2014/main" id="{34BB090F-4D51-C815-4700-A0BC8F20CE34}"/>
+              </a:ext>
+            </a:extLst>
+          </p:cNvPr>
+          <p:cNvSpPr txBox="1"/>
+          <p:nvPr/>
+        </p:nvSpPr>
+        <p:spPr>
+          <a:xfrm>
+            <a:off x="625589" y="1031857"/>
+            <a:ext cx="7414352" cy="523220"/>
           </a:xfrm>
           <a:prstGeom prst="rect">
             <a:avLst/>
@@ -7836,74 +8317,462 @@
           <a:noFill/>
         </p:spPr>
         <p:txBody>
-          <a:bodyPr spcFirstLastPara="1" wrap="square" lIns="91425" tIns="91425" rIns="91425" bIns="91425" anchor="t" anchorCtr="0">
-            <a:noAutofit/>
+          <a:bodyPr wrap="square" rtlCol="0">
+            <a:spAutoFit/>
           </a:bodyPr>
           <a:lstStyle/>
           <a:p>
-            <a:pPr marL="0" lvl="0" indent="0" algn="l" rtl="0">
-              <a:spcBef>
-                <a:spcPts val="0"/>
-              </a:spcBef>
-              <a:spcAft>
-                <a:spcPts val="0"/>
-              </a:spcAft>
-              <a:buNone/>
-            </a:pPr>
             <a:r>
-              <a:rPr lang="en" b="1">
-                <a:solidFill>
-                  <a:schemeClr val="dk1"/>
-                </a:solidFill>
-                <a:latin typeface="Red Hat Display"/>
-                <a:ea typeface="Red Hat Display"/>
-                <a:cs typeface="Red Hat Display"/>
-                <a:sym typeface="Red Hat Display"/>
-              </a:rPr>
-              <a:t>Describe your Solution / Approach:</a:t>
+              <a:rPr lang="en-IN" dirty="0"/>
+              <a:t>Prototype of the app</a:t>
             </a:r>
+          </a:p>
+          <a:p>
+            <a:endParaRPr lang="en-IN" dirty="0"/>
+          </a:p>
+        </p:txBody>
+      </p:sp>
+      <p:pic>
+        <p:nvPicPr>
+          <p:cNvPr id="9" name="Picture 8" descr="Diagram&#10;&#10;Description automatically generated">
+            <a:extLst>
+              <a:ext uri="{FF2B5EF4-FFF2-40B4-BE49-F238E27FC236}">
+                <a16:creationId xmlns:a16="http://schemas.microsoft.com/office/drawing/2014/main" id="{60FB37F3-C27C-6727-17E8-7D42587D3AD4}"/>
+              </a:ext>
+            </a:extLst>
+          </p:cNvPr>
+          <p:cNvPicPr>
+            <a:picLocks noChangeAspect="1"/>
+          </p:cNvPicPr>
+          <p:nvPr/>
+        </p:nvPicPr>
+        <p:blipFill>
+          <a:blip r:embed="rId2"/>
+          <a:stretch>
+            <a:fillRect/>
+          </a:stretch>
+        </p:blipFill>
+        <p:spPr>
+          <a:xfrm>
+            <a:off x="1104059" y="1555077"/>
+            <a:ext cx="1645673" cy="3194343"/>
+          </a:xfrm>
+          <a:prstGeom prst="rect">
+            <a:avLst/>
+          </a:prstGeom>
+          <a:ln>
+            <a:noFill/>
+          </a:ln>
+          <a:effectLst>
+            <a:outerShdw blurRad="292100" dist="139700" dir="2700000" algn="tl" rotWithShape="0">
+              <a:srgbClr val="333333">
+                <a:alpha val="65000"/>
+              </a:srgbClr>
+            </a:outerShdw>
+          </a:effectLst>
+        </p:spPr>
+      </p:pic>
+      <p:pic>
+        <p:nvPicPr>
+          <p:cNvPr id="11" name="Picture 10" descr="A picture containing application&#10;&#10;Description automatically generated">
+            <a:extLst>
+              <a:ext uri="{FF2B5EF4-FFF2-40B4-BE49-F238E27FC236}">
+                <a16:creationId xmlns:a16="http://schemas.microsoft.com/office/drawing/2014/main" id="{53740B23-43E7-2BF1-D237-83E0F14FAD30}"/>
+              </a:ext>
+            </a:extLst>
+          </p:cNvPr>
+          <p:cNvPicPr>
+            <a:picLocks noChangeAspect="1"/>
+          </p:cNvPicPr>
+          <p:nvPr/>
+        </p:nvPicPr>
+        <p:blipFill>
+          <a:blip r:embed="rId3"/>
+          <a:stretch>
+            <a:fillRect/>
+          </a:stretch>
+        </p:blipFill>
+        <p:spPr>
+          <a:xfrm>
+            <a:off x="5932644" y="1555077"/>
+            <a:ext cx="1645673" cy="3158667"/>
+          </a:xfrm>
+          <a:prstGeom prst="rect">
+            <a:avLst/>
+          </a:prstGeom>
+          <a:ln>
+            <a:noFill/>
+          </a:ln>
+          <a:effectLst>
+            <a:outerShdw blurRad="292100" dist="139700" dir="2700000" algn="tl" rotWithShape="0">
+              <a:srgbClr val="333333">
+                <a:alpha val="65000"/>
+              </a:srgbClr>
+            </a:outerShdw>
+          </a:effectLst>
+        </p:spPr>
+      </p:pic>
+      <p:pic>
+        <p:nvPicPr>
+          <p:cNvPr id="13" name="Picture 12" descr="Diagram, application&#10;&#10;Description automatically generated with medium confidence">
+            <a:extLst>
+              <a:ext uri="{FF2B5EF4-FFF2-40B4-BE49-F238E27FC236}">
+                <a16:creationId xmlns:a16="http://schemas.microsoft.com/office/drawing/2014/main" id="{B8303F06-F8DA-B6F9-EE5B-7A6BB92664B3}"/>
+              </a:ext>
+            </a:extLst>
+          </p:cNvPr>
+          <p:cNvPicPr>
+            <a:picLocks noChangeAspect="1"/>
+          </p:cNvPicPr>
+          <p:nvPr/>
+        </p:nvPicPr>
+        <p:blipFill>
+          <a:blip r:embed="rId4"/>
+          <a:stretch>
+            <a:fillRect/>
+          </a:stretch>
+        </p:blipFill>
+        <p:spPr>
+          <a:xfrm>
+            <a:off x="3548961" y="1590754"/>
+            <a:ext cx="1665481" cy="3158666"/>
+          </a:xfrm>
+          <a:prstGeom prst="rect">
+            <a:avLst/>
+          </a:prstGeom>
+          <a:ln>
+            <a:noFill/>
+          </a:ln>
+          <a:effectLst>
+            <a:outerShdw blurRad="292100" dist="139700" dir="2700000" algn="tl" rotWithShape="0">
+              <a:srgbClr val="333333">
+                <a:alpha val="65000"/>
+              </a:srgbClr>
+            </a:outerShdw>
+          </a:effectLst>
+        </p:spPr>
+      </p:pic>
+      <p:sp>
+        <p:nvSpPr>
+          <p:cNvPr id="15" name="Rectangle 14">
+            <a:extLst>
+              <a:ext uri="{FF2B5EF4-FFF2-40B4-BE49-F238E27FC236}">
+                <a16:creationId xmlns:a16="http://schemas.microsoft.com/office/drawing/2014/main" id="{D7A7F064-FB57-F877-E686-333535FC73FD}"/>
+              </a:ext>
+            </a:extLst>
+          </p:cNvPr>
+          <p:cNvSpPr/>
+          <p:nvPr/>
+        </p:nvSpPr>
+        <p:spPr>
+          <a:xfrm flipV="1">
+            <a:off x="4037168" y="2617466"/>
+            <a:ext cx="689068" cy="215445"/>
+          </a:xfrm>
+          <a:prstGeom prst="rect">
+            <a:avLst/>
+          </a:prstGeom>
+        </p:spPr>
+        <p:style>
+          <a:lnRef idx="2">
+            <a:schemeClr val="accent1">
+              <a:shade val="50000"/>
+            </a:schemeClr>
+          </a:lnRef>
+          <a:fillRef idx="1">
+            <a:schemeClr val="accent1"/>
+          </a:fillRef>
+          <a:effectRef idx="0">
+            <a:schemeClr val="accent1"/>
+          </a:effectRef>
+          <a:fontRef idx="minor">
+            <a:schemeClr val="lt1"/>
+          </a:fontRef>
+        </p:style>
+        <p:txBody>
+          <a:bodyPr rtlCol="0" anchor="ctr"/>
+          <a:lstStyle/>
+          <a:p>
+            <a:pPr algn="ctr"/>
+            <a:endParaRPr lang="en-IN"/>
+          </a:p>
+        </p:txBody>
+      </p:sp>
+      <p:sp>
+        <p:nvSpPr>
+          <p:cNvPr id="16" name="TextBox 15">
+            <a:extLst>
+              <a:ext uri="{FF2B5EF4-FFF2-40B4-BE49-F238E27FC236}">
+                <a16:creationId xmlns:a16="http://schemas.microsoft.com/office/drawing/2014/main" id="{62D6FA21-5B9F-4A42-B256-EFCBD63B7AA6}"/>
+              </a:ext>
+            </a:extLst>
+          </p:cNvPr>
+          <p:cNvSpPr txBox="1"/>
+          <p:nvPr/>
+        </p:nvSpPr>
+        <p:spPr>
+          <a:xfrm>
+            <a:off x="4009165" y="2617466"/>
+            <a:ext cx="937426" cy="215444"/>
+          </a:xfrm>
+          <a:prstGeom prst="rect">
+            <a:avLst/>
+          </a:prstGeom>
+          <a:noFill/>
+        </p:spPr>
+        <p:txBody>
+          <a:bodyPr wrap="square" rtlCol="0">
+            <a:spAutoFit/>
+          </a:bodyPr>
+          <a:lstStyle/>
+          <a:p>
             <a:r>
-              <a:rPr lang="en">
-                <a:solidFill>
-                  <a:schemeClr val="dk1"/>
-                </a:solidFill>
-                <a:latin typeface="Red Hat Display SemiBold"/>
-                <a:ea typeface="Red Hat Display SemiBold"/>
-                <a:cs typeface="Red Hat Display SemiBold"/>
-                <a:sym typeface="Red Hat Display SemiBold"/>
-              </a:rPr>
-              <a:t> How you will be solving the problem mentioned.</a:t>
+              <a:rPr lang="en-IN" sz="800" dirty="0"/>
+              <a:t>Load image</a:t>
             </a:r>
-            <a:endParaRPr>
-              <a:solidFill>
-                <a:schemeClr val="dk1"/>
-              </a:solidFill>
-              <a:latin typeface="Red Hat Display SemiBold"/>
-              <a:ea typeface="Red Hat Display SemiBold"/>
-              <a:cs typeface="Red Hat Display SemiBold"/>
-              <a:sym typeface="Red Hat Display SemiBold"/>
-            </a:endParaRPr>
-          </a:p>
-          <a:p>
-            <a:pPr marL="0" lvl="0" indent="0" algn="l" rtl="0">
-              <a:spcBef>
-                <a:spcPts val="1200"/>
-              </a:spcBef>
-              <a:spcAft>
-                <a:spcPts val="1200"/>
-              </a:spcAft>
-              <a:buNone/>
-            </a:pPr>
-            <a:endParaRPr>
-              <a:latin typeface="Red Hat Display SemiBold"/>
-              <a:ea typeface="Red Hat Display SemiBold"/>
-              <a:cs typeface="Red Hat Display SemiBold"/>
-              <a:sym typeface="Red Hat Display SemiBold"/>
-            </a:endParaRPr>
           </a:p>
         </p:txBody>
       </p:sp>
     </p:spTree>
+    <p:extLst>
+      <p:ext uri="{BB962C8B-B14F-4D97-AF65-F5344CB8AC3E}">
+        <p14:creationId xmlns:p14="http://schemas.microsoft.com/office/powerpoint/2010/main" val="2090193573"/>
+      </p:ext>
+    </p:extLst>
+  </p:cSld>
+  <p:clrMapOvr>
+    <a:masterClrMapping/>
+  </p:clrMapOvr>
+</p:sld>
+</file>
+
+<file path=ppt/slides/slide9.xml><?xml version="1.0" encoding="utf-8"?>
+<p:sld xmlns:a="http://schemas.openxmlformats.org/drawingml/2006/main" xmlns:r="http://schemas.openxmlformats.org/officeDocument/2006/relationships" xmlns:p="http://schemas.openxmlformats.org/presentationml/2006/main">
+  <p:cSld>
+    <p:spTree>
+      <p:nvGrpSpPr>
+        <p:cNvPr id="1" name="Shape 60"/>
+        <p:cNvGrpSpPr/>
+        <p:nvPr/>
+      </p:nvGrpSpPr>
+      <p:grpSpPr>
+        <a:xfrm>
+          <a:off x="0" y="0"/>
+          <a:ext cx="0" cy="0"/>
+          <a:chOff x="0" y="0"/>
+          <a:chExt cx="0" cy="0"/>
+        </a:xfrm>
+      </p:grpSpPr>
+      <p:sp>
+        <p:nvSpPr>
+          <p:cNvPr id="4" name="Subtitle 3">
+            <a:extLst>
+              <a:ext uri="{FF2B5EF4-FFF2-40B4-BE49-F238E27FC236}">
+                <a16:creationId xmlns:a16="http://schemas.microsoft.com/office/drawing/2014/main" id="{6EB78186-1606-38C8-5715-7D0EB635338D}"/>
+              </a:ext>
+            </a:extLst>
+          </p:cNvPr>
+          <p:cNvSpPr>
+            <a:spLocks noGrp="1"/>
+          </p:cNvSpPr>
+          <p:nvPr>
+            <p:ph type="subTitle" idx="1"/>
+          </p:nvPr>
+        </p:nvSpPr>
+        <p:spPr>
+          <a:xfrm>
+            <a:off x="311700" y="716096"/>
+            <a:ext cx="8520600" cy="4715219"/>
+          </a:xfrm>
+        </p:spPr>
+        <p:txBody>
+          <a:bodyPr>
+            <a:normAutofit/>
+          </a:bodyPr>
+          <a:lstStyle/>
+          <a:p>
+            <a:r>
+              <a:rPr lang="en-IN" sz="2400" dirty="0">
+                <a:solidFill>
+                  <a:schemeClr val="tx1"/>
+                </a:solidFill>
+              </a:rPr>
+              <a:t>Dataset (Resources):</a:t>
+            </a:r>
+          </a:p>
+          <a:p>
+            <a:pPr algn="l">
+              <a:buFont typeface="Arial" panose="020B0604020202020204" pitchFamily="34" charset="0"/>
+              <a:buChar char="•"/>
+            </a:pPr>
+            <a:r>
+              <a:rPr lang="en-IN" sz="1800" dirty="0">
+                <a:hlinkClick r:id="rId3"/>
+              </a:rPr>
+              <a:t>https://www.kaggle.com/datasets/atharvaingle/crop-recommendation-dataset</a:t>
+            </a:r>
+            <a:endParaRPr lang="en-IN" sz="1800" dirty="0"/>
+          </a:p>
+          <a:p>
+            <a:pPr algn="l">
+              <a:buFont typeface="Arial" panose="020B0604020202020204" pitchFamily="34" charset="0"/>
+              <a:buChar char="•"/>
+            </a:pPr>
+            <a:r>
+              <a:rPr lang="en-IN" sz="1800" dirty="0">
+                <a:hlinkClick r:id="rId4"/>
+              </a:rPr>
+              <a:t>https://www.kaggle.com/datasets/mansijain14/soil-classification-dataset</a:t>
+            </a:r>
+            <a:endParaRPr lang="en-IN" sz="1800" dirty="0"/>
+          </a:p>
+          <a:p>
+            <a:pPr algn="l">
+              <a:buFont typeface="Arial" panose="020B0604020202020204" pitchFamily="34" charset="0"/>
+              <a:buChar char="•"/>
+            </a:pPr>
+            <a:r>
+              <a:rPr lang="en-IN" sz="1800" dirty="0">
+                <a:hlinkClick r:id="rId5"/>
+              </a:rPr>
+              <a:t>https://www.kaggle.com/datasets/seroshkarim/cotton-leaf-disease-dataset</a:t>
+            </a:r>
+            <a:endParaRPr lang="en-IN" sz="1800" dirty="0"/>
+          </a:p>
+          <a:p>
+            <a:pPr algn="l">
+              <a:buFont typeface="Arial" panose="020B0604020202020204" pitchFamily="34" charset="0"/>
+              <a:buChar char="•"/>
+            </a:pPr>
+            <a:r>
+              <a:rPr lang="en-IN" sz="1800" dirty="0">
+                <a:hlinkClick r:id="rId6"/>
+              </a:rPr>
+              <a:t>https://www.kaggle.com/datasets/syedjaferk/agriculture-commodity-data-2019</a:t>
+            </a:r>
+            <a:endParaRPr lang="en-IN" sz="1800" dirty="0"/>
+          </a:p>
+          <a:p>
+            <a:pPr algn="l">
+              <a:buFont typeface="Arial" panose="020B0604020202020204" pitchFamily="34" charset="0"/>
+              <a:buChar char="•"/>
+            </a:pPr>
+            <a:endParaRPr lang="en-IN" sz="1800" dirty="0"/>
+          </a:p>
+          <a:p>
+            <a:pPr algn="l">
+              <a:buFont typeface="Arial" panose="020B0604020202020204" pitchFamily="34" charset="0"/>
+              <a:buChar char="•"/>
+            </a:pPr>
+            <a:r>
+              <a:rPr lang="en-IN" sz="1800" dirty="0" err="1"/>
+              <a:t>Opencv</a:t>
+            </a:r>
+            <a:endParaRPr lang="en-IN" sz="1800" dirty="0"/>
+          </a:p>
+          <a:p>
+            <a:pPr algn="l">
+              <a:buFont typeface="Arial" panose="020B0604020202020204" pitchFamily="34" charset="0"/>
+              <a:buChar char="•"/>
+            </a:pPr>
+            <a:r>
+              <a:rPr lang="en-IN" sz="1800" dirty="0"/>
+              <a:t>Machine learning (regression models)</a:t>
+            </a:r>
+          </a:p>
+          <a:p>
+            <a:pPr algn="l">
+              <a:buFont typeface="Arial" panose="020B0604020202020204" pitchFamily="34" charset="0"/>
+              <a:buChar char="•"/>
+            </a:pPr>
+            <a:r>
+              <a:rPr lang="en-IN" sz="1800" dirty="0"/>
+              <a:t>Deep learning(CNN classification)</a:t>
+            </a:r>
+          </a:p>
+          <a:p>
+            <a:pPr algn="l">
+              <a:buFont typeface="Arial" panose="020B0604020202020204" pitchFamily="34" charset="0"/>
+              <a:buChar char="•"/>
+            </a:pPr>
+            <a:r>
+              <a:rPr lang="en-IN" sz="1800" dirty="0"/>
+              <a:t>Basic math libraries [pandas, </a:t>
+            </a:r>
+            <a:r>
+              <a:rPr lang="en-IN" sz="1800" dirty="0" err="1"/>
+              <a:t>numpy</a:t>
+            </a:r>
+            <a:r>
+              <a:rPr lang="en-IN" sz="1800" dirty="0"/>
+              <a:t>, matplotlib]</a:t>
+            </a:r>
+          </a:p>
+          <a:p>
+            <a:pPr algn="l">
+              <a:buFont typeface="Arial" panose="020B0604020202020204" pitchFamily="34" charset="0"/>
+              <a:buChar char="•"/>
+            </a:pPr>
+            <a:r>
+              <a:rPr lang="en-IN" sz="1800" dirty="0"/>
+              <a:t>Android studio using java</a:t>
+            </a:r>
+          </a:p>
+          <a:p>
+            <a:pPr algn="l">
+              <a:buFont typeface="Arial" panose="020B0604020202020204" pitchFamily="34" charset="0"/>
+              <a:buChar char="•"/>
+            </a:pPr>
+            <a:r>
+              <a:rPr lang="en-IN" sz="1800" dirty="0" err="1"/>
+              <a:t>Tensorflow</a:t>
+            </a:r>
+            <a:r>
+              <a:rPr lang="en-IN" sz="1800" dirty="0"/>
+              <a:t> using </a:t>
+            </a:r>
+            <a:r>
+              <a:rPr lang="en-IN" sz="1800" dirty="0" err="1"/>
+              <a:t>keras</a:t>
+            </a:r>
+            <a:endParaRPr lang="en-IN" sz="1800" dirty="0"/>
+          </a:p>
+          <a:p>
+            <a:pPr algn="l">
+              <a:buFont typeface="Arial" panose="020B0604020202020204" pitchFamily="34" charset="0"/>
+              <a:buChar char="•"/>
+            </a:pPr>
+            <a:r>
+              <a:rPr lang="en-IN" sz="1800" dirty="0" err="1"/>
+              <a:t>Sklearn</a:t>
+            </a:r>
+            <a:r>
+              <a:rPr lang="en-IN" sz="1800" dirty="0"/>
+              <a:t> library </a:t>
+            </a:r>
+          </a:p>
+          <a:p>
+            <a:pPr algn="l">
+              <a:buFont typeface="Arial" panose="020B0604020202020204" pitchFamily="34" charset="0"/>
+              <a:buChar char="•"/>
+            </a:pPr>
+            <a:endParaRPr lang="en-IN" sz="1800" dirty="0"/>
+          </a:p>
+          <a:p>
+            <a:pPr algn="l">
+              <a:buFont typeface="Arial" panose="020B0604020202020204" pitchFamily="34" charset="0"/>
+              <a:buChar char="•"/>
+            </a:pPr>
+            <a:endParaRPr lang="en-IN" sz="1800" dirty="0"/>
+          </a:p>
+        </p:txBody>
+      </p:sp>
+    </p:spTree>
+    <p:extLst>
+      <p:ext uri="{BB962C8B-B14F-4D97-AF65-F5344CB8AC3E}">
+        <p14:creationId xmlns:p14="http://schemas.microsoft.com/office/powerpoint/2010/main" val="2238777676"/>
+      </p:ext>
+    </p:extLst>
   </p:cSld>
   <p:clrMapOvr>
     <a:masterClrMapping/>

--- a/HackMoL PPT Format.pptx
+++ b/HackMoL PPT Format.pptx
@@ -5,41 +5,28 @@
     <p:sldMasterId id="2147483659" r:id="rId1"/>
   </p:sldMasterIdLst>
   <p:notesMasterIdLst>
-    <p:notesMasterId r:id="rId12"/>
+    <p:notesMasterId r:id="rId14"/>
   </p:notesMasterIdLst>
   <p:sldIdLst>
     <p:sldId id="256" r:id="rId2"/>
     <p:sldId id="257" r:id="rId3"/>
     <p:sldId id="263" r:id="rId4"/>
-    <p:sldId id="259" r:id="rId5"/>
-    <p:sldId id="260" r:id="rId6"/>
-    <p:sldId id="261" r:id="rId7"/>
-    <p:sldId id="264" r:id="rId8"/>
-    <p:sldId id="265" r:id="rId9"/>
-    <p:sldId id="262" r:id="rId10"/>
-    <p:sldId id="258" r:id="rId11"/>
+    <p:sldId id="266" r:id="rId5"/>
+    <p:sldId id="259" r:id="rId6"/>
+    <p:sldId id="260" r:id="rId7"/>
+    <p:sldId id="261" r:id="rId8"/>
+    <p:sldId id="264" r:id="rId9"/>
+    <p:sldId id="265" r:id="rId10"/>
+    <p:sldId id="267" r:id="rId11"/>
+    <p:sldId id="262" r:id="rId12"/>
+    <p:sldId id="258" r:id="rId13"/>
   </p:sldIdLst>
   <p:sldSz cx="9144000" cy="5143500" type="screen16x9"/>
   <p:notesSz cx="6858000" cy="9144000"/>
   <p:embeddedFontLst>
     <p:embeddedFont>
-      <p:font typeface="Red Hat Display" panose="020B0604020202020204" charset="0"/>
-      <p:regular r:id="rId13"/>
-      <p:bold r:id="rId14"/>
-      <p:italic r:id="rId15"/>
-      <p:boldItalic r:id="rId16"/>
-    </p:embeddedFont>
-    <p:embeddedFont>
-      <p:font typeface="Red Hat Display ExtraBold" panose="020B0604020202020204" charset="0"/>
-      <p:bold r:id="rId17"/>
-      <p:boldItalic r:id="rId18"/>
-    </p:embeddedFont>
-    <p:embeddedFont>
-      <p:font typeface="Red Hat Display SemiBold" panose="020B0604020202020204" charset="0"/>
-      <p:regular r:id="rId19"/>
-      <p:bold r:id="rId20"/>
-      <p:italic r:id="rId21"/>
-      <p:boldItalic r:id="rId22"/>
+      <p:font typeface="Posterama" panose="020B0504020200020000" pitchFamily="34" charset="0"/>
+      <p:regular r:id="rId15"/>
     </p:embeddedFont>
   </p:embeddedFontLst>
   <p:defaultTextStyle>
@@ -6250,58 +6237,6 @@
           <a:chExt cx="0" cy="0"/>
         </a:xfrm>
       </p:grpSpPr>
-      <p:sp>
-        <p:nvSpPr>
-          <p:cNvPr id="54" name="Google Shape;54;p13"/>
-          <p:cNvSpPr txBox="1">
-            <a:spLocks noGrp="1"/>
-          </p:cNvSpPr>
-          <p:nvPr>
-            <p:ph type="subTitle" idx="1"/>
-          </p:nvPr>
-        </p:nvSpPr>
-        <p:spPr>
-          <a:xfrm>
-            <a:off x="3280200" y="2654875"/>
-            <a:ext cx="2583600" cy="537900"/>
-          </a:xfrm>
-          <a:prstGeom prst="rect">
-            <a:avLst/>
-          </a:prstGeom>
-        </p:spPr>
-        <p:txBody>
-          <a:bodyPr spcFirstLastPara="1" wrap="square" lIns="91425" tIns="91425" rIns="91425" bIns="91425" anchor="t" anchorCtr="0">
-            <a:normAutofit fontScale="92500" lnSpcReduction="20000"/>
-          </a:bodyPr>
-          <a:lstStyle/>
-          <a:p>
-            <a:pPr marL="0" lvl="0" indent="0" algn="ctr" rtl="0">
-              <a:spcBef>
-                <a:spcPts val="0"/>
-              </a:spcBef>
-              <a:spcAft>
-                <a:spcPts val="0"/>
-              </a:spcAft>
-              <a:buNone/>
-            </a:pPr>
-            <a:r>
-              <a:rPr lang="en" b="1" dirty="0">
-                <a:latin typeface="Red Hat Display"/>
-                <a:ea typeface="Red Hat Display"/>
-                <a:cs typeface="Red Hat Display"/>
-                <a:sym typeface="Red Hat Display"/>
-              </a:rPr>
-              <a:t>Team Details </a:t>
-            </a:r>
-            <a:endParaRPr b="1" dirty="0">
-              <a:latin typeface="Red Hat Display"/>
-              <a:ea typeface="Red Hat Display"/>
-              <a:cs typeface="Red Hat Display"/>
-              <a:sym typeface="Red Hat Display"/>
-            </a:endParaRPr>
-          </a:p>
-        </p:txBody>
-      </p:sp>
       <p:pic>
         <p:nvPicPr>
           <p:cNvPr id="55" name="Google Shape;55;p13"/>
@@ -6318,8 +6253,8 @@
         </p:blipFill>
         <p:spPr>
           <a:xfrm>
-            <a:off x="969309" y="1085245"/>
-            <a:ext cx="6140301" cy="1363275"/>
+            <a:off x="969309" y="776772"/>
+            <a:ext cx="6268773" cy="1426601"/>
           </a:xfrm>
           <a:prstGeom prst="rect">
             <a:avLst/>
@@ -6338,8 +6273,8 @@
         </p:nvSpPr>
         <p:spPr>
           <a:xfrm>
-            <a:off x="1501850" y="3192775"/>
-            <a:ext cx="5607760" cy="1661963"/>
+            <a:off x="1266939" y="2571750"/>
+            <a:ext cx="6378767" cy="2339072"/>
           </a:xfrm>
           <a:prstGeom prst="rect">
             <a:avLst/>
@@ -6356,6 +6291,9 @@
           <a:lstStyle/>
           <a:p>
             <a:pPr marL="0" lvl="0" indent="0" algn="l" rtl="0">
+              <a:lnSpc>
+                <a:spcPct val="200000"/>
+              </a:lnSpc>
               <a:spcBef>
                 <a:spcPts val="0"/>
               </a:spcBef>
@@ -6365,32 +6303,26 @@
               <a:buNone/>
             </a:pPr>
             <a:r>
-              <a:rPr lang="en" sz="1800" dirty="0">
-                <a:latin typeface="Red Hat Display SemiBold"/>
+              <a:rPr lang="en" sz="2000" dirty="0">
+                <a:latin typeface="Posterama" panose="020B0504020200020000" pitchFamily="34" charset="0"/>
                 <a:ea typeface="Red Hat Display SemiBold"/>
-                <a:cs typeface="Red Hat Display SemiBold"/>
+                <a:cs typeface="Posterama" panose="020B0504020200020000" pitchFamily="34" charset="0"/>
                 <a:sym typeface="Red Hat Display SemiBold"/>
               </a:rPr>
-              <a:t>Team Name: </a:t>
+              <a:t>Team Name: RUGVED </a:t>
             </a:r>
-            <a:r>
-              <a:rPr lang="en" sz="2000" dirty="0">
-                <a:latin typeface="Red Hat Display SemiBold"/>
-                <a:ea typeface="Red Hat Display SemiBold"/>
-                <a:cs typeface="Red Hat Display SemiBold"/>
-                <a:sym typeface="Red Hat Display SemiBold"/>
-              </a:rPr>
-              <a:t>RUGVED</a:t>
-            </a:r>
-            <a:endParaRPr sz="1800" dirty="0">
-              <a:latin typeface="Red Hat Display SemiBold"/>
+            <a:endParaRPr sz="2000" dirty="0">
+              <a:latin typeface="Posterama" panose="020B0504020200020000" pitchFamily="34" charset="0"/>
               <a:ea typeface="Red Hat Display SemiBold"/>
-              <a:cs typeface="Red Hat Display SemiBold"/>
+              <a:cs typeface="Posterama" panose="020B0504020200020000" pitchFamily="34" charset="0"/>
               <a:sym typeface="Red Hat Display SemiBold"/>
             </a:endParaRPr>
           </a:p>
           <a:p>
             <a:pPr marL="0" lvl="0" indent="0" algn="l" rtl="0">
+              <a:lnSpc>
+                <a:spcPct val="200000"/>
+              </a:lnSpc>
               <a:spcBef>
                 <a:spcPts val="0"/>
               </a:spcBef>
@@ -6405,23 +6337,26 @@
               <a:buNone/>
             </a:pPr>
             <a:r>
-              <a:rPr lang="en" sz="1800" dirty="0">
-                <a:latin typeface="Red Hat Display SemiBold"/>
+              <a:rPr lang="en" sz="2000" dirty="0">
+                <a:latin typeface="Posterama" panose="020B0504020200020000" pitchFamily="34" charset="0"/>
                 <a:ea typeface="Red Hat Display SemiBold"/>
-                <a:cs typeface="Red Hat Display SemiBold"/>
+                <a:cs typeface="Posterama" panose="020B0504020200020000" pitchFamily="34" charset="0"/>
                 <a:sym typeface="Red Hat Display SemiBold"/>
               </a:rPr>
-              <a:t>Team Members’ Name: Abhigyan, Arnav, Harshal,Siddharth </a:t>
+              <a:t>Team Members: Abhigyan, Arnav, Harshal, Siddharth </a:t>
             </a:r>
-            <a:endParaRPr sz="1800" dirty="0">
-              <a:latin typeface="Red Hat Display SemiBold"/>
+            <a:endParaRPr sz="2000" dirty="0">
+              <a:latin typeface="Posterama" panose="020B0504020200020000" pitchFamily="34" charset="0"/>
               <a:ea typeface="Red Hat Display SemiBold"/>
-              <a:cs typeface="Red Hat Display SemiBold"/>
+              <a:cs typeface="Posterama" panose="020B0504020200020000" pitchFamily="34" charset="0"/>
               <a:sym typeface="Red Hat Display SemiBold"/>
             </a:endParaRPr>
           </a:p>
           <a:p>
             <a:pPr marL="0" lvl="0" indent="0" algn="l" rtl="0">
+              <a:lnSpc>
+                <a:spcPct val="200000"/>
+              </a:lnSpc>
               <a:spcBef>
                 <a:spcPts val="0"/>
               </a:spcBef>
@@ -6431,18 +6366,18 @@
               <a:buNone/>
             </a:pPr>
             <a:r>
-              <a:rPr lang="en" sz="1800" dirty="0">
-                <a:latin typeface="Red Hat Display SemiBold"/>
+              <a:rPr lang="en" sz="2000" dirty="0">
+                <a:latin typeface="Posterama" panose="020B0504020200020000" pitchFamily="34" charset="0"/>
                 <a:ea typeface="Red Hat Display SemiBold"/>
-                <a:cs typeface="Red Hat Display SemiBold"/>
+                <a:cs typeface="Posterama" panose="020B0504020200020000" pitchFamily="34" charset="0"/>
                 <a:sym typeface="Red Hat Display SemiBold"/>
               </a:rPr>
               <a:t>College Name: Manipal Institute of Technology</a:t>
             </a:r>
-            <a:endParaRPr sz="1800" dirty="0">
-              <a:latin typeface="Red Hat Display SemiBold"/>
+            <a:endParaRPr sz="2000" dirty="0">
+              <a:latin typeface="Posterama" panose="020B0504020200020000" pitchFamily="34" charset="0"/>
               <a:ea typeface="Red Hat Display SemiBold"/>
-              <a:cs typeface="Red Hat Display SemiBold"/>
+              <a:cs typeface="Posterama" panose="020B0504020200020000" pitchFamily="34" charset="0"/>
               <a:sym typeface="Red Hat Display SemiBold"/>
             </a:endParaRPr>
           </a:p>
@@ -6456,10 +6391,10 @@
               </a:spcAft>
               <a:buNone/>
             </a:pPr>
-            <a:endParaRPr sz="1800" dirty="0">
-              <a:latin typeface="Red Hat Display SemiBold"/>
+            <a:endParaRPr sz="2000" dirty="0">
+              <a:latin typeface="Posterama" panose="020B0504020200020000" pitchFamily="34" charset="0"/>
               <a:ea typeface="Red Hat Display SemiBold"/>
-              <a:cs typeface="Red Hat Display SemiBold"/>
+              <a:cs typeface="Posterama" panose="020B0504020200020000" pitchFamily="34" charset="0"/>
               <a:sym typeface="Red Hat Display SemiBold"/>
             </a:endParaRPr>
           </a:p>
@@ -6474,6 +6409,452 @@
 </file>
 
 <file path=ppt/slides/slide10.xml><?xml version="1.0" encoding="utf-8"?>
+<p:sld xmlns:a="http://schemas.openxmlformats.org/drawingml/2006/main" xmlns:r="http://schemas.openxmlformats.org/officeDocument/2006/relationships" xmlns:p="http://schemas.openxmlformats.org/presentationml/2006/main">
+  <p:cSld>
+    <p:spTree>
+      <p:nvGrpSpPr>
+        <p:cNvPr id="1" name=""/>
+        <p:cNvGrpSpPr/>
+        <p:nvPr/>
+      </p:nvGrpSpPr>
+      <p:grpSpPr>
+        <a:xfrm>
+          <a:off x="0" y="0"/>
+          <a:ext cx="0" cy="0"/>
+          <a:chOff x="0" y="0"/>
+          <a:chExt cx="0" cy="0"/>
+        </a:xfrm>
+      </p:grpSpPr>
+      <p:sp>
+        <p:nvSpPr>
+          <p:cNvPr id="2" name="Text Placeholder 1">
+            <a:extLst>
+              <a:ext uri="{FF2B5EF4-FFF2-40B4-BE49-F238E27FC236}">
+                <a16:creationId xmlns:a16="http://schemas.microsoft.com/office/drawing/2014/main" id="{774386F1-E670-C925-08A2-8C99BC538425}"/>
+              </a:ext>
+            </a:extLst>
+          </p:cNvPr>
+          <p:cNvSpPr>
+            <a:spLocks noGrp="1"/>
+          </p:cNvSpPr>
+          <p:nvPr>
+            <p:ph type="body" idx="1"/>
+          </p:nvPr>
+        </p:nvSpPr>
+        <p:spPr>
+          <a:xfrm>
+            <a:off x="848298" y="1311105"/>
+            <a:ext cx="5998800" cy="605100"/>
+          </a:xfrm>
+        </p:spPr>
+        <p:txBody>
+          <a:bodyPr>
+            <a:normAutofit/>
+          </a:bodyPr>
+          <a:lstStyle/>
+          <a:p>
+            <a:pPr algn="ctr"/>
+            <a:r>
+              <a:rPr lang="en-IN" sz="2400" dirty="0">
+                <a:solidFill>
+                  <a:schemeClr val="tx1"/>
+                </a:solidFill>
+                <a:latin typeface="Posterama" panose="020B0504020200020000" pitchFamily="34" charset="0"/>
+                <a:cs typeface="Posterama" panose="020B0504020200020000" pitchFamily="34" charset="0"/>
+              </a:rPr>
+              <a:t>Future prospective:</a:t>
+            </a:r>
+          </a:p>
+        </p:txBody>
+      </p:sp>
+      <p:sp>
+        <p:nvSpPr>
+          <p:cNvPr id="6" name="TextBox 5">
+            <a:extLst>
+              <a:ext uri="{FF2B5EF4-FFF2-40B4-BE49-F238E27FC236}">
+                <a16:creationId xmlns:a16="http://schemas.microsoft.com/office/drawing/2014/main" id="{EC224B74-962A-B827-1C3C-1AB49F974B47}"/>
+              </a:ext>
+            </a:extLst>
+          </p:cNvPr>
+          <p:cNvSpPr txBox="1"/>
+          <p:nvPr/>
+        </p:nvSpPr>
+        <p:spPr>
+          <a:xfrm>
+            <a:off x="848298" y="1916205"/>
+            <a:ext cx="6643171" cy="2031325"/>
+          </a:xfrm>
+          <a:prstGeom prst="rect">
+            <a:avLst/>
+          </a:prstGeom>
+          <a:noFill/>
+        </p:spPr>
+        <p:txBody>
+          <a:bodyPr wrap="square" rtlCol="0">
+            <a:spAutoFit/>
+          </a:bodyPr>
+          <a:lstStyle/>
+          <a:p>
+            <a:pPr marL="285750" indent="-285750">
+              <a:lnSpc>
+                <a:spcPct val="150000"/>
+              </a:lnSpc>
+              <a:buFont typeface="Arial" panose="020B0604020202020204" pitchFamily="34" charset="0"/>
+              <a:buChar char="•"/>
+            </a:pPr>
+            <a:r>
+              <a:rPr lang="en-IN" sz="2000" dirty="0">
+                <a:latin typeface="Posterama" panose="020B0504020200020000" pitchFamily="34" charset="0"/>
+                <a:cs typeface="Posterama" panose="020B0504020200020000" pitchFamily="34" charset="0"/>
+              </a:rPr>
+              <a:t>Advancement of the APP, improving user interface.</a:t>
+            </a:r>
+          </a:p>
+          <a:p>
+            <a:pPr marL="285750" indent="-285750">
+              <a:lnSpc>
+                <a:spcPct val="150000"/>
+              </a:lnSpc>
+              <a:buFont typeface="Arial" panose="020B0604020202020204" pitchFamily="34" charset="0"/>
+              <a:buChar char="•"/>
+            </a:pPr>
+            <a:r>
+              <a:rPr lang="en-IN" sz="2000" dirty="0">
+                <a:latin typeface="Posterama" panose="020B0504020200020000" pitchFamily="34" charset="0"/>
+                <a:cs typeface="Posterama" panose="020B0504020200020000" pitchFamily="34" charset="0"/>
+              </a:rPr>
+              <a:t>Adding more types of crop disease to the model.</a:t>
+            </a:r>
+          </a:p>
+          <a:p>
+            <a:pPr marL="285750" indent="-285750">
+              <a:lnSpc>
+                <a:spcPct val="150000"/>
+              </a:lnSpc>
+              <a:buFont typeface="Arial" panose="020B0604020202020204" pitchFamily="34" charset="0"/>
+              <a:buChar char="•"/>
+            </a:pPr>
+            <a:r>
+              <a:rPr lang="en-IN" sz="2000" dirty="0">
+                <a:latin typeface="Posterama" panose="020B0504020200020000" pitchFamily="34" charset="0"/>
+                <a:cs typeface="Posterama" panose="020B0504020200020000" pitchFamily="34" charset="0"/>
+              </a:rPr>
+              <a:t>Inclusion of more soil types in soil classification.</a:t>
+            </a:r>
+          </a:p>
+          <a:p>
+            <a:pPr marL="285750" indent="-285750">
+              <a:buFont typeface="Arial" panose="020B0604020202020204" pitchFamily="34" charset="0"/>
+              <a:buChar char="•"/>
+            </a:pPr>
+            <a:endParaRPr lang="en-IN" sz="1800" dirty="0">
+              <a:latin typeface="Posterama" panose="020B0504020200020000" pitchFamily="34" charset="0"/>
+              <a:cs typeface="Posterama" panose="020B0504020200020000" pitchFamily="34" charset="0"/>
+            </a:endParaRPr>
+          </a:p>
+          <a:p>
+            <a:pPr marL="285750" indent="-285750">
+              <a:buFont typeface="Arial" panose="020B0604020202020204" pitchFamily="34" charset="0"/>
+              <a:buChar char="•"/>
+            </a:pPr>
+            <a:endParaRPr lang="en-IN" sz="1800" dirty="0">
+              <a:latin typeface="Posterama" panose="020B0504020200020000" pitchFamily="34" charset="0"/>
+              <a:cs typeface="Posterama" panose="020B0504020200020000" pitchFamily="34" charset="0"/>
+            </a:endParaRPr>
+          </a:p>
+        </p:txBody>
+      </p:sp>
+    </p:spTree>
+    <p:extLst>
+      <p:ext uri="{BB962C8B-B14F-4D97-AF65-F5344CB8AC3E}">
+        <p14:creationId xmlns:p14="http://schemas.microsoft.com/office/powerpoint/2010/main" val="4117460123"/>
+      </p:ext>
+    </p:extLst>
+  </p:cSld>
+  <p:clrMapOvr>
+    <a:masterClrMapping/>
+  </p:clrMapOvr>
+</p:sld>
+</file>
+
+<file path=ppt/slides/slide11.xml><?xml version="1.0" encoding="utf-8"?>
+<p:sld xmlns:a="http://schemas.openxmlformats.org/drawingml/2006/main" xmlns:r="http://schemas.openxmlformats.org/officeDocument/2006/relationships" xmlns:p="http://schemas.openxmlformats.org/presentationml/2006/main">
+  <p:cSld>
+    <p:spTree>
+      <p:nvGrpSpPr>
+        <p:cNvPr id="1" name="Shape 60"/>
+        <p:cNvGrpSpPr/>
+        <p:nvPr/>
+      </p:nvGrpSpPr>
+      <p:grpSpPr>
+        <a:xfrm>
+          <a:off x="0" y="0"/>
+          <a:ext cx="0" cy="0"/>
+          <a:chOff x="0" y="0"/>
+          <a:chExt cx="0" cy="0"/>
+        </a:xfrm>
+      </p:grpSpPr>
+      <p:sp>
+        <p:nvSpPr>
+          <p:cNvPr id="4" name="Subtitle 3">
+            <a:extLst>
+              <a:ext uri="{FF2B5EF4-FFF2-40B4-BE49-F238E27FC236}">
+                <a16:creationId xmlns:a16="http://schemas.microsoft.com/office/drawing/2014/main" id="{6EB78186-1606-38C8-5715-7D0EB635338D}"/>
+              </a:ext>
+            </a:extLst>
+          </p:cNvPr>
+          <p:cNvSpPr>
+            <a:spLocks noGrp="1"/>
+          </p:cNvSpPr>
+          <p:nvPr>
+            <p:ph type="subTitle" idx="1"/>
+          </p:nvPr>
+        </p:nvSpPr>
+        <p:spPr>
+          <a:xfrm>
+            <a:off x="311700" y="716096"/>
+            <a:ext cx="8520600" cy="4715219"/>
+          </a:xfrm>
+        </p:spPr>
+        <p:txBody>
+          <a:bodyPr>
+            <a:normAutofit/>
+          </a:bodyPr>
+          <a:lstStyle/>
+          <a:p>
+            <a:r>
+              <a:rPr lang="en-IN" sz="2400" dirty="0">
+                <a:solidFill>
+                  <a:schemeClr val="tx1"/>
+                </a:solidFill>
+                <a:latin typeface="+mj-lt"/>
+              </a:rPr>
+              <a:t>Dataset (Resources):</a:t>
+            </a:r>
+          </a:p>
+          <a:p>
+            <a:pPr algn="l">
+              <a:buFont typeface="Arial" panose="020B0604020202020204" pitchFamily="34" charset="0"/>
+              <a:buChar char="•"/>
+            </a:pPr>
+            <a:r>
+              <a:rPr lang="en-IN" sz="1800" dirty="0">
+                <a:hlinkClick r:id="rId3"/>
+              </a:rPr>
+              <a:t>https://www.kaggle.com/datasets/atharvaingle/crop-recommendation-dataset</a:t>
+            </a:r>
+            <a:endParaRPr lang="en-IN" sz="1800" dirty="0"/>
+          </a:p>
+          <a:p>
+            <a:pPr algn="l">
+              <a:buFont typeface="Arial" panose="020B0604020202020204" pitchFamily="34" charset="0"/>
+              <a:buChar char="•"/>
+            </a:pPr>
+            <a:r>
+              <a:rPr lang="en-IN" sz="1800" dirty="0">
+                <a:hlinkClick r:id="rId4"/>
+              </a:rPr>
+              <a:t>https://www.kaggle.com/datasets/mansijain14/soil-classification-dataset</a:t>
+            </a:r>
+            <a:endParaRPr lang="en-IN" sz="1800" dirty="0"/>
+          </a:p>
+          <a:p>
+            <a:pPr algn="l">
+              <a:buFont typeface="Arial" panose="020B0604020202020204" pitchFamily="34" charset="0"/>
+              <a:buChar char="•"/>
+            </a:pPr>
+            <a:r>
+              <a:rPr lang="en-IN" sz="1800" dirty="0">
+                <a:hlinkClick r:id="rId5"/>
+              </a:rPr>
+              <a:t>https://www.kaggle.com/datasets/seroshkarim/cotton-leaf-disease-dataset</a:t>
+            </a:r>
+            <a:endParaRPr lang="en-IN" sz="1800" dirty="0"/>
+          </a:p>
+          <a:p>
+            <a:pPr algn="l">
+              <a:buFont typeface="Arial" panose="020B0604020202020204" pitchFamily="34" charset="0"/>
+              <a:buChar char="•"/>
+            </a:pPr>
+            <a:r>
+              <a:rPr lang="en-IN" sz="1800" dirty="0">
+                <a:hlinkClick r:id="rId6"/>
+              </a:rPr>
+              <a:t>https://www.kaggle.com/datasets/syedjaferk/agriculture-commodity-data-2019</a:t>
+            </a:r>
+            <a:endParaRPr lang="en-IN" sz="1800" dirty="0"/>
+          </a:p>
+          <a:p>
+            <a:pPr algn="l">
+              <a:buFont typeface="Arial" panose="020B0604020202020204" pitchFamily="34" charset="0"/>
+              <a:buChar char="•"/>
+            </a:pPr>
+            <a:endParaRPr lang="en-IN" sz="1800" dirty="0"/>
+          </a:p>
+          <a:p>
+            <a:pPr algn="l">
+              <a:buFont typeface="Arial" panose="020B0604020202020204" pitchFamily="34" charset="0"/>
+              <a:buChar char="•"/>
+            </a:pPr>
+            <a:r>
+              <a:rPr lang="en-IN" sz="1800" dirty="0" err="1">
+                <a:latin typeface="Posterama" panose="020B0504020200020000" pitchFamily="34" charset="0"/>
+                <a:cs typeface="Posterama" panose="020B0504020200020000" pitchFamily="34" charset="0"/>
+              </a:rPr>
+              <a:t>Opencv</a:t>
+            </a:r>
+            <a:endParaRPr lang="en-IN" sz="1800" dirty="0">
+              <a:latin typeface="Posterama" panose="020B0504020200020000" pitchFamily="34" charset="0"/>
+              <a:cs typeface="Posterama" panose="020B0504020200020000" pitchFamily="34" charset="0"/>
+            </a:endParaRPr>
+          </a:p>
+          <a:p>
+            <a:pPr algn="l">
+              <a:buFont typeface="Arial" panose="020B0604020202020204" pitchFamily="34" charset="0"/>
+              <a:buChar char="•"/>
+            </a:pPr>
+            <a:r>
+              <a:rPr lang="en-IN" sz="1800" dirty="0">
+                <a:latin typeface="Posterama" panose="020B0504020200020000" pitchFamily="34" charset="0"/>
+                <a:cs typeface="Posterama" panose="020B0504020200020000" pitchFamily="34" charset="0"/>
+              </a:rPr>
+              <a:t>Machine learning ( Linear &amp; logistic regression models)</a:t>
+            </a:r>
+          </a:p>
+          <a:p>
+            <a:pPr algn="l">
+              <a:buFont typeface="Arial" panose="020B0604020202020204" pitchFamily="34" charset="0"/>
+              <a:buChar char="•"/>
+            </a:pPr>
+            <a:r>
+              <a:rPr lang="en-IN" sz="1800" dirty="0">
+                <a:latin typeface="Posterama" panose="020B0504020200020000" pitchFamily="34" charset="0"/>
+                <a:cs typeface="Posterama" panose="020B0504020200020000" pitchFamily="34" charset="0"/>
+              </a:rPr>
+              <a:t>Deep learning(CNN classification)</a:t>
+            </a:r>
+          </a:p>
+          <a:p>
+            <a:pPr algn="l">
+              <a:buFont typeface="Arial" panose="020B0604020202020204" pitchFamily="34" charset="0"/>
+              <a:buChar char="•"/>
+            </a:pPr>
+            <a:r>
+              <a:rPr lang="en-IN" sz="1800" dirty="0">
+                <a:latin typeface="Posterama" panose="020B0504020200020000" pitchFamily="34" charset="0"/>
+                <a:cs typeface="Posterama" panose="020B0504020200020000" pitchFamily="34" charset="0"/>
+              </a:rPr>
+              <a:t>Basic math libraries [pandas, </a:t>
+            </a:r>
+            <a:r>
+              <a:rPr lang="en-IN" sz="1800" dirty="0" err="1">
+                <a:latin typeface="Posterama" panose="020B0504020200020000" pitchFamily="34" charset="0"/>
+                <a:cs typeface="Posterama" panose="020B0504020200020000" pitchFamily="34" charset="0"/>
+              </a:rPr>
+              <a:t>numpy</a:t>
+            </a:r>
+            <a:r>
+              <a:rPr lang="en-IN" sz="1800" dirty="0">
+                <a:latin typeface="Posterama" panose="020B0504020200020000" pitchFamily="34" charset="0"/>
+                <a:cs typeface="Posterama" panose="020B0504020200020000" pitchFamily="34" charset="0"/>
+              </a:rPr>
+              <a:t>, matplotlib]</a:t>
+            </a:r>
+          </a:p>
+          <a:p>
+            <a:pPr algn="l">
+              <a:buFont typeface="Arial" panose="020B0604020202020204" pitchFamily="34" charset="0"/>
+              <a:buChar char="•"/>
+            </a:pPr>
+            <a:r>
+              <a:rPr lang="en-IN" sz="1800" dirty="0">
+                <a:latin typeface="Posterama" panose="020B0504020200020000" pitchFamily="34" charset="0"/>
+                <a:cs typeface="Posterama" panose="020B0504020200020000" pitchFamily="34" charset="0"/>
+              </a:rPr>
+              <a:t>Android studio using java</a:t>
+            </a:r>
+          </a:p>
+          <a:p>
+            <a:pPr algn="l">
+              <a:buFont typeface="Arial" panose="020B0604020202020204" pitchFamily="34" charset="0"/>
+              <a:buChar char="•"/>
+            </a:pPr>
+            <a:r>
+              <a:rPr lang="en-IN" sz="1800" dirty="0" err="1">
+                <a:latin typeface="Posterama" panose="020B0504020200020000" pitchFamily="34" charset="0"/>
+                <a:cs typeface="Posterama" panose="020B0504020200020000" pitchFamily="34" charset="0"/>
+              </a:rPr>
+              <a:t>Tensorflow</a:t>
+            </a:r>
+            <a:r>
+              <a:rPr lang="en-IN" sz="1800" dirty="0">
+                <a:latin typeface="Posterama" panose="020B0504020200020000" pitchFamily="34" charset="0"/>
+                <a:cs typeface="Posterama" panose="020B0504020200020000" pitchFamily="34" charset="0"/>
+              </a:rPr>
+              <a:t> using </a:t>
+            </a:r>
+            <a:r>
+              <a:rPr lang="en-IN" sz="1800" dirty="0" err="1">
+                <a:latin typeface="Posterama" panose="020B0504020200020000" pitchFamily="34" charset="0"/>
+                <a:cs typeface="Posterama" panose="020B0504020200020000" pitchFamily="34" charset="0"/>
+              </a:rPr>
+              <a:t>keras</a:t>
+            </a:r>
+            <a:endParaRPr lang="en-IN" sz="1800" dirty="0">
+              <a:latin typeface="Posterama" panose="020B0504020200020000" pitchFamily="34" charset="0"/>
+              <a:cs typeface="Posterama" panose="020B0504020200020000" pitchFamily="34" charset="0"/>
+            </a:endParaRPr>
+          </a:p>
+          <a:p>
+            <a:pPr algn="l">
+              <a:buFont typeface="Arial" panose="020B0604020202020204" pitchFamily="34" charset="0"/>
+              <a:buChar char="•"/>
+            </a:pPr>
+            <a:r>
+              <a:rPr lang="en-IN" sz="1800" dirty="0" err="1">
+                <a:latin typeface="Posterama" panose="020B0504020200020000" pitchFamily="34" charset="0"/>
+                <a:cs typeface="Posterama" panose="020B0504020200020000" pitchFamily="34" charset="0"/>
+              </a:rPr>
+              <a:t>Sklearn</a:t>
+            </a:r>
+            <a:r>
+              <a:rPr lang="en-IN" sz="1800" dirty="0">
+                <a:latin typeface="Posterama" panose="020B0504020200020000" pitchFamily="34" charset="0"/>
+                <a:cs typeface="Posterama" panose="020B0504020200020000" pitchFamily="34" charset="0"/>
+              </a:rPr>
+              <a:t> library </a:t>
+            </a:r>
+          </a:p>
+          <a:p>
+            <a:pPr algn="l">
+              <a:buFont typeface="Arial" panose="020B0604020202020204" pitchFamily="34" charset="0"/>
+              <a:buChar char="•"/>
+            </a:pPr>
+            <a:endParaRPr lang="en-IN" sz="1800" dirty="0"/>
+          </a:p>
+          <a:p>
+            <a:pPr algn="l">
+              <a:buFont typeface="Arial" panose="020B0604020202020204" pitchFamily="34" charset="0"/>
+              <a:buChar char="•"/>
+            </a:pPr>
+            <a:endParaRPr lang="en-IN" sz="1800" dirty="0"/>
+          </a:p>
+        </p:txBody>
+      </p:sp>
+    </p:spTree>
+    <p:extLst>
+      <p:ext uri="{BB962C8B-B14F-4D97-AF65-F5344CB8AC3E}">
+        <p14:creationId xmlns:p14="http://schemas.microsoft.com/office/powerpoint/2010/main" val="2238777676"/>
+      </p:ext>
+    </p:extLst>
+  </p:cSld>
+  <p:clrMapOvr>
+    <a:masterClrMapping/>
+  </p:clrMapOvr>
+</p:sld>
+</file>
+
+<file path=ppt/slides/slide12.xml><?xml version="1.0" encoding="utf-8"?>
 <p:sld xmlns:a="http://schemas.openxmlformats.org/drawingml/2006/main" xmlns:r="http://schemas.openxmlformats.org/officeDocument/2006/relationships" xmlns:p="http://schemas.openxmlformats.org/presentationml/2006/main">
   <p:cSld>
     <p:spTree>
@@ -6526,17 +6907,17 @@
             </a:pPr>
             <a:r>
               <a:rPr lang="en-IN" b="1" dirty="0">
-                <a:latin typeface="Red Hat Display"/>
+                <a:latin typeface="Posterama" panose="020B0504020200020000" pitchFamily="34" charset="0"/>
                 <a:ea typeface="Red Hat Display"/>
-                <a:cs typeface="Red Hat Display"/>
+                <a:cs typeface="Posterama" panose="020B0504020200020000" pitchFamily="34" charset="0"/>
                 <a:sym typeface="Red Hat Display"/>
               </a:rPr>
-              <a:t>Something about ourself</a:t>
+              <a:t>Something about us</a:t>
             </a:r>
             <a:endParaRPr b="1" dirty="0">
-              <a:latin typeface="Red Hat Display"/>
+              <a:latin typeface="Posterama" panose="020B0504020200020000" pitchFamily="34" charset="0"/>
               <a:ea typeface="Red Hat Display"/>
-              <a:cs typeface="Red Hat Display"/>
+              <a:cs typeface="Posterama" panose="020B0504020200020000" pitchFamily="34" charset="0"/>
               <a:sym typeface="Red Hat Display"/>
             </a:endParaRPr>
           </a:p>
@@ -6551,9 +6932,9 @@
               <a:buNone/>
             </a:pPr>
             <a:endParaRPr b="1" dirty="0">
-              <a:latin typeface="Red Hat Display"/>
+              <a:latin typeface="Posterama" panose="020B0504020200020000" pitchFamily="34" charset="0"/>
               <a:ea typeface="Red Hat Display"/>
-              <a:cs typeface="Red Hat Display"/>
+              <a:cs typeface="Posterama" panose="020B0504020200020000" pitchFamily="34" charset="0"/>
               <a:sym typeface="Red Hat Display"/>
             </a:endParaRPr>
           </a:p>
@@ -6603,7 +6984,10 @@
               </a:spcAft>
               <a:buNone/>
             </a:pPr>
-            <a:endParaRPr/>
+            <a:endParaRPr sz="1600">
+              <a:latin typeface="Posterama" panose="020B0504020200020000" pitchFamily="34" charset="0"/>
+              <a:cs typeface="Posterama" panose="020B0504020200020000" pitchFamily="34" charset="0"/>
+            </a:endParaRPr>
           </a:p>
         </p:txBody>
       </p:sp>
@@ -6615,8 +6999,8 @@
         </p:nvSpPr>
         <p:spPr>
           <a:xfrm>
-            <a:off x="2236800" y="2838200"/>
-            <a:ext cx="4670400" cy="956700"/>
+            <a:off x="2166749" y="2867900"/>
+            <a:ext cx="4810499" cy="915158"/>
           </a:xfrm>
           <a:prstGeom prst="roundRect">
             <a:avLst>
@@ -6651,7 +7035,10 @@
               </a:spcAft>
               <a:buNone/>
             </a:pPr>
-            <a:endParaRPr/>
+            <a:endParaRPr sz="1600">
+              <a:latin typeface="Posterama" panose="020B0504020200020000" pitchFamily="34" charset="0"/>
+              <a:cs typeface="Posterama" panose="020B0504020200020000" pitchFamily="34" charset="0"/>
+            </a:endParaRPr>
           </a:p>
         </p:txBody>
       </p:sp>
@@ -6667,7 +7054,7 @@
         </p:nvSpPr>
         <p:spPr>
           <a:xfrm>
-            <a:off x="2396400" y="2925650"/>
+            <a:off x="2208300" y="2874080"/>
             <a:ext cx="4670400" cy="1194658"/>
           </a:xfrm>
           <a:prstGeom prst="rect">
@@ -6690,28 +7077,28 @@
               <a:buNone/>
             </a:pPr>
             <a:r>
-              <a:rPr lang="en-IN" sz="1100" dirty="0">
+              <a:rPr lang="en-IN" sz="1200" dirty="0">
                 <a:solidFill>
                   <a:schemeClr val="dk1"/>
                 </a:solidFill>
-                <a:latin typeface="Red Hat Display ExtraBold"/>
+                <a:latin typeface="Posterama" panose="020B0504020200020000" pitchFamily="34" charset="0"/>
                 <a:ea typeface="Red Hat Display ExtraBold"/>
-                <a:cs typeface="Red Hat Display ExtraBold"/>
+                <a:cs typeface="Posterama" panose="020B0504020200020000" pitchFamily="34" charset="0"/>
                 <a:sym typeface="Red Hat Display ExtraBold"/>
               </a:rPr>
               <a:t>W</a:t>
             </a:r>
             <a:r>
-              <a:rPr lang="en" sz="1100" dirty="0">
+              <a:rPr lang="en" sz="1200" dirty="0">
                 <a:solidFill>
                   <a:schemeClr val="dk1"/>
                 </a:solidFill>
-                <a:latin typeface="Red Hat Display ExtraBold"/>
+                <a:latin typeface="Posterama" panose="020B0504020200020000" pitchFamily="34" charset="0"/>
                 <a:ea typeface="Red Hat Display ExtraBold"/>
-                <a:cs typeface="Red Hat Display ExtraBold"/>
+                <a:cs typeface="Posterama" panose="020B0504020200020000" pitchFamily="34" charset="0"/>
                 <a:sym typeface="Red Hat Display ExtraBold"/>
               </a:rPr>
-              <a:t>e  are sophmore year students from MIT aming to be a better version of ourself and be a part of a cherished community that helps the backbone of our nation.</a:t>
+              <a:t>e  are sophmore year students from MIT aming to be a better version of ourselfs and be a part of a cherished community that helps the backbone of our nation.</a:t>
             </a:r>
           </a:p>
         </p:txBody>
@@ -6756,9 +7143,9 @@
                 <a:solidFill>
                   <a:schemeClr val="dk1"/>
                 </a:solidFill>
-                <a:latin typeface="Red Hat Display"/>
+                <a:latin typeface="Posterama" panose="020B0504020200020000" pitchFamily="34" charset="0"/>
                 <a:ea typeface="Red Hat Display"/>
-                <a:cs typeface="Red Hat Display"/>
+                <a:cs typeface="Posterama" panose="020B0504020200020000" pitchFamily="34" charset="0"/>
                 <a:sym typeface="Red Hat Display"/>
               </a:rPr>
               <a:t>RUGVED is a multi disciplinary student project  located at MIT , Manipal.</a:t>
@@ -6774,12 +7161,51 @@
               </a:spcAft>
               <a:buNone/>
             </a:pPr>
-            <a:endParaRPr dirty="0">
-              <a:latin typeface="Red Hat Display SemiBold"/>
+            <a:endParaRPr sz="2000" dirty="0">
+              <a:latin typeface="Posterama" panose="020B0504020200020000" pitchFamily="34" charset="0"/>
               <a:ea typeface="Red Hat Display SemiBold"/>
-              <a:cs typeface="Red Hat Display SemiBold"/>
+              <a:cs typeface="Posterama" panose="020B0504020200020000" pitchFamily="34" charset="0"/>
               <a:sym typeface="Red Hat Display SemiBold"/>
             </a:endParaRPr>
+          </a:p>
+        </p:txBody>
+      </p:sp>
+      <p:sp>
+        <p:nvSpPr>
+          <p:cNvPr id="2" name="TextBox 1">
+            <a:extLst>
+              <a:ext uri="{FF2B5EF4-FFF2-40B4-BE49-F238E27FC236}">
+                <a16:creationId xmlns:a16="http://schemas.microsoft.com/office/drawing/2014/main" id="{4D72AE6A-714A-9141-0177-ED99AC8926ED}"/>
+              </a:ext>
+            </a:extLst>
+          </p:cNvPr>
+          <p:cNvSpPr txBox="1"/>
+          <p:nvPr/>
+        </p:nvSpPr>
+        <p:spPr>
+          <a:xfrm>
+            <a:off x="3602516" y="4120308"/>
+            <a:ext cx="1828800" cy="338554"/>
+          </a:xfrm>
+          <a:prstGeom prst="rect">
+            <a:avLst/>
+          </a:prstGeom>
+          <a:noFill/>
+        </p:spPr>
+        <p:txBody>
+          <a:bodyPr wrap="square" rtlCol="0">
+            <a:spAutoFit/>
+          </a:bodyPr>
+          <a:lstStyle/>
+          <a:p>
+            <a:pPr algn="ctr"/>
+            <a:r>
+              <a:rPr lang="en-IN" sz="1600" dirty="0">
+                <a:latin typeface="Posterama" panose="020B0504020200020000" pitchFamily="34" charset="0"/>
+                <a:cs typeface="Posterama" panose="020B0504020200020000" pitchFamily="34" charset="0"/>
+              </a:rPr>
+              <a:t>THANK YOU</a:t>
+            </a:r>
           </a:p>
         </p:txBody>
       </p:sp>
@@ -6810,89 +7236,6 @@
       </p:grpSpPr>
       <p:sp>
         <p:nvSpPr>
-          <p:cNvPr id="61" name="Google Shape;61;p14"/>
-          <p:cNvSpPr txBox="1">
-            <a:spLocks noGrp="1"/>
-          </p:cNvSpPr>
-          <p:nvPr>
-            <p:ph type="ctrTitle"/>
-          </p:nvPr>
-        </p:nvSpPr>
-        <p:spPr>
-          <a:xfrm>
-            <a:off x="-2417746" y="-659364"/>
-            <a:ext cx="8520600" cy="2052600"/>
-          </a:xfrm>
-          <a:prstGeom prst="rect">
-            <a:avLst/>
-          </a:prstGeom>
-        </p:spPr>
-        <p:txBody>
-          <a:bodyPr spcFirstLastPara="1" wrap="square" lIns="91425" tIns="91425" rIns="91425" bIns="91425" anchor="b" anchorCtr="0">
-            <a:noAutofit/>
-          </a:bodyPr>
-          <a:lstStyle/>
-          <a:p>
-            <a:pPr marL="0" lvl="0" indent="0" algn="ctr" rtl="0">
-              <a:spcBef>
-                <a:spcPts val="0"/>
-              </a:spcBef>
-              <a:spcAft>
-                <a:spcPts val="0"/>
-              </a:spcAft>
-              <a:buNone/>
-            </a:pPr>
-            <a:r>
-              <a:rPr lang="en" sz="3000" dirty="0">
-                <a:effectLst>
-                  <a:outerShdw blurRad="38100" dist="38100" dir="2700000" algn="tl">
-                    <a:srgbClr val="000000">
-                      <a:alpha val="43137"/>
-                    </a:srgbClr>
-                  </a:outerShdw>
-                </a:effectLst>
-                <a:latin typeface="Red Hat Display ExtraBold"/>
-                <a:ea typeface="Red Hat Display ExtraBold"/>
-                <a:cs typeface="Red Hat Display ExtraBold"/>
-                <a:sym typeface="Red Hat Display ExtraBold"/>
-              </a:rPr>
-              <a:t>Problem Details</a:t>
-            </a:r>
-            <a:endParaRPr sz="3000" dirty="0">
-              <a:effectLst>
-                <a:outerShdw blurRad="38100" dist="38100" dir="2700000" algn="tl">
-                  <a:srgbClr val="000000">
-                    <a:alpha val="43137"/>
-                  </a:srgbClr>
-                </a:outerShdw>
-              </a:effectLst>
-              <a:latin typeface="Red Hat Display ExtraBold"/>
-              <a:ea typeface="Red Hat Display ExtraBold"/>
-              <a:cs typeface="Red Hat Display ExtraBold"/>
-              <a:sym typeface="Red Hat Display ExtraBold"/>
-            </a:endParaRPr>
-          </a:p>
-          <a:p>
-            <a:pPr marL="0" lvl="0" indent="0" algn="ctr" rtl="0">
-              <a:spcBef>
-                <a:spcPts val="0"/>
-              </a:spcBef>
-              <a:spcAft>
-                <a:spcPts val="0"/>
-              </a:spcAft>
-              <a:buNone/>
-            </a:pPr>
-            <a:endParaRPr sz="3000" dirty="0">
-              <a:latin typeface="Red Hat Display ExtraBold"/>
-              <a:ea typeface="Red Hat Display ExtraBold"/>
-              <a:cs typeface="Red Hat Display ExtraBold"/>
-              <a:sym typeface="Red Hat Display ExtraBold"/>
-            </a:endParaRPr>
-          </a:p>
-        </p:txBody>
-      </p:sp>
-      <p:sp>
-        <p:nvSpPr>
           <p:cNvPr id="62" name="Google Shape;62;p14"/>
           <p:cNvSpPr txBox="1">
             <a:spLocks noGrp="1"/>
@@ -6903,8 +7246,8 @@
         </p:nvSpPr>
         <p:spPr>
           <a:xfrm>
-            <a:off x="306191" y="627963"/>
-            <a:ext cx="8520600" cy="1266938"/>
+            <a:off x="306191" y="462708"/>
+            <a:ext cx="8551370" cy="1432193"/>
           </a:xfrm>
           <a:prstGeom prst="rect">
             <a:avLst/>
@@ -6934,15 +7277,16 @@
               <a:buNone/>
             </a:pPr>
             <a:r>
-              <a:rPr lang="en" sz="2040" dirty="0">
+              <a:rPr lang="en" sz="2040" u="sng" dirty="0">
                 <a:solidFill>
-                  <a:schemeClr val="tx2">
-                    <a:lumMod val="25000"/>
+                  <a:schemeClr val="tx1">
+                    <a:lumMod val="85000"/>
+                    <a:lumOff val="15000"/>
                   </a:schemeClr>
                 </a:solidFill>
-                <a:latin typeface="Red Hat Display SemiBold"/>
+                <a:latin typeface="Posterama" panose="020B0504020200020000" pitchFamily="34" charset="0"/>
                 <a:ea typeface="Red Hat Display SemiBold"/>
-                <a:cs typeface="Red Hat Display SemiBold"/>
+                <a:cs typeface="Posterama" panose="020B0504020200020000" pitchFamily="34" charset="0"/>
                 <a:sym typeface="Red Hat Display SemiBold"/>
               </a:rPr>
               <a:t>Problem Statement: </a:t>
@@ -6969,13 +7313,14 @@
             <a:r>
               <a:rPr lang="en-US" sz="2040" dirty="0">
                 <a:solidFill>
-                  <a:schemeClr val="tx2">
-                    <a:lumMod val="25000"/>
+                  <a:schemeClr val="tx1">
+                    <a:lumMod val="85000"/>
+                    <a:lumOff val="15000"/>
                   </a:schemeClr>
                 </a:solidFill>
-                <a:latin typeface="Red Hat Display SemiBold"/>
+                <a:latin typeface="Posterama" panose="020B0504020200020000" pitchFamily="34" charset="0"/>
                 <a:ea typeface="Red Hat Display SemiBold"/>
-                <a:cs typeface="Red Hat Display SemiBold"/>
+                <a:cs typeface="Posterama" panose="020B0504020200020000" pitchFamily="34" charset="0"/>
                 <a:sym typeface="Red Hat Display SemiBold"/>
               </a:rPr>
               <a:t>How does inclusion of AI in agriculture give rise to new sustainable and efficient models ?</a:t>
@@ -7013,9 +7358,9 @@
           <a:p>
             <a:r>
               <a:rPr lang="en" sz="2000" u="sng" dirty="0">
-                <a:latin typeface="Red Hat Display SemiBold"/>
+                <a:latin typeface="Posterama" panose="020B0504020200020000" pitchFamily="34" charset="0"/>
                 <a:ea typeface="Red Hat Display SemiBold"/>
-                <a:cs typeface="Red Hat Display SemiBold"/>
+                <a:cs typeface="Posterama" panose="020B0504020200020000" pitchFamily="34" charset="0"/>
                 <a:sym typeface="Red Hat Display SemiBold"/>
               </a:rPr>
               <a:t>Problem Description:</a:t>
@@ -7028,20 +7373,32 @@
               </a:lnSpc>
             </a:pPr>
             <a:r>
-              <a:rPr lang="en-IN" sz="2000" dirty="0"/>
+              <a:rPr lang="en-IN" sz="2000" dirty="0">
+                <a:latin typeface="Posterama" panose="020B0504020200020000" pitchFamily="34" charset="0"/>
+                <a:cs typeface="Posterama" panose="020B0504020200020000" pitchFamily="34" charset="0"/>
+              </a:rPr>
               <a:t>unforeseen changes in weather , inaccurate soil information and  cultivation of unsuitable crop and improper detection of plant health are few of the most common nightmares farmers face.</a:t>
             </a:r>
-            <a:endParaRPr lang="en-IN" sz="1600" dirty="0"/>
+            <a:endParaRPr lang="en-IN" sz="1600" dirty="0">
+              <a:latin typeface="Posterama" panose="020B0504020200020000" pitchFamily="34" charset="0"/>
+              <a:cs typeface="Posterama" panose="020B0504020200020000" pitchFamily="34" charset="0"/>
+            </a:endParaRPr>
           </a:p>
           <a:p>
             <a:r>
-              <a:rPr lang="en-IN" sz="1600" dirty="0"/>
+              <a:rPr lang="en-IN" sz="1600" dirty="0">
+                <a:latin typeface="Posterama" panose="020B0504020200020000" pitchFamily="34" charset="0"/>
+                <a:cs typeface="Posterama" panose="020B0504020200020000" pitchFamily="34" charset="0"/>
+              </a:rPr>
               <a:t>      </a:t>
             </a:r>
           </a:p>
           <a:p>
             <a:r>
-              <a:rPr lang="en-IN" dirty="0"/>
+              <a:rPr lang="en-IN" dirty="0">
+                <a:latin typeface="Posterama" panose="020B0504020200020000" pitchFamily="34" charset="0"/>
+                <a:cs typeface="Posterama" panose="020B0504020200020000" pitchFamily="34" charset="0"/>
+              </a:rPr>
               <a:t> </a:t>
             </a:r>
           </a:p>
@@ -7086,8 +7443,8 @@
         </p:nvSpPr>
         <p:spPr>
           <a:xfrm>
-            <a:off x="881349" y="837282"/>
-            <a:ext cx="7127914" cy="3139321"/>
+            <a:off x="727113" y="176271"/>
+            <a:ext cx="7546554" cy="5177828"/>
           </a:xfrm>
           <a:prstGeom prst="rect">
             <a:avLst/>
@@ -7100,70 +7457,139 @@
           </a:bodyPr>
           <a:lstStyle/>
           <a:p>
+            <a:pPr>
+              <a:lnSpc>
+                <a:spcPct val="150000"/>
+              </a:lnSpc>
+            </a:pPr>
             <a:r>
-              <a:rPr lang="en-IN" sz="1600" dirty="0"/>
-              <a:t>Artificial</a:t>
+              <a:rPr lang="en-IN" sz="1600" dirty="0">
+                <a:latin typeface="Posterama" panose="020B0504020200020000" pitchFamily="34" charset="0"/>
+                <a:cs typeface="Posterama" panose="020B0504020200020000" pitchFamily="34" charset="0"/>
+              </a:rPr>
+              <a:t>While</a:t>
             </a:r>
             <a:r>
-              <a:rPr lang="en-IN" sz="1400" dirty="0"/>
-              <a:t> Intelligence is one of the fastest growing sector , while agriculture is the oldest yet the slowest growing sector in modern times. A fancy fusion of these two sectors would ease life of many.  </a:t>
+              <a:rPr lang="en-IN" sz="1800" dirty="0">
+                <a:latin typeface="Posterama" panose="020B0504020200020000" pitchFamily="34" charset="0"/>
+                <a:cs typeface="Posterama" panose="020B0504020200020000" pitchFamily="34" charset="0"/>
+              </a:rPr>
+              <a:t> </a:t>
             </a:r>
-          </a:p>
-          <a:p>
             <a:r>
-              <a:rPr lang="en-IN" dirty="0"/>
-              <a:t>To make the lives of our farmers easier, we have devised few solutions to the above problems:</a:t>
+              <a:rPr lang="en-IN" sz="1600" dirty="0">
+                <a:latin typeface="Posterama" panose="020B0504020200020000" pitchFamily="34" charset="0"/>
+                <a:cs typeface="Posterama" panose="020B0504020200020000" pitchFamily="34" charset="0"/>
+              </a:rPr>
+              <a:t>Artificial Intelligence was always the fastest growing sector, agriculture has been slowest sector in modern days. A fusion of these two sectors would ease life of many.  </a:t>
             </a:r>
           </a:p>
           <a:p>
+            <a:pPr>
+              <a:spcBef>
+                <a:spcPts val="1200"/>
+              </a:spcBef>
+            </a:pPr>
+            <a:r>
+              <a:rPr lang="en-IN" sz="1600" dirty="0">
+                <a:solidFill>
+                  <a:schemeClr val="accent1">
+                    <a:lumMod val="50000"/>
+                  </a:schemeClr>
+                </a:solidFill>
+                <a:latin typeface="Posterama" panose="020B0504020200020000" pitchFamily="34" charset="0"/>
+                <a:cs typeface="Posterama" panose="020B0504020200020000" pitchFamily="34" charset="0"/>
+              </a:rPr>
+              <a:t>To make the lives of our farmers easy, we have devised few solutions to the above problems:</a:t>
+            </a:r>
+          </a:p>
+          <a:p>
             <a:pPr marL="285750" indent="-285750">
+              <a:spcBef>
+                <a:spcPts val="1200"/>
+              </a:spcBef>
               <a:buFont typeface="Arial" panose="020B0604020202020204" pitchFamily="34" charset="0"/>
               <a:buChar char="•"/>
             </a:pPr>
             <a:r>
-              <a:rPr lang="en-IN" sz="1400" dirty="0"/>
-              <a:t>We have developed a model which predicts the type of soil , with just a picture  of it.</a:t>
+              <a:rPr lang="en-IN" sz="1600" dirty="0">
+                <a:latin typeface="Posterama" panose="020B0504020200020000" pitchFamily="34" charset="0"/>
+                <a:cs typeface="Posterama" panose="020B0504020200020000" pitchFamily="34" charset="0"/>
+              </a:rPr>
+              <a:t>We have developed an algorithm which predicts the type of soil , with just a picture.</a:t>
             </a:r>
           </a:p>
           <a:p>
             <a:pPr marL="285750" indent="-285750">
+              <a:spcBef>
+                <a:spcPts val="1200"/>
+              </a:spcBef>
               <a:buFont typeface="Arial" panose="020B0604020202020204" pitchFamily="34" charset="0"/>
               <a:buChar char="•"/>
             </a:pPr>
             <a:r>
-              <a:rPr lang="en-US" sz="1400" dirty="0"/>
-              <a:t>We have developed an algorithm that can predict the type of crop that is best suited for the soil based on the required parameters.</a:t>
+              <a:rPr lang="en-US" sz="1600" dirty="0">
+                <a:latin typeface="Posterama" panose="020B0504020200020000" pitchFamily="34" charset="0"/>
+                <a:cs typeface="Posterama" panose="020B0504020200020000" pitchFamily="34" charset="0"/>
+              </a:rPr>
+              <a:t>We have developed a model that can predict the type of crop that is best suited for the soil based on the given parameters.</a:t>
             </a:r>
           </a:p>
           <a:p>
             <a:pPr marL="285750" indent="-285750">
+              <a:spcBef>
+                <a:spcPts val="1200"/>
+              </a:spcBef>
               <a:buFont typeface="Arial" panose="020B0604020202020204" pitchFamily="34" charset="0"/>
               <a:buChar char="•"/>
             </a:pPr>
             <a:r>
-              <a:rPr lang="en-US" dirty="0"/>
-              <a:t>We have reduced the ambiguity with health of the plant by developing an algorithm which predicts if the plant is healthy or unhealthy.</a:t>
+              <a:rPr lang="en-US" sz="1600" dirty="0">
+                <a:latin typeface="Posterama" panose="020B0504020200020000" pitchFamily="34" charset="0"/>
+                <a:cs typeface="Posterama" panose="020B0504020200020000" pitchFamily="34" charset="0"/>
+              </a:rPr>
+              <a:t>We have reduced the ambiguity regarding the health of plant by developing an algorithm which predicts if the plant is healthy or unhealthy.</a:t>
             </a:r>
           </a:p>
           <a:p>
             <a:pPr marL="285750" indent="-285750">
+              <a:spcBef>
+                <a:spcPts val="1200"/>
+              </a:spcBef>
               <a:buFont typeface="Arial" panose="020B0604020202020204" pitchFamily="34" charset="0"/>
               <a:buChar char="•"/>
             </a:pPr>
             <a:r>
-              <a:rPr lang="en-US" sz="1400" dirty="0"/>
-              <a:t>To top it off we have created a user-friendly app which even a commoner can use and access all the above-mentioned features. .  </a:t>
+              <a:rPr lang="en-US" sz="1600" dirty="0">
+                <a:latin typeface="Posterama" panose="020B0504020200020000" pitchFamily="34" charset="0"/>
+                <a:cs typeface="Posterama" panose="020B0504020200020000" pitchFamily="34" charset="0"/>
+              </a:rPr>
+              <a:t>To top it off we have created a user-friendly app which even a commoner can use and access all the above-mentioned features.  </a:t>
             </a:r>
           </a:p>
           <a:p>
             <a:pPr marL="285750" indent="-285750">
+              <a:lnSpc>
+                <a:spcPct val="150000"/>
+              </a:lnSpc>
               <a:buFont typeface="Arial" panose="020B0604020202020204" pitchFamily="34" charset="0"/>
               <a:buChar char="•"/>
             </a:pPr>
-            <a:endParaRPr lang="en-IN" sz="1400" dirty="0"/>
-          </a:p>
-          <a:p>
-            <a:endParaRPr lang="en-IN" dirty="0"/>
+            <a:endParaRPr lang="en-IN" sz="1600" dirty="0">
+              <a:latin typeface="Posterama" panose="020B0504020200020000" pitchFamily="34" charset="0"/>
+              <a:cs typeface="Posterama" panose="020B0504020200020000" pitchFamily="34" charset="0"/>
+            </a:endParaRPr>
+          </a:p>
+          <a:p>
+            <a:pPr>
+              <a:lnSpc>
+                <a:spcPct val="150000"/>
+              </a:lnSpc>
+            </a:pPr>
+            <a:endParaRPr lang="en-IN" sz="1600" dirty="0">
+              <a:latin typeface="Posterama" panose="020B0504020200020000" pitchFamily="34" charset="0"/>
+              <a:cs typeface="Posterama" panose="020B0504020200020000" pitchFamily="34" charset="0"/>
+            </a:endParaRPr>
           </a:p>
         </p:txBody>
       </p:sp>
@@ -7185,7 +7611,7 @@
   <p:cSld>
     <p:spTree>
       <p:nvGrpSpPr>
-        <p:cNvPr id="1" name="Shape 60"/>
+        <p:cNvPr id="1" name=""/>
         <p:cNvGrpSpPr/>
         <p:nvPr/>
       </p:nvGrpSpPr>
@@ -7199,287 +7625,703 @@
       </p:grpSpPr>
       <p:sp>
         <p:nvSpPr>
-          <p:cNvPr id="61" name="Google Shape;61;p14"/>
-          <p:cNvSpPr txBox="1">
-            <a:spLocks noGrp="1"/>
-          </p:cNvSpPr>
-          <p:nvPr>
-            <p:ph type="ctrTitle"/>
-          </p:nvPr>
+          <p:cNvPr id="3" name="Oval 2">
+            <a:extLst>
+              <a:ext uri="{FF2B5EF4-FFF2-40B4-BE49-F238E27FC236}">
+                <a16:creationId xmlns:a16="http://schemas.microsoft.com/office/drawing/2014/main" id="{A5490972-2862-A2F1-DCBF-FE1E5BEFD432}"/>
+              </a:ext>
+            </a:extLst>
+          </p:cNvPr>
+          <p:cNvSpPr/>
+          <p:nvPr/>
         </p:nvSpPr>
         <p:spPr>
           <a:xfrm>
-            <a:off x="-2234866" y="-659364"/>
-            <a:ext cx="8520600" cy="2052600"/>
+            <a:off x="5244028" y="859315"/>
+            <a:ext cx="2035183" cy="958468"/>
+          </a:xfrm>
+          <a:prstGeom prst="ellipse">
+            <a:avLst/>
+          </a:prstGeom>
+        </p:spPr>
+        <p:style>
+          <a:lnRef idx="2">
+            <a:schemeClr val="accent1">
+              <a:shade val="50000"/>
+            </a:schemeClr>
+          </a:lnRef>
+          <a:fillRef idx="1">
+            <a:schemeClr val="accent1"/>
+          </a:fillRef>
+          <a:effectRef idx="0">
+            <a:schemeClr val="accent1"/>
+          </a:effectRef>
+          <a:fontRef idx="minor">
+            <a:schemeClr val="lt1"/>
+          </a:fontRef>
+        </p:style>
+        <p:txBody>
+          <a:bodyPr rtlCol="0" anchor="ctr"/>
+          <a:lstStyle/>
+          <a:p>
+            <a:r>
+              <a:rPr lang="en-IN" sz="1600" dirty="0">
+                <a:latin typeface="Posterama" panose="020B0504020200020000" pitchFamily="34" charset="0"/>
+                <a:cs typeface="Posterama" panose="020B0504020200020000" pitchFamily="34" charset="0"/>
+              </a:rPr>
+              <a:t>Soil</a:t>
+            </a:r>
+            <a:r>
+              <a:rPr lang="en-IN" sz="1600" b="1" dirty="0">
+                <a:latin typeface="Posterama" panose="020B0504020200020000" pitchFamily="34" charset="0"/>
+                <a:cs typeface="Posterama" panose="020B0504020200020000" pitchFamily="34" charset="0"/>
+              </a:rPr>
+              <a:t> </a:t>
+            </a:r>
+            <a:r>
+              <a:rPr lang="en-IN" sz="1600" dirty="0">
+                <a:latin typeface="Posterama" panose="020B0504020200020000" pitchFamily="34" charset="0"/>
+                <a:cs typeface="Posterama" panose="020B0504020200020000" pitchFamily="34" charset="0"/>
+              </a:rPr>
+              <a:t>Classification</a:t>
+            </a:r>
+          </a:p>
+        </p:txBody>
+      </p:sp>
+      <p:sp>
+        <p:nvSpPr>
+          <p:cNvPr id="4" name="Oval 3">
+            <a:extLst>
+              <a:ext uri="{FF2B5EF4-FFF2-40B4-BE49-F238E27FC236}">
+                <a16:creationId xmlns:a16="http://schemas.microsoft.com/office/drawing/2014/main" id="{3BDD409A-68F3-2206-9B28-1D7ACC12D177}"/>
+              </a:ext>
+            </a:extLst>
+          </p:cNvPr>
+          <p:cNvSpPr/>
+          <p:nvPr/>
+        </p:nvSpPr>
+        <p:spPr>
+          <a:xfrm>
+            <a:off x="5255041" y="2645769"/>
+            <a:ext cx="2599985" cy="1093769"/>
+          </a:xfrm>
+          <a:prstGeom prst="ellipse">
+            <a:avLst/>
+          </a:prstGeom>
+        </p:spPr>
+        <p:style>
+          <a:lnRef idx="2">
+            <a:schemeClr val="accent1">
+              <a:shade val="50000"/>
+            </a:schemeClr>
+          </a:lnRef>
+          <a:fillRef idx="1">
+            <a:schemeClr val="accent1"/>
+          </a:fillRef>
+          <a:effectRef idx="0">
+            <a:schemeClr val="accent1"/>
+          </a:effectRef>
+          <a:fontRef idx="minor">
+            <a:schemeClr val="lt1"/>
+          </a:fontRef>
+        </p:style>
+        <p:txBody>
+          <a:bodyPr rtlCol="0" anchor="ctr"/>
+          <a:lstStyle/>
+          <a:p>
+            <a:pPr algn="ctr"/>
+            <a:r>
+              <a:rPr lang="en-IN" dirty="0">
+                <a:latin typeface="Posterama" panose="020B0504020200020000" pitchFamily="34" charset="0"/>
+                <a:cs typeface="Posterama" panose="020B0504020200020000" pitchFamily="34" charset="0"/>
+              </a:rPr>
+              <a:t>Crop Recommendation</a:t>
+            </a:r>
+          </a:p>
+          <a:p>
+            <a:pPr algn="ctr"/>
+            <a:endParaRPr lang="en-IN" sz="1050" dirty="0">
+              <a:latin typeface="Posterama" panose="020B0504020200020000" pitchFamily="34" charset="0"/>
+              <a:cs typeface="Posterama" panose="020B0504020200020000" pitchFamily="34" charset="0"/>
+            </a:endParaRPr>
+          </a:p>
+        </p:txBody>
+      </p:sp>
+      <p:sp>
+        <p:nvSpPr>
+          <p:cNvPr id="5" name="Oval 4">
+            <a:extLst>
+              <a:ext uri="{FF2B5EF4-FFF2-40B4-BE49-F238E27FC236}">
+                <a16:creationId xmlns:a16="http://schemas.microsoft.com/office/drawing/2014/main" id="{C9381DD6-4188-0DCB-3F59-6F4A4D3B54F2}"/>
+              </a:ext>
+            </a:extLst>
+          </p:cNvPr>
+          <p:cNvSpPr/>
+          <p:nvPr/>
+        </p:nvSpPr>
+        <p:spPr>
+          <a:xfrm>
+            <a:off x="914397" y="859315"/>
+            <a:ext cx="2115241" cy="1035586"/>
+          </a:xfrm>
+          <a:prstGeom prst="ellipse">
+            <a:avLst/>
+          </a:prstGeom>
+        </p:spPr>
+        <p:style>
+          <a:lnRef idx="2">
+            <a:schemeClr val="accent1">
+              <a:shade val="50000"/>
+            </a:schemeClr>
+          </a:lnRef>
+          <a:fillRef idx="1">
+            <a:schemeClr val="accent1"/>
+          </a:fillRef>
+          <a:effectRef idx="0">
+            <a:schemeClr val="accent1"/>
+          </a:effectRef>
+          <a:fontRef idx="minor">
+            <a:schemeClr val="lt1"/>
+          </a:fontRef>
+        </p:style>
+        <p:txBody>
+          <a:bodyPr rtlCol="0" anchor="ctr"/>
+          <a:lstStyle/>
+          <a:p>
+            <a:pPr algn="ctr"/>
+            <a:r>
+              <a:rPr lang="en-IN" sz="1600" dirty="0">
+                <a:solidFill>
+                  <a:schemeClr val="bg1"/>
+                </a:solidFill>
+                <a:latin typeface="Posterama" panose="020B0504020200020000" pitchFamily="34" charset="0"/>
+                <a:cs typeface="Posterama" panose="020B0504020200020000" pitchFamily="34" charset="0"/>
+              </a:rPr>
+              <a:t>Price</a:t>
+            </a:r>
+            <a:r>
+              <a:rPr lang="en-IN" sz="1600" dirty="0">
+                <a:solidFill>
+                  <a:schemeClr val="accent4">
+                    <a:lumMod val="60000"/>
+                    <a:lumOff val="40000"/>
+                  </a:schemeClr>
+                </a:solidFill>
+                <a:latin typeface="Posterama" panose="020B0504020200020000" pitchFamily="34" charset="0"/>
+                <a:cs typeface="Posterama" panose="020B0504020200020000" pitchFamily="34" charset="0"/>
+              </a:rPr>
+              <a:t> </a:t>
+            </a:r>
+            <a:r>
+              <a:rPr lang="en-IN" sz="1600" dirty="0">
+                <a:solidFill>
+                  <a:schemeClr val="bg1"/>
+                </a:solidFill>
+                <a:latin typeface="Posterama" panose="020B0504020200020000" pitchFamily="34" charset="0"/>
+                <a:cs typeface="Posterama" panose="020B0504020200020000" pitchFamily="34" charset="0"/>
+              </a:rPr>
+              <a:t>prediction</a:t>
+            </a:r>
+            <a:r>
+              <a:rPr lang="en-IN" sz="1600" dirty="0">
+                <a:solidFill>
+                  <a:schemeClr val="accent4">
+                    <a:lumMod val="60000"/>
+                    <a:lumOff val="40000"/>
+                  </a:schemeClr>
+                </a:solidFill>
+                <a:latin typeface="Posterama" panose="020B0504020200020000" pitchFamily="34" charset="0"/>
+                <a:cs typeface="Posterama" panose="020B0504020200020000" pitchFamily="34" charset="0"/>
+              </a:rPr>
+              <a:t> </a:t>
+            </a:r>
+          </a:p>
+          <a:p>
+            <a:pPr algn="ctr"/>
+            <a:endParaRPr lang="en-IN" sz="1600" dirty="0">
+              <a:latin typeface="Posterama" panose="020B0504020200020000" pitchFamily="34" charset="0"/>
+              <a:cs typeface="Posterama" panose="020B0504020200020000" pitchFamily="34" charset="0"/>
+            </a:endParaRPr>
+          </a:p>
+        </p:txBody>
+      </p:sp>
+      <p:sp>
+        <p:nvSpPr>
+          <p:cNvPr id="6" name="Oval 5">
+            <a:extLst>
+              <a:ext uri="{FF2B5EF4-FFF2-40B4-BE49-F238E27FC236}">
+                <a16:creationId xmlns:a16="http://schemas.microsoft.com/office/drawing/2014/main" id="{71D58B5B-5FB8-E783-218F-7D939DD53D40}"/>
+              </a:ext>
+            </a:extLst>
+          </p:cNvPr>
+          <p:cNvSpPr/>
+          <p:nvPr/>
+        </p:nvSpPr>
+        <p:spPr>
+          <a:xfrm>
+            <a:off x="914397" y="2645770"/>
+            <a:ext cx="2115241" cy="1035586"/>
+          </a:xfrm>
+          <a:prstGeom prst="ellipse">
+            <a:avLst/>
+          </a:prstGeom>
+        </p:spPr>
+        <p:style>
+          <a:lnRef idx="2">
+            <a:schemeClr val="accent1">
+              <a:shade val="50000"/>
+            </a:schemeClr>
+          </a:lnRef>
+          <a:fillRef idx="1">
+            <a:schemeClr val="accent1"/>
+          </a:fillRef>
+          <a:effectRef idx="0">
+            <a:schemeClr val="accent1"/>
+          </a:effectRef>
+          <a:fontRef idx="minor">
+            <a:schemeClr val="lt1"/>
+          </a:fontRef>
+        </p:style>
+        <p:txBody>
+          <a:bodyPr rtlCol="0" anchor="ctr"/>
+          <a:lstStyle/>
+          <a:p>
+            <a:pPr algn="ctr"/>
+            <a:r>
+              <a:rPr lang="en-IN" sz="1600" dirty="0">
+                <a:latin typeface="Posterama" panose="020B0504020200020000" pitchFamily="34" charset="0"/>
+                <a:cs typeface="Posterama" panose="020B0504020200020000" pitchFamily="34" charset="0"/>
+              </a:rPr>
+              <a:t>Crop health  Status</a:t>
+            </a:r>
+          </a:p>
+        </p:txBody>
+      </p:sp>
+      <p:sp>
+        <p:nvSpPr>
+          <p:cNvPr id="7" name="Rectangle 6">
+            <a:extLst>
+              <a:ext uri="{FF2B5EF4-FFF2-40B4-BE49-F238E27FC236}">
+                <a16:creationId xmlns:a16="http://schemas.microsoft.com/office/drawing/2014/main" id="{B6017808-3867-3382-5413-E9A6BC0864B0}"/>
+              </a:ext>
+            </a:extLst>
+          </p:cNvPr>
+          <p:cNvSpPr/>
+          <p:nvPr/>
+        </p:nvSpPr>
+        <p:spPr>
+          <a:xfrm>
+            <a:off x="3260992" y="1817783"/>
+            <a:ext cx="1961001" cy="958468"/>
           </a:xfrm>
           <a:prstGeom prst="rect">
             <a:avLst/>
           </a:prstGeom>
         </p:spPr>
+        <p:style>
+          <a:lnRef idx="2">
+            <a:schemeClr val="accent1">
+              <a:shade val="50000"/>
+            </a:schemeClr>
+          </a:lnRef>
+          <a:fillRef idx="1">
+            <a:schemeClr val="accent1"/>
+          </a:fillRef>
+          <a:effectRef idx="0">
+            <a:schemeClr val="accent1"/>
+          </a:effectRef>
+          <a:fontRef idx="minor">
+            <a:schemeClr val="lt1"/>
+          </a:fontRef>
+        </p:style>
         <p:txBody>
-          <a:bodyPr spcFirstLastPara="1" wrap="square" lIns="91425" tIns="91425" rIns="91425" bIns="91425" anchor="b" anchorCtr="0">
-            <a:noAutofit/>
-          </a:bodyPr>
+          <a:bodyPr rtlCol="0" anchor="ctr"/>
           <a:lstStyle/>
           <a:p>
-            <a:pPr marL="0" lvl="0" indent="0" algn="ctr" rtl="0">
-              <a:spcBef>
-                <a:spcPts val="0"/>
-              </a:spcBef>
-              <a:spcAft>
-                <a:spcPts val="0"/>
-              </a:spcAft>
-              <a:buNone/>
-            </a:pPr>
+            <a:pPr algn="ctr"/>
             <a:r>
-              <a:rPr lang="en-IN" sz="3000" dirty="0">
-                <a:latin typeface="Red Hat Display ExtraBold"/>
-                <a:ea typeface="Red Hat Display ExtraBold"/>
-                <a:cs typeface="Red Hat Display ExtraBold"/>
-                <a:sym typeface="Red Hat Display ExtraBold"/>
+              <a:rPr lang="en-IN" sz="1600" dirty="0">
+                <a:solidFill>
+                  <a:srgbClr val="FFC000"/>
+                </a:solidFill>
+                <a:latin typeface="Posterama" panose="020B0504020200020000" pitchFamily="34" charset="0"/>
+                <a:cs typeface="Posterama" panose="020B0504020200020000" pitchFamily="34" charset="0"/>
               </a:rPr>
-              <a:t>Model Description:</a:t>
+              <a:t>SOLUTIONS</a:t>
             </a:r>
-            <a:endParaRPr sz="3000" dirty="0">
-              <a:latin typeface="Red Hat Display ExtraBold"/>
-              <a:ea typeface="Red Hat Display ExtraBold"/>
-              <a:cs typeface="Red Hat Display ExtraBold"/>
-              <a:sym typeface="Red Hat Display ExtraBold"/>
-            </a:endParaRPr>
-          </a:p>
-          <a:p>
-            <a:pPr marL="0" lvl="0" indent="0" algn="ctr" rtl="0">
-              <a:spcBef>
-                <a:spcPts val="0"/>
-              </a:spcBef>
-              <a:spcAft>
-                <a:spcPts val="0"/>
-              </a:spcAft>
-              <a:buNone/>
-            </a:pPr>
-            <a:endParaRPr sz="3000" dirty="0">
-              <a:latin typeface="Red Hat Display ExtraBold"/>
-              <a:ea typeface="Red Hat Display ExtraBold"/>
-              <a:cs typeface="Red Hat Display ExtraBold"/>
-              <a:sym typeface="Red Hat Display ExtraBold"/>
-            </a:endParaRPr>
           </a:p>
         </p:txBody>
       </p:sp>
-      <p:sp>
-        <p:nvSpPr>
-          <p:cNvPr id="3" name="Subtitle 2">
+      <p:cxnSp>
+        <p:nvCxnSpPr>
+          <p:cNvPr id="17" name="Connector: Elbow 16">
             <a:extLst>
               <a:ext uri="{FF2B5EF4-FFF2-40B4-BE49-F238E27FC236}">
-                <a16:creationId xmlns:a16="http://schemas.microsoft.com/office/drawing/2014/main" id="{31EFA1B1-BD60-48F0-5DC3-C2B42E193E15}"/>
+                <a16:creationId xmlns:a16="http://schemas.microsoft.com/office/drawing/2014/main" id="{074A1548-C686-1854-7CDD-24D58176C25F}"/>
               </a:ext>
             </a:extLst>
           </p:cNvPr>
-          <p:cNvSpPr>
-            <a:spLocks noGrp="1"/>
-          </p:cNvSpPr>
-          <p:nvPr>
-            <p:ph type="subTitle" idx="1"/>
-          </p:nvPr>
-        </p:nvSpPr>
+          <p:cNvCxnSpPr>
+            <a:cxnSpLocks/>
+            <a:stCxn id="6" idx="6"/>
+            <a:endCxn id="7" idx="2"/>
+          </p:cNvCxnSpPr>
+          <p:nvPr/>
+        </p:nvCxnSpPr>
         <p:spPr>
-          <a:xfrm>
-            <a:off x="265982" y="947451"/>
-            <a:ext cx="8784652" cy="2148289"/>
+          <a:xfrm flipV="1">
+            <a:off x="3029638" y="2776251"/>
+            <a:ext cx="1211855" cy="387312"/>
           </a:xfrm>
+          <a:prstGeom prst="bentConnector2">
+            <a:avLst/>
+          </a:prstGeom>
+          <a:ln>
+            <a:headEnd type="triangle"/>
+            <a:tailEnd type="triangle"/>
+          </a:ln>
         </p:spPr>
-        <p:txBody>
-          <a:bodyPr>
-            <a:normAutofit fontScale="32500" lnSpcReduction="20000"/>
-          </a:bodyPr>
-          <a:lstStyle/>
-          <a:p>
-            <a:pPr algn="l"/>
-            <a:r>
-              <a:rPr lang="en-IN" sz="4000" b="1" dirty="0"/>
-              <a:t>Soil Classification:</a:t>
-            </a:r>
-          </a:p>
-          <a:p>
-            <a:pPr algn="l"/>
-            <a:r>
-              <a:rPr lang="en-IN" sz="4000" dirty="0"/>
-              <a:t>Based on our research we have found the major soils present in India and developed an</a:t>
-            </a:r>
-          </a:p>
-          <a:p>
-            <a:pPr algn="l"/>
-            <a:r>
-              <a:rPr lang="en-IN" sz="4000" dirty="0"/>
-              <a:t>algorithm to classify the soil based on the image input.</a:t>
-            </a:r>
-          </a:p>
-          <a:p>
-            <a:pPr algn="l"/>
-            <a:r>
-              <a:rPr lang="en-IN" sz="4000" dirty="0"/>
-              <a:t>Major soil classes the algorithm can predict:</a:t>
-            </a:r>
-          </a:p>
-          <a:p>
-            <a:pPr algn="l"/>
-            <a:r>
-              <a:rPr kumimoji="0" lang="en-US" altLang="en-US" sz="4000" b="0" i="0" u="none" strike="noStrike" cap="none" normalizeH="0" baseline="0" dirty="0">
-                <a:ln>
-                  <a:noFill/>
-                </a:ln>
-                <a:solidFill>
-                  <a:schemeClr val="tx1"/>
-                </a:solidFill>
-                <a:effectLst/>
-                <a:latin typeface="+mn-lt"/>
-              </a:rPr>
-              <a:t>"Black Soil“</a:t>
-            </a:r>
-          </a:p>
-          <a:p>
-            <a:pPr algn="l"/>
-            <a:r>
-              <a:rPr kumimoji="0" lang="en-US" altLang="en-US" sz="4000" b="0" i="0" u="none" strike="noStrike" cap="none" normalizeH="0" baseline="0" dirty="0">
-                <a:ln>
-                  <a:noFill/>
-                </a:ln>
-                <a:solidFill>
-                  <a:schemeClr val="tx1"/>
-                </a:solidFill>
-                <a:effectLst/>
-                <a:latin typeface="+mn-lt"/>
-              </a:rPr>
-              <a:t>"Cinder Soil“</a:t>
-            </a:r>
-          </a:p>
-          <a:p>
-            <a:pPr algn="l"/>
-            <a:r>
-              <a:rPr kumimoji="0" lang="en-US" altLang="en-US" sz="4000" b="0" i="0" u="none" strike="noStrike" cap="none" normalizeH="0" baseline="0" dirty="0">
-                <a:ln>
-                  <a:noFill/>
-                </a:ln>
-                <a:solidFill>
-                  <a:schemeClr val="tx1"/>
-                </a:solidFill>
-                <a:effectLst/>
-                <a:latin typeface="+mn-lt"/>
-              </a:rPr>
-              <a:t>"Laterite Soil“</a:t>
-            </a:r>
-          </a:p>
-          <a:p>
-            <a:pPr algn="l"/>
-            <a:r>
-              <a:rPr kumimoji="0" lang="en-US" altLang="en-US" sz="4000" b="0" i="0" u="none" strike="noStrike" cap="none" normalizeH="0" baseline="0" dirty="0">
-                <a:ln>
-                  <a:noFill/>
-                </a:ln>
-                <a:solidFill>
-                  <a:schemeClr val="tx1"/>
-                </a:solidFill>
-                <a:effectLst/>
-                <a:latin typeface="+mn-lt"/>
-              </a:rPr>
-              <a:t>"Peat Soil“</a:t>
-            </a:r>
-          </a:p>
-          <a:p>
-            <a:pPr algn="l"/>
-            <a:r>
-              <a:rPr kumimoji="0" lang="en-US" altLang="en-US" sz="4000" b="0" i="0" u="none" strike="noStrike" cap="none" normalizeH="0" baseline="0" dirty="0">
-                <a:ln>
-                  <a:noFill/>
-                </a:ln>
-                <a:solidFill>
-                  <a:schemeClr val="tx1"/>
-                </a:solidFill>
-                <a:effectLst/>
-                <a:latin typeface="+mn-lt"/>
-              </a:rPr>
-              <a:t>"Yellow Soil" </a:t>
-            </a:r>
-            <a:endParaRPr kumimoji="0" lang="en-US" altLang="en-US" sz="11200" b="0" i="0" u="none" strike="noStrike" cap="none" normalizeH="0" baseline="0" dirty="0">
-              <a:ln>
-                <a:noFill/>
-              </a:ln>
-              <a:solidFill>
-                <a:schemeClr val="tx1"/>
-              </a:solidFill>
-              <a:effectLst/>
-              <a:latin typeface="+mn-lt"/>
-            </a:endParaRPr>
-          </a:p>
-          <a:p>
-            <a:pPr algn="l"/>
-            <a:endParaRPr lang="en-IN" sz="4000" dirty="0"/>
-          </a:p>
-          <a:p>
-            <a:pPr marL="571500" indent="-457200" algn="l">
-              <a:buFont typeface="Arial" panose="020B0604020202020204" pitchFamily="34" charset="0"/>
-              <a:buChar char="•"/>
-            </a:pPr>
-            <a:endParaRPr lang="en-IN" sz="4000" dirty="0"/>
-          </a:p>
-          <a:p>
-            <a:pPr algn="l"/>
-            <a:endParaRPr lang="en-IN" dirty="0"/>
-          </a:p>
-          <a:p>
-            <a:pPr algn="l"/>
-            <a:r>
-              <a:rPr lang="en-IN" dirty="0"/>
-              <a:t>. </a:t>
-            </a:r>
-          </a:p>
-        </p:txBody>
-      </p:sp>
-      <p:sp>
-        <p:nvSpPr>
-          <p:cNvPr id="4" name="TextBox 3">
+        <p:style>
+          <a:lnRef idx="1">
+            <a:schemeClr val="accent1"/>
+          </a:lnRef>
+          <a:fillRef idx="0">
+            <a:schemeClr val="accent1"/>
+          </a:fillRef>
+          <a:effectRef idx="0">
+            <a:schemeClr val="accent1"/>
+          </a:effectRef>
+          <a:fontRef idx="minor">
+            <a:schemeClr val="tx1"/>
+          </a:fontRef>
+        </p:style>
+      </p:cxnSp>
+      <p:cxnSp>
+        <p:nvCxnSpPr>
+          <p:cNvPr id="23" name="Connector: Elbow 22">
             <a:extLst>
               <a:ext uri="{FF2B5EF4-FFF2-40B4-BE49-F238E27FC236}">
-                <a16:creationId xmlns:a16="http://schemas.microsoft.com/office/drawing/2014/main" id="{9BE97123-93DE-54DF-AF5F-B22E29A60096}"/>
+                <a16:creationId xmlns:a16="http://schemas.microsoft.com/office/drawing/2014/main" id="{114514A9-70C1-4085-28F5-5C859702BDDD}"/>
               </a:ext>
             </a:extLst>
           </p:cNvPr>
-          <p:cNvSpPr txBox="1"/>
+          <p:cNvCxnSpPr>
+            <a:cxnSpLocks/>
+            <a:stCxn id="3" idx="4"/>
+            <a:endCxn id="7" idx="3"/>
+          </p:cNvCxnSpPr>
+          <p:nvPr/>
+        </p:nvCxnSpPr>
+        <p:spPr>
+          <a:xfrm rot="5400000">
+            <a:off x="5502190" y="1537587"/>
+            <a:ext cx="479234" cy="1039627"/>
+          </a:xfrm>
+          <a:prstGeom prst="bentConnector2">
+            <a:avLst/>
+          </a:prstGeom>
+          <a:ln>
+            <a:headEnd type="triangle"/>
+            <a:tailEnd type="triangle"/>
+          </a:ln>
+        </p:spPr>
+        <p:style>
+          <a:lnRef idx="1">
+            <a:schemeClr val="accent1"/>
+          </a:lnRef>
+          <a:fillRef idx="0">
+            <a:schemeClr val="accent1"/>
+          </a:fillRef>
+          <a:effectRef idx="0">
+            <a:schemeClr val="accent1"/>
+          </a:effectRef>
+          <a:fontRef idx="minor">
+            <a:schemeClr val="tx1"/>
+          </a:fontRef>
+        </p:style>
+      </p:cxnSp>
+      <p:cxnSp>
+        <p:nvCxnSpPr>
+          <p:cNvPr id="26" name="Connector: Elbow 25">
+            <a:extLst>
+              <a:ext uri="{FF2B5EF4-FFF2-40B4-BE49-F238E27FC236}">
+                <a16:creationId xmlns:a16="http://schemas.microsoft.com/office/drawing/2014/main" id="{E701B0E9-E73B-AEFB-18D9-CFD1CCF08124}"/>
+              </a:ext>
+            </a:extLst>
+          </p:cNvPr>
+          <p:cNvCxnSpPr>
+            <a:cxnSpLocks/>
+            <a:stCxn id="4" idx="0"/>
+            <a:endCxn id="7" idx="3"/>
+          </p:cNvCxnSpPr>
+          <p:nvPr/>
+        </p:nvCxnSpPr>
+        <p:spPr>
+          <a:xfrm rot="16200000" flipV="1">
+            <a:off x="5714138" y="1804872"/>
+            <a:ext cx="348752" cy="1333041"/>
+          </a:xfrm>
+          <a:prstGeom prst="bentConnector2">
+            <a:avLst/>
+          </a:prstGeom>
+          <a:ln>
+            <a:headEnd type="triangle"/>
+            <a:tailEnd type="triangle"/>
+          </a:ln>
+        </p:spPr>
+        <p:style>
+          <a:lnRef idx="1">
+            <a:schemeClr val="accent1"/>
+          </a:lnRef>
+          <a:fillRef idx="0">
+            <a:schemeClr val="accent1"/>
+          </a:fillRef>
+          <a:effectRef idx="0">
+            <a:schemeClr val="accent1"/>
+          </a:effectRef>
+          <a:fontRef idx="minor">
+            <a:schemeClr val="tx1"/>
+          </a:fontRef>
+        </p:style>
+      </p:cxnSp>
+      <p:cxnSp>
+        <p:nvCxnSpPr>
+          <p:cNvPr id="31" name="Connector: Elbow 30">
+            <a:extLst>
+              <a:ext uri="{FF2B5EF4-FFF2-40B4-BE49-F238E27FC236}">
+                <a16:creationId xmlns:a16="http://schemas.microsoft.com/office/drawing/2014/main" id="{65CC9B6F-686E-E83E-7268-6B9637AFF2DC}"/>
+              </a:ext>
+            </a:extLst>
+          </p:cNvPr>
+          <p:cNvCxnSpPr>
+            <a:cxnSpLocks/>
+            <a:stCxn id="5" idx="4"/>
+            <a:endCxn id="7" idx="1"/>
+          </p:cNvCxnSpPr>
+          <p:nvPr/>
+        </p:nvCxnSpPr>
+        <p:spPr>
+          <a:xfrm rot="16200000" flipH="1">
+            <a:off x="2415447" y="1451472"/>
+            <a:ext cx="402116" cy="1288974"/>
+          </a:xfrm>
+          <a:prstGeom prst="bentConnector2">
+            <a:avLst/>
+          </a:prstGeom>
+          <a:ln>
+            <a:headEnd type="triangle"/>
+            <a:tailEnd type="triangle"/>
+          </a:ln>
+        </p:spPr>
+        <p:style>
+          <a:lnRef idx="1">
+            <a:schemeClr val="accent1"/>
+          </a:lnRef>
+          <a:fillRef idx="0">
+            <a:schemeClr val="accent1"/>
+          </a:fillRef>
+          <a:effectRef idx="0">
+            <a:schemeClr val="accent1"/>
+          </a:effectRef>
+          <a:fontRef idx="minor">
+            <a:schemeClr val="tx1"/>
+          </a:fontRef>
+        </p:style>
+      </p:cxnSp>
+      <p:sp>
+        <p:nvSpPr>
+          <p:cNvPr id="40" name="Oval 39">
+            <a:extLst>
+              <a:ext uri="{FF2B5EF4-FFF2-40B4-BE49-F238E27FC236}">
+                <a16:creationId xmlns:a16="http://schemas.microsoft.com/office/drawing/2014/main" id="{74910C25-3A51-97AA-C9DB-F6D534896473}"/>
+              </a:ext>
+            </a:extLst>
+          </p:cNvPr>
+          <p:cNvSpPr/>
           <p:nvPr/>
         </p:nvSpPr>
         <p:spPr>
           <a:xfrm>
-            <a:off x="495300" y="2788920"/>
-            <a:ext cx="3916680" cy="523220"/>
+            <a:off x="3285962" y="3739539"/>
+            <a:ext cx="1911059" cy="980258"/>
           </a:xfrm>
-          <a:prstGeom prst="rect">
+          <a:prstGeom prst="ellipse">
             <a:avLst/>
           </a:prstGeom>
-          <a:noFill/>
         </p:spPr>
+        <p:style>
+          <a:lnRef idx="2">
+            <a:schemeClr val="accent1">
+              <a:shade val="50000"/>
+            </a:schemeClr>
+          </a:lnRef>
+          <a:fillRef idx="1">
+            <a:schemeClr val="accent1"/>
+          </a:fillRef>
+          <a:effectRef idx="0">
+            <a:schemeClr val="accent1"/>
+          </a:effectRef>
+          <a:fontRef idx="minor">
+            <a:schemeClr val="lt1"/>
+          </a:fontRef>
+        </p:style>
         <p:txBody>
-          <a:bodyPr wrap="square" rtlCol="0">
-            <a:spAutoFit/>
-          </a:bodyPr>
+          <a:bodyPr rtlCol="0" anchor="ctr"/>
           <a:lstStyle/>
           <a:p>
+            <a:pPr algn="ctr"/>
             <a:r>
-              <a:rPr lang="en-IN" dirty="0"/>
-              <a:t>Accuracy: 94.8%</a:t>
-            </a:r>
-          </a:p>
-          <a:p>
-            <a:r>
-              <a:rPr lang="en-IN" dirty="0"/>
-              <a:t>Loss: 12.6%</a:t>
+              <a:rPr lang="en-IN" sz="1600" dirty="0">
+                <a:latin typeface="Posterama" panose="020B0504020200020000" pitchFamily="34" charset="0"/>
+                <a:cs typeface="Posterama" panose="020B0504020200020000" pitchFamily="34" charset="0"/>
+              </a:rPr>
+              <a:t>Android App </a:t>
             </a:r>
           </a:p>
         </p:txBody>
       </p:sp>
+      <p:cxnSp>
+        <p:nvCxnSpPr>
+          <p:cNvPr id="42" name="Straight Arrow Connector 41">
+            <a:extLst>
+              <a:ext uri="{FF2B5EF4-FFF2-40B4-BE49-F238E27FC236}">
+                <a16:creationId xmlns:a16="http://schemas.microsoft.com/office/drawing/2014/main" id="{69C81B43-D9FC-A0F5-99F9-2F6CA7770083}"/>
+              </a:ext>
+            </a:extLst>
+          </p:cNvPr>
+          <p:cNvCxnSpPr>
+            <a:stCxn id="7" idx="2"/>
+            <a:endCxn id="40" idx="0"/>
+          </p:cNvCxnSpPr>
+          <p:nvPr/>
+        </p:nvCxnSpPr>
+        <p:spPr>
+          <a:xfrm flipH="1">
+            <a:off x="4241492" y="2776251"/>
+            <a:ext cx="1" cy="963288"/>
+          </a:xfrm>
+          <a:prstGeom prst="straightConnector1">
+            <a:avLst/>
+          </a:prstGeom>
+          <a:ln>
+            <a:headEnd type="triangle"/>
+            <a:tailEnd type="triangle"/>
+          </a:ln>
+        </p:spPr>
+        <p:style>
+          <a:lnRef idx="1">
+            <a:schemeClr val="accent1"/>
+          </a:lnRef>
+          <a:fillRef idx="0">
+            <a:schemeClr val="accent1"/>
+          </a:fillRef>
+          <a:effectRef idx="0">
+            <a:schemeClr val="accent1"/>
+          </a:effectRef>
+          <a:fontRef idx="minor">
+            <a:schemeClr val="tx1"/>
+          </a:fontRef>
+        </p:style>
+      </p:cxnSp>
+      <p:sp>
+        <p:nvSpPr>
+          <p:cNvPr id="48" name="Oval 47">
+            <a:extLst>
+              <a:ext uri="{FF2B5EF4-FFF2-40B4-BE49-F238E27FC236}">
+                <a16:creationId xmlns:a16="http://schemas.microsoft.com/office/drawing/2014/main" id="{49A29106-76E1-715C-4BFE-03728159BED5}"/>
+              </a:ext>
+            </a:extLst>
+          </p:cNvPr>
+          <p:cNvSpPr/>
+          <p:nvPr/>
+        </p:nvSpPr>
+        <p:spPr>
+          <a:xfrm>
+            <a:off x="3288900" y="394885"/>
+            <a:ext cx="1911059" cy="1035586"/>
+          </a:xfrm>
+          <a:prstGeom prst="ellipse">
+            <a:avLst/>
+          </a:prstGeom>
+        </p:spPr>
+        <p:style>
+          <a:lnRef idx="2">
+            <a:schemeClr val="accent1">
+              <a:shade val="50000"/>
+            </a:schemeClr>
+          </a:lnRef>
+          <a:fillRef idx="1">
+            <a:schemeClr val="accent1"/>
+          </a:fillRef>
+          <a:effectRef idx="0">
+            <a:schemeClr val="accent1"/>
+          </a:effectRef>
+          <a:fontRef idx="minor">
+            <a:schemeClr val="lt1"/>
+          </a:fontRef>
+        </p:style>
+        <p:txBody>
+          <a:bodyPr rtlCol="0" anchor="ctr"/>
+          <a:lstStyle/>
+          <a:p>
+            <a:pPr algn="ctr"/>
+            <a:r>
+              <a:rPr lang="en-IN" sz="1600" dirty="0">
+                <a:latin typeface="Posterama" panose="020B0504020200020000" pitchFamily="34" charset="0"/>
+                <a:cs typeface="Posterama" panose="020B0504020200020000" pitchFamily="34" charset="0"/>
+              </a:rPr>
+              <a:t>Weather status</a:t>
+            </a:r>
+          </a:p>
+        </p:txBody>
+      </p:sp>
+      <p:cxnSp>
+        <p:nvCxnSpPr>
+          <p:cNvPr id="52" name="Straight Arrow Connector 51">
+            <a:extLst>
+              <a:ext uri="{FF2B5EF4-FFF2-40B4-BE49-F238E27FC236}">
+                <a16:creationId xmlns:a16="http://schemas.microsoft.com/office/drawing/2014/main" id="{570A2002-3F44-2CED-09B3-2F1D2693497F}"/>
+              </a:ext>
+            </a:extLst>
+          </p:cNvPr>
+          <p:cNvCxnSpPr>
+            <a:stCxn id="48" idx="4"/>
+            <a:endCxn id="7" idx="0"/>
+          </p:cNvCxnSpPr>
+          <p:nvPr/>
+        </p:nvCxnSpPr>
+        <p:spPr>
+          <a:xfrm flipH="1">
+            <a:off x="4241493" y="1430471"/>
+            <a:ext cx="2937" cy="387312"/>
+          </a:xfrm>
+          <a:prstGeom prst="straightConnector1">
+            <a:avLst/>
+          </a:prstGeom>
+          <a:ln>
+            <a:headEnd type="triangle"/>
+            <a:tailEnd type="triangle"/>
+          </a:ln>
+        </p:spPr>
+        <p:style>
+          <a:lnRef idx="1">
+            <a:schemeClr val="accent1"/>
+          </a:lnRef>
+          <a:fillRef idx="0">
+            <a:schemeClr val="accent1"/>
+          </a:fillRef>
+          <a:effectRef idx="0">
+            <a:schemeClr val="accent1"/>
+          </a:effectRef>
+          <a:fontRef idx="minor">
+            <a:schemeClr val="tx1"/>
+          </a:fontRef>
+        </p:style>
+      </p:cxnSp>
     </p:spTree>
     <p:extLst>
       <p:ext uri="{BB962C8B-B14F-4D97-AF65-F5344CB8AC3E}">
-        <p14:creationId xmlns:p14="http://schemas.microsoft.com/office/powerpoint/2010/main" val="2047993809"/>
+        <p14:creationId xmlns:p14="http://schemas.microsoft.com/office/powerpoint/2010/main" val="2373008392"/>
       </p:ext>
     </p:extLst>
   </p:cSld>
@@ -7518,8 +8360,8 @@
         </p:nvSpPr>
         <p:spPr>
           <a:xfrm>
-            <a:off x="-2234866" y="-659364"/>
-            <a:ext cx="8520600" cy="2052600"/>
+            <a:off x="750724" y="391945"/>
+            <a:ext cx="3072129" cy="569082"/>
           </a:xfrm>
           <a:prstGeom prst="rect">
             <a:avLst/>
@@ -7531,7 +8373,7 @@
           </a:bodyPr>
           <a:lstStyle/>
           <a:p>
-            <a:pPr marL="0" lvl="0" indent="0" algn="ctr" rtl="0">
+            <a:pPr marL="0" lvl="0" indent="0" algn="l" rtl="0">
               <a:spcBef>
                 <a:spcPts val="0"/>
               </a:spcBef>
@@ -7541,35 +8383,27 @@
               <a:buNone/>
             </a:pPr>
             <a:r>
-              <a:rPr lang="en-IN" sz="3000" dirty="0">
-                <a:latin typeface="Red Hat Display ExtraBold"/>
+              <a:rPr lang="en-IN" sz="2400" dirty="0">
+                <a:latin typeface="Posterama" panose="020B0504020200020000" pitchFamily="34" charset="0"/>
                 <a:ea typeface="Red Hat Display ExtraBold"/>
-                <a:cs typeface="Red Hat Display ExtraBold"/>
+                <a:cs typeface="Posterama" panose="020B0504020200020000" pitchFamily="34" charset="0"/>
                 <a:sym typeface="Red Hat Display ExtraBold"/>
               </a:rPr>
-              <a:t>Model Description:</a:t>
+              <a:t>Model Description</a:t>
+            </a:r>
+            <a:r>
+              <a:rPr lang="en-IN" sz="3000" dirty="0">
+                <a:latin typeface="Posterama" panose="020B0504020200020000" pitchFamily="34" charset="0"/>
+                <a:ea typeface="Red Hat Display ExtraBold"/>
+                <a:cs typeface="Posterama" panose="020B0504020200020000" pitchFamily="34" charset="0"/>
+                <a:sym typeface="Red Hat Display ExtraBold"/>
+              </a:rPr>
+              <a:t>:</a:t>
             </a:r>
             <a:endParaRPr sz="3000" dirty="0">
-              <a:latin typeface="Red Hat Display ExtraBold"/>
+              <a:latin typeface="Posterama" panose="020B0504020200020000" pitchFamily="34" charset="0"/>
               <a:ea typeface="Red Hat Display ExtraBold"/>
-              <a:cs typeface="Red Hat Display ExtraBold"/>
-              <a:sym typeface="Red Hat Display ExtraBold"/>
-            </a:endParaRPr>
-          </a:p>
-          <a:p>
-            <a:pPr marL="0" lvl="0" indent="0" algn="ctr" rtl="0">
-              <a:spcBef>
-                <a:spcPts val="0"/>
-              </a:spcBef>
-              <a:spcAft>
-                <a:spcPts val="0"/>
-              </a:spcAft>
-              <a:buNone/>
-            </a:pPr>
-            <a:endParaRPr sz="3000" dirty="0">
-              <a:latin typeface="Red Hat Display ExtraBold"/>
-              <a:ea typeface="Red Hat Display ExtraBold"/>
-              <a:cs typeface="Red Hat Display ExtraBold"/>
+              <a:cs typeface="Posterama" panose="020B0504020200020000" pitchFamily="34" charset="0"/>
               <a:sym typeface="Red Hat Display ExtraBold"/>
             </a:endParaRPr>
           </a:p>
@@ -7593,134 +8427,236 @@
         </p:nvSpPr>
         <p:spPr>
           <a:xfrm>
-            <a:off x="243840" y="996936"/>
-            <a:ext cx="8641080" cy="2934984"/>
+            <a:off x="750724" y="961027"/>
+            <a:ext cx="7930568" cy="2960978"/>
           </a:xfrm>
         </p:spPr>
         <p:txBody>
           <a:bodyPr>
-            <a:normAutofit fontScale="85000" lnSpcReduction="20000"/>
+            <a:normAutofit fontScale="25000" lnSpcReduction="20000"/>
           </a:bodyPr>
           <a:lstStyle/>
           <a:p>
-            <a:pPr algn="l"/>
+            <a:pPr algn="l">
+              <a:lnSpc>
+                <a:spcPct val="120000"/>
+              </a:lnSpc>
+            </a:pPr>
             <a:r>
-              <a:rPr lang="en-IN" b="1" dirty="0">
+              <a:rPr lang="en-IN" sz="6400" b="1" u="sng" dirty="0">
                 <a:solidFill>
-                  <a:schemeClr val="accent1">
-                    <a:lumMod val="75000"/>
+                  <a:schemeClr val="tx2">
+                    <a:lumMod val="25000"/>
                   </a:schemeClr>
                 </a:solidFill>
+                <a:latin typeface="Posterama" panose="020B0504020200020000" pitchFamily="34" charset="0"/>
+                <a:cs typeface="Posterama" panose="020B0504020200020000" pitchFamily="34" charset="0"/>
               </a:rPr>
-              <a:t>Crop Recommendation:</a:t>
+              <a:t>Soil Classification:</a:t>
             </a:r>
           </a:p>
           <a:p>
-            <a:pPr algn="l"/>
-            <a:endParaRPr lang="en-IN" dirty="0">
+            <a:pPr algn="l">
+              <a:lnSpc>
+                <a:spcPct val="120000"/>
+              </a:lnSpc>
+            </a:pPr>
+            <a:endParaRPr lang="en-IN" sz="7200" b="1" u="sng" dirty="0">
               <a:solidFill>
-                <a:schemeClr val="accent1">
-                  <a:lumMod val="75000"/>
+                <a:schemeClr val="tx2">
+                  <a:lumMod val="25000"/>
                 </a:schemeClr>
               </a:solidFill>
+              <a:latin typeface="Posterama" panose="020B0504020200020000" pitchFamily="34" charset="0"/>
+              <a:cs typeface="Posterama" panose="020B0504020200020000" pitchFamily="34" charset="0"/>
             </a:endParaRPr>
           </a:p>
           <a:p>
-            <a:pPr algn="l"/>
+            <a:pPr algn="l">
+              <a:lnSpc>
+                <a:spcPct val="120000"/>
+              </a:lnSpc>
+            </a:pPr>
             <a:r>
-              <a:rPr lang="en-IN" dirty="0">
+              <a:rPr lang="en-IN" sz="5600" dirty="0">
                 <a:solidFill>
-                  <a:schemeClr val="accent1">
-                    <a:lumMod val="75000"/>
+                  <a:schemeClr val="tx2">
+                    <a:lumMod val="25000"/>
                   </a:schemeClr>
                 </a:solidFill>
+                <a:latin typeface="Posterama" panose="020B0504020200020000" pitchFamily="34" charset="0"/>
+                <a:cs typeface="Posterama" panose="020B0504020200020000" pitchFamily="34" charset="0"/>
               </a:rPr>
-              <a:t>We have developed an algorithm that can predict the type of</a:t>
+              <a:t>Based on our research, we have found several types soil in India. Hence developed an algorithm using CNN to classify the soil based on the image input.</a:t>
             </a:r>
           </a:p>
           <a:p>
-            <a:pPr algn="l"/>
+            <a:pPr algn="l">
+              <a:lnSpc>
+                <a:spcPct val="120000"/>
+              </a:lnSpc>
+            </a:pPr>
             <a:r>
-              <a:rPr lang="en-IN" dirty="0">
+              <a:rPr lang="en-IN" sz="5600" dirty="0">
                 <a:solidFill>
-                  <a:schemeClr val="accent1">
-                    <a:lumMod val="75000"/>
+                  <a:schemeClr val="tx2">
+                    <a:lumMod val="25000"/>
                   </a:schemeClr>
                 </a:solidFill>
+                <a:latin typeface="Posterama" panose="020B0504020200020000" pitchFamily="34" charset="0"/>
+                <a:cs typeface="Posterama" panose="020B0504020200020000" pitchFamily="34" charset="0"/>
               </a:rPr>
-              <a:t>crop that is best suited based on the soil based on-</a:t>
+              <a:t>Major soil classes the algorithm can predict:</a:t>
             </a:r>
           </a:p>
           <a:p>
-            <a:pPr algn="l"/>
-            <a:endParaRPr lang="en-IN" dirty="0">
+            <a:pPr algn="l">
+              <a:lnSpc>
+                <a:spcPct val="120000"/>
+              </a:lnSpc>
+            </a:pPr>
+            <a:r>
+              <a:rPr kumimoji="0" lang="en-US" altLang="en-US" sz="5600" b="0" i="0" u="none" strike="noStrike" cap="none" normalizeH="0" baseline="0" dirty="0">
+                <a:ln>
+                  <a:noFill/>
+                </a:ln>
+                <a:solidFill>
+                  <a:schemeClr val="tx2">
+                    <a:lumMod val="25000"/>
+                  </a:schemeClr>
+                </a:solidFill>
+                <a:effectLst/>
+                <a:latin typeface="Posterama" panose="020B0504020200020000" pitchFamily="34" charset="0"/>
+                <a:cs typeface="Posterama" panose="020B0504020200020000" pitchFamily="34" charset="0"/>
+              </a:rPr>
+              <a:t>"Black Soil“</a:t>
+            </a:r>
+          </a:p>
+          <a:p>
+            <a:pPr algn="l">
+              <a:lnSpc>
+                <a:spcPct val="120000"/>
+              </a:lnSpc>
+            </a:pPr>
+            <a:r>
+              <a:rPr kumimoji="0" lang="en-US" altLang="en-US" sz="5600" b="0" i="0" u="none" strike="noStrike" cap="none" normalizeH="0" baseline="0" dirty="0">
+                <a:ln>
+                  <a:noFill/>
+                </a:ln>
+                <a:solidFill>
+                  <a:schemeClr val="tx2">
+                    <a:lumMod val="25000"/>
+                  </a:schemeClr>
+                </a:solidFill>
+                <a:effectLst/>
+                <a:latin typeface="Posterama" panose="020B0504020200020000" pitchFamily="34" charset="0"/>
+                <a:cs typeface="Posterama" panose="020B0504020200020000" pitchFamily="34" charset="0"/>
+              </a:rPr>
+              <a:t>"Cinder Soil“</a:t>
+            </a:r>
+          </a:p>
+          <a:p>
+            <a:pPr algn="l">
+              <a:lnSpc>
+                <a:spcPct val="120000"/>
+              </a:lnSpc>
+            </a:pPr>
+            <a:r>
+              <a:rPr kumimoji="0" lang="en-US" altLang="en-US" sz="5600" b="0" i="0" u="none" strike="noStrike" cap="none" normalizeH="0" baseline="0" dirty="0">
+                <a:ln>
+                  <a:noFill/>
+                </a:ln>
+                <a:solidFill>
+                  <a:schemeClr val="tx2">
+                    <a:lumMod val="25000"/>
+                  </a:schemeClr>
+                </a:solidFill>
+                <a:effectLst/>
+                <a:latin typeface="Posterama" panose="020B0504020200020000" pitchFamily="34" charset="0"/>
+                <a:cs typeface="Posterama" panose="020B0504020200020000" pitchFamily="34" charset="0"/>
+              </a:rPr>
+              <a:t>"Laterite Soil“</a:t>
+            </a:r>
+          </a:p>
+          <a:p>
+            <a:pPr algn="l">
+              <a:lnSpc>
+                <a:spcPct val="120000"/>
+              </a:lnSpc>
+            </a:pPr>
+            <a:r>
+              <a:rPr kumimoji="0" lang="en-US" altLang="en-US" sz="5600" b="0" i="0" u="none" strike="noStrike" cap="none" normalizeH="0" baseline="0" dirty="0">
+                <a:ln>
+                  <a:noFill/>
+                </a:ln>
+                <a:solidFill>
+                  <a:schemeClr val="tx2">
+                    <a:lumMod val="25000"/>
+                  </a:schemeClr>
+                </a:solidFill>
+                <a:effectLst/>
+                <a:latin typeface="Posterama" panose="020B0504020200020000" pitchFamily="34" charset="0"/>
+                <a:cs typeface="Posterama" panose="020B0504020200020000" pitchFamily="34" charset="0"/>
+              </a:rPr>
+              <a:t>"Peat Soil“</a:t>
+            </a:r>
+          </a:p>
+          <a:p>
+            <a:pPr algn="l">
+              <a:lnSpc>
+                <a:spcPct val="120000"/>
+              </a:lnSpc>
+            </a:pPr>
+            <a:r>
+              <a:rPr kumimoji="0" lang="en-US" altLang="en-US" sz="5600" b="0" i="0" u="none" strike="noStrike" cap="none" normalizeH="0" baseline="0" dirty="0">
+                <a:ln>
+                  <a:noFill/>
+                </a:ln>
+                <a:solidFill>
+                  <a:schemeClr val="tx2">
+                    <a:lumMod val="25000"/>
+                  </a:schemeClr>
+                </a:solidFill>
+                <a:effectLst/>
+                <a:latin typeface="Posterama" panose="020B0504020200020000" pitchFamily="34" charset="0"/>
+                <a:cs typeface="Posterama" panose="020B0504020200020000" pitchFamily="34" charset="0"/>
+              </a:rPr>
+              <a:t>"Yellow Soil" </a:t>
+            </a:r>
+            <a:endParaRPr kumimoji="0" lang="en-US" altLang="en-US" sz="11200" b="0" i="0" u="none" strike="noStrike" cap="none" normalizeH="0" baseline="0" dirty="0">
+              <a:ln>
+                <a:noFill/>
+              </a:ln>
               <a:solidFill>
-                <a:schemeClr val="accent1">
-                  <a:lumMod val="75000"/>
+                <a:schemeClr val="tx2">
+                  <a:lumMod val="25000"/>
                 </a:schemeClr>
               </a:solidFill>
+              <a:effectLst/>
+              <a:latin typeface="Posterama" panose="020B0504020200020000" pitchFamily="34" charset="0"/>
+              <a:cs typeface="Posterama" panose="020B0504020200020000" pitchFamily="34" charset="0"/>
             </a:endParaRPr>
           </a:p>
           <a:p>
-            <a:pPr marL="114300" indent="0" algn="l"/>
-            <a:r>
-              <a:rPr lang="en-IN" dirty="0">
-                <a:solidFill>
-                  <a:schemeClr val="accent1">
-                    <a:lumMod val="75000"/>
-                  </a:schemeClr>
-                </a:solidFill>
-              </a:rPr>
-              <a:t>1. Nitrogen, Potassium and Phosphorus</a:t>
-            </a:r>
-          </a:p>
-          <a:p>
             <a:pPr algn="l"/>
-            <a:r>
-              <a:rPr lang="en-IN" dirty="0">
-                <a:solidFill>
-                  <a:schemeClr val="accent1">
-                    <a:lumMod val="75000"/>
-                  </a:schemeClr>
-                </a:solidFill>
-              </a:rPr>
-              <a:t>2. Temperature</a:t>
-            </a:r>
-          </a:p>
-          <a:p>
-            <a:pPr algn="l"/>
-            <a:r>
-              <a:rPr lang="en-IN" dirty="0">
-                <a:solidFill>
-                  <a:schemeClr val="accent1">
-                    <a:lumMod val="75000"/>
-                  </a:schemeClr>
-                </a:solidFill>
-              </a:rPr>
-              <a:t>3. Humidity</a:t>
-            </a:r>
-          </a:p>
-          <a:p>
-            <a:pPr algn="l"/>
-            <a:r>
-              <a:rPr lang="en-IN" dirty="0">
-                <a:solidFill>
-                  <a:schemeClr val="accent1">
-                    <a:lumMod val="75000"/>
-                  </a:schemeClr>
-                </a:solidFill>
-              </a:rPr>
-              <a:t>4. Rainfall</a:t>
-            </a:r>
+            <a:endParaRPr lang="en-IN" sz="1400" dirty="0">
+              <a:solidFill>
+                <a:schemeClr val="tx2">
+                  <a:lumMod val="25000"/>
+                </a:schemeClr>
+              </a:solidFill>
+              <a:latin typeface="Posterama" panose="020B0504020200020000" pitchFamily="34" charset="0"/>
+              <a:cs typeface="Posterama" panose="020B0504020200020000" pitchFamily="34" charset="0"/>
+            </a:endParaRPr>
           </a:p>
         </p:txBody>
       </p:sp>
       <p:sp>
         <p:nvSpPr>
-          <p:cNvPr id="2" name="TextBox 1">
+          <p:cNvPr id="4" name="TextBox 3">
             <a:extLst>
               <a:ext uri="{FF2B5EF4-FFF2-40B4-BE49-F238E27FC236}">
-                <a16:creationId xmlns:a16="http://schemas.microsoft.com/office/drawing/2014/main" id="{5F866636-CA5F-680C-E0E3-96825EC15622}"/>
+                <a16:creationId xmlns:a16="http://schemas.microsoft.com/office/drawing/2014/main" id="{9BE97123-93DE-54DF-AF5F-B22E29A60096}"/>
               </a:ext>
             </a:extLst>
           </p:cNvPr>
@@ -7729,8 +8665,8 @@
         </p:nvSpPr>
         <p:spPr>
           <a:xfrm>
-            <a:off x="1005840" y="3931920"/>
-            <a:ext cx="3916680" cy="307777"/>
+            <a:off x="1098713" y="4077893"/>
+            <a:ext cx="3473287" cy="584775"/>
           </a:xfrm>
           <a:prstGeom prst="rect">
             <a:avLst/>
@@ -7744,16 +8680,70 @@
           <a:lstStyle/>
           <a:p>
             <a:r>
-              <a:rPr lang="en-IN" dirty="0"/>
-              <a:t>Accuracy: 96.18%</a:t>
+              <a:rPr lang="en-IN" sz="1600" dirty="0">
+                <a:solidFill>
+                  <a:schemeClr val="tx1">
+                    <a:lumMod val="85000"/>
+                    <a:lumOff val="15000"/>
+                  </a:schemeClr>
+                </a:solidFill>
+                <a:latin typeface="Posterama" panose="020B0504020200020000" pitchFamily="34" charset="0"/>
+                <a:cs typeface="Posterama" panose="020B0504020200020000" pitchFamily="34" charset="0"/>
+              </a:rPr>
+              <a:t>Accuracy: 94.8%</a:t>
+            </a:r>
+          </a:p>
+          <a:p>
+            <a:r>
+              <a:rPr lang="en-IN" sz="1600" dirty="0">
+                <a:solidFill>
+                  <a:schemeClr val="tx1">
+                    <a:lumMod val="85000"/>
+                    <a:lumOff val="15000"/>
+                  </a:schemeClr>
+                </a:solidFill>
+                <a:latin typeface="Posterama" panose="020B0504020200020000" pitchFamily="34" charset="0"/>
+                <a:cs typeface="Posterama" panose="020B0504020200020000" pitchFamily="34" charset="0"/>
+              </a:rPr>
+              <a:t>Loss: 12.6%</a:t>
             </a:r>
           </a:p>
         </p:txBody>
       </p:sp>
+      <p:pic>
+        <p:nvPicPr>
+          <p:cNvPr id="5" name="Picture 4" descr="Graphical user interface&#10;&#10;Description automatically generated with low confidence">
+            <a:extLst>
+              <a:ext uri="{FF2B5EF4-FFF2-40B4-BE49-F238E27FC236}">
+                <a16:creationId xmlns:a16="http://schemas.microsoft.com/office/drawing/2014/main" id="{39314E00-31E4-AA80-2675-777E521218C9}"/>
+              </a:ext>
+            </a:extLst>
+          </p:cNvPr>
+          <p:cNvPicPr>
+            <a:picLocks noChangeAspect="1"/>
+          </p:cNvPicPr>
+          <p:nvPr/>
+        </p:nvPicPr>
+        <p:blipFill>
+          <a:blip r:embed="rId3"/>
+          <a:stretch>
+            <a:fillRect/>
+          </a:stretch>
+        </p:blipFill>
+        <p:spPr>
+          <a:xfrm>
+            <a:off x="4044280" y="2191683"/>
+            <a:ext cx="3799729" cy="2714851"/>
+          </a:xfrm>
+          <a:prstGeom prst="rect">
+            <a:avLst/>
+          </a:prstGeom>
+        </p:spPr>
+      </p:pic>
     </p:spTree>
     <p:extLst>
       <p:ext uri="{BB962C8B-B14F-4D97-AF65-F5344CB8AC3E}">
-        <p14:creationId xmlns:p14="http://schemas.microsoft.com/office/powerpoint/2010/main" val="1242172798"/>
+        <p14:creationId xmlns:p14="http://schemas.microsoft.com/office/powerpoint/2010/main" val="2047993809"/>
       </p:ext>
     </p:extLst>
   </p:cSld>
@@ -7792,8 +8782,8 @@
         </p:nvSpPr>
         <p:spPr>
           <a:xfrm>
-            <a:off x="-2234866" y="-659364"/>
-            <a:ext cx="8520600" cy="2052600"/>
+            <a:off x="444759" y="428962"/>
+            <a:ext cx="3325535" cy="450044"/>
           </a:xfrm>
           <a:prstGeom prst="rect">
             <a:avLst/>
@@ -7805,7 +8795,7 @@
           </a:bodyPr>
           <a:lstStyle/>
           <a:p>
-            <a:pPr marL="0" lvl="0" indent="0" algn="ctr" rtl="0">
+            <a:pPr marL="0" lvl="0" indent="0" algn="l" rtl="0">
               <a:spcBef>
                 <a:spcPts val="0"/>
               </a:spcBef>
@@ -7815,35 +8805,398 @@
               <a:buNone/>
             </a:pPr>
             <a:r>
-              <a:rPr lang="en-IN" sz="3000" dirty="0">
-                <a:latin typeface="Red Hat Display ExtraBold"/>
+              <a:rPr lang="en-IN" sz="2000" dirty="0">
+                <a:latin typeface="Posterama" panose="020B0504020200020000" pitchFamily="34" charset="0"/>
                 <a:ea typeface="Red Hat Display ExtraBold"/>
-                <a:cs typeface="Red Hat Display ExtraBold"/>
+                <a:cs typeface="Posterama" panose="020B0504020200020000" pitchFamily="34" charset="0"/>
                 <a:sym typeface="Red Hat Display ExtraBold"/>
               </a:rPr>
-              <a:t>Model Description:</a:t>
+              <a:t>Model</a:t>
+            </a:r>
+            <a:r>
+              <a:rPr lang="en-IN" sz="3000" dirty="0">
+                <a:latin typeface="Posterama" panose="020B0504020200020000" pitchFamily="34" charset="0"/>
+                <a:ea typeface="Red Hat Display ExtraBold"/>
+                <a:cs typeface="Posterama" panose="020B0504020200020000" pitchFamily="34" charset="0"/>
+                <a:sym typeface="Red Hat Display ExtraBold"/>
+              </a:rPr>
+              <a:t> </a:t>
+            </a:r>
+            <a:r>
+              <a:rPr lang="en-IN" sz="2000" dirty="0">
+                <a:latin typeface="Posterama" panose="020B0504020200020000" pitchFamily="34" charset="0"/>
+                <a:ea typeface="Red Hat Display ExtraBold"/>
+                <a:cs typeface="Posterama" panose="020B0504020200020000" pitchFamily="34" charset="0"/>
+                <a:sym typeface="Red Hat Display ExtraBold"/>
+              </a:rPr>
+              <a:t>Description</a:t>
+            </a:r>
+            <a:r>
+              <a:rPr lang="en-IN" sz="3000" dirty="0">
+                <a:latin typeface="Posterama" panose="020B0504020200020000" pitchFamily="34" charset="0"/>
+                <a:ea typeface="Red Hat Display ExtraBold"/>
+                <a:cs typeface="Posterama" panose="020B0504020200020000" pitchFamily="34" charset="0"/>
+                <a:sym typeface="Red Hat Display ExtraBold"/>
+              </a:rPr>
+              <a:t>:</a:t>
             </a:r>
             <a:endParaRPr sz="3000" dirty="0">
-              <a:latin typeface="Red Hat Display ExtraBold"/>
+              <a:latin typeface="Posterama" panose="020B0504020200020000" pitchFamily="34" charset="0"/>
               <a:ea typeface="Red Hat Display ExtraBold"/>
-              <a:cs typeface="Red Hat Display ExtraBold"/>
+              <a:cs typeface="Posterama" panose="020B0504020200020000" pitchFamily="34" charset="0"/>
               <a:sym typeface="Red Hat Display ExtraBold"/>
             </a:endParaRPr>
           </a:p>
-          <a:p>
-            <a:pPr marL="0" lvl="0" indent="0" algn="ctr" rtl="0">
-              <a:spcBef>
-                <a:spcPts val="0"/>
-              </a:spcBef>
-              <a:spcAft>
-                <a:spcPts val="0"/>
-              </a:spcAft>
-              <a:buNone/>
+        </p:txBody>
+      </p:sp>
+      <p:sp>
+        <p:nvSpPr>
+          <p:cNvPr id="3" name="Subtitle 2">
+            <a:extLst>
+              <a:ext uri="{FF2B5EF4-FFF2-40B4-BE49-F238E27FC236}">
+                <a16:creationId xmlns:a16="http://schemas.microsoft.com/office/drawing/2014/main" id="{31EFA1B1-BD60-48F0-5DC3-C2B42E193E15}"/>
+              </a:ext>
+            </a:extLst>
+          </p:cNvPr>
+          <p:cNvSpPr>
+            <a:spLocks noGrp="1"/>
+          </p:cNvSpPr>
+          <p:nvPr>
+            <p:ph type="subTitle" idx="1"/>
+          </p:nvPr>
+        </p:nvSpPr>
+        <p:spPr>
+          <a:xfrm>
+            <a:off x="290523" y="1145754"/>
+            <a:ext cx="9371270" cy="4185308"/>
+          </a:xfrm>
+        </p:spPr>
+        <p:txBody>
+          <a:bodyPr>
+            <a:normAutofit/>
+          </a:bodyPr>
+          <a:lstStyle/>
+          <a:p>
+            <a:pPr algn="l">
+              <a:lnSpc>
+                <a:spcPct val="150000"/>
+              </a:lnSpc>
             </a:pPr>
+            <a:r>
+              <a:rPr lang="en-IN" sz="2000" b="1" u="sng" dirty="0">
+                <a:solidFill>
+                  <a:schemeClr val="accent2">
+                    <a:lumMod val="75000"/>
+                    <a:lumOff val="25000"/>
+                  </a:schemeClr>
+                </a:solidFill>
+                <a:latin typeface="Posterama" panose="020B0504020200020000" pitchFamily="34" charset="0"/>
+                <a:cs typeface="Posterama" panose="020B0504020200020000" pitchFamily="34" charset="0"/>
+              </a:rPr>
+              <a:t>Crop Recommendation:</a:t>
+            </a:r>
+            <a:endParaRPr lang="en-IN" sz="2000" dirty="0">
+              <a:solidFill>
+                <a:schemeClr val="tx1">
+                  <a:lumMod val="85000"/>
+                  <a:lumOff val="15000"/>
+                </a:schemeClr>
+              </a:solidFill>
+              <a:latin typeface="Posterama" panose="020B0504020200020000" pitchFamily="34" charset="0"/>
+              <a:cs typeface="Posterama" panose="020B0504020200020000" pitchFamily="34" charset="0"/>
+            </a:endParaRPr>
+          </a:p>
+          <a:p>
+            <a:pPr algn="l">
+              <a:lnSpc>
+                <a:spcPct val="150000"/>
+              </a:lnSpc>
+            </a:pPr>
+            <a:r>
+              <a:rPr lang="en-IN" sz="1600" dirty="0">
+                <a:solidFill>
+                  <a:schemeClr val="tx1">
+                    <a:lumMod val="85000"/>
+                    <a:lumOff val="15000"/>
+                  </a:schemeClr>
+                </a:solidFill>
+                <a:latin typeface="Posterama" panose="020B0504020200020000" pitchFamily="34" charset="0"/>
+                <a:cs typeface="Posterama" panose="020B0504020200020000" pitchFamily="34" charset="0"/>
+              </a:rPr>
+              <a:t>We have developed an algorithm using logistic </a:t>
+            </a:r>
+            <a:r>
+              <a:rPr lang="en-IN" sz="1600" dirty="0" err="1">
+                <a:solidFill>
+                  <a:schemeClr val="tx1">
+                    <a:lumMod val="85000"/>
+                    <a:lumOff val="15000"/>
+                  </a:schemeClr>
+                </a:solidFill>
+                <a:latin typeface="Posterama" panose="020B0504020200020000" pitchFamily="34" charset="0"/>
+                <a:cs typeface="Posterama" panose="020B0504020200020000" pitchFamily="34" charset="0"/>
+              </a:rPr>
+              <a:t>regression,which</a:t>
+            </a:r>
+            <a:r>
+              <a:rPr lang="en-IN" sz="1600" dirty="0">
+                <a:solidFill>
+                  <a:schemeClr val="tx1">
+                    <a:lumMod val="85000"/>
+                    <a:lumOff val="15000"/>
+                  </a:schemeClr>
+                </a:solidFill>
+                <a:latin typeface="Posterama" panose="020B0504020200020000" pitchFamily="34" charset="0"/>
+                <a:cs typeface="Posterama" panose="020B0504020200020000" pitchFamily="34" charset="0"/>
+              </a:rPr>
+              <a:t>  can predict the type of</a:t>
+            </a:r>
+          </a:p>
+          <a:p>
+            <a:pPr algn="l">
+              <a:lnSpc>
+                <a:spcPct val="150000"/>
+              </a:lnSpc>
+            </a:pPr>
+            <a:r>
+              <a:rPr lang="en-IN" sz="1600" dirty="0">
+                <a:solidFill>
+                  <a:schemeClr val="tx1">
+                    <a:lumMod val="85000"/>
+                    <a:lumOff val="15000"/>
+                  </a:schemeClr>
+                </a:solidFill>
+                <a:latin typeface="Posterama" panose="020B0504020200020000" pitchFamily="34" charset="0"/>
+                <a:cs typeface="Posterama" panose="020B0504020200020000" pitchFamily="34" charset="0"/>
+              </a:rPr>
+              <a:t>crop which would be best suited based on the soil based on-</a:t>
+            </a:r>
+          </a:p>
+          <a:p>
+            <a:pPr marL="114300" indent="0" algn="l">
+              <a:lnSpc>
+                <a:spcPct val="150000"/>
+              </a:lnSpc>
+            </a:pPr>
+            <a:r>
+              <a:rPr lang="en-IN" sz="1600" dirty="0">
+                <a:solidFill>
+                  <a:schemeClr val="tx1">
+                    <a:lumMod val="85000"/>
+                    <a:lumOff val="15000"/>
+                  </a:schemeClr>
+                </a:solidFill>
+                <a:latin typeface="Posterama" panose="020B0504020200020000" pitchFamily="34" charset="0"/>
+                <a:cs typeface="Posterama" panose="020B0504020200020000" pitchFamily="34" charset="0"/>
+              </a:rPr>
+              <a:t>1. Nitrogen, Potassium and Phosphorus</a:t>
+            </a:r>
+          </a:p>
+          <a:p>
+            <a:pPr algn="l">
+              <a:lnSpc>
+                <a:spcPct val="150000"/>
+              </a:lnSpc>
+            </a:pPr>
+            <a:r>
+              <a:rPr lang="en-IN" sz="1600" dirty="0">
+                <a:solidFill>
+                  <a:schemeClr val="tx1">
+                    <a:lumMod val="85000"/>
+                    <a:lumOff val="15000"/>
+                  </a:schemeClr>
+                </a:solidFill>
+                <a:latin typeface="Posterama" panose="020B0504020200020000" pitchFamily="34" charset="0"/>
+                <a:cs typeface="Posterama" panose="020B0504020200020000" pitchFamily="34" charset="0"/>
+              </a:rPr>
+              <a:t>2. Temperature</a:t>
+            </a:r>
+          </a:p>
+          <a:p>
+            <a:pPr algn="l">
+              <a:lnSpc>
+                <a:spcPct val="150000"/>
+              </a:lnSpc>
+            </a:pPr>
+            <a:r>
+              <a:rPr lang="en-IN" sz="1600" dirty="0">
+                <a:solidFill>
+                  <a:schemeClr val="tx1">
+                    <a:lumMod val="85000"/>
+                    <a:lumOff val="15000"/>
+                  </a:schemeClr>
+                </a:solidFill>
+                <a:latin typeface="Posterama" panose="020B0504020200020000" pitchFamily="34" charset="0"/>
+                <a:cs typeface="Posterama" panose="020B0504020200020000" pitchFamily="34" charset="0"/>
+              </a:rPr>
+              <a:t>3. Humidity</a:t>
+            </a:r>
+          </a:p>
+          <a:p>
+            <a:pPr algn="l">
+              <a:lnSpc>
+                <a:spcPct val="150000"/>
+              </a:lnSpc>
+            </a:pPr>
+            <a:r>
+              <a:rPr lang="en-IN" sz="1600" dirty="0">
+                <a:solidFill>
+                  <a:schemeClr val="tx1">
+                    <a:lumMod val="85000"/>
+                    <a:lumOff val="15000"/>
+                  </a:schemeClr>
+                </a:solidFill>
+                <a:latin typeface="Posterama" panose="020B0504020200020000" pitchFamily="34" charset="0"/>
+                <a:cs typeface="Posterama" panose="020B0504020200020000" pitchFamily="34" charset="0"/>
+              </a:rPr>
+              <a:t>4. Rainfall</a:t>
+            </a:r>
+            <a:endParaRPr lang="en-IN" sz="2000" dirty="0">
+              <a:solidFill>
+                <a:schemeClr val="tx1">
+                  <a:lumMod val="85000"/>
+                  <a:lumOff val="15000"/>
+                </a:schemeClr>
+              </a:solidFill>
+              <a:latin typeface="Posterama" panose="020B0504020200020000" pitchFamily="34" charset="0"/>
+              <a:cs typeface="Posterama" panose="020B0504020200020000" pitchFamily="34" charset="0"/>
+            </a:endParaRPr>
+          </a:p>
+        </p:txBody>
+      </p:sp>
+      <p:sp>
+        <p:nvSpPr>
+          <p:cNvPr id="2" name="TextBox 1">
+            <a:extLst>
+              <a:ext uri="{FF2B5EF4-FFF2-40B4-BE49-F238E27FC236}">
+                <a16:creationId xmlns:a16="http://schemas.microsoft.com/office/drawing/2014/main" id="{5F866636-CA5F-680C-E0E3-96825EC15622}"/>
+              </a:ext>
+            </a:extLst>
+          </p:cNvPr>
+          <p:cNvSpPr txBox="1"/>
+          <p:nvPr/>
+        </p:nvSpPr>
+        <p:spPr>
+          <a:xfrm>
+            <a:off x="2239730" y="4406761"/>
+            <a:ext cx="3916680" cy="369332"/>
+          </a:xfrm>
+          <a:prstGeom prst="rect">
+            <a:avLst/>
+          </a:prstGeom>
+          <a:noFill/>
+        </p:spPr>
+        <p:txBody>
+          <a:bodyPr wrap="square" rtlCol="0">
+            <a:spAutoFit/>
+          </a:bodyPr>
+          <a:lstStyle/>
+          <a:p>
+            <a:r>
+              <a:rPr lang="en-IN" sz="1800" dirty="0">
+                <a:latin typeface="Posterama" panose="020B0504020200020000" pitchFamily="34" charset="0"/>
+                <a:cs typeface="Posterama" panose="020B0504020200020000" pitchFamily="34" charset="0"/>
+              </a:rPr>
+              <a:t>Accuracy of the model: 96.18%</a:t>
+            </a:r>
+          </a:p>
+        </p:txBody>
+      </p:sp>
+    </p:spTree>
+    <p:extLst>
+      <p:ext uri="{BB962C8B-B14F-4D97-AF65-F5344CB8AC3E}">
+        <p14:creationId xmlns:p14="http://schemas.microsoft.com/office/powerpoint/2010/main" val="1242172798"/>
+      </p:ext>
+    </p:extLst>
+  </p:cSld>
+  <p:clrMapOvr>
+    <a:masterClrMapping/>
+  </p:clrMapOvr>
+</p:sld>
+</file>
+
+<file path=ppt/slides/slide7.xml><?xml version="1.0" encoding="utf-8"?>
+<p:sld xmlns:a="http://schemas.openxmlformats.org/drawingml/2006/main" xmlns:r="http://schemas.openxmlformats.org/officeDocument/2006/relationships" xmlns:p="http://schemas.openxmlformats.org/presentationml/2006/main">
+  <p:cSld>
+    <p:spTree>
+      <p:nvGrpSpPr>
+        <p:cNvPr id="1" name="Shape 60"/>
+        <p:cNvGrpSpPr/>
+        <p:nvPr/>
+      </p:nvGrpSpPr>
+      <p:grpSpPr>
+        <a:xfrm>
+          <a:off x="0" y="0"/>
+          <a:ext cx="0" cy="0"/>
+          <a:chOff x="0" y="0"/>
+          <a:chExt cx="0" cy="0"/>
+        </a:xfrm>
+      </p:grpSpPr>
+      <p:sp>
+        <p:nvSpPr>
+          <p:cNvPr id="61" name="Google Shape;61;p14"/>
+          <p:cNvSpPr txBox="1">
+            <a:spLocks noGrp="1"/>
+          </p:cNvSpPr>
+          <p:nvPr>
+            <p:ph type="ctrTitle"/>
+          </p:nvPr>
+        </p:nvSpPr>
+        <p:spPr>
+          <a:xfrm>
+            <a:off x="321048" y="396272"/>
+            <a:ext cx="2719607" cy="452027"/>
+          </a:xfrm>
+          <a:prstGeom prst="rect">
+            <a:avLst/>
+          </a:prstGeom>
+        </p:spPr>
+        <p:txBody>
+          <a:bodyPr spcFirstLastPara="1" wrap="square" lIns="91425" tIns="91425" rIns="91425" bIns="91425" anchor="b" anchorCtr="0">
+            <a:noAutofit/>
+          </a:bodyPr>
+          <a:lstStyle/>
+          <a:p>
+            <a:pPr marL="0" lvl="0" indent="0" algn="l" rtl="0">
+              <a:spcBef>
+                <a:spcPts val="0"/>
+              </a:spcBef>
+              <a:spcAft>
+                <a:spcPts val="0"/>
+              </a:spcAft>
+              <a:buNone/>
+            </a:pPr>
+            <a:r>
+              <a:rPr lang="en-IN" sz="2000" dirty="0">
+                <a:latin typeface="Posterama" panose="020B0504020200020000" pitchFamily="34" charset="0"/>
+                <a:ea typeface="Red Hat Display ExtraBold"/>
+                <a:cs typeface="Posterama" panose="020B0504020200020000" pitchFamily="34" charset="0"/>
+                <a:sym typeface="Red Hat Display ExtraBold"/>
+              </a:rPr>
+              <a:t>Model Description</a:t>
+            </a:r>
+            <a:r>
+              <a:rPr lang="en-IN" sz="3000" dirty="0">
+                <a:latin typeface="Posterama" panose="020B0504020200020000" pitchFamily="34" charset="0"/>
+                <a:ea typeface="Red Hat Display ExtraBold"/>
+                <a:cs typeface="Posterama" panose="020B0504020200020000" pitchFamily="34" charset="0"/>
+                <a:sym typeface="Red Hat Display ExtraBold"/>
+              </a:rPr>
+              <a:t> </a:t>
+            </a:r>
+            <a:r>
+              <a:rPr lang="en-IN" sz="2000" dirty="0">
+                <a:latin typeface="Posterama" panose="020B0504020200020000" pitchFamily="34" charset="0"/>
+                <a:ea typeface="Red Hat Display ExtraBold"/>
+                <a:cs typeface="Posterama" panose="020B0504020200020000" pitchFamily="34" charset="0"/>
+                <a:sym typeface="Red Hat Display ExtraBold"/>
+              </a:rPr>
+              <a:t>:</a:t>
+            </a:r>
             <a:endParaRPr sz="3000" dirty="0">
-              <a:latin typeface="Red Hat Display ExtraBold"/>
+              <a:latin typeface="Posterama" panose="020B0504020200020000" pitchFamily="34" charset="0"/>
               <a:ea typeface="Red Hat Display ExtraBold"/>
-              <a:cs typeface="Red Hat Display ExtraBold"/>
+              <a:cs typeface="Posterama" panose="020B0504020200020000" pitchFamily="34" charset="0"/>
               <a:sym typeface="Red Hat Display ExtraBold"/>
             </a:endParaRPr>
           </a:p>
@@ -7867,20 +9220,24 @@
         </p:nvSpPr>
         <p:spPr>
           <a:xfrm>
-            <a:off x="129540" y="990084"/>
-            <a:ext cx="8161740" cy="2179835"/>
+            <a:off x="129539" y="947452"/>
+            <a:ext cx="9510220" cy="1090668"/>
           </a:xfrm>
         </p:spPr>
         <p:txBody>
-          <a:bodyPr/>
+          <a:bodyPr>
+            <a:normAutofit fontScale="92500" lnSpcReduction="10000"/>
+          </a:bodyPr>
           <a:lstStyle/>
           <a:p>
             <a:pPr algn="l"/>
             <a:r>
-              <a:rPr lang="en-IN" sz="1800" dirty="0">
+              <a:rPr lang="en-IN" sz="1800" b="1" u="sng" dirty="0">
                 <a:solidFill>
-                  <a:srgbClr val="002060"/>
+                  <a:srgbClr val="00B050"/>
                 </a:solidFill>
+                <a:latin typeface="Posterama" panose="020B0504020200020000" pitchFamily="34" charset="0"/>
+                <a:cs typeface="Posterama" panose="020B0504020200020000" pitchFamily="34" charset="0"/>
               </a:rPr>
               <a:t>Plant Status:</a:t>
             </a:r>
@@ -7889,8 +9246,13 @@
             <a:pPr algn="l"/>
             <a:endParaRPr lang="en-IN" sz="1800" dirty="0">
               <a:solidFill>
-                <a:srgbClr val="002060"/>
+                <a:schemeClr val="accent2">
+                  <a:lumMod val="75000"/>
+                  <a:lumOff val="25000"/>
+                </a:schemeClr>
               </a:solidFill>
+              <a:latin typeface="Posterama" panose="020B0504020200020000" pitchFamily="34" charset="0"/>
+              <a:cs typeface="Posterama" panose="020B0504020200020000" pitchFamily="34" charset="0"/>
             </a:endParaRPr>
           </a:p>
           <a:p>
@@ -7898,10 +9260,15 @@
             <a:r>
               <a:rPr lang="en-IN" sz="1600" dirty="0">
                 <a:solidFill>
-                  <a:srgbClr val="002060"/>
+                  <a:schemeClr val="accent2">
+                    <a:lumMod val="75000"/>
+                    <a:lumOff val="25000"/>
+                  </a:schemeClr>
                 </a:solidFill>
+                <a:latin typeface="Posterama" panose="020B0504020200020000" pitchFamily="34" charset="0"/>
+                <a:cs typeface="Posterama" panose="020B0504020200020000" pitchFamily="34" charset="0"/>
               </a:rPr>
-              <a:t>By observing the photo of a leaf, the algorithm developed by us can detect whether a</a:t>
+              <a:t>By observing the photo of a leaf, the algorithm developed by us using CNN, can detect whether a</a:t>
             </a:r>
           </a:p>
           <a:p>
@@ -7909,8 +9276,13 @@
             <a:r>
               <a:rPr lang="en-IN" sz="1600" dirty="0">
                 <a:solidFill>
-                  <a:srgbClr val="002060"/>
+                  <a:schemeClr val="accent2">
+                    <a:lumMod val="75000"/>
+                    <a:lumOff val="25000"/>
+                  </a:schemeClr>
                 </a:solidFill>
+                <a:latin typeface="Posterama" panose="020B0504020200020000" pitchFamily="34" charset="0"/>
+                <a:cs typeface="Posterama" panose="020B0504020200020000" pitchFamily="34" charset="0"/>
               </a:rPr>
               <a:t>plant is healthy or not and what type of disease does it have.</a:t>
             </a:r>
@@ -7919,8 +9291,13 @@
             <a:pPr algn="l"/>
             <a:endParaRPr lang="en-IN" sz="1600" dirty="0">
               <a:solidFill>
-                <a:srgbClr val="002060"/>
+                <a:schemeClr val="accent2">
+                  <a:lumMod val="75000"/>
+                  <a:lumOff val="25000"/>
+                </a:schemeClr>
               </a:solidFill>
+              <a:latin typeface="Posterama" panose="020B0504020200020000" pitchFamily="34" charset="0"/>
+              <a:cs typeface="Posterama" panose="020B0504020200020000" pitchFamily="34" charset="0"/>
             </a:endParaRPr>
           </a:p>
         </p:txBody>
@@ -7954,13 +9331,31 @@
           <a:lstStyle/>
           <a:p>
             <a:r>
-              <a:rPr lang="en-IN" dirty="0"/>
+              <a:rPr lang="en-IN" dirty="0">
+                <a:solidFill>
+                  <a:schemeClr val="accent2">
+                    <a:lumMod val="75000"/>
+                    <a:lumOff val="25000"/>
+                  </a:schemeClr>
+                </a:solidFill>
+                <a:latin typeface="Posterama" panose="020B0504020200020000" pitchFamily="34" charset="0"/>
+                <a:cs typeface="Posterama" panose="020B0504020200020000" pitchFamily="34" charset="0"/>
+              </a:rPr>
               <a:t>Accuracy: 97.4%</a:t>
             </a:r>
           </a:p>
           <a:p>
             <a:r>
-              <a:rPr lang="en-IN" dirty="0"/>
+              <a:rPr lang="en-IN" dirty="0">
+                <a:solidFill>
+                  <a:schemeClr val="accent2">
+                    <a:lumMod val="75000"/>
+                    <a:lumOff val="25000"/>
+                  </a:schemeClr>
+                </a:solidFill>
+                <a:latin typeface="Posterama" panose="020B0504020200020000" pitchFamily="34" charset="0"/>
+                <a:cs typeface="Posterama" panose="020B0504020200020000" pitchFamily="34" charset="0"/>
+              </a:rPr>
               <a:t>Loss: 12.2%</a:t>
             </a:r>
           </a:p>
@@ -8013,8 +9408,8 @@
         </p:nvSpPr>
         <p:spPr>
           <a:xfrm>
-            <a:off x="2220356" y="4297527"/>
-            <a:ext cx="1426227" cy="261610"/>
+            <a:off x="2212505" y="4256704"/>
+            <a:ext cx="1426227" cy="246221"/>
           </a:xfrm>
           <a:prstGeom prst="rect">
             <a:avLst/>
@@ -8028,10 +9423,12 @@
           <a:lstStyle/>
           <a:p>
             <a:r>
-              <a:rPr lang="en-IN" sz="1050" dirty="0">
+              <a:rPr lang="en-IN" sz="1000" dirty="0">
                 <a:solidFill>
                   <a:schemeClr val="bg1"/>
                 </a:solidFill>
+                <a:latin typeface="Posterama" panose="020B0504020200020000" pitchFamily="34" charset="0"/>
+                <a:cs typeface="Posterama" panose="020B0504020200020000" pitchFamily="34" charset="0"/>
               </a:rPr>
               <a:t>Leaf with curl virus</a:t>
             </a:r>
@@ -8051,7 +9448,7 @@
 </p:sld>
 </file>
 
-<file path=ppt/slides/slide7.xml><?xml version="1.0" encoding="utf-8"?>
+<file path=ppt/slides/slide8.xml><?xml version="1.0" encoding="utf-8"?>
 <p:sld xmlns:a="http://schemas.openxmlformats.org/drawingml/2006/main" xmlns:r="http://schemas.openxmlformats.org/officeDocument/2006/relationships" xmlns:p="http://schemas.openxmlformats.org/presentationml/2006/main">
   <p:cSld>
     <p:spTree>
@@ -8086,32 +9483,34 @@
         </p:nvSpPr>
         <p:spPr>
           <a:xfrm>
-            <a:off x="642206" y="506874"/>
+            <a:off x="561744" y="536382"/>
             <a:ext cx="5998800" cy="605100"/>
           </a:xfrm>
         </p:spPr>
         <p:txBody>
           <a:bodyPr>
-            <a:normAutofit/>
+            <a:noAutofit/>
           </a:bodyPr>
           <a:lstStyle/>
           <a:p>
             <a:r>
-              <a:rPr lang="en-IN" sz="2400" dirty="0">
+              <a:rPr lang="en-IN" sz="2800" dirty="0">
                 <a:solidFill>
                   <a:schemeClr val="tx1"/>
                 </a:solidFill>
-                <a:latin typeface="Red Hat Display ExtraBold"/>
+                <a:latin typeface="Posterama" panose="020B0504020200020000" pitchFamily="34" charset="0"/>
                 <a:ea typeface="Red Hat Display ExtraBold"/>
-                <a:cs typeface="Red Hat Display ExtraBold"/>
+                <a:cs typeface="Posterama" panose="020B0504020200020000" pitchFamily="34" charset="0"/>
                 <a:sym typeface="Red Hat Display ExtraBold"/>
               </a:rPr>
               <a:t>Model Description:</a:t>
             </a:r>
-            <a:endParaRPr lang="en-IN" sz="2400" dirty="0">
+            <a:endParaRPr lang="en-IN" sz="2800" dirty="0">
               <a:solidFill>
                 <a:schemeClr val="tx1"/>
               </a:solidFill>
+              <a:latin typeface="Posterama" panose="020B0504020200020000" pitchFamily="34" charset="0"/>
+              <a:cs typeface="Posterama" panose="020B0504020200020000" pitchFamily="34" charset="0"/>
             </a:endParaRPr>
           </a:p>
         </p:txBody>
@@ -8130,8 +9529,8 @@
         </p:nvSpPr>
         <p:spPr>
           <a:xfrm>
-            <a:off x="892366" y="1322024"/>
-            <a:ext cx="7678757" cy="954107"/>
+            <a:off x="732621" y="1347636"/>
+            <a:ext cx="7678757" cy="1346010"/>
           </a:xfrm>
           <a:prstGeom prst="rect">
             <a:avLst/>
@@ -8144,18 +9543,52 @@
           </a:bodyPr>
           <a:lstStyle/>
           <a:p>
+            <a:pPr>
+              <a:lnSpc>
+                <a:spcPct val="150000"/>
+              </a:lnSpc>
+            </a:pPr>
             <a:r>
-              <a:rPr lang="en-IN" dirty="0"/>
+              <a:rPr lang="en-IN" sz="2400" b="1" u="sng" dirty="0">
+                <a:solidFill>
+                  <a:schemeClr val="accent5">
+                    <a:lumMod val="75000"/>
+                  </a:schemeClr>
+                </a:solidFill>
+                <a:latin typeface="Posterama" panose="020B0504020200020000" pitchFamily="34" charset="0"/>
+                <a:cs typeface="Posterama" panose="020B0504020200020000" pitchFamily="34" charset="0"/>
+              </a:rPr>
               <a:t>Price prediction :</a:t>
             </a:r>
-          </a:p>
-          <a:p>
-            <a:endParaRPr lang="en-IN" dirty="0"/>
-          </a:p>
-          <a:p>
+            <a:endParaRPr lang="en-IN" sz="1600" b="1" u="sng" dirty="0">
+              <a:solidFill>
+                <a:schemeClr val="accent2">
+                  <a:lumMod val="75000"/>
+                  <a:lumOff val="25000"/>
+                </a:schemeClr>
+              </a:solidFill>
+              <a:latin typeface="Posterama" panose="020B0504020200020000" pitchFamily="34" charset="0"/>
+              <a:cs typeface="Posterama" panose="020B0504020200020000" pitchFamily="34" charset="0"/>
+            </a:endParaRPr>
+          </a:p>
+          <a:p>
+            <a:pPr>
+              <a:lnSpc>
+                <a:spcPct val="150000"/>
+              </a:lnSpc>
+            </a:pPr>
             <a:r>
-              <a:rPr lang="en-IN" dirty="0"/>
-              <a:t>The algorithm we developed can help in predicting the future prices of the plant or crop that is given as an input. </a:t>
+              <a:rPr lang="en-IN" sz="1600" dirty="0">
+                <a:solidFill>
+                  <a:schemeClr val="accent2">
+                    <a:lumMod val="75000"/>
+                    <a:lumOff val="25000"/>
+                  </a:schemeClr>
+                </a:solidFill>
+                <a:latin typeface="Posterama" panose="020B0504020200020000" pitchFamily="34" charset="0"/>
+                <a:cs typeface="Posterama" panose="020B0504020200020000" pitchFamily="34" charset="0"/>
+              </a:rPr>
+              <a:t>The algorithm we developed using linear regression can help us in predicting the future prices of the plant or crop.</a:t>
             </a:r>
           </a:p>
         </p:txBody>
@@ -8182,7 +9615,7 @@
         </p:blipFill>
         <p:spPr>
           <a:xfrm>
-            <a:off x="4594034" y="2276131"/>
+            <a:off x="4572000" y="2365045"/>
             <a:ext cx="3977089" cy="2453434"/>
           </a:xfrm>
           <a:prstGeom prst="rect">
@@ -8204,8 +9637,8 @@
         </p:nvSpPr>
         <p:spPr>
           <a:xfrm>
-            <a:off x="1057619" y="2710149"/>
-            <a:ext cx="3117774" cy="307777"/>
+            <a:off x="892366" y="3111161"/>
+            <a:ext cx="3294044" cy="338554"/>
           </a:xfrm>
           <a:prstGeom prst="rect">
             <a:avLst/>
@@ -8219,7 +9652,16 @@
           <a:lstStyle/>
           <a:p>
             <a:r>
-              <a:rPr lang="en-IN" dirty="0"/>
+              <a:rPr lang="en-IN" sz="1600" dirty="0">
+                <a:solidFill>
+                  <a:schemeClr val="accent2">
+                    <a:lumMod val="75000"/>
+                    <a:lumOff val="25000"/>
+                  </a:schemeClr>
+                </a:solidFill>
+                <a:latin typeface="Posterama" panose="020B0504020200020000" pitchFamily="34" charset="0"/>
+                <a:cs typeface="Posterama" panose="020B0504020200020000" pitchFamily="34" charset="0"/>
+              </a:rPr>
               <a:t>Accuracy – 99.4%</a:t>
             </a:r>
           </a:p>
@@ -8238,7 +9680,7 @@
 </p:sld>
 </file>
 
-<file path=ppt/slides/slide8.xml><?xml version="1.0" encoding="utf-8"?>
+<file path=ppt/slides/slide9.xml><?xml version="1.0" encoding="utf-8"?>
 <p:sld xmlns:a="http://schemas.openxmlformats.org/drawingml/2006/main" xmlns:r="http://schemas.openxmlformats.org/officeDocument/2006/relationships" xmlns:p="http://schemas.openxmlformats.org/presentationml/2006/main">
   <p:cSld>
     <p:spTree>
@@ -8279,15 +9721,17 @@
         </p:spPr>
         <p:txBody>
           <a:bodyPr>
-            <a:normAutofit/>
+            <a:noAutofit/>
           </a:bodyPr>
           <a:lstStyle/>
           <a:p>
             <a:r>
-              <a:rPr lang="en-IN" sz="2400" dirty="0">
+              <a:rPr lang="en-IN" sz="3200" dirty="0">
                 <a:solidFill>
                   <a:schemeClr val="tx1"/>
                 </a:solidFill>
+                <a:latin typeface="Posterama" panose="020B0504020200020000" pitchFamily="34" charset="0"/>
+                <a:cs typeface="Posterama" panose="020B0504020200020000" pitchFamily="34" charset="0"/>
               </a:rPr>
               <a:t>Android studio to the rescue!!</a:t>
             </a:r>
@@ -8309,7 +9753,7 @@
         <p:spPr>
           <a:xfrm>
             <a:off x="625589" y="1031857"/>
-            <a:ext cx="7414352" cy="523220"/>
+            <a:ext cx="7414352" cy="646331"/>
           </a:xfrm>
           <a:prstGeom prst="rect">
             <a:avLst/>
@@ -8323,12 +9767,24 @@
           <a:lstStyle/>
           <a:p>
             <a:r>
-              <a:rPr lang="en-IN" dirty="0"/>
+              <a:rPr lang="en-IN" sz="1800" dirty="0">
+                <a:solidFill>
+                  <a:schemeClr val="tx1"/>
+                </a:solidFill>
+                <a:latin typeface="Posterama" panose="020B0504020200020000" pitchFamily="34" charset="0"/>
+                <a:cs typeface="Posterama" panose="020B0504020200020000" pitchFamily="34" charset="0"/>
+              </a:rPr>
               <a:t>Prototype of the app</a:t>
             </a:r>
           </a:p>
           <a:p>
-            <a:endParaRPr lang="en-IN" dirty="0"/>
+            <a:endParaRPr lang="en-IN" sz="1800" dirty="0">
+              <a:solidFill>
+                <a:schemeClr val="tx1"/>
+              </a:solidFill>
+              <a:latin typeface="Posterama" panose="020B0504020200020000" pitchFamily="34" charset="0"/>
+              <a:cs typeface="Posterama" panose="020B0504020200020000" pitchFamily="34" charset="0"/>
+            </a:endParaRPr>
           </a:p>
         </p:txBody>
       </p:sp>
@@ -8354,48 +9810,8 @@
         </p:blipFill>
         <p:spPr>
           <a:xfrm>
-            <a:off x="1104059" y="1555077"/>
-            <a:ext cx="1645673" cy="3194343"/>
-          </a:xfrm>
-          <a:prstGeom prst="rect">
-            <a:avLst/>
-          </a:prstGeom>
-          <a:ln>
-            <a:noFill/>
-          </a:ln>
-          <a:effectLst>
-            <a:outerShdw blurRad="292100" dist="139700" dir="2700000" algn="tl" rotWithShape="0">
-              <a:srgbClr val="333333">
-                <a:alpha val="65000"/>
-              </a:srgbClr>
-            </a:outerShdw>
-          </a:effectLst>
-        </p:spPr>
-      </p:pic>
-      <p:pic>
-        <p:nvPicPr>
-          <p:cNvPr id="11" name="Picture 10" descr="A picture containing application&#10;&#10;Description automatically generated">
-            <a:extLst>
-              <a:ext uri="{FF2B5EF4-FFF2-40B4-BE49-F238E27FC236}">
-                <a16:creationId xmlns:a16="http://schemas.microsoft.com/office/drawing/2014/main" id="{53740B23-43E7-2BF1-D237-83E0F14FAD30}"/>
-              </a:ext>
-            </a:extLst>
-          </p:cNvPr>
-          <p:cNvPicPr>
-            <a:picLocks noChangeAspect="1"/>
-          </p:cNvPicPr>
-          <p:nvPr/>
-        </p:nvPicPr>
-        <p:blipFill>
-          <a:blip r:embed="rId3"/>
-          <a:stretch>
-            <a:fillRect/>
-          </a:stretch>
-        </p:blipFill>
-        <p:spPr>
-          <a:xfrm>
-            <a:off x="5932644" y="1555077"/>
-            <a:ext cx="1645673" cy="3158667"/>
+            <a:off x="1084251" y="1555077"/>
+            <a:ext cx="1665481" cy="3194343"/>
           </a:xfrm>
           <a:prstGeom prst="rect">
             <a:avLst/>
@@ -8427,7 +9843,7 @@
           <p:nvPr/>
         </p:nvPicPr>
         <p:blipFill>
-          <a:blip r:embed="rId4"/>
+          <a:blip r:embed="rId3"/>
           <a:stretch>
             <a:fillRect/>
           </a:stretch>
@@ -8465,7 +9881,7 @@
           <p:nvPr/>
         </p:nvSpPr>
         <p:spPr>
-          <a:xfrm flipV="1">
+          <a:xfrm rot="10800000" flipV="1">
             <a:off x="4037168" y="2617466"/>
             <a:ext cx="689068" cy="215445"/>
           </a:xfrm>
@@ -8494,283 +9910,154 @@
           <a:lstStyle/>
           <a:p>
             <a:pPr algn="ctr"/>
-            <a:endParaRPr lang="en-IN"/>
+            <a:r>
+              <a:rPr lang="en-IN" sz="600" dirty="0">
+                <a:solidFill>
+                  <a:schemeClr val="tx1"/>
+                </a:solidFill>
+                <a:cs typeface="Posterama" panose="020B0504020200020000" pitchFamily="34" charset="0"/>
+              </a:rPr>
+              <a:t>Load image</a:t>
+            </a:r>
           </a:p>
         </p:txBody>
       </p:sp>
       <p:sp>
         <p:nvSpPr>
-          <p:cNvPr id="16" name="TextBox 15">
+          <p:cNvPr id="4" name="Arrow: Notched Right 3">
             <a:extLst>
               <a:ext uri="{FF2B5EF4-FFF2-40B4-BE49-F238E27FC236}">
-                <a16:creationId xmlns:a16="http://schemas.microsoft.com/office/drawing/2014/main" id="{62D6FA21-5B9F-4A42-B256-EFCBD63B7AA6}"/>
+                <a16:creationId xmlns:a16="http://schemas.microsoft.com/office/drawing/2014/main" id="{88130BCA-5938-A34E-1AE6-AE86540506DF}"/>
               </a:ext>
             </a:extLst>
           </p:cNvPr>
-          <p:cNvSpPr txBox="1"/>
+          <p:cNvSpPr/>
           <p:nvPr/>
         </p:nvSpPr>
         <p:spPr>
           <a:xfrm>
-            <a:off x="4009165" y="2617466"/>
-            <a:ext cx="937426" cy="215444"/>
+            <a:off x="2936760" y="3040655"/>
+            <a:ext cx="506776" cy="286439"/>
+          </a:xfrm>
+          <a:prstGeom prst="notchedRightArrow">
+            <a:avLst/>
+          </a:prstGeom>
+        </p:spPr>
+        <p:style>
+          <a:lnRef idx="2">
+            <a:schemeClr val="accent1">
+              <a:shade val="50000"/>
+            </a:schemeClr>
+          </a:lnRef>
+          <a:fillRef idx="1">
+            <a:schemeClr val="accent1"/>
+          </a:fillRef>
+          <a:effectRef idx="0">
+            <a:schemeClr val="accent1"/>
+          </a:effectRef>
+          <a:fontRef idx="minor">
+            <a:schemeClr val="lt1"/>
+          </a:fontRef>
+        </p:style>
+        <p:txBody>
+          <a:bodyPr rtlCol="0" anchor="ctr"/>
+          <a:lstStyle/>
+          <a:p>
+            <a:pPr algn="ctr"/>
+            <a:endParaRPr lang="en-IN"/>
+          </a:p>
+        </p:txBody>
+      </p:sp>
+      <p:sp>
+        <p:nvSpPr>
+          <p:cNvPr id="5" name="Arrow: Notched Right 4">
+            <a:extLst>
+              <a:ext uri="{FF2B5EF4-FFF2-40B4-BE49-F238E27FC236}">
+                <a16:creationId xmlns:a16="http://schemas.microsoft.com/office/drawing/2014/main" id="{B96E8E05-8FFD-5293-378C-F35AE8D78FB5}"/>
+              </a:ext>
+            </a:extLst>
+          </p:cNvPr>
+          <p:cNvSpPr/>
+          <p:nvPr/>
+        </p:nvSpPr>
+        <p:spPr>
+          <a:xfrm>
+            <a:off x="5321147" y="3040655"/>
+            <a:ext cx="506776" cy="286439"/>
+          </a:xfrm>
+          <a:prstGeom prst="notchedRightArrow">
+            <a:avLst/>
+          </a:prstGeom>
+        </p:spPr>
+        <p:style>
+          <a:lnRef idx="2">
+            <a:schemeClr val="accent1">
+              <a:shade val="50000"/>
+            </a:schemeClr>
+          </a:lnRef>
+          <a:fillRef idx="1">
+            <a:schemeClr val="accent1"/>
+          </a:fillRef>
+          <a:effectRef idx="0">
+            <a:schemeClr val="accent1"/>
+          </a:effectRef>
+          <a:fontRef idx="minor">
+            <a:schemeClr val="lt1"/>
+          </a:fontRef>
+        </p:style>
+        <p:txBody>
+          <a:bodyPr rtlCol="0" anchor="ctr"/>
+          <a:lstStyle/>
+          <a:p>
+            <a:pPr algn="ctr"/>
+            <a:endParaRPr lang="en-IN"/>
+          </a:p>
+        </p:txBody>
+      </p:sp>
+      <p:pic>
+        <p:nvPicPr>
+          <p:cNvPr id="7" name="Picture 6" descr="A picture containing graphical user interface&#10;&#10;Description automatically generated">
+            <a:extLst>
+              <a:ext uri="{FF2B5EF4-FFF2-40B4-BE49-F238E27FC236}">
+                <a16:creationId xmlns:a16="http://schemas.microsoft.com/office/drawing/2014/main" id="{E650F733-1AF8-9720-AE12-CFB4E842D992}"/>
+              </a:ext>
+            </a:extLst>
+          </p:cNvPr>
+          <p:cNvPicPr>
+            <a:picLocks noChangeAspect="1"/>
+          </p:cNvPicPr>
+          <p:nvPr/>
+        </p:nvPicPr>
+        <p:blipFill>
+          <a:blip r:embed="rId4"/>
+          <a:stretch>
+            <a:fillRect/>
+          </a:stretch>
+        </p:blipFill>
+        <p:spPr>
+          <a:xfrm>
+            <a:off x="6018647" y="1555077"/>
+            <a:ext cx="1665481" cy="3169225"/>
           </a:xfrm>
           <a:prstGeom prst="rect">
             <a:avLst/>
           </a:prstGeom>
-          <a:noFill/>
+          <a:ln>
+            <a:noFill/>
+          </a:ln>
+          <a:effectLst>
+            <a:outerShdw blurRad="292100" dist="139700" dir="2700000" algn="tl" rotWithShape="0">
+              <a:srgbClr val="333333">
+                <a:alpha val="65000"/>
+              </a:srgbClr>
+            </a:outerShdw>
+          </a:effectLst>
         </p:spPr>
-        <p:txBody>
-          <a:bodyPr wrap="square" rtlCol="0">
-            <a:spAutoFit/>
-          </a:bodyPr>
-          <a:lstStyle/>
-          <a:p>
-            <a:r>
-              <a:rPr lang="en-IN" sz="800" dirty="0"/>
-              <a:t>Load image</a:t>
-            </a:r>
-          </a:p>
-        </p:txBody>
-      </p:sp>
+      </p:pic>
     </p:spTree>
     <p:extLst>
       <p:ext uri="{BB962C8B-B14F-4D97-AF65-F5344CB8AC3E}">
         <p14:creationId xmlns:p14="http://schemas.microsoft.com/office/powerpoint/2010/main" val="2090193573"/>
-      </p:ext>
-    </p:extLst>
-  </p:cSld>
-  <p:clrMapOvr>
-    <a:masterClrMapping/>
-  </p:clrMapOvr>
-</p:sld>
-</file>
-
-<file path=ppt/slides/slide9.xml><?xml version="1.0" encoding="utf-8"?>
-<p:sld xmlns:a="http://schemas.openxmlformats.org/drawingml/2006/main" xmlns:r="http://schemas.openxmlformats.org/officeDocument/2006/relationships" xmlns:p="http://schemas.openxmlformats.org/presentationml/2006/main">
-  <p:cSld>
-    <p:spTree>
-      <p:nvGrpSpPr>
-        <p:cNvPr id="1" name="Shape 60"/>
-        <p:cNvGrpSpPr/>
-        <p:nvPr/>
-      </p:nvGrpSpPr>
-      <p:grpSpPr>
-        <a:xfrm>
-          <a:off x="0" y="0"/>
-          <a:ext cx="0" cy="0"/>
-          <a:chOff x="0" y="0"/>
-          <a:chExt cx="0" cy="0"/>
-        </a:xfrm>
-      </p:grpSpPr>
-      <p:sp>
-        <p:nvSpPr>
-          <p:cNvPr id="4" name="Subtitle 3">
-            <a:extLst>
-              <a:ext uri="{FF2B5EF4-FFF2-40B4-BE49-F238E27FC236}">
-                <a16:creationId xmlns:a16="http://schemas.microsoft.com/office/drawing/2014/main" id="{6EB78186-1606-38C8-5715-7D0EB635338D}"/>
-              </a:ext>
-            </a:extLst>
-          </p:cNvPr>
-          <p:cNvSpPr>
-            <a:spLocks noGrp="1"/>
-          </p:cNvSpPr>
-          <p:nvPr>
-            <p:ph type="subTitle" idx="1"/>
-          </p:nvPr>
-        </p:nvSpPr>
-        <p:spPr>
-          <a:xfrm>
-            <a:off x="311700" y="716096"/>
-            <a:ext cx="8520600" cy="4715219"/>
-          </a:xfrm>
-        </p:spPr>
-        <p:txBody>
-          <a:bodyPr>
-            <a:normAutofit/>
-          </a:bodyPr>
-          <a:lstStyle/>
-          <a:p>
-            <a:r>
-              <a:rPr lang="en-IN" sz="2400" dirty="0">
-                <a:solidFill>
-                  <a:schemeClr val="tx1"/>
-                </a:solidFill>
-              </a:rPr>
-              <a:t>Dataset (Resources):</a:t>
-            </a:r>
-          </a:p>
-          <a:p>
-            <a:pPr algn="l">
-              <a:buFont typeface="Arial" panose="020B0604020202020204" pitchFamily="34" charset="0"/>
-              <a:buChar char="•"/>
-            </a:pPr>
-            <a:r>
-              <a:rPr lang="en-IN" sz="1800" dirty="0">
-                <a:hlinkClick r:id="rId3"/>
-              </a:rPr>
-              <a:t>https://www.kaggle.com/datasets/atharvaingle/crop-recommendation-dataset</a:t>
-            </a:r>
-            <a:endParaRPr lang="en-IN" sz="1800" dirty="0"/>
-          </a:p>
-          <a:p>
-            <a:pPr algn="l">
-              <a:buFont typeface="Arial" panose="020B0604020202020204" pitchFamily="34" charset="0"/>
-              <a:buChar char="•"/>
-            </a:pPr>
-            <a:r>
-              <a:rPr lang="en-IN" sz="1800" dirty="0">
-                <a:hlinkClick r:id="rId4"/>
-              </a:rPr>
-              <a:t>https://www.kaggle.com/datasets/mansijain14/soil-classification-dataset</a:t>
-            </a:r>
-            <a:endParaRPr lang="en-IN" sz="1800" dirty="0"/>
-          </a:p>
-          <a:p>
-            <a:pPr algn="l">
-              <a:buFont typeface="Arial" panose="020B0604020202020204" pitchFamily="34" charset="0"/>
-              <a:buChar char="•"/>
-            </a:pPr>
-            <a:r>
-              <a:rPr lang="en-IN" sz="1800" dirty="0">
-                <a:hlinkClick r:id="rId5"/>
-              </a:rPr>
-              <a:t>https://www.kaggle.com/datasets/seroshkarim/cotton-leaf-disease-dataset</a:t>
-            </a:r>
-            <a:endParaRPr lang="en-IN" sz="1800" dirty="0"/>
-          </a:p>
-          <a:p>
-            <a:pPr algn="l">
-              <a:buFont typeface="Arial" panose="020B0604020202020204" pitchFamily="34" charset="0"/>
-              <a:buChar char="•"/>
-            </a:pPr>
-            <a:r>
-              <a:rPr lang="en-IN" sz="1800" dirty="0">
-                <a:hlinkClick r:id="rId6"/>
-              </a:rPr>
-              <a:t>https://www.kaggle.com/datasets/syedjaferk/agriculture-commodity-data-2019</a:t>
-            </a:r>
-            <a:endParaRPr lang="en-IN" sz="1800" dirty="0"/>
-          </a:p>
-          <a:p>
-            <a:pPr algn="l">
-              <a:buFont typeface="Arial" panose="020B0604020202020204" pitchFamily="34" charset="0"/>
-              <a:buChar char="•"/>
-            </a:pPr>
-            <a:endParaRPr lang="en-IN" sz="1800" dirty="0"/>
-          </a:p>
-          <a:p>
-            <a:pPr algn="l">
-              <a:buFont typeface="Arial" panose="020B0604020202020204" pitchFamily="34" charset="0"/>
-              <a:buChar char="•"/>
-            </a:pPr>
-            <a:r>
-              <a:rPr lang="en-IN" sz="1800" dirty="0" err="1"/>
-              <a:t>Opencv</a:t>
-            </a:r>
-            <a:endParaRPr lang="en-IN" sz="1800" dirty="0"/>
-          </a:p>
-          <a:p>
-            <a:pPr algn="l">
-              <a:buFont typeface="Arial" panose="020B0604020202020204" pitchFamily="34" charset="0"/>
-              <a:buChar char="•"/>
-            </a:pPr>
-            <a:r>
-              <a:rPr lang="en-IN" sz="1800" dirty="0"/>
-              <a:t>Machine learning (regression models)</a:t>
-            </a:r>
-          </a:p>
-          <a:p>
-            <a:pPr algn="l">
-              <a:buFont typeface="Arial" panose="020B0604020202020204" pitchFamily="34" charset="0"/>
-              <a:buChar char="•"/>
-            </a:pPr>
-            <a:r>
-              <a:rPr lang="en-IN" sz="1800" dirty="0"/>
-              <a:t>Deep learning(CNN classification)</a:t>
-            </a:r>
-          </a:p>
-          <a:p>
-            <a:pPr algn="l">
-              <a:buFont typeface="Arial" panose="020B0604020202020204" pitchFamily="34" charset="0"/>
-              <a:buChar char="•"/>
-            </a:pPr>
-            <a:r>
-              <a:rPr lang="en-IN" sz="1800" dirty="0"/>
-              <a:t>Basic math libraries [pandas, </a:t>
-            </a:r>
-            <a:r>
-              <a:rPr lang="en-IN" sz="1800" dirty="0" err="1"/>
-              <a:t>numpy</a:t>
-            </a:r>
-            <a:r>
-              <a:rPr lang="en-IN" sz="1800" dirty="0"/>
-              <a:t>, matplotlib]</a:t>
-            </a:r>
-          </a:p>
-          <a:p>
-            <a:pPr algn="l">
-              <a:buFont typeface="Arial" panose="020B0604020202020204" pitchFamily="34" charset="0"/>
-              <a:buChar char="•"/>
-            </a:pPr>
-            <a:r>
-              <a:rPr lang="en-IN" sz="1800" dirty="0"/>
-              <a:t>Android studio using java</a:t>
-            </a:r>
-          </a:p>
-          <a:p>
-            <a:pPr algn="l">
-              <a:buFont typeface="Arial" panose="020B0604020202020204" pitchFamily="34" charset="0"/>
-              <a:buChar char="•"/>
-            </a:pPr>
-            <a:r>
-              <a:rPr lang="en-IN" sz="1800" dirty="0" err="1"/>
-              <a:t>Tensorflow</a:t>
-            </a:r>
-            <a:r>
-              <a:rPr lang="en-IN" sz="1800" dirty="0"/>
-              <a:t> using </a:t>
-            </a:r>
-            <a:r>
-              <a:rPr lang="en-IN" sz="1800" dirty="0" err="1"/>
-              <a:t>keras</a:t>
-            </a:r>
-            <a:endParaRPr lang="en-IN" sz="1800" dirty="0"/>
-          </a:p>
-          <a:p>
-            <a:pPr algn="l">
-              <a:buFont typeface="Arial" panose="020B0604020202020204" pitchFamily="34" charset="0"/>
-              <a:buChar char="•"/>
-            </a:pPr>
-            <a:r>
-              <a:rPr lang="en-IN" sz="1800" dirty="0" err="1"/>
-              <a:t>Sklearn</a:t>
-            </a:r>
-            <a:r>
-              <a:rPr lang="en-IN" sz="1800" dirty="0"/>
-              <a:t> library </a:t>
-            </a:r>
-          </a:p>
-          <a:p>
-            <a:pPr algn="l">
-              <a:buFont typeface="Arial" panose="020B0604020202020204" pitchFamily="34" charset="0"/>
-              <a:buChar char="•"/>
-            </a:pPr>
-            <a:endParaRPr lang="en-IN" sz="1800" dirty="0"/>
-          </a:p>
-          <a:p>
-            <a:pPr algn="l">
-              <a:buFont typeface="Arial" panose="020B0604020202020204" pitchFamily="34" charset="0"/>
-              <a:buChar char="•"/>
-            </a:pPr>
-            <a:endParaRPr lang="en-IN" sz="1800" dirty="0"/>
-          </a:p>
-        </p:txBody>
-      </p:sp>
-    </p:spTree>
-    <p:extLst>
-      <p:ext uri="{BB962C8B-B14F-4D97-AF65-F5344CB8AC3E}">
-        <p14:creationId xmlns:p14="http://schemas.microsoft.com/office/powerpoint/2010/main" val="2238777676"/>
       </p:ext>
     </p:extLst>
   </p:cSld>
